--- a/Presentation/Presentation1.pptx
+++ b/Presentation/Presentation1.pptx
@@ -132,12 +132,12 @@
   <pc:docChgLst>
     <pc:chgData name="Omar  Hassan (ohassan@student.ius.edu.ba )" userId="cd9e2f90-1956-4951-a5ea-f0d3b47af1d7" providerId="ADAL" clId="{62B8D690-7C20-B74B-B5FB-81395F2DA0C1}"/>
     <pc:docChg chg="undo custSel addSld modSld">
-      <pc:chgData name="Omar  Hassan (ohassan@student.ius.edu.ba )" userId="cd9e2f90-1956-4951-a5ea-f0d3b47af1d7" providerId="ADAL" clId="{62B8D690-7C20-B74B-B5FB-81395F2DA0C1}" dt="2019-11-25T16:32:21.102" v="269" actId="20577"/>
+      <pc:chgData name="Omar  Hassan (ohassan@student.ius.edu.ba )" userId="cd9e2f90-1956-4951-a5ea-f0d3b47af1d7" providerId="ADAL" clId="{62B8D690-7C20-B74B-B5FB-81395F2DA0C1}" dt="2019-11-26T13:13:13.252" v="275" actId="14100"/>
       <pc:docMkLst>
         <pc:docMk/>
       </pc:docMkLst>
       <pc:sldChg chg="addSp delSp modSp add">
-        <pc:chgData name="Omar  Hassan (ohassan@student.ius.edu.ba )" userId="cd9e2f90-1956-4951-a5ea-f0d3b47af1d7" providerId="ADAL" clId="{62B8D690-7C20-B74B-B5FB-81395F2DA0C1}" dt="2019-11-25T16:32:21.102" v="269" actId="20577"/>
+        <pc:chgData name="Omar  Hassan (ohassan@student.ius.edu.ba )" userId="cd9e2f90-1956-4951-a5ea-f0d3b47af1d7" providerId="ADAL" clId="{62B8D690-7C20-B74B-B5FB-81395F2DA0C1}" dt="2019-11-26T13:13:13.252" v="275" actId="14100"/>
         <pc:sldMkLst>
           <pc:docMk/>
           <pc:sldMk cId="3068669397" sldId="263"/>
@@ -239,15 +239,15 @@
           </ac:spMkLst>
         </pc:spChg>
         <pc:spChg chg="add mod">
-          <ac:chgData name="Omar  Hassan (ohassan@student.ius.edu.ba )" userId="cd9e2f90-1956-4951-a5ea-f0d3b47af1d7" providerId="ADAL" clId="{62B8D690-7C20-B74B-B5FB-81395F2DA0C1}" dt="2019-11-25T16:32:16.033" v="268" actId="403"/>
+          <ac:chgData name="Omar  Hassan (ohassan@student.ius.edu.ba )" userId="cd9e2f90-1956-4951-a5ea-f0d3b47af1d7" providerId="ADAL" clId="{62B8D690-7C20-B74B-B5FB-81395F2DA0C1}" dt="2019-11-26T13:13:06.058" v="274" actId="688"/>
           <ac:spMkLst>
             <pc:docMk/>
             <pc:sldMk cId="3068669397" sldId="263"/>
             <ac:spMk id="27" creationId="{EF169280-AD0E-4B4B-86CC-CC1177CC7B46}"/>
           </ac:spMkLst>
         </pc:spChg>
-        <pc:spChg chg="add mod">
-          <ac:chgData name="Omar  Hassan (ohassan@student.ius.edu.ba )" userId="cd9e2f90-1956-4951-a5ea-f0d3b47af1d7" providerId="ADAL" clId="{62B8D690-7C20-B74B-B5FB-81395F2DA0C1}" dt="2019-11-25T16:32:21.102" v="269" actId="20577"/>
+        <pc:spChg chg="add del mod">
+          <ac:chgData name="Omar  Hassan (ohassan@student.ius.edu.ba )" userId="cd9e2f90-1956-4951-a5ea-f0d3b47af1d7" providerId="ADAL" clId="{62B8D690-7C20-B74B-B5FB-81395F2DA0C1}" dt="2019-11-26T13:12:56.219" v="273"/>
           <ac:spMkLst>
             <pc:docMk/>
             <pc:sldMk cId="3068669397" sldId="263"/>
@@ -263,7 +263,7 @@
           </ac:spMkLst>
         </pc:spChg>
         <pc:cxnChg chg="add mod">
-          <ac:chgData name="Omar  Hassan (ohassan@student.ius.edu.ba )" userId="cd9e2f90-1956-4951-a5ea-f0d3b47af1d7" providerId="ADAL" clId="{62B8D690-7C20-B74B-B5FB-81395F2DA0C1}" dt="2019-11-25T16:31:07.846" v="249" actId="1076"/>
+          <ac:chgData name="Omar  Hassan (ohassan@student.ius.edu.ba )" userId="cd9e2f90-1956-4951-a5ea-f0d3b47af1d7" providerId="ADAL" clId="{62B8D690-7C20-B74B-B5FB-81395F2DA0C1}" dt="2019-11-26T13:13:13.252" v="275" actId="14100"/>
           <ac:cxnSpMkLst>
             <pc:docMk/>
             <pc:sldMk cId="3068669397" sldId="263"/>
@@ -358,7 +358,7 @@
           <a:noFill/>
           <a:extLst>
             <a:ext uri="{909E8E84-426E-40dd-AFC4-6F175D3DCCD1}">
-              <a14:hiddenFill xmlns="" xmlns:a14="http://schemas.microsoft.com/office/drawing/2010/main">
+              <a14:hiddenFill xmlns:a14="http://schemas.microsoft.com/office/drawing/2010/main" xmlns="">
                 <a:solidFill>
                   <a:srgbClr val="FFFFFF"/>
                 </a:solidFill>
@@ -418,7 +418,7 @@
             </a:ln>
             <a:extLst>
               <a:ext uri="{91240B29-F687-4f45-9708-019B960494DF}">
-                <a14:hiddenLine xmlns="" xmlns:a14="http://schemas.microsoft.com/office/drawing/2010/main" w="9525">
+                <a14:hiddenLine xmlns:a14="http://schemas.microsoft.com/office/drawing/2010/main" xmlns="" w="9525">
                   <a:solidFill>
                     <a:srgbClr val="000000"/>
                   </a:solidFill>
@@ -508,7 +508,7 @@
             </a:ln>
             <a:extLst>
               <a:ext uri="{91240B29-F687-4f45-9708-019B960494DF}">
-                <a14:hiddenLine xmlns="" xmlns:a14="http://schemas.microsoft.com/office/drawing/2010/main" w="9525">
+                <a14:hiddenLine xmlns:a14="http://schemas.microsoft.com/office/drawing/2010/main" xmlns="" w="9525">
                   <a:solidFill>
                     <a:srgbClr val="000000"/>
                   </a:solidFill>
@@ -598,7 +598,7 @@
             </a:ln>
             <a:extLst>
               <a:ext uri="{91240B29-F687-4f45-9708-019B960494DF}">
-                <a14:hiddenLine xmlns="" xmlns:a14="http://schemas.microsoft.com/office/drawing/2010/main" w="9525">
+                <a14:hiddenLine xmlns:a14="http://schemas.microsoft.com/office/drawing/2010/main" xmlns="" w="9525">
                   <a:solidFill>
                     <a:srgbClr val="000000"/>
                   </a:solidFill>
@@ -632,7 +632,7 @@
             </a:ln>
             <a:extLst>
               <a:ext uri="{91240B29-F687-4f45-9708-019B960494DF}">
-                <a14:hiddenLine xmlns="" xmlns:a14="http://schemas.microsoft.com/office/drawing/2010/main" w="9525">
+                <a14:hiddenLine xmlns:a14="http://schemas.microsoft.com/office/drawing/2010/main" xmlns="" w="9525">
                   <a:solidFill>
                     <a:srgbClr val="000000"/>
                   </a:solidFill>
@@ -722,7 +722,7 @@
             </a:ln>
             <a:extLst>
               <a:ext uri="{91240B29-F687-4f45-9708-019B960494DF}">
-                <a14:hiddenLine xmlns="" xmlns:a14="http://schemas.microsoft.com/office/drawing/2010/main" w="9525">
+                <a14:hiddenLine xmlns:a14="http://schemas.microsoft.com/office/drawing/2010/main" xmlns="" w="9525">
                   <a:solidFill>
                     <a:srgbClr val="000000"/>
                   </a:solidFill>
@@ -784,7 +784,7 @@
             </a:ln>
             <a:extLst>
               <a:ext uri="{91240B29-F687-4f45-9708-019B960494DF}">
-                <a14:hiddenLine xmlns="" xmlns:a14="http://schemas.microsoft.com/office/drawing/2010/main" w="9525">
+                <a14:hiddenLine xmlns:a14="http://schemas.microsoft.com/office/drawing/2010/main" xmlns="" w="9525">
                   <a:solidFill>
                     <a:srgbClr val="000000"/>
                   </a:solidFill>
@@ -846,7 +846,7 @@
             </a:ln>
             <a:extLst>
               <a:ext uri="{91240B29-F687-4f45-9708-019B960494DF}">
-                <a14:hiddenLine xmlns="" xmlns:a14="http://schemas.microsoft.com/office/drawing/2010/main" w="9525">
+                <a14:hiddenLine xmlns:a14="http://schemas.microsoft.com/office/drawing/2010/main" xmlns="" w="9525">
                   <a:solidFill>
                     <a:srgbClr val="000000"/>
                   </a:solidFill>
@@ -936,7 +936,7 @@
             </a:ln>
             <a:extLst>
               <a:ext uri="{91240B29-F687-4f45-9708-019B960494DF}">
-                <a14:hiddenLine xmlns="" xmlns:a14="http://schemas.microsoft.com/office/drawing/2010/main" w="9525">
+                <a14:hiddenLine xmlns:a14="http://schemas.microsoft.com/office/drawing/2010/main" xmlns="" w="9525">
                   <a:solidFill>
                     <a:srgbClr val="000000"/>
                   </a:solidFill>
@@ -998,7 +998,7 @@
             </a:ln>
             <a:extLst>
               <a:ext uri="{91240B29-F687-4f45-9708-019B960494DF}">
-                <a14:hiddenLine xmlns="" xmlns:a14="http://schemas.microsoft.com/office/drawing/2010/main" w="9525">
+                <a14:hiddenLine xmlns:a14="http://schemas.microsoft.com/office/drawing/2010/main" xmlns="" w="9525">
                   <a:solidFill>
                     <a:srgbClr val="000000"/>
                   </a:solidFill>
@@ -1060,7 +1060,7 @@
             </a:ln>
             <a:extLst>
               <a:ext uri="{91240B29-F687-4f45-9708-019B960494DF}">
-                <a14:hiddenLine xmlns="" xmlns:a14="http://schemas.microsoft.com/office/drawing/2010/main" w="9525">
+                <a14:hiddenLine xmlns:a14="http://schemas.microsoft.com/office/drawing/2010/main" xmlns="" w="9525">
                   <a:solidFill>
                     <a:srgbClr val="000000"/>
                   </a:solidFill>
@@ -1150,7 +1150,7 @@
             </a:ln>
             <a:extLst>
               <a:ext uri="{91240B29-F687-4f45-9708-019B960494DF}">
-                <a14:hiddenLine xmlns="" xmlns:a14="http://schemas.microsoft.com/office/drawing/2010/main" w="9525">
+                <a14:hiddenLine xmlns:a14="http://schemas.microsoft.com/office/drawing/2010/main" xmlns="" w="9525">
                   <a:solidFill>
                     <a:srgbClr val="000000"/>
                   </a:solidFill>
@@ -1240,7 +1240,7 @@
             </a:ln>
             <a:extLst>
               <a:ext uri="{91240B29-F687-4f45-9708-019B960494DF}">
-                <a14:hiddenLine xmlns="" xmlns:a14="http://schemas.microsoft.com/office/drawing/2010/main" w="9525">
+                <a14:hiddenLine xmlns:a14="http://schemas.microsoft.com/office/drawing/2010/main" xmlns="" w="9525">
                   <a:solidFill>
                     <a:srgbClr val="000000"/>
                   </a:solidFill>
@@ -1302,7 +1302,7 @@
             </a:ln>
             <a:extLst>
               <a:ext uri="{91240B29-F687-4f45-9708-019B960494DF}">
-                <a14:hiddenLine xmlns="" xmlns:a14="http://schemas.microsoft.com/office/drawing/2010/main" w="9525">
+                <a14:hiddenLine xmlns:a14="http://schemas.microsoft.com/office/drawing/2010/main" xmlns="" w="9525">
                   <a:solidFill>
                     <a:srgbClr val="000000"/>
                   </a:solidFill>
@@ -1412,7 +1412,7 @@
             </a:ln>
             <a:extLst>
               <a:ext uri="{91240B29-F687-4f45-9708-019B960494DF}">
-                <a14:hiddenLine xmlns="" xmlns:a14="http://schemas.microsoft.com/office/drawing/2010/main" w="9525">
+                <a14:hiddenLine xmlns:a14="http://schemas.microsoft.com/office/drawing/2010/main" xmlns="" w="9525">
                   <a:solidFill>
                     <a:srgbClr val="000000"/>
                   </a:solidFill>
@@ -1474,7 +1474,7 @@
             </a:ln>
             <a:extLst>
               <a:ext uri="{91240B29-F687-4f45-9708-019B960494DF}">
-                <a14:hiddenLine xmlns="" xmlns:a14="http://schemas.microsoft.com/office/drawing/2010/main" w="9525">
+                <a14:hiddenLine xmlns:a14="http://schemas.microsoft.com/office/drawing/2010/main" xmlns="" w="9525">
                   <a:solidFill>
                     <a:srgbClr val="000000"/>
                   </a:solidFill>
@@ -1564,7 +1564,7 @@
             </a:ln>
             <a:extLst>
               <a:ext uri="{91240B29-F687-4f45-9708-019B960494DF}">
-                <a14:hiddenLine xmlns="" xmlns:a14="http://schemas.microsoft.com/office/drawing/2010/main" w="9525">
+                <a14:hiddenLine xmlns:a14="http://schemas.microsoft.com/office/drawing/2010/main" xmlns="" w="9525">
                   <a:solidFill>
                     <a:srgbClr val="000000"/>
                   </a:solidFill>
@@ -1654,7 +1654,7 @@
             </a:ln>
             <a:extLst>
               <a:ext uri="{91240B29-F687-4f45-9708-019B960494DF}">
-                <a14:hiddenLine xmlns="" xmlns:a14="http://schemas.microsoft.com/office/drawing/2010/main" w="9525">
+                <a14:hiddenLine xmlns:a14="http://schemas.microsoft.com/office/drawing/2010/main" xmlns="" w="9525">
                   <a:solidFill>
                     <a:srgbClr val="000000"/>
                   </a:solidFill>
@@ -1716,7 +1716,7 @@
             </a:ln>
             <a:extLst>
               <a:ext uri="{91240B29-F687-4f45-9708-019B960494DF}">
-                <a14:hiddenLine xmlns="" xmlns:a14="http://schemas.microsoft.com/office/drawing/2010/main" w="9525">
+                <a14:hiddenLine xmlns:a14="http://schemas.microsoft.com/office/drawing/2010/main" xmlns="" w="9525">
                   <a:solidFill>
                     <a:srgbClr val="000000"/>
                   </a:solidFill>
@@ -1806,7 +1806,7 @@
             </a:ln>
             <a:extLst>
               <a:ext uri="{91240B29-F687-4f45-9708-019B960494DF}">
-                <a14:hiddenLine xmlns="" xmlns:a14="http://schemas.microsoft.com/office/drawing/2010/main" w="9525">
+                <a14:hiddenLine xmlns:a14="http://schemas.microsoft.com/office/drawing/2010/main" xmlns="" w="9525">
                   <a:solidFill>
                     <a:srgbClr val="000000"/>
                   </a:solidFill>
@@ -1896,7 +1896,7 @@
             </a:ln>
             <a:extLst>
               <a:ext uri="{91240B29-F687-4f45-9708-019B960494DF}">
-                <a14:hiddenLine xmlns="" xmlns:a14="http://schemas.microsoft.com/office/drawing/2010/main" w="9525">
+                <a14:hiddenLine xmlns:a14="http://schemas.microsoft.com/office/drawing/2010/main" xmlns="" w="9525">
                   <a:solidFill>
                     <a:srgbClr val="000000"/>
                   </a:solidFill>
@@ -1952,7 +1952,7 @@
             </a:ln>
             <a:extLst>
               <a:ext uri="{91240B29-F687-4f45-9708-019B960494DF}">
-                <a14:hiddenLine xmlns="" xmlns:a14="http://schemas.microsoft.com/office/drawing/2010/main" w="9525">
+                <a14:hiddenLine xmlns:a14="http://schemas.microsoft.com/office/drawing/2010/main" xmlns="" w="9525">
                   <a:solidFill>
                     <a:srgbClr val="000000"/>
                   </a:solidFill>
@@ -2042,7 +2042,7 @@
             </a:ln>
             <a:extLst>
               <a:ext uri="{91240B29-F687-4f45-9708-019B960494DF}">
-                <a14:hiddenLine xmlns="" xmlns:a14="http://schemas.microsoft.com/office/drawing/2010/main" w="9525">
+                <a14:hiddenLine xmlns:a14="http://schemas.microsoft.com/office/drawing/2010/main" xmlns="" w="9525">
                   <a:solidFill>
                     <a:srgbClr val="000000"/>
                   </a:solidFill>
@@ -2098,7 +2098,7 @@
             </a:ln>
             <a:extLst>
               <a:ext uri="{91240B29-F687-4f45-9708-019B960494DF}">
-                <a14:hiddenLine xmlns="" xmlns:a14="http://schemas.microsoft.com/office/drawing/2010/main" w="9525">
+                <a14:hiddenLine xmlns:a14="http://schemas.microsoft.com/office/drawing/2010/main" xmlns="" w="9525">
                   <a:solidFill>
                     <a:srgbClr val="000000"/>
                   </a:solidFill>
@@ -2188,7 +2188,7 @@
             </a:ln>
             <a:extLst>
               <a:ext uri="{91240B29-F687-4f45-9708-019B960494DF}">
-                <a14:hiddenLine xmlns="" xmlns:a14="http://schemas.microsoft.com/office/drawing/2010/main" w="9525">
+                <a14:hiddenLine xmlns:a14="http://schemas.microsoft.com/office/drawing/2010/main" xmlns="" w="9525">
                   <a:solidFill>
                     <a:srgbClr val="000000"/>
                   </a:solidFill>
@@ -2256,7 +2256,7 @@
             </a:ln>
             <a:extLst>
               <a:ext uri="{91240B29-F687-4f45-9708-019B960494DF}">
-                <a14:hiddenLine xmlns="" xmlns:a14="http://schemas.microsoft.com/office/drawing/2010/main" w="9525">
+                <a14:hiddenLine xmlns:a14="http://schemas.microsoft.com/office/drawing/2010/main" xmlns="" w="9525">
                   <a:solidFill>
                     <a:srgbClr val="000000"/>
                   </a:solidFill>
@@ -2346,7 +2346,7 @@
             </a:ln>
             <a:extLst>
               <a:ext uri="{91240B29-F687-4f45-9708-019B960494DF}">
-                <a14:hiddenLine xmlns="" xmlns:a14="http://schemas.microsoft.com/office/drawing/2010/main" w="9525">
+                <a14:hiddenLine xmlns:a14="http://schemas.microsoft.com/office/drawing/2010/main" xmlns="" w="9525">
                   <a:solidFill>
                     <a:srgbClr val="000000"/>
                   </a:solidFill>
@@ -2414,7 +2414,7 @@
             </a:ln>
             <a:extLst>
               <a:ext uri="{91240B29-F687-4f45-9708-019B960494DF}">
-                <a14:hiddenLine xmlns="" xmlns:a14="http://schemas.microsoft.com/office/drawing/2010/main" w="9525">
+                <a14:hiddenLine xmlns:a14="http://schemas.microsoft.com/office/drawing/2010/main" xmlns="" w="9525">
                   <a:solidFill>
                     <a:srgbClr val="000000"/>
                   </a:solidFill>
@@ -2504,7 +2504,7 @@
             </a:ln>
             <a:extLst>
               <a:ext uri="{91240B29-F687-4f45-9708-019B960494DF}">
-                <a14:hiddenLine xmlns="" xmlns:a14="http://schemas.microsoft.com/office/drawing/2010/main" w="9525">
+                <a14:hiddenLine xmlns:a14="http://schemas.microsoft.com/office/drawing/2010/main" xmlns="" w="9525">
                   <a:solidFill>
                     <a:srgbClr val="000000"/>
                   </a:solidFill>
@@ -2538,7 +2538,7 @@
             </a:ln>
             <a:extLst>
               <a:ext uri="{91240B29-F687-4f45-9708-019B960494DF}">
-                <a14:hiddenLine xmlns="" xmlns:a14="http://schemas.microsoft.com/office/drawing/2010/main" w="9525">
+                <a14:hiddenLine xmlns:a14="http://schemas.microsoft.com/office/drawing/2010/main" xmlns="" w="9525">
                   <a:solidFill>
                     <a:srgbClr val="000000"/>
                   </a:solidFill>
@@ -2628,7 +2628,7 @@
             </a:ln>
             <a:extLst>
               <a:ext uri="{91240B29-F687-4f45-9708-019B960494DF}">
-                <a14:hiddenLine xmlns="" xmlns:a14="http://schemas.microsoft.com/office/drawing/2010/main" w="9525">
+                <a14:hiddenLine xmlns:a14="http://schemas.microsoft.com/office/drawing/2010/main" xmlns="" w="9525">
                   <a:solidFill>
                     <a:srgbClr val="000000"/>
                   </a:solidFill>
@@ -2690,7 +2690,7 @@
             </a:ln>
             <a:extLst>
               <a:ext uri="{91240B29-F687-4f45-9708-019B960494DF}">
-                <a14:hiddenLine xmlns="" xmlns:a14="http://schemas.microsoft.com/office/drawing/2010/main" w="9525">
+                <a14:hiddenLine xmlns:a14="http://schemas.microsoft.com/office/drawing/2010/main" xmlns="" w="9525">
                   <a:solidFill>
                     <a:srgbClr val="000000"/>
                   </a:solidFill>
@@ -2752,7 +2752,7 @@
             </a:ln>
             <a:extLst>
               <a:ext uri="{91240B29-F687-4f45-9708-019B960494DF}">
-                <a14:hiddenLine xmlns="" xmlns:a14="http://schemas.microsoft.com/office/drawing/2010/main" w="9525">
+                <a14:hiddenLine xmlns:a14="http://schemas.microsoft.com/office/drawing/2010/main" xmlns="" w="9525">
                   <a:solidFill>
                     <a:srgbClr val="000000"/>
                   </a:solidFill>
@@ -2842,7 +2842,7 @@
             </a:ln>
             <a:extLst>
               <a:ext uri="{91240B29-F687-4f45-9708-019B960494DF}">
-                <a14:hiddenLine xmlns="" xmlns:a14="http://schemas.microsoft.com/office/drawing/2010/main" w="9525">
+                <a14:hiddenLine xmlns:a14="http://schemas.microsoft.com/office/drawing/2010/main" xmlns="" w="9525">
                   <a:solidFill>
                     <a:srgbClr val="000000"/>
                   </a:solidFill>
@@ -2910,7 +2910,7 @@
             </a:ln>
             <a:extLst>
               <a:ext uri="{91240B29-F687-4f45-9708-019B960494DF}">
-                <a14:hiddenLine xmlns="" xmlns:a14="http://schemas.microsoft.com/office/drawing/2010/main" w="9525">
+                <a14:hiddenLine xmlns:a14="http://schemas.microsoft.com/office/drawing/2010/main" xmlns="" w="9525">
                   <a:solidFill>
                     <a:srgbClr val="000000"/>
                   </a:solidFill>
@@ -2972,7 +2972,7 @@
             </a:ln>
             <a:extLst>
               <a:ext uri="{91240B29-F687-4f45-9708-019B960494DF}">
-                <a14:hiddenLine xmlns="" xmlns:a14="http://schemas.microsoft.com/office/drawing/2010/main" w="9525">
+                <a14:hiddenLine xmlns:a14="http://schemas.microsoft.com/office/drawing/2010/main" xmlns="" w="9525">
                   <a:solidFill>
                     <a:srgbClr val="000000"/>
                   </a:solidFill>
@@ -3062,7 +3062,7 @@
             </a:ln>
             <a:extLst>
               <a:ext uri="{91240B29-F687-4f45-9708-019B960494DF}">
-                <a14:hiddenLine xmlns="" xmlns:a14="http://schemas.microsoft.com/office/drawing/2010/main" w="9525">
+                <a14:hiddenLine xmlns:a14="http://schemas.microsoft.com/office/drawing/2010/main" xmlns="" w="9525">
                   <a:solidFill>
                     <a:srgbClr val="000000"/>
                   </a:solidFill>
@@ -3124,7 +3124,7 @@
             </a:ln>
             <a:extLst>
               <a:ext uri="{91240B29-F687-4f45-9708-019B960494DF}">
-                <a14:hiddenLine xmlns="" xmlns:a14="http://schemas.microsoft.com/office/drawing/2010/main" w="9525">
+                <a14:hiddenLine xmlns:a14="http://schemas.microsoft.com/office/drawing/2010/main" xmlns="" w="9525">
                   <a:solidFill>
                     <a:srgbClr val="000000"/>
                   </a:solidFill>
@@ -3214,7 +3214,7 @@
             </a:ln>
             <a:extLst>
               <a:ext uri="{91240B29-F687-4f45-9708-019B960494DF}">
-                <a14:hiddenLine xmlns="" xmlns:a14="http://schemas.microsoft.com/office/drawing/2010/main" w="9525">
+                <a14:hiddenLine xmlns:a14="http://schemas.microsoft.com/office/drawing/2010/main" xmlns="" w="9525">
                   <a:solidFill>
                     <a:srgbClr val="000000"/>
                   </a:solidFill>
@@ -3276,7 +3276,7 @@
             </a:ln>
             <a:extLst>
               <a:ext uri="{91240B29-F687-4f45-9708-019B960494DF}">
-                <a14:hiddenLine xmlns="" xmlns:a14="http://schemas.microsoft.com/office/drawing/2010/main" w="9525">
+                <a14:hiddenLine xmlns:a14="http://schemas.microsoft.com/office/drawing/2010/main" xmlns="" w="9525">
                   <a:solidFill>
                     <a:srgbClr val="000000"/>
                   </a:solidFill>
@@ -3366,7 +3366,7 @@
             </a:ln>
             <a:extLst>
               <a:ext uri="{91240B29-F687-4f45-9708-019B960494DF}">
-                <a14:hiddenLine xmlns="" xmlns:a14="http://schemas.microsoft.com/office/drawing/2010/main" w="9525">
+                <a14:hiddenLine xmlns:a14="http://schemas.microsoft.com/office/drawing/2010/main" xmlns="" w="9525">
                   <a:solidFill>
                     <a:srgbClr val="000000"/>
                   </a:solidFill>
@@ -3400,7 +3400,7 @@
             </a:ln>
             <a:extLst>
               <a:ext uri="{91240B29-F687-4f45-9708-019B960494DF}">
-                <a14:hiddenLine xmlns="" xmlns:a14="http://schemas.microsoft.com/office/drawing/2010/main" w="9525">
+                <a14:hiddenLine xmlns:a14="http://schemas.microsoft.com/office/drawing/2010/main" xmlns="" w="9525">
                   <a:solidFill>
                     <a:srgbClr val="000000"/>
                   </a:solidFill>
@@ -3465,7 +3465,7 @@
             </a:ln>
             <a:extLst>
               <a:ext uri="{91240B29-F687-4f45-9708-019B960494DF}">
-                <a14:hiddenLine xmlns="" xmlns:a14="http://schemas.microsoft.com/office/drawing/2010/main" w="9525">
+                <a14:hiddenLine xmlns:a14="http://schemas.microsoft.com/office/drawing/2010/main" xmlns="" w="9525">
                   <a:solidFill>
                     <a:srgbClr val="000000"/>
                   </a:solidFill>
@@ -3555,7 +3555,7 @@
             </a:ln>
             <a:extLst>
               <a:ext uri="{91240B29-F687-4f45-9708-019B960494DF}">
-                <a14:hiddenLine xmlns="" xmlns:a14="http://schemas.microsoft.com/office/drawing/2010/main" w="9525">
+                <a14:hiddenLine xmlns:a14="http://schemas.microsoft.com/office/drawing/2010/main" xmlns="" w="9525">
                   <a:solidFill>
                     <a:srgbClr val="000000"/>
                   </a:solidFill>
@@ -3617,7 +3617,7 @@
             </a:ln>
             <a:extLst>
               <a:ext uri="{91240B29-F687-4f45-9708-019B960494DF}">
-                <a14:hiddenLine xmlns="" xmlns:a14="http://schemas.microsoft.com/office/drawing/2010/main" w="9525">
+                <a14:hiddenLine xmlns:a14="http://schemas.microsoft.com/office/drawing/2010/main" xmlns="" w="9525">
                   <a:solidFill>
                     <a:srgbClr val="000000"/>
                   </a:solidFill>
@@ -3707,7 +3707,7 @@
             </a:ln>
             <a:extLst>
               <a:ext uri="{91240B29-F687-4f45-9708-019B960494DF}">
-                <a14:hiddenLine xmlns="" xmlns:a14="http://schemas.microsoft.com/office/drawing/2010/main" w="9525">
+                <a14:hiddenLine xmlns:a14="http://schemas.microsoft.com/office/drawing/2010/main" xmlns="" w="9525">
                   <a:solidFill>
                     <a:srgbClr val="000000"/>
                   </a:solidFill>
@@ -3797,7 +3797,7 @@
             </a:ln>
             <a:extLst>
               <a:ext uri="{91240B29-F687-4f45-9708-019B960494DF}">
-                <a14:hiddenLine xmlns="" xmlns:a14="http://schemas.microsoft.com/office/drawing/2010/main" w="9525">
+                <a14:hiddenLine xmlns:a14="http://schemas.microsoft.com/office/drawing/2010/main" xmlns="" w="9525">
                   <a:solidFill>
                     <a:srgbClr val="000000"/>
                   </a:solidFill>
@@ -3862,7 +3862,7 @@
             </a:ln>
             <a:extLst>
               <a:ext uri="{91240B29-F687-4f45-9708-019B960494DF}">
-                <a14:hiddenLine xmlns="" xmlns:a14="http://schemas.microsoft.com/office/drawing/2010/main" w="9525">
+                <a14:hiddenLine xmlns:a14="http://schemas.microsoft.com/office/drawing/2010/main" xmlns="" w="9525">
                   <a:solidFill>
                     <a:srgbClr val="000000"/>
                   </a:solidFill>
@@ -3924,7 +3924,7 @@
             </a:ln>
             <a:extLst>
               <a:ext uri="{91240B29-F687-4f45-9708-019B960494DF}">
-                <a14:hiddenLine xmlns="" xmlns:a14="http://schemas.microsoft.com/office/drawing/2010/main" w="9525">
+                <a14:hiddenLine xmlns:a14="http://schemas.microsoft.com/office/drawing/2010/main" xmlns="" w="9525">
                   <a:solidFill>
                     <a:srgbClr val="000000"/>
                   </a:solidFill>
@@ -4014,7 +4014,7 @@
             </a:ln>
             <a:extLst>
               <a:ext uri="{91240B29-F687-4f45-9708-019B960494DF}">
-                <a14:hiddenLine xmlns="" xmlns:a14="http://schemas.microsoft.com/office/drawing/2010/main" w="9525">
+                <a14:hiddenLine xmlns:a14="http://schemas.microsoft.com/office/drawing/2010/main" xmlns="" w="9525">
                   <a:solidFill>
                     <a:srgbClr val="000000"/>
                   </a:solidFill>
@@ -4104,7 +4104,7 @@
             </a:ln>
             <a:extLst>
               <a:ext uri="{91240B29-F687-4f45-9708-019B960494DF}">
-                <a14:hiddenLine xmlns="" xmlns:a14="http://schemas.microsoft.com/office/drawing/2010/main" w="9525">
+                <a14:hiddenLine xmlns:a14="http://schemas.microsoft.com/office/drawing/2010/main" xmlns="" w="9525">
                   <a:solidFill>
                     <a:srgbClr val="000000"/>
                   </a:solidFill>
@@ -4166,7 +4166,7 @@
             </a:ln>
             <a:extLst>
               <a:ext uri="{91240B29-F687-4f45-9708-019B960494DF}">
-                <a14:hiddenLine xmlns="" xmlns:a14="http://schemas.microsoft.com/office/drawing/2010/main" w="9525">
+                <a14:hiddenLine xmlns:a14="http://schemas.microsoft.com/office/drawing/2010/main" xmlns="" w="9525">
                   <a:solidFill>
                     <a:srgbClr val="000000"/>
                   </a:solidFill>
@@ -4286,7 +4286,7 @@
             </a:ln>
             <a:extLst>
               <a:ext uri="{91240B29-F687-4f45-9708-019B960494DF}">
-                <a14:hiddenLine xmlns="" xmlns:a14="http://schemas.microsoft.com/office/drawing/2010/main" w="9525">
+                <a14:hiddenLine xmlns:a14="http://schemas.microsoft.com/office/drawing/2010/main" xmlns="" w="9525">
                   <a:solidFill>
                     <a:srgbClr val="000000"/>
                   </a:solidFill>
@@ -4354,7 +4354,7 @@
             </a:ln>
             <a:extLst>
               <a:ext uri="{91240B29-F687-4f45-9708-019B960494DF}">
-                <a14:hiddenLine xmlns="" xmlns:a14="http://schemas.microsoft.com/office/drawing/2010/main" w="9525">
+                <a14:hiddenLine xmlns:a14="http://schemas.microsoft.com/office/drawing/2010/main" xmlns="" w="9525">
                   <a:solidFill>
                     <a:srgbClr val="000000"/>
                   </a:solidFill>
@@ -4444,7 +4444,7 @@
             </a:ln>
             <a:extLst>
               <a:ext uri="{91240B29-F687-4f45-9708-019B960494DF}">
-                <a14:hiddenLine xmlns="" xmlns:a14="http://schemas.microsoft.com/office/drawing/2010/main" w="9525">
+                <a14:hiddenLine xmlns:a14="http://schemas.microsoft.com/office/drawing/2010/main" xmlns="" w="9525">
                   <a:solidFill>
                     <a:srgbClr val="000000"/>
                   </a:solidFill>
@@ -4584,7 +4584,7 @@
           <a:p>
             <a:fld id="{48A87A34-81AB-432B-8DAE-1953F412C126}" type="datetimeFigureOut">
               <a:rPr lang="en-US" dirty="0"/>
-              <a:t>11/25/19</a:t>
+              <a:t>11/26/19</a:t>
             </a:fld>
             <a:endParaRPr lang="en-US" dirty="0"/>
           </a:p>
@@ -4846,7 +4846,7 @@
           <a:p>
             <a:fld id="{48A87A34-81AB-432B-8DAE-1953F412C126}" type="datetimeFigureOut">
               <a:rPr lang="en-US" dirty="0"/>
-              <a:t>11/25/19</a:t>
+              <a:t>11/26/19</a:t>
             </a:fld>
             <a:endParaRPr lang="en-US" dirty="0"/>
           </a:p>
@@ -5037,7 +5037,7 @@
           <a:p>
             <a:fld id="{48A87A34-81AB-432B-8DAE-1953F412C126}" type="datetimeFigureOut">
               <a:rPr lang="en-US" dirty="0"/>
-              <a:t>11/25/19</a:t>
+              <a:t>11/26/19</a:t>
             </a:fld>
             <a:endParaRPr lang="en-US" dirty="0"/>
           </a:p>
@@ -5295,7 +5295,7 @@
           <a:p>
             <a:fld id="{48A87A34-81AB-432B-8DAE-1953F412C126}" type="datetimeFigureOut">
               <a:rPr lang="en-US" dirty="0"/>
-              <a:t>11/25/19</a:t>
+              <a:t>11/26/19</a:t>
             </a:fld>
             <a:endParaRPr lang="en-US" dirty="0"/>
           </a:p>
@@ -5724,7 +5724,7 @@
           <a:p>
             <a:fld id="{48A87A34-81AB-432B-8DAE-1953F412C126}" type="datetimeFigureOut">
               <a:rPr lang="en-US" dirty="0"/>
-              <a:t>11/25/19</a:t>
+              <a:t>11/26/19</a:t>
             </a:fld>
             <a:endParaRPr lang="en-US" dirty="0"/>
           </a:p>
@@ -6265,7 +6265,7 @@
           <a:p>
             <a:fld id="{48A87A34-81AB-432B-8DAE-1953F412C126}" type="datetimeFigureOut">
               <a:rPr lang="en-US" dirty="0"/>
-              <a:t>11/25/19</a:t>
+              <a:t>11/26/19</a:t>
             </a:fld>
             <a:endParaRPr lang="en-US" dirty="0"/>
           </a:p>
@@ -6980,7 +6980,7 @@
           <a:p>
             <a:fld id="{48A87A34-81AB-432B-8DAE-1953F412C126}" type="datetimeFigureOut">
               <a:rPr lang="en-US" dirty="0"/>
-              <a:t>11/25/19</a:t>
+              <a:t>11/26/19</a:t>
             </a:fld>
             <a:endParaRPr lang="en-US" dirty="0"/>
           </a:p>
@@ -7145,7 +7145,7 @@
           <a:p>
             <a:fld id="{48A87A34-81AB-432B-8DAE-1953F412C126}" type="datetimeFigureOut">
               <a:rPr lang="en-US" dirty="0"/>
-              <a:t>11/25/19</a:t>
+              <a:t>11/26/19</a:t>
             </a:fld>
             <a:endParaRPr lang="en-US" dirty="0"/>
           </a:p>
@@ -7320,7 +7320,7 @@
           <a:p>
             <a:fld id="{48A87A34-81AB-432B-8DAE-1953F412C126}" type="datetimeFigureOut">
               <a:rPr lang="en-US" dirty="0"/>
-              <a:t>11/25/19</a:t>
+              <a:t>11/26/19</a:t>
             </a:fld>
             <a:endParaRPr lang="en-US" dirty="0"/>
           </a:p>
@@ -7485,7 +7485,7 @@
           <a:p>
             <a:fld id="{48A87A34-81AB-432B-8DAE-1953F412C126}" type="datetimeFigureOut">
               <a:rPr lang="en-US" dirty="0"/>
-              <a:t>11/25/19</a:t>
+              <a:t>11/26/19</a:t>
             </a:fld>
             <a:endParaRPr lang="en-US" dirty="0"/>
           </a:p>
@@ -7730,7 +7730,7 @@
           <a:p>
             <a:fld id="{48A87A34-81AB-432B-8DAE-1953F412C126}" type="datetimeFigureOut">
               <a:rPr lang="en-US" dirty="0"/>
-              <a:t>11/25/19</a:t>
+              <a:t>11/26/19</a:t>
             </a:fld>
             <a:endParaRPr lang="en-US" dirty="0"/>
           </a:p>
@@ -7957,7 +7957,7 @@
           <a:p>
             <a:fld id="{48A87A34-81AB-432B-8DAE-1953F412C126}" type="datetimeFigureOut">
               <a:rPr lang="en-US" dirty="0"/>
-              <a:t>11/25/19</a:t>
+              <a:t>11/26/19</a:t>
             </a:fld>
             <a:endParaRPr lang="en-US" dirty="0"/>
           </a:p>
@@ -8333,7 +8333,7 @@
           <a:p>
             <a:fld id="{48A87A34-81AB-432B-8DAE-1953F412C126}" type="datetimeFigureOut">
               <a:rPr lang="en-US" dirty="0"/>
-              <a:t>11/25/19</a:t>
+              <a:t>11/26/19</a:t>
             </a:fld>
             <a:endParaRPr lang="en-US" dirty="0"/>
           </a:p>
@@ -8446,7 +8446,7 @@
           <a:p>
             <a:fld id="{48A87A34-81AB-432B-8DAE-1953F412C126}" type="datetimeFigureOut">
               <a:rPr lang="en-US" dirty="0"/>
-              <a:t>11/25/19</a:t>
+              <a:t>11/26/19</a:t>
             </a:fld>
             <a:endParaRPr lang="en-US" dirty="0"/>
           </a:p>
@@ -8536,7 +8536,7 @@
           <a:p>
             <a:fld id="{48A87A34-81AB-432B-8DAE-1953F412C126}" type="datetimeFigureOut">
               <a:rPr lang="en-US" dirty="0"/>
-              <a:t>11/25/19</a:t>
+              <a:t>11/26/19</a:t>
             </a:fld>
             <a:endParaRPr lang="en-US" dirty="0"/>
           </a:p>
@@ -8780,7 +8780,7 @@
           <a:p>
             <a:fld id="{48A87A34-81AB-432B-8DAE-1953F412C126}" type="datetimeFigureOut">
               <a:rPr lang="en-US" dirty="0"/>
-              <a:t>11/25/19</a:t>
+              <a:t>11/26/19</a:t>
             </a:fld>
             <a:endParaRPr lang="en-US" dirty="0"/>
           </a:p>
@@ -9055,7 +9055,7 @@
           <a:p>
             <a:fld id="{48A87A34-81AB-432B-8DAE-1953F412C126}" type="datetimeFigureOut">
               <a:rPr lang="en-US" dirty="0"/>
-              <a:t>11/25/19</a:t>
+              <a:t>11/26/19</a:t>
             </a:fld>
             <a:endParaRPr lang="en-US" dirty="0"/>
           </a:p>
@@ -9166,7 +9166,7 @@
           <a:noFill/>
           <a:extLst>
             <a:ext uri="{909E8E84-426E-40dd-AFC4-6F175D3DCCD1}">
-              <a14:hiddenFill xmlns="" xmlns:a14="http://schemas.microsoft.com/office/drawing/2010/main">
+              <a14:hiddenFill xmlns:a14="http://schemas.microsoft.com/office/drawing/2010/main" xmlns="">
                 <a:solidFill>
                   <a:srgbClr val="FFFFFF"/>
                 </a:solidFill>
@@ -9240,7 +9240,7 @@
               </a:ln>
               <a:extLst>
                 <a:ext uri="{91240B29-F687-4f45-9708-019B960494DF}">
-                  <a14:hiddenLine xmlns="" xmlns:a14="http://schemas.microsoft.com/office/drawing/2010/main" w="9525">
+                  <a14:hiddenLine xmlns:a14="http://schemas.microsoft.com/office/drawing/2010/main" xmlns="" w="9525">
                     <a:solidFill>
                       <a:srgbClr val="000000"/>
                     </a:solidFill>
@@ -9330,7 +9330,7 @@
               </a:ln>
               <a:extLst>
                 <a:ext uri="{91240B29-F687-4f45-9708-019B960494DF}">
-                  <a14:hiddenLine xmlns="" xmlns:a14="http://schemas.microsoft.com/office/drawing/2010/main" w="9525">
+                  <a14:hiddenLine xmlns:a14="http://schemas.microsoft.com/office/drawing/2010/main" xmlns="" w="9525">
                     <a:solidFill>
                       <a:srgbClr val="000000"/>
                     </a:solidFill>
@@ -9420,7 +9420,7 @@
               </a:ln>
               <a:extLst>
                 <a:ext uri="{91240B29-F687-4f45-9708-019B960494DF}">
-                  <a14:hiddenLine xmlns="" xmlns:a14="http://schemas.microsoft.com/office/drawing/2010/main" w="9525">
+                  <a14:hiddenLine xmlns:a14="http://schemas.microsoft.com/office/drawing/2010/main" xmlns="" w="9525">
                     <a:solidFill>
                       <a:srgbClr val="000000"/>
                     </a:solidFill>
@@ -9482,7 +9482,7 @@
               </a:ln>
               <a:extLst>
                 <a:ext uri="{91240B29-F687-4f45-9708-019B960494DF}">
-                  <a14:hiddenLine xmlns="" xmlns:a14="http://schemas.microsoft.com/office/drawing/2010/main" w="9525">
+                  <a14:hiddenLine xmlns:a14="http://schemas.microsoft.com/office/drawing/2010/main" xmlns="" w="9525">
                     <a:solidFill>
                       <a:srgbClr val="000000"/>
                     </a:solidFill>
@@ -9572,7 +9572,7 @@
               </a:ln>
               <a:extLst>
                 <a:ext uri="{91240B29-F687-4f45-9708-019B960494DF}">
-                  <a14:hiddenLine xmlns="" xmlns:a14="http://schemas.microsoft.com/office/drawing/2010/main" w="9525">
+                  <a14:hiddenLine xmlns:a14="http://schemas.microsoft.com/office/drawing/2010/main" xmlns="" w="9525">
                     <a:solidFill>
                       <a:srgbClr val="000000"/>
                     </a:solidFill>
@@ -9634,7 +9634,7 @@
               </a:ln>
               <a:extLst>
                 <a:ext uri="{91240B29-F687-4f45-9708-019B960494DF}">
-                  <a14:hiddenLine xmlns="" xmlns:a14="http://schemas.microsoft.com/office/drawing/2010/main" w="9525">
+                  <a14:hiddenLine xmlns:a14="http://schemas.microsoft.com/office/drawing/2010/main" xmlns="" w="9525">
                     <a:solidFill>
                       <a:srgbClr val="000000"/>
                     </a:solidFill>
@@ -9696,7 +9696,7 @@
               </a:ln>
               <a:extLst>
                 <a:ext uri="{91240B29-F687-4f45-9708-019B960494DF}">
-                  <a14:hiddenLine xmlns="" xmlns:a14="http://schemas.microsoft.com/office/drawing/2010/main" w="9525">
+                  <a14:hiddenLine xmlns:a14="http://schemas.microsoft.com/office/drawing/2010/main" xmlns="" w="9525">
                     <a:solidFill>
                       <a:srgbClr val="000000"/>
                     </a:solidFill>
@@ -9786,7 +9786,7 @@
               </a:ln>
               <a:extLst>
                 <a:ext uri="{91240B29-F687-4f45-9708-019B960494DF}">
-                  <a14:hiddenLine xmlns="" xmlns:a14="http://schemas.microsoft.com/office/drawing/2010/main" w="9525">
+                  <a14:hiddenLine xmlns:a14="http://schemas.microsoft.com/office/drawing/2010/main" xmlns="" w="9525">
                     <a:solidFill>
                       <a:srgbClr val="000000"/>
                     </a:solidFill>
@@ -9876,7 +9876,7 @@
               </a:ln>
               <a:extLst>
                 <a:ext uri="{91240B29-F687-4f45-9708-019B960494DF}">
-                  <a14:hiddenLine xmlns="" xmlns:a14="http://schemas.microsoft.com/office/drawing/2010/main" w="9525">
+                  <a14:hiddenLine xmlns:a14="http://schemas.microsoft.com/office/drawing/2010/main" xmlns="" w="9525">
                     <a:solidFill>
                       <a:srgbClr val="000000"/>
                     </a:solidFill>
@@ -9938,7 +9938,7 @@
               </a:ln>
               <a:extLst>
                 <a:ext uri="{91240B29-F687-4f45-9708-019B960494DF}">
-                  <a14:hiddenLine xmlns="" xmlns:a14="http://schemas.microsoft.com/office/drawing/2010/main" w="9525">
+                  <a14:hiddenLine xmlns:a14="http://schemas.microsoft.com/office/drawing/2010/main" xmlns="" w="9525">
                     <a:solidFill>
                       <a:srgbClr val="000000"/>
                     </a:solidFill>
@@ -10048,7 +10048,7 @@
               </a:ln>
               <a:extLst>
                 <a:ext uri="{91240B29-F687-4f45-9708-019B960494DF}">
-                  <a14:hiddenLine xmlns="" xmlns:a14="http://schemas.microsoft.com/office/drawing/2010/main" w="9525">
+                  <a14:hiddenLine xmlns:a14="http://schemas.microsoft.com/office/drawing/2010/main" xmlns="" w="9525">
                     <a:solidFill>
                       <a:srgbClr val="000000"/>
                     </a:solidFill>
@@ -10132,7 +10132,7 @@
               </a:ln>
               <a:extLst>
                 <a:ext uri="{91240B29-F687-4f45-9708-019B960494DF}">
-                  <a14:hiddenLine xmlns="" xmlns:a14="http://schemas.microsoft.com/office/drawing/2010/main" w="9525">
+                  <a14:hiddenLine xmlns:a14="http://schemas.microsoft.com/office/drawing/2010/main" xmlns="" w="9525">
                     <a:solidFill>
                       <a:srgbClr val="000000"/>
                     </a:solidFill>
@@ -10194,7 +10194,7 @@
               </a:ln>
               <a:extLst>
                 <a:ext uri="{91240B29-F687-4f45-9708-019B960494DF}">
-                  <a14:hiddenLine xmlns="" xmlns:a14="http://schemas.microsoft.com/office/drawing/2010/main" w="9525">
+                  <a14:hiddenLine xmlns:a14="http://schemas.microsoft.com/office/drawing/2010/main" xmlns="" w="9525">
                     <a:solidFill>
                       <a:srgbClr val="000000"/>
                     </a:solidFill>
@@ -10256,7 +10256,7 @@
               </a:ln>
               <a:extLst>
                 <a:ext uri="{91240B29-F687-4f45-9708-019B960494DF}">
-                  <a14:hiddenLine xmlns="" xmlns:a14="http://schemas.microsoft.com/office/drawing/2010/main" w="9525">
+                  <a14:hiddenLine xmlns:a14="http://schemas.microsoft.com/office/drawing/2010/main" xmlns="" w="9525">
                     <a:solidFill>
                       <a:srgbClr val="000000"/>
                     </a:solidFill>
@@ -10346,7 +10346,7 @@
               </a:ln>
               <a:extLst>
                 <a:ext uri="{91240B29-F687-4f45-9708-019B960494DF}">
-                  <a14:hiddenLine xmlns="" xmlns:a14="http://schemas.microsoft.com/office/drawing/2010/main" w="9525">
+                  <a14:hiddenLine xmlns:a14="http://schemas.microsoft.com/office/drawing/2010/main" xmlns="" w="9525">
                     <a:solidFill>
                       <a:srgbClr val="000000"/>
                     </a:solidFill>
@@ -10380,7 +10380,7 @@
               </a:ln>
               <a:extLst>
                 <a:ext uri="{91240B29-F687-4f45-9708-019B960494DF}">
-                  <a14:hiddenLine xmlns="" xmlns:a14="http://schemas.microsoft.com/office/drawing/2010/main" w="9525">
+                  <a14:hiddenLine xmlns:a14="http://schemas.microsoft.com/office/drawing/2010/main" xmlns="" w="9525">
                     <a:solidFill>
                       <a:srgbClr val="000000"/>
                     </a:solidFill>
@@ -10445,7 +10445,7 @@
               </a:ln>
               <a:extLst>
                 <a:ext uri="{91240B29-F687-4f45-9708-019B960494DF}">
-                  <a14:hiddenLine xmlns="" xmlns:a14="http://schemas.microsoft.com/office/drawing/2010/main" w="9525">
+                  <a14:hiddenLine xmlns:a14="http://schemas.microsoft.com/office/drawing/2010/main" xmlns="" w="9525">
                     <a:solidFill>
                       <a:srgbClr val="000000"/>
                     </a:solidFill>
@@ -10535,7 +10535,7 @@
               </a:ln>
               <a:extLst>
                 <a:ext uri="{91240B29-F687-4f45-9708-019B960494DF}">
-                  <a14:hiddenLine xmlns="" xmlns:a14="http://schemas.microsoft.com/office/drawing/2010/main" w="9525">
+                  <a14:hiddenLine xmlns:a14="http://schemas.microsoft.com/office/drawing/2010/main" xmlns="" w="9525">
                     <a:solidFill>
                       <a:srgbClr val="000000"/>
                     </a:solidFill>
@@ -10597,7 +10597,7 @@
               </a:ln>
               <a:extLst>
                 <a:ext uri="{91240B29-F687-4f45-9708-019B960494DF}">
-                  <a14:hiddenLine xmlns="" xmlns:a14="http://schemas.microsoft.com/office/drawing/2010/main" w="9525">
+                  <a14:hiddenLine xmlns:a14="http://schemas.microsoft.com/office/drawing/2010/main" xmlns="" w="9525">
                     <a:solidFill>
                       <a:srgbClr val="000000"/>
                     </a:solidFill>
@@ -10687,7 +10687,7 @@
               </a:ln>
               <a:extLst>
                 <a:ext uri="{91240B29-F687-4f45-9708-019B960494DF}">
-                  <a14:hiddenLine xmlns="" xmlns:a14="http://schemas.microsoft.com/office/drawing/2010/main" w="9525">
+                  <a14:hiddenLine xmlns:a14="http://schemas.microsoft.com/office/drawing/2010/main" xmlns="" w="9525">
                     <a:solidFill>
                       <a:srgbClr val="000000"/>
                     </a:solidFill>
@@ -10752,7 +10752,7 @@
               </a:ln>
               <a:extLst>
                 <a:ext uri="{91240B29-F687-4f45-9708-019B960494DF}">
-                  <a14:hiddenLine xmlns="" xmlns:a14="http://schemas.microsoft.com/office/drawing/2010/main" w="9525">
+                  <a14:hiddenLine xmlns:a14="http://schemas.microsoft.com/office/drawing/2010/main" xmlns="" w="9525">
                     <a:solidFill>
                       <a:srgbClr val="000000"/>
                     </a:solidFill>
@@ -10814,7 +10814,7 @@
               </a:ln>
               <a:extLst>
                 <a:ext uri="{91240B29-F687-4f45-9708-019B960494DF}">
-                  <a14:hiddenLine xmlns="" xmlns:a14="http://schemas.microsoft.com/office/drawing/2010/main" w="9525">
+                  <a14:hiddenLine xmlns:a14="http://schemas.microsoft.com/office/drawing/2010/main" xmlns="" w="9525">
                     <a:solidFill>
                       <a:srgbClr val="000000"/>
                     </a:solidFill>
@@ -10904,7 +10904,7 @@
               </a:ln>
               <a:extLst>
                 <a:ext uri="{91240B29-F687-4f45-9708-019B960494DF}">
-                  <a14:hiddenLine xmlns="" xmlns:a14="http://schemas.microsoft.com/office/drawing/2010/main" w="9525">
+                  <a14:hiddenLine xmlns:a14="http://schemas.microsoft.com/office/drawing/2010/main" xmlns="" w="9525">
                     <a:solidFill>
                       <a:srgbClr val="000000"/>
                     </a:solidFill>
@@ -10994,7 +10994,7 @@
               </a:ln>
               <a:extLst>
                 <a:ext uri="{91240B29-F687-4f45-9708-019B960494DF}">
-                  <a14:hiddenLine xmlns="" xmlns:a14="http://schemas.microsoft.com/office/drawing/2010/main" w="9525">
+                  <a14:hiddenLine xmlns:a14="http://schemas.microsoft.com/office/drawing/2010/main" xmlns="" w="9525">
                     <a:solidFill>
                       <a:srgbClr val="000000"/>
                     </a:solidFill>
@@ -11059,7 +11059,7 @@
               </a:ln>
               <a:extLst>
                 <a:ext uri="{91240B29-F687-4f45-9708-019B960494DF}">
-                  <a14:hiddenLine xmlns="" xmlns:a14="http://schemas.microsoft.com/office/drawing/2010/main" w="9525">
+                  <a14:hiddenLine xmlns:a14="http://schemas.microsoft.com/office/drawing/2010/main" xmlns="" w="9525">
                     <a:solidFill>
                       <a:srgbClr val="000000"/>
                     </a:solidFill>
@@ -11179,7 +11179,7 @@
               </a:ln>
               <a:extLst>
                 <a:ext uri="{91240B29-F687-4f45-9708-019B960494DF}">
-                  <a14:hiddenLine xmlns="" xmlns:a14="http://schemas.microsoft.com/office/drawing/2010/main" w="9525">
+                  <a14:hiddenLine xmlns:a14="http://schemas.microsoft.com/office/drawing/2010/main" xmlns="" w="9525">
                     <a:solidFill>
                       <a:srgbClr val="000000"/>
                     </a:solidFill>
@@ -11277,7 +11277,7 @@
               </a:ln>
               <a:extLst>
                 <a:ext uri="{91240B29-F687-4f45-9708-019B960494DF}">
-                  <a14:hiddenLine xmlns="" xmlns:a14="http://schemas.microsoft.com/office/drawing/2010/main" w="9525">
+                  <a14:hiddenLine xmlns:a14="http://schemas.microsoft.com/office/drawing/2010/main" xmlns="" w="9525">
                     <a:solidFill>
                       <a:srgbClr val="000000"/>
                     </a:solidFill>
@@ -11392,7 +11392,7 @@
               </a:ln>
               <a:extLst>
                 <a:ext uri="{91240B29-F687-4f45-9708-019B960494DF}">
-                  <a14:hiddenLine xmlns="" xmlns:a14="http://schemas.microsoft.com/office/drawing/2010/main" w="9525">
+                  <a14:hiddenLine xmlns:a14="http://schemas.microsoft.com/office/drawing/2010/main" xmlns="" w="9525">
                     <a:solidFill>
                       <a:srgbClr val="000000"/>
                     </a:solidFill>
@@ -11482,7 +11482,7 @@
               </a:ln>
               <a:extLst>
                 <a:ext uri="{91240B29-F687-4f45-9708-019B960494DF}">
-                  <a14:hiddenLine xmlns="" xmlns:a14="http://schemas.microsoft.com/office/drawing/2010/main" w="9525">
+                  <a14:hiddenLine xmlns:a14="http://schemas.microsoft.com/office/drawing/2010/main" xmlns="" w="9525">
                     <a:solidFill>
                       <a:srgbClr val="000000"/>
                     </a:solidFill>
@@ -11547,7 +11547,7 @@
               </a:ln>
               <a:extLst>
                 <a:ext uri="{91240B29-F687-4f45-9708-019B960494DF}">
-                  <a14:hiddenLine xmlns="" xmlns:a14="http://schemas.microsoft.com/office/drawing/2010/main" w="9525">
+                  <a14:hiddenLine xmlns:a14="http://schemas.microsoft.com/office/drawing/2010/main" xmlns="" w="9525">
                     <a:solidFill>
                       <a:srgbClr val="000000"/>
                     </a:solidFill>
@@ -11637,7 +11637,7 @@
               </a:ln>
               <a:extLst>
                 <a:ext uri="{91240B29-F687-4f45-9708-019B960494DF}">
-                  <a14:hiddenLine xmlns="" xmlns:a14="http://schemas.microsoft.com/office/drawing/2010/main" w="9525">
+                  <a14:hiddenLine xmlns:a14="http://schemas.microsoft.com/office/drawing/2010/main" xmlns="" w="9525">
                     <a:solidFill>
                       <a:srgbClr val="000000"/>
                     </a:solidFill>
@@ -11705,7 +11705,7 @@
               </a:ln>
               <a:extLst>
                 <a:ext uri="{91240B29-F687-4f45-9708-019B960494DF}">
-                  <a14:hiddenLine xmlns="" xmlns:a14="http://schemas.microsoft.com/office/drawing/2010/main" w="9525">
+                  <a14:hiddenLine xmlns:a14="http://schemas.microsoft.com/office/drawing/2010/main" xmlns="" w="9525">
                     <a:solidFill>
                       <a:srgbClr val="000000"/>
                     </a:solidFill>
@@ -11795,7 +11795,7 @@
               </a:ln>
               <a:extLst>
                 <a:ext uri="{91240B29-F687-4f45-9708-019B960494DF}">
-                  <a14:hiddenLine xmlns="" xmlns:a14="http://schemas.microsoft.com/office/drawing/2010/main" w="9525">
+                  <a14:hiddenLine xmlns:a14="http://schemas.microsoft.com/office/drawing/2010/main" xmlns="" w="9525">
                     <a:solidFill>
                       <a:srgbClr val="000000"/>
                     </a:solidFill>
@@ -11863,7 +11863,7 @@
               </a:ln>
               <a:extLst>
                 <a:ext uri="{91240B29-F687-4f45-9708-019B960494DF}">
-                  <a14:hiddenLine xmlns="" xmlns:a14="http://schemas.microsoft.com/office/drawing/2010/main" w="9525">
+                  <a14:hiddenLine xmlns:a14="http://schemas.microsoft.com/office/drawing/2010/main" xmlns="" w="9525">
                     <a:solidFill>
                       <a:srgbClr val="000000"/>
                     </a:solidFill>
@@ -11953,7 +11953,7 @@
               </a:ln>
               <a:extLst>
                 <a:ext uri="{91240B29-F687-4f45-9708-019B960494DF}">
-                  <a14:hiddenLine xmlns="" xmlns:a14="http://schemas.microsoft.com/office/drawing/2010/main" w="9525">
+                  <a14:hiddenLine xmlns:a14="http://schemas.microsoft.com/office/drawing/2010/main" xmlns="" w="9525">
                     <a:solidFill>
                       <a:srgbClr val="000000"/>
                     </a:solidFill>
@@ -11987,7 +11987,7 @@
               </a:ln>
               <a:extLst>
                 <a:ext uri="{91240B29-F687-4f45-9708-019B960494DF}">
-                  <a14:hiddenLine xmlns="" xmlns:a14="http://schemas.microsoft.com/office/drawing/2010/main" w="9525">
+                  <a14:hiddenLine xmlns:a14="http://schemas.microsoft.com/office/drawing/2010/main" xmlns="" w="9525">
                     <a:solidFill>
                       <a:srgbClr val="000000"/>
                     </a:solidFill>
@@ -12128,7 +12128,7 @@
             <a:fld id="{48A87A34-81AB-432B-8DAE-1953F412C126}" type="datetimeFigureOut">
               <a:rPr lang="en-US" dirty="0"/>
               <a:pPr/>
-              <a:t>11/25/19</a:t>
+              <a:t>11/26/19</a:t>
             </a:fld>
             <a:endParaRPr lang="en-US" dirty="0"/>
           </a:p>
@@ -12870,7 +12870,7 @@
           </a:prstGeom>
           <a:extLst>
             <a:ext uri="{909E8E84-426E-40dd-AFC4-6F175D3DCCD1}">
-              <a14:hiddenFill xmlns:a14="http://schemas.microsoft.com/office/drawing/2010/main" xmlns:p14="http://schemas.microsoft.com/office/powerpoint/2010/main" xmlns:a16="http://schemas.microsoft.com/office/drawing/2014/main" xmlns="">
+              <a14:hiddenFill xmlns="" xmlns:a16="http://schemas.microsoft.com/office/drawing/2014/main" xmlns:p14="http://schemas.microsoft.com/office/powerpoint/2010/main" xmlns:a14="http://schemas.microsoft.com/office/drawing/2010/main">
                 <a:solidFill>
                   <a:srgbClr val="FFFFFF"/>
                 </a:solidFill>
@@ -12994,7 +12994,7 @@
           <a:noFill/>
           <a:extLst>
             <a:ext uri="{909E8E84-426E-40dd-AFC4-6F175D3DCCD1}">
-              <a14:hiddenFill xmlns:a14="http://schemas.microsoft.com/office/drawing/2010/main" xmlns:p14="http://schemas.microsoft.com/office/powerpoint/2010/main" xmlns:a16="http://schemas.microsoft.com/office/drawing/2014/main" xmlns="">
+              <a14:hiddenFill xmlns="" xmlns:a16="http://schemas.microsoft.com/office/drawing/2014/main" xmlns:p14="http://schemas.microsoft.com/office/powerpoint/2010/main" xmlns:a14="http://schemas.microsoft.com/office/drawing/2010/main">
                 <a:solidFill>
                   <a:srgbClr val="FFFFFF"/>
                 </a:solidFill>
@@ -13173,7 +13173,7 @@
             </a:ln>
             <a:extLst>
               <a:ext uri="{91240B29-F687-4f45-9708-019B960494DF}">
-                <a14:hiddenLine xmlns:a14="http://schemas.microsoft.com/office/drawing/2010/main" xmlns:p14="http://schemas.microsoft.com/office/powerpoint/2010/main" xmlns:a16="http://schemas.microsoft.com/office/drawing/2014/main" xmlns="" w="9525">
+                <a14:hiddenLine xmlns="" xmlns:a16="http://schemas.microsoft.com/office/drawing/2014/main" xmlns:p14="http://schemas.microsoft.com/office/powerpoint/2010/main" xmlns:a14="http://schemas.microsoft.com/office/drawing/2010/main" w="9525">
                   <a:solidFill>
                     <a:srgbClr val="000000"/>
                   </a:solidFill>
@@ -13278,7 +13278,7 @@
             </a:ln>
             <a:extLst>
               <a:ext uri="{91240B29-F687-4f45-9708-019B960494DF}">
-                <a14:hiddenLine xmlns:a14="http://schemas.microsoft.com/office/drawing/2010/main" xmlns:p14="http://schemas.microsoft.com/office/powerpoint/2010/main" xmlns:a16="http://schemas.microsoft.com/office/drawing/2014/main" xmlns="" w="9525">
+                <a14:hiddenLine xmlns="" xmlns:a16="http://schemas.microsoft.com/office/drawing/2014/main" xmlns:p14="http://schemas.microsoft.com/office/powerpoint/2010/main" xmlns:a14="http://schemas.microsoft.com/office/drawing/2010/main" w="9525">
                   <a:solidFill>
                     <a:srgbClr val="000000"/>
                   </a:solidFill>
@@ -13383,7 +13383,7 @@
             </a:ln>
             <a:extLst>
               <a:ext uri="{91240B29-F687-4f45-9708-019B960494DF}">
-                <a14:hiddenLine xmlns:a14="http://schemas.microsoft.com/office/drawing/2010/main" xmlns:p14="http://schemas.microsoft.com/office/powerpoint/2010/main" xmlns:a16="http://schemas.microsoft.com/office/drawing/2014/main" xmlns="" w="9525">
+                <a14:hiddenLine xmlns="" xmlns:a16="http://schemas.microsoft.com/office/drawing/2014/main" xmlns:p14="http://schemas.microsoft.com/office/powerpoint/2010/main" xmlns:a14="http://schemas.microsoft.com/office/drawing/2010/main" w="9525">
                   <a:solidFill>
                     <a:srgbClr val="000000"/>
                   </a:solidFill>
@@ -13460,7 +13460,7 @@
             </a:ln>
             <a:extLst>
               <a:ext uri="{91240B29-F687-4f45-9708-019B960494DF}">
-                <a14:hiddenLine xmlns:a14="http://schemas.microsoft.com/office/drawing/2010/main" xmlns:p14="http://schemas.microsoft.com/office/powerpoint/2010/main" xmlns:a16="http://schemas.microsoft.com/office/drawing/2014/main" xmlns="" w="9525">
+                <a14:hiddenLine xmlns="" xmlns:a16="http://schemas.microsoft.com/office/drawing/2014/main" xmlns:p14="http://schemas.microsoft.com/office/powerpoint/2010/main" xmlns:a14="http://schemas.microsoft.com/office/drawing/2010/main" w="9525">
                   <a:solidFill>
                     <a:srgbClr val="000000"/>
                   </a:solidFill>
@@ -13565,7 +13565,7 @@
             </a:ln>
             <a:extLst>
               <a:ext uri="{91240B29-F687-4f45-9708-019B960494DF}">
-                <a14:hiddenLine xmlns:a14="http://schemas.microsoft.com/office/drawing/2010/main" xmlns:p14="http://schemas.microsoft.com/office/powerpoint/2010/main" xmlns:a16="http://schemas.microsoft.com/office/drawing/2014/main" xmlns="" w="9525">
+                <a14:hiddenLine xmlns="" xmlns:a16="http://schemas.microsoft.com/office/drawing/2014/main" xmlns:p14="http://schemas.microsoft.com/office/powerpoint/2010/main" xmlns:a14="http://schemas.microsoft.com/office/drawing/2010/main" w="9525">
                   <a:solidFill>
                     <a:srgbClr val="000000"/>
                   </a:solidFill>
@@ -13642,7 +13642,7 @@
             </a:ln>
             <a:extLst>
               <a:ext uri="{91240B29-F687-4f45-9708-019B960494DF}">
-                <a14:hiddenLine xmlns:a14="http://schemas.microsoft.com/office/drawing/2010/main" xmlns:p14="http://schemas.microsoft.com/office/powerpoint/2010/main" xmlns:a16="http://schemas.microsoft.com/office/drawing/2014/main" xmlns="" w="9525">
+                <a14:hiddenLine xmlns="" xmlns:a16="http://schemas.microsoft.com/office/drawing/2014/main" xmlns:p14="http://schemas.microsoft.com/office/powerpoint/2010/main" xmlns:a14="http://schemas.microsoft.com/office/drawing/2010/main" w="9525">
                   <a:solidFill>
                     <a:srgbClr val="000000"/>
                   </a:solidFill>
@@ -13719,7 +13719,7 @@
             </a:ln>
             <a:extLst>
               <a:ext uri="{91240B29-F687-4f45-9708-019B960494DF}">
-                <a14:hiddenLine xmlns:a14="http://schemas.microsoft.com/office/drawing/2010/main" xmlns:p14="http://schemas.microsoft.com/office/powerpoint/2010/main" xmlns:a16="http://schemas.microsoft.com/office/drawing/2014/main" xmlns="" w="9525">
+                <a14:hiddenLine xmlns="" xmlns:a16="http://schemas.microsoft.com/office/drawing/2014/main" xmlns:p14="http://schemas.microsoft.com/office/powerpoint/2010/main" xmlns:a14="http://schemas.microsoft.com/office/drawing/2010/main" w="9525">
                   <a:solidFill>
                     <a:srgbClr val="000000"/>
                   </a:solidFill>
@@ -13824,7 +13824,7 @@
             </a:ln>
             <a:extLst>
               <a:ext uri="{91240B29-F687-4f45-9708-019B960494DF}">
-                <a14:hiddenLine xmlns:a14="http://schemas.microsoft.com/office/drawing/2010/main" xmlns:p14="http://schemas.microsoft.com/office/powerpoint/2010/main" xmlns:a16="http://schemas.microsoft.com/office/drawing/2014/main" xmlns="" w="9525">
+                <a14:hiddenLine xmlns="" xmlns:a16="http://schemas.microsoft.com/office/drawing/2014/main" xmlns:p14="http://schemas.microsoft.com/office/powerpoint/2010/main" xmlns:a14="http://schemas.microsoft.com/office/drawing/2010/main" w="9525">
                   <a:solidFill>
                     <a:srgbClr val="000000"/>
                   </a:solidFill>
@@ -13929,7 +13929,7 @@
             </a:ln>
             <a:extLst>
               <a:ext uri="{91240B29-F687-4f45-9708-019B960494DF}">
-                <a14:hiddenLine xmlns:a14="http://schemas.microsoft.com/office/drawing/2010/main" xmlns:p14="http://schemas.microsoft.com/office/powerpoint/2010/main" xmlns:a16="http://schemas.microsoft.com/office/drawing/2014/main" xmlns="" w="9525">
+                <a14:hiddenLine xmlns="" xmlns:a16="http://schemas.microsoft.com/office/drawing/2014/main" xmlns:p14="http://schemas.microsoft.com/office/powerpoint/2010/main" xmlns:a14="http://schemas.microsoft.com/office/drawing/2010/main" w="9525">
                   <a:solidFill>
                     <a:srgbClr val="000000"/>
                   </a:solidFill>
@@ -14006,7 +14006,7 @@
             </a:ln>
             <a:extLst>
               <a:ext uri="{91240B29-F687-4f45-9708-019B960494DF}">
-                <a14:hiddenLine xmlns:a14="http://schemas.microsoft.com/office/drawing/2010/main" xmlns:p14="http://schemas.microsoft.com/office/powerpoint/2010/main" xmlns:a16="http://schemas.microsoft.com/office/drawing/2014/main" xmlns="" w="9525">
+                <a14:hiddenLine xmlns="" xmlns:a16="http://schemas.microsoft.com/office/drawing/2014/main" xmlns:p14="http://schemas.microsoft.com/office/powerpoint/2010/main" xmlns:a14="http://schemas.microsoft.com/office/drawing/2010/main" w="9525">
                   <a:solidFill>
                     <a:srgbClr val="000000"/>
                   </a:solidFill>
@@ -14131,7 +14131,7 @@
             </a:ln>
             <a:extLst>
               <a:ext uri="{91240B29-F687-4f45-9708-019B960494DF}">
-                <a14:hiddenLine xmlns:a14="http://schemas.microsoft.com/office/drawing/2010/main" xmlns:p14="http://schemas.microsoft.com/office/powerpoint/2010/main" xmlns:a16="http://schemas.microsoft.com/office/drawing/2014/main" xmlns="" w="9525">
+                <a14:hiddenLine xmlns="" xmlns:a16="http://schemas.microsoft.com/office/drawing/2014/main" xmlns:p14="http://schemas.microsoft.com/office/powerpoint/2010/main" xmlns:a14="http://schemas.microsoft.com/office/drawing/2010/main" w="9525">
                   <a:solidFill>
                     <a:srgbClr val="000000"/>
                   </a:solidFill>
@@ -14245,7 +14245,7 @@
             </a:ln>
             <a:extLst>
               <a:ext uri="{91240B29-F687-4f45-9708-019B960494DF}">
-                <a14:hiddenLine xmlns:a14="http://schemas.microsoft.com/office/drawing/2010/main" xmlns:p14="http://schemas.microsoft.com/office/powerpoint/2010/main" xmlns:a16="http://schemas.microsoft.com/office/drawing/2014/main" xmlns="" w="9525">
+                <a14:hiddenLine xmlns="" xmlns:a16="http://schemas.microsoft.com/office/drawing/2014/main" xmlns:p14="http://schemas.microsoft.com/office/powerpoint/2010/main" xmlns:a14="http://schemas.microsoft.com/office/drawing/2010/main" w="9525">
                   <a:solidFill>
                     <a:srgbClr val="000000"/>
                   </a:solidFill>
@@ -14322,7 +14322,7 @@
             </a:ln>
             <a:extLst>
               <a:ext uri="{91240B29-F687-4f45-9708-019B960494DF}">
-                <a14:hiddenLine xmlns:a14="http://schemas.microsoft.com/office/drawing/2010/main" xmlns:p14="http://schemas.microsoft.com/office/powerpoint/2010/main" xmlns:a16="http://schemas.microsoft.com/office/drawing/2014/main" xmlns="" w="9525">
+                <a14:hiddenLine xmlns="" xmlns:a16="http://schemas.microsoft.com/office/drawing/2014/main" xmlns:p14="http://schemas.microsoft.com/office/powerpoint/2010/main" xmlns:a14="http://schemas.microsoft.com/office/drawing/2010/main" w="9525">
                   <a:solidFill>
                     <a:srgbClr val="000000"/>
                   </a:solidFill>
@@ -14399,7 +14399,7 @@
             </a:ln>
             <a:extLst>
               <a:ext uri="{91240B29-F687-4f45-9708-019B960494DF}">
-                <a14:hiddenLine xmlns:a14="http://schemas.microsoft.com/office/drawing/2010/main" xmlns:p14="http://schemas.microsoft.com/office/powerpoint/2010/main" xmlns:a16="http://schemas.microsoft.com/office/drawing/2014/main" xmlns="" w="9525">
+                <a14:hiddenLine xmlns="" xmlns:a16="http://schemas.microsoft.com/office/drawing/2014/main" xmlns:p14="http://schemas.microsoft.com/office/powerpoint/2010/main" xmlns:a14="http://schemas.microsoft.com/office/drawing/2010/main" w="9525">
                   <a:solidFill>
                     <a:srgbClr val="000000"/>
                   </a:solidFill>
@@ -14504,7 +14504,7 @@
             </a:ln>
             <a:extLst>
               <a:ext uri="{91240B29-F687-4f45-9708-019B960494DF}">
-                <a14:hiddenLine xmlns:a14="http://schemas.microsoft.com/office/drawing/2010/main" xmlns:p14="http://schemas.microsoft.com/office/powerpoint/2010/main" xmlns:a16="http://schemas.microsoft.com/office/drawing/2014/main" xmlns="" w="9525">
+                <a14:hiddenLine xmlns="" xmlns:a16="http://schemas.microsoft.com/office/drawing/2014/main" xmlns:p14="http://schemas.microsoft.com/office/powerpoint/2010/main" xmlns:a14="http://schemas.microsoft.com/office/drawing/2010/main" w="9525">
                   <a:solidFill>
                     <a:srgbClr val="000000"/>
                   </a:solidFill>
@@ -14553,7 +14553,7 @@
             </a:ln>
             <a:extLst>
               <a:ext uri="{91240B29-F687-4f45-9708-019B960494DF}">
-                <a14:hiddenLine xmlns:a14="http://schemas.microsoft.com/office/drawing/2010/main" xmlns:p14="http://schemas.microsoft.com/office/powerpoint/2010/main" xmlns:a16="http://schemas.microsoft.com/office/drawing/2014/main" xmlns="" w="9525">
+                <a14:hiddenLine xmlns="" xmlns:a16="http://schemas.microsoft.com/office/drawing/2014/main" xmlns:p14="http://schemas.microsoft.com/office/powerpoint/2010/main" xmlns:a14="http://schemas.microsoft.com/office/drawing/2010/main" w="9525">
                   <a:solidFill>
                     <a:srgbClr val="000000"/>
                   </a:solidFill>
@@ -14633,7 +14633,7 @@
             </a:ln>
             <a:extLst>
               <a:ext uri="{91240B29-F687-4f45-9708-019B960494DF}">
-                <a14:hiddenLine xmlns:a14="http://schemas.microsoft.com/office/drawing/2010/main" xmlns:p14="http://schemas.microsoft.com/office/powerpoint/2010/main" xmlns:a16="http://schemas.microsoft.com/office/drawing/2014/main" xmlns="" w="9525">
+                <a14:hiddenLine xmlns="" xmlns:a16="http://schemas.microsoft.com/office/drawing/2014/main" xmlns:p14="http://schemas.microsoft.com/office/powerpoint/2010/main" xmlns:a14="http://schemas.microsoft.com/office/drawing/2010/main" w="9525">
                   <a:solidFill>
                     <a:srgbClr val="000000"/>
                   </a:solidFill>
@@ -14738,7 +14738,7 @@
             </a:ln>
             <a:extLst>
               <a:ext uri="{91240B29-F687-4f45-9708-019B960494DF}">
-                <a14:hiddenLine xmlns:a14="http://schemas.microsoft.com/office/drawing/2010/main" xmlns:p14="http://schemas.microsoft.com/office/powerpoint/2010/main" xmlns:a16="http://schemas.microsoft.com/office/drawing/2014/main" xmlns="" w="9525">
+                <a14:hiddenLine xmlns="" xmlns:a16="http://schemas.microsoft.com/office/drawing/2014/main" xmlns:p14="http://schemas.microsoft.com/office/powerpoint/2010/main" xmlns:a14="http://schemas.microsoft.com/office/drawing/2010/main" w="9525">
                   <a:solidFill>
                     <a:srgbClr val="000000"/>
                   </a:solidFill>
@@ -14815,7 +14815,7 @@
             </a:ln>
             <a:extLst>
               <a:ext uri="{91240B29-F687-4f45-9708-019B960494DF}">
-                <a14:hiddenLine xmlns:a14="http://schemas.microsoft.com/office/drawing/2010/main" xmlns:p14="http://schemas.microsoft.com/office/powerpoint/2010/main" xmlns:a16="http://schemas.microsoft.com/office/drawing/2014/main" xmlns="" w="9525">
+                <a14:hiddenLine xmlns="" xmlns:a16="http://schemas.microsoft.com/office/drawing/2014/main" xmlns:p14="http://schemas.microsoft.com/office/powerpoint/2010/main" xmlns:a14="http://schemas.microsoft.com/office/drawing/2010/main" w="9525">
                   <a:solidFill>
                     <a:srgbClr val="000000"/>
                   </a:solidFill>
@@ -14920,7 +14920,7 @@
             </a:ln>
             <a:extLst>
               <a:ext uri="{91240B29-F687-4f45-9708-019B960494DF}">
-                <a14:hiddenLine xmlns:a14="http://schemas.microsoft.com/office/drawing/2010/main" xmlns:p14="http://schemas.microsoft.com/office/powerpoint/2010/main" xmlns:a16="http://schemas.microsoft.com/office/drawing/2014/main" xmlns="" w="9525">
+                <a14:hiddenLine xmlns="" xmlns:a16="http://schemas.microsoft.com/office/drawing/2014/main" xmlns:p14="http://schemas.microsoft.com/office/powerpoint/2010/main" xmlns:a14="http://schemas.microsoft.com/office/drawing/2010/main" w="9525">
                   <a:solidFill>
                     <a:srgbClr val="000000"/>
                   </a:solidFill>
@@ -15000,7 +15000,7 @@
             </a:ln>
             <a:extLst>
               <a:ext uri="{91240B29-F687-4f45-9708-019B960494DF}">
-                <a14:hiddenLine xmlns:a14="http://schemas.microsoft.com/office/drawing/2010/main" xmlns:p14="http://schemas.microsoft.com/office/powerpoint/2010/main" xmlns:a16="http://schemas.microsoft.com/office/drawing/2014/main" xmlns="" w="9525">
+                <a14:hiddenLine xmlns="" xmlns:a16="http://schemas.microsoft.com/office/drawing/2014/main" xmlns:p14="http://schemas.microsoft.com/office/powerpoint/2010/main" xmlns:a14="http://schemas.microsoft.com/office/drawing/2010/main" w="9525">
                   <a:solidFill>
                     <a:srgbClr val="000000"/>
                   </a:solidFill>
@@ -15077,7 +15077,7 @@
             </a:ln>
             <a:extLst>
               <a:ext uri="{91240B29-F687-4f45-9708-019B960494DF}">
-                <a14:hiddenLine xmlns:a14="http://schemas.microsoft.com/office/drawing/2010/main" xmlns:p14="http://schemas.microsoft.com/office/powerpoint/2010/main" xmlns:a16="http://schemas.microsoft.com/office/drawing/2014/main" xmlns="" w="9525">
+                <a14:hiddenLine xmlns="" xmlns:a16="http://schemas.microsoft.com/office/drawing/2014/main" xmlns:p14="http://schemas.microsoft.com/office/powerpoint/2010/main" xmlns:a14="http://schemas.microsoft.com/office/drawing/2010/main" w="9525">
                   <a:solidFill>
                     <a:srgbClr val="000000"/>
                   </a:solidFill>
@@ -15182,7 +15182,7 @@
             </a:ln>
             <a:extLst>
               <a:ext uri="{91240B29-F687-4f45-9708-019B960494DF}">
-                <a14:hiddenLine xmlns:a14="http://schemas.microsoft.com/office/drawing/2010/main" xmlns:p14="http://schemas.microsoft.com/office/powerpoint/2010/main" xmlns:a16="http://schemas.microsoft.com/office/drawing/2014/main" xmlns="" w="9525">
+                <a14:hiddenLine xmlns="" xmlns:a16="http://schemas.microsoft.com/office/drawing/2014/main" xmlns:p14="http://schemas.microsoft.com/office/powerpoint/2010/main" xmlns:a14="http://schemas.microsoft.com/office/drawing/2010/main" w="9525">
                   <a:solidFill>
                     <a:srgbClr val="000000"/>
                   </a:solidFill>
@@ -15287,7 +15287,7 @@
             </a:ln>
             <a:extLst>
               <a:ext uri="{91240B29-F687-4f45-9708-019B960494DF}">
-                <a14:hiddenLine xmlns:a14="http://schemas.microsoft.com/office/drawing/2010/main" xmlns:p14="http://schemas.microsoft.com/office/powerpoint/2010/main" xmlns:a16="http://schemas.microsoft.com/office/drawing/2014/main" xmlns="" w="9525">
+                <a14:hiddenLine xmlns="" xmlns:a16="http://schemas.microsoft.com/office/drawing/2014/main" xmlns:p14="http://schemas.microsoft.com/office/powerpoint/2010/main" xmlns:a14="http://schemas.microsoft.com/office/drawing/2010/main" w="9525">
                   <a:solidFill>
                     <a:srgbClr val="000000"/>
                   </a:solidFill>
@@ -15367,7 +15367,7 @@
             </a:ln>
             <a:extLst>
               <a:ext uri="{91240B29-F687-4f45-9708-019B960494DF}">
-                <a14:hiddenLine xmlns:a14="http://schemas.microsoft.com/office/drawing/2010/main" xmlns:p14="http://schemas.microsoft.com/office/powerpoint/2010/main" xmlns:a16="http://schemas.microsoft.com/office/drawing/2014/main" xmlns="" w="9525">
+                <a14:hiddenLine xmlns="" xmlns:a16="http://schemas.microsoft.com/office/drawing/2014/main" xmlns:p14="http://schemas.microsoft.com/office/powerpoint/2010/main" xmlns:a14="http://schemas.microsoft.com/office/drawing/2010/main" w="9525">
                   <a:solidFill>
                     <a:srgbClr val="000000"/>
                   </a:solidFill>
@@ -15502,7 +15502,7 @@
             </a:ln>
             <a:extLst>
               <a:ext uri="{91240B29-F687-4f45-9708-019B960494DF}">
-                <a14:hiddenLine xmlns:a14="http://schemas.microsoft.com/office/drawing/2010/main" xmlns:p14="http://schemas.microsoft.com/office/powerpoint/2010/main" xmlns:a16="http://schemas.microsoft.com/office/drawing/2014/main" xmlns="" w="9525">
+                <a14:hiddenLine xmlns="" xmlns:a16="http://schemas.microsoft.com/office/drawing/2014/main" xmlns:p14="http://schemas.microsoft.com/office/powerpoint/2010/main" xmlns:a14="http://schemas.microsoft.com/office/drawing/2010/main" w="9525">
                   <a:solidFill>
                     <a:srgbClr val="000000"/>
                   </a:solidFill>
@@ -15794,7 +15794,7 @@
           <a:noFill/>
           <a:extLst>
             <a:ext uri="{909E8E84-426E-40dd-AFC4-6F175D3DCCD1}">
-              <a14:hiddenFill xmlns:a14="http://schemas.microsoft.com/office/drawing/2010/main" xmlns:p14="http://schemas.microsoft.com/office/powerpoint/2010/main" xmlns:a16="http://schemas.microsoft.com/office/drawing/2014/main" xmlns="">
+              <a14:hiddenFill xmlns="" xmlns:a16="http://schemas.microsoft.com/office/drawing/2014/main" xmlns:p14="http://schemas.microsoft.com/office/powerpoint/2010/main" xmlns:a14="http://schemas.microsoft.com/office/drawing/2010/main">
                 <a:solidFill>
                   <a:srgbClr val="FFFFFF"/>
                 </a:solidFill>
@@ -15971,7 +15971,7 @@
             </a:ln>
             <a:extLst>
               <a:ext uri="{91240B29-F687-4f45-9708-019B960494DF}">
-                <a14:hiddenLine xmlns:a14="http://schemas.microsoft.com/office/drawing/2010/main" xmlns:p14="http://schemas.microsoft.com/office/powerpoint/2010/main" xmlns:a16="http://schemas.microsoft.com/office/drawing/2014/main" xmlns="" w="9525">
+                <a14:hiddenLine xmlns="" xmlns:a16="http://schemas.microsoft.com/office/drawing/2014/main" xmlns:p14="http://schemas.microsoft.com/office/powerpoint/2010/main" xmlns:a14="http://schemas.microsoft.com/office/drawing/2010/main" w="9525">
                   <a:solidFill>
                     <a:srgbClr val="000000"/>
                   </a:solidFill>
@@ -16076,7 +16076,7 @@
             </a:ln>
             <a:extLst>
               <a:ext uri="{91240B29-F687-4f45-9708-019B960494DF}">
-                <a14:hiddenLine xmlns:a14="http://schemas.microsoft.com/office/drawing/2010/main" xmlns:p14="http://schemas.microsoft.com/office/powerpoint/2010/main" xmlns:a16="http://schemas.microsoft.com/office/drawing/2014/main" xmlns="" w="9525">
+                <a14:hiddenLine xmlns="" xmlns:a16="http://schemas.microsoft.com/office/drawing/2014/main" xmlns:p14="http://schemas.microsoft.com/office/powerpoint/2010/main" xmlns:a14="http://schemas.microsoft.com/office/drawing/2010/main" w="9525">
                   <a:solidFill>
                     <a:srgbClr val="000000"/>
                   </a:solidFill>
@@ -16181,7 +16181,7 @@
             </a:ln>
             <a:extLst>
               <a:ext uri="{91240B29-F687-4f45-9708-019B960494DF}">
-                <a14:hiddenLine xmlns:a14="http://schemas.microsoft.com/office/drawing/2010/main" xmlns:p14="http://schemas.microsoft.com/office/powerpoint/2010/main" xmlns:a16="http://schemas.microsoft.com/office/drawing/2014/main" xmlns="" w="9525">
+                <a14:hiddenLine xmlns="" xmlns:a16="http://schemas.microsoft.com/office/drawing/2014/main" xmlns:p14="http://schemas.microsoft.com/office/powerpoint/2010/main" xmlns:a14="http://schemas.microsoft.com/office/drawing/2010/main" w="9525">
                   <a:solidFill>
                     <a:srgbClr val="000000"/>
                   </a:solidFill>
@@ -16258,7 +16258,7 @@
             </a:ln>
             <a:extLst>
               <a:ext uri="{91240B29-F687-4f45-9708-019B960494DF}">
-                <a14:hiddenLine xmlns:a14="http://schemas.microsoft.com/office/drawing/2010/main" xmlns:p14="http://schemas.microsoft.com/office/powerpoint/2010/main" xmlns:a16="http://schemas.microsoft.com/office/drawing/2014/main" xmlns="" w="9525">
+                <a14:hiddenLine xmlns="" xmlns:a16="http://schemas.microsoft.com/office/drawing/2014/main" xmlns:p14="http://schemas.microsoft.com/office/powerpoint/2010/main" xmlns:a14="http://schemas.microsoft.com/office/drawing/2010/main" w="9525">
                   <a:solidFill>
                     <a:srgbClr val="000000"/>
                   </a:solidFill>
@@ -16363,7 +16363,7 @@
             </a:ln>
             <a:extLst>
               <a:ext uri="{91240B29-F687-4f45-9708-019B960494DF}">
-                <a14:hiddenLine xmlns:a14="http://schemas.microsoft.com/office/drawing/2010/main" xmlns:p14="http://schemas.microsoft.com/office/powerpoint/2010/main" xmlns:a16="http://schemas.microsoft.com/office/drawing/2014/main" xmlns="" w="9525">
+                <a14:hiddenLine xmlns="" xmlns:a16="http://schemas.microsoft.com/office/drawing/2014/main" xmlns:p14="http://schemas.microsoft.com/office/powerpoint/2010/main" xmlns:a14="http://schemas.microsoft.com/office/drawing/2010/main" w="9525">
                   <a:solidFill>
                     <a:srgbClr val="000000"/>
                   </a:solidFill>
@@ -16440,7 +16440,7 @@
             </a:ln>
             <a:extLst>
               <a:ext uri="{91240B29-F687-4f45-9708-019B960494DF}">
-                <a14:hiddenLine xmlns:a14="http://schemas.microsoft.com/office/drawing/2010/main" xmlns:p14="http://schemas.microsoft.com/office/powerpoint/2010/main" xmlns:a16="http://schemas.microsoft.com/office/drawing/2014/main" xmlns="" w="9525">
+                <a14:hiddenLine xmlns="" xmlns:a16="http://schemas.microsoft.com/office/drawing/2014/main" xmlns:p14="http://schemas.microsoft.com/office/powerpoint/2010/main" xmlns:a14="http://schemas.microsoft.com/office/drawing/2010/main" w="9525">
                   <a:solidFill>
                     <a:srgbClr val="000000"/>
                   </a:solidFill>
@@ -16517,7 +16517,7 @@
             </a:ln>
             <a:extLst>
               <a:ext uri="{91240B29-F687-4f45-9708-019B960494DF}">
-                <a14:hiddenLine xmlns:a14="http://schemas.microsoft.com/office/drawing/2010/main" xmlns:p14="http://schemas.microsoft.com/office/powerpoint/2010/main" xmlns:a16="http://schemas.microsoft.com/office/drawing/2014/main" xmlns="" w="9525">
+                <a14:hiddenLine xmlns="" xmlns:a16="http://schemas.microsoft.com/office/drawing/2014/main" xmlns:p14="http://schemas.microsoft.com/office/powerpoint/2010/main" xmlns:a14="http://schemas.microsoft.com/office/drawing/2010/main" w="9525">
                   <a:solidFill>
                     <a:srgbClr val="000000"/>
                   </a:solidFill>
@@ -16622,7 +16622,7 @@
             </a:ln>
             <a:extLst>
               <a:ext uri="{91240B29-F687-4f45-9708-019B960494DF}">
-                <a14:hiddenLine xmlns:a14="http://schemas.microsoft.com/office/drawing/2010/main" xmlns:p14="http://schemas.microsoft.com/office/powerpoint/2010/main" xmlns:a16="http://schemas.microsoft.com/office/drawing/2014/main" xmlns="" w="9525">
+                <a14:hiddenLine xmlns="" xmlns:a16="http://schemas.microsoft.com/office/drawing/2014/main" xmlns:p14="http://schemas.microsoft.com/office/powerpoint/2010/main" xmlns:a14="http://schemas.microsoft.com/office/drawing/2010/main" w="9525">
                   <a:solidFill>
                     <a:srgbClr val="000000"/>
                   </a:solidFill>
@@ -16727,7 +16727,7 @@
             </a:ln>
             <a:extLst>
               <a:ext uri="{91240B29-F687-4f45-9708-019B960494DF}">
-                <a14:hiddenLine xmlns:a14="http://schemas.microsoft.com/office/drawing/2010/main" xmlns:p14="http://schemas.microsoft.com/office/powerpoint/2010/main" xmlns:a16="http://schemas.microsoft.com/office/drawing/2014/main" xmlns="" w="9525">
+                <a14:hiddenLine xmlns="" xmlns:a16="http://schemas.microsoft.com/office/drawing/2014/main" xmlns:p14="http://schemas.microsoft.com/office/powerpoint/2010/main" xmlns:a14="http://schemas.microsoft.com/office/drawing/2010/main" w="9525">
                   <a:solidFill>
                     <a:srgbClr val="000000"/>
                   </a:solidFill>
@@ -16804,7 +16804,7 @@
             </a:ln>
             <a:extLst>
               <a:ext uri="{91240B29-F687-4f45-9708-019B960494DF}">
-                <a14:hiddenLine xmlns:a14="http://schemas.microsoft.com/office/drawing/2010/main" xmlns:p14="http://schemas.microsoft.com/office/powerpoint/2010/main" xmlns:a16="http://schemas.microsoft.com/office/drawing/2014/main" xmlns="" w="9525">
+                <a14:hiddenLine xmlns="" xmlns:a16="http://schemas.microsoft.com/office/drawing/2014/main" xmlns:p14="http://schemas.microsoft.com/office/powerpoint/2010/main" xmlns:a14="http://schemas.microsoft.com/office/drawing/2010/main" w="9525">
                   <a:solidFill>
                     <a:srgbClr val="000000"/>
                   </a:solidFill>
@@ -16929,7 +16929,7 @@
             </a:ln>
             <a:extLst>
               <a:ext uri="{91240B29-F687-4f45-9708-019B960494DF}">
-                <a14:hiddenLine xmlns:a14="http://schemas.microsoft.com/office/drawing/2010/main" xmlns:p14="http://schemas.microsoft.com/office/powerpoint/2010/main" xmlns:a16="http://schemas.microsoft.com/office/drawing/2014/main" xmlns="" w="9525">
+                <a14:hiddenLine xmlns="" xmlns:a16="http://schemas.microsoft.com/office/drawing/2014/main" xmlns:p14="http://schemas.microsoft.com/office/powerpoint/2010/main" xmlns:a14="http://schemas.microsoft.com/office/drawing/2010/main" w="9525">
                   <a:solidFill>
                     <a:srgbClr val="000000"/>
                   </a:solidFill>
@@ -17043,7 +17043,7 @@
             </a:ln>
             <a:extLst>
               <a:ext uri="{91240B29-F687-4f45-9708-019B960494DF}">
-                <a14:hiddenLine xmlns:a14="http://schemas.microsoft.com/office/drawing/2010/main" xmlns:p14="http://schemas.microsoft.com/office/powerpoint/2010/main" xmlns:a16="http://schemas.microsoft.com/office/drawing/2014/main" xmlns="" w="9525">
+                <a14:hiddenLine xmlns="" xmlns:a16="http://schemas.microsoft.com/office/drawing/2014/main" xmlns:p14="http://schemas.microsoft.com/office/powerpoint/2010/main" xmlns:a14="http://schemas.microsoft.com/office/drawing/2010/main" w="9525">
                   <a:solidFill>
                     <a:srgbClr val="000000"/>
                   </a:solidFill>
@@ -17120,7 +17120,7 @@
             </a:ln>
             <a:extLst>
               <a:ext uri="{91240B29-F687-4f45-9708-019B960494DF}">
-                <a14:hiddenLine xmlns:a14="http://schemas.microsoft.com/office/drawing/2010/main" xmlns:p14="http://schemas.microsoft.com/office/powerpoint/2010/main" xmlns:a16="http://schemas.microsoft.com/office/drawing/2014/main" xmlns="" w="9525">
+                <a14:hiddenLine xmlns="" xmlns:a16="http://schemas.microsoft.com/office/drawing/2014/main" xmlns:p14="http://schemas.microsoft.com/office/powerpoint/2010/main" xmlns:a14="http://schemas.microsoft.com/office/drawing/2010/main" w="9525">
                   <a:solidFill>
                     <a:srgbClr val="000000"/>
                   </a:solidFill>
@@ -17197,7 +17197,7 @@
             </a:ln>
             <a:extLst>
               <a:ext uri="{91240B29-F687-4f45-9708-019B960494DF}">
-                <a14:hiddenLine xmlns:a14="http://schemas.microsoft.com/office/drawing/2010/main" xmlns:p14="http://schemas.microsoft.com/office/powerpoint/2010/main" xmlns:a16="http://schemas.microsoft.com/office/drawing/2014/main" xmlns="" w="9525">
+                <a14:hiddenLine xmlns="" xmlns:a16="http://schemas.microsoft.com/office/drawing/2014/main" xmlns:p14="http://schemas.microsoft.com/office/powerpoint/2010/main" xmlns:a14="http://schemas.microsoft.com/office/drawing/2010/main" w="9525">
                   <a:solidFill>
                     <a:srgbClr val="000000"/>
                   </a:solidFill>
@@ -17302,7 +17302,7 @@
             </a:ln>
             <a:extLst>
               <a:ext uri="{91240B29-F687-4f45-9708-019B960494DF}">
-                <a14:hiddenLine xmlns:a14="http://schemas.microsoft.com/office/drawing/2010/main" xmlns:p14="http://schemas.microsoft.com/office/powerpoint/2010/main" xmlns:a16="http://schemas.microsoft.com/office/drawing/2014/main" xmlns="" w="9525">
+                <a14:hiddenLine xmlns="" xmlns:a16="http://schemas.microsoft.com/office/drawing/2014/main" xmlns:p14="http://schemas.microsoft.com/office/powerpoint/2010/main" xmlns:a14="http://schemas.microsoft.com/office/drawing/2010/main" w="9525">
                   <a:solidFill>
                     <a:srgbClr val="000000"/>
                   </a:solidFill>
@@ -17351,7 +17351,7 @@
             </a:ln>
             <a:extLst>
               <a:ext uri="{91240B29-F687-4f45-9708-019B960494DF}">
-                <a14:hiddenLine xmlns:a14="http://schemas.microsoft.com/office/drawing/2010/main" xmlns:p14="http://schemas.microsoft.com/office/powerpoint/2010/main" xmlns:a16="http://schemas.microsoft.com/office/drawing/2014/main" xmlns="" w="9525">
+                <a14:hiddenLine xmlns="" xmlns:a16="http://schemas.microsoft.com/office/drawing/2014/main" xmlns:p14="http://schemas.microsoft.com/office/powerpoint/2010/main" xmlns:a14="http://schemas.microsoft.com/office/drawing/2010/main" w="9525">
                   <a:solidFill>
                     <a:srgbClr val="000000"/>
                   </a:solidFill>
@@ -17431,7 +17431,7 @@
             </a:ln>
             <a:extLst>
               <a:ext uri="{91240B29-F687-4f45-9708-019B960494DF}">
-                <a14:hiddenLine xmlns:a14="http://schemas.microsoft.com/office/drawing/2010/main" xmlns:p14="http://schemas.microsoft.com/office/powerpoint/2010/main" xmlns:a16="http://schemas.microsoft.com/office/drawing/2014/main" xmlns="" w="9525">
+                <a14:hiddenLine xmlns="" xmlns:a16="http://schemas.microsoft.com/office/drawing/2014/main" xmlns:p14="http://schemas.microsoft.com/office/powerpoint/2010/main" xmlns:a14="http://schemas.microsoft.com/office/drawing/2010/main" w="9525">
                   <a:solidFill>
                     <a:srgbClr val="000000"/>
                   </a:solidFill>
@@ -17536,7 +17536,7 @@
             </a:ln>
             <a:extLst>
               <a:ext uri="{91240B29-F687-4f45-9708-019B960494DF}">
-                <a14:hiddenLine xmlns:a14="http://schemas.microsoft.com/office/drawing/2010/main" xmlns:p14="http://schemas.microsoft.com/office/powerpoint/2010/main" xmlns:a16="http://schemas.microsoft.com/office/drawing/2014/main" xmlns="" w="9525">
+                <a14:hiddenLine xmlns="" xmlns:a16="http://schemas.microsoft.com/office/drawing/2014/main" xmlns:p14="http://schemas.microsoft.com/office/powerpoint/2010/main" xmlns:a14="http://schemas.microsoft.com/office/drawing/2010/main" w="9525">
                   <a:solidFill>
                     <a:srgbClr val="000000"/>
                   </a:solidFill>
@@ -17613,7 +17613,7 @@
             </a:ln>
             <a:extLst>
               <a:ext uri="{91240B29-F687-4f45-9708-019B960494DF}">
-                <a14:hiddenLine xmlns:a14="http://schemas.microsoft.com/office/drawing/2010/main" xmlns:p14="http://schemas.microsoft.com/office/powerpoint/2010/main" xmlns:a16="http://schemas.microsoft.com/office/drawing/2014/main" xmlns="" w="9525">
+                <a14:hiddenLine xmlns="" xmlns:a16="http://schemas.microsoft.com/office/drawing/2014/main" xmlns:p14="http://schemas.microsoft.com/office/powerpoint/2010/main" xmlns:a14="http://schemas.microsoft.com/office/drawing/2010/main" w="9525">
                   <a:solidFill>
                     <a:srgbClr val="000000"/>
                   </a:solidFill>
@@ -17718,7 +17718,7 @@
             </a:ln>
             <a:extLst>
               <a:ext uri="{91240B29-F687-4f45-9708-019B960494DF}">
-                <a14:hiddenLine xmlns:a14="http://schemas.microsoft.com/office/drawing/2010/main" xmlns:p14="http://schemas.microsoft.com/office/powerpoint/2010/main" xmlns:a16="http://schemas.microsoft.com/office/drawing/2014/main" xmlns="" w="9525">
+                <a14:hiddenLine xmlns="" xmlns:a16="http://schemas.microsoft.com/office/drawing/2014/main" xmlns:p14="http://schemas.microsoft.com/office/powerpoint/2010/main" xmlns:a14="http://schemas.microsoft.com/office/drawing/2010/main" w="9525">
                   <a:solidFill>
                     <a:srgbClr val="000000"/>
                   </a:solidFill>
@@ -17798,7 +17798,7 @@
             </a:ln>
             <a:extLst>
               <a:ext uri="{91240B29-F687-4f45-9708-019B960494DF}">
-                <a14:hiddenLine xmlns:a14="http://schemas.microsoft.com/office/drawing/2010/main" xmlns:p14="http://schemas.microsoft.com/office/powerpoint/2010/main" xmlns:a16="http://schemas.microsoft.com/office/drawing/2014/main" xmlns="" w="9525">
+                <a14:hiddenLine xmlns="" xmlns:a16="http://schemas.microsoft.com/office/drawing/2014/main" xmlns:p14="http://schemas.microsoft.com/office/powerpoint/2010/main" xmlns:a14="http://schemas.microsoft.com/office/drawing/2010/main" w="9525">
                   <a:solidFill>
                     <a:srgbClr val="000000"/>
                   </a:solidFill>
@@ -17875,7 +17875,7 @@
             </a:ln>
             <a:extLst>
               <a:ext uri="{91240B29-F687-4f45-9708-019B960494DF}">
-                <a14:hiddenLine xmlns:a14="http://schemas.microsoft.com/office/drawing/2010/main" xmlns:p14="http://schemas.microsoft.com/office/powerpoint/2010/main" xmlns:a16="http://schemas.microsoft.com/office/drawing/2014/main" xmlns="" w="9525">
+                <a14:hiddenLine xmlns="" xmlns:a16="http://schemas.microsoft.com/office/drawing/2014/main" xmlns:p14="http://schemas.microsoft.com/office/powerpoint/2010/main" xmlns:a14="http://schemas.microsoft.com/office/drawing/2010/main" w="9525">
                   <a:solidFill>
                     <a:srgbClr val="000000"/>
                   </a:solidFill>
@@ -17980,7 +17980,7 @@
             </a:ln>
             <a:extLst>
               <a:ext uri="{91240B29-F687-4f45-9708-019B960494DF}">
-                <a14:hiddenLine xmlns:a14="http://schemas.microsoft.com/office/drawing/2010/main" xmlns:p14="http://schemas.microsoft.com/office/powerpoint/2010/main" xmlns:a16="http://schemas.microsoft.com/office/drawing/2014/main" xmlns="" w="9525">
+                <a14:hiddenLine xmlns="" xmlns:a16="http://schemas.microsoft.com/office/drawing/2014/main" xmlns:p14="http://schemas.microsoft.com/office/powerpoint/2010/main" xmlns:a14="http://schemas.microsoft.com/office/drawing/2010/main" w="9525">
                   <a:solidFill>
                     <a:srgbClr val="000000"/>
                   </a:solidFill>
@@ -18085,7 +18085,7 @@
             </a:ln>
             <a:extLst>
               <a:ext uri="{91240B29-F687-4f45-9708-019B960494DF}">
-                <a14:hiddenLine xmlns:a14="http://schemas.microsoft.com/office/drawing/2010/main" xmlns:p14="http://schemas.microsoft.com/office/powerpoint/2010/main" xmlns:a16="http://schemas.microsoft.com/office/drawing/2014/main" xmlns="" w="9525">
+                <a14:hiddenLine xmlns="" xmlns:a16="http://schemas.microsoft.com/office/drawing/2014/main" xmlns:p14="http://schemas.microsoft.com/office/powerpoint/2010/main" xmlns:a14="http://schemas.microsoft.com/office/drawing/2010/main" w="9525">
                   <a:solidFill>
                     <a:srgbClr val="000000"/>
                   </a:solidFill>
@@ -18165,7 +18165,7 @@
             </a:ln>
             <a:extLst>
               <a:ext uri="{91240B29-F687-4f45-9708-019B960494DF}">
-                <a14:hiddenLine xmlns:a14="http://schemas.microsoft.com/office/drawing/2010/main" xmlns:p14="http://schemas.microsoft.com/office/powerpoint/2010/main" xmlns:a16="http://schemas.microsoft.com/office/drawing/2014/main" xmlns="" w="9525">
+                <a14:hiddenLine xmlns="" xmlns:a16="http://schemas.microsoft.com/office/drawing/2014/main" xmlns:p14="http://schemas.microsoft.com/office/powerpoint/2010/main" xmlns:a14="http://schemas.microsoft.com/office/drawing/2010/main" w="9525">
                   <a:solidFill>
                     <a:srgbClr val="000000"/>
                   </a:solidFill>
@@ -18300,7 +18300,7 @@
             </a:ln>
             <a:extLst>
               <a:ext uri="{91240B29-F687-4f45-9708-019B960494DF}">
-                <a14:hiddenLine xmlns:a14="http://schemas.microsoft.com/office/drawing/2010/main" xmlns:p14="http://schemas.microsoft.com/office/powerpoint/2010/main" xmlns:a16="http://schemas.microsoft.com/office/drawing/2014/main" xmlns="" w="9525">
+                <a14:hiddenLine xmlns="" xmlns:a16="http://schemas.microsoft.com/office/drawing/2014/main" xmlns:p14="http://schemas.microsoft.com/office/powerpoint/2010/main" xmlns:a14="http://schemas.microsoft.com/office/drawing/2010/main" w="9525">
                   <a:solidFill>
                     <a:srgbClr val="000000"/>
                   </a:solidFill>
@@ -18394,8 +18394,8 @@
         </p:nvCxnSpPr>
         <p:spPr>
           <a:xfrm flipV="1">
-            <a:off x="2920872" y="1990483"/>
-            <a:ext cx="1268895" cy="695738"/>
+            <a:off x="2920872" y="1945164"/>
+            <a:ext cx="1144232" cy="741057"/>
           </a:xfrm>
           <a:prstGeom prst="straightConnector1">
             <a:avLst/>
@@ -18774,7 +18774,7 @@
           <p:nvPr/>
         </p:nvSpPr>
         <p:spPr>
-          <a:xfrm rot="19739559">
+          <a:xfrm rot="19559117">
             <a:off x="3206416" y="2204214"/>
             <a:ext cx="997226" cy="338554"/>
           </a:xfrm>
@@ -18812,50 +18812,6 @@
                 <a:sysClr val="windowText" lastClr="000000"/>
               </a:solidFill>
             </a:endParaRPr>
-          </a:p>
-        </p:txBody>
-      </p:sp>
-      <p:sp>
-        <p:nvSpPr>
-          <p:cNvPr id="28" name="TextBox 27">
-            <a:extLst>
-              <a:ext uri="{FF2B5EF4-FFF2-40B4-BE49-F238E27FC236}">
-                <a16:creationId xmlns:a16="http://schemas.microsoft.com/office/drawing/2014/main" id="{0B9F5ABC-8001-DE42-943C-F8A6E9C2B180}"/>
-              </a:ext>
-            </a:extLst>
-          </p:cNvPr>
-          <p:cNvSpPr txBox="1"/>
-          <p:nvPr/>
-        </p:nvSpPr>
-        <p:spPr>
-          <a:xfrm>
-            <a:off x="5812736" y="1679376"/>
-            <a:ext cx="1133061" cy="338554"/>
-          </a:xfrm>
-          <a:prstGeom prst="rect">
-            <a:avLst/>
-          </a:prstGeom>
-          <a:noFill/>
-        </p:spPr>
-        <p:txBody>
-          <a:bodyPr wrap="square" rtlCol="0">
-            <a:spAutoFit/>
-          </a:bodyPr>
-          <a:lstStyle/>
-          <a:p>
-            <a:r>
-              <a:rPr lang="en-US" sz="1600" dirty="0">
-                <a:ln>
-                  <a:solidFill>
-                    <a:schemeClr val="bg1"/>
-                  </a:solidFill>
-                </a:ln>
-                <a:solidFill>
-                  <a:sysClr val="windowText" lastClr="000000"/>
-                </a:solidFill>
-              </a:rPr>
-              <a:t>C-script</a:t>
-            </a:r>
           </a:p>
         </p:txBody>
       </p:sp>

--- a/Presentation/Presentation1.pptx
+++ b/Presentation/Presentation1.pptx
@@ -7,12 +7,13 @@
   <p:sldIdLst>
     <p:sldId id="256" r:id="rId2"/>
     <p:sldId id="259" r:id="rId3"/>
-    <p:sldId id="257" r:id="rId4"/>
-    <p:sldId id="258" r:id="rId5"/>
-    <p:sldId id="260" r:id="rId6"/>
-    <p:sldId id="263" r:id="rId7"/>
-    <p:sldId id="261" r:id="rId8"/>
-    <p:sldId id="262" r:id="rId9"/>
+    <p:sldId id="263" r:id="rId4"/>
+    <p:sldId id="261" r:id="rId5"/>
+    <p:sldId id="267" r:id="rId6"/>
+    <p:sldId id="262" r:id="rId7"/>
+    <p:sldId id="264" r:id="rId8"/>
+    <p:sldId id="265" r:id="rId9"/>
+    <p:sldId id="266" r:id="rId10"/>
   </p:sldIdLst>
   <p:sldSz cx="12192000" cy="6858000"/>
   <p:notesSz cx="6858000" cy="9144000"/>
@@ -358,7 +359,7 @@
           <a:noFill/>
           <a:extLst>
             <a:ext uri="{909E8E84-426E-40dd-AFC4-6F175D3DCCD1}">
-              <a14:hiddenFill xmlns:a14="http://schemas.microsoft.com/office/drawing/2010/main" xmlns="">
+              <a14:hiddenFill xmlns="" xmlns:a14="http://schemas.microsoft.com/office/drawing/2010/main">
                 <a:solidFill>
                   <a:srgbClr val="FFFFFF"/>
                 </a:solidFill>
@@ -418,7 +419,7 @@
             </a:ln>
             <a:extLst>
               <a:ext uri="{91240B29-F687-4f45-9708-019B960494DF}">
-                <a14:hiddenLine xmlns:a14="http://schemas.microsoft.com/office/drawing/2010/main" xmlns="" w="9525">
+                <a14:hiddenLine xmlns="" xmlns:a14="http://schemas.microsoft.com/office/drawing/2010/main" w="9525">
                   <a:solidFill>
                     <a:srgbClr val="000000"/>
                   </a:solidFill>
@@ -508,7 +509,7 @@
             </a:ln>
             <a:extLst>
               <a:ext uri="{91240B29-F687-4f45-9708-019B960494DF}">
-                <a14:hiddenLine xmlns:a14="http://schemas.microsoft.com/office/drawing/2010/main" xmlns="" w="9525">
+                <a14:hiddenLine xmlns="" xmlns:a14="http://schemas.microsoft.com/office/drawing/2010/main" w="9525">
                   <a:solidFill>
                     <a:srgbClr val="000000"/>
                   </a:solidFill>
@@ -598,7 +599,7 @@
             </a:ln>
             <a:extLst>
               <a:ext uri="{91240B29-F687-4f45-9708-019B960494DF}">
-                <a14:hiddenLine xmlns:a14="http://schemas.microsoft.com/office/drawing/2010/main" xmlns="" w="9525">
+                <a14:hiddenLine xmlns="" xmlns:a14="http://schemas.microsoft.com/office/drawing/2010/main" w="9525">
                   <a:solidFill>
                     <a:srgbClr val="000000"/>
                   </a:solidFill>
@@ -632,7 +633,7 @@
             </a:ln>
             <a:extLst>
               <a:ext uri="{91240B29-F687-4f45-9708-019B960494DF}">
-                <a14:hiddenLine xmlns:a14="http://schemas.microsoft.com/office/drawing/2010/main" xmlns="" w="9525">
+                <a14:hiddenLine xmlns="" xmlns:a14="http://schemas.microsoft.com/office/drawing/2010/main" w="9525">
                   <a:solidFill>
                     <a:srgbClr val="000000"/>
                   </a:solidFill>
@@ -722,7 +723,7 @@
             </a:ln>
             <a:extLst>
               <a:ext uri="{91240B29-F687-4f45-9708-019B960494DF}">
-                <a14:hiddenLine xmlns:a14="http://schemas.microsoft.com/office/drawing/2010/main" xmlns="" w="9525">
+                <a14:hiddenLine xmlns="" xmlns:a14="http://schemas.microsoft.com/office/drawing/2010/main" w="9525">
                   <a:solidFill>
                     <a:srgbClr val="000000"/>
                   </a:solidFill>
@@ -784,7 +785,7 @@
             </a:ln>
             <a:extLst>
               <a:ext uri="{91240B29-F687-4f45-9708-019B960494DF}">
-                <a14:hiddenLine xmlns:a14="http://schemas.microsoft.com/office/drawing/2010/main" xmlns="" w="9525">
+                <a14:hiddenLine xmlns="" xmlns:a14="http://schemas.microsoft.com/office/drawing/2010/main" w="9525">
                   <a:solidFill>
                     <a:srgbClr val="000000"/>
                   </a:solidFill>
@@ -846,7 +847,7 @@
             </a:ln>
             <a:extLst>
               <a:ext uri="{91240B29-F687-4f45-9708-019B960494DF}">
-                <a14:hiddenLine xmlns:a14="http://schemas.microsoft.com/office/drawing/2010/main" xmlns="" w="9525">
+                <a14:hiddenLine xmlns="" xmlns:a14="http://schemas.microsoft.com/office/drawing/2010/main" w="9525">
                   <a:solidFill>
                     <a:srgbClr val="000000"/>
                   </a:solidFill>
@@ -936,7 +937,7 @@
             </a:ln>
             <a:extLst>
               <a:ext uri="{91240B29-F687-4f45-9708-019B960494DF}">
-                <a14:hiddenLine xmlns:a14="http://schemas.microsoft.com/office/drawing/2010/main" xmlns="" w="9525">
+                <a14:hiddenLine xmlns="" xmlns:a14="http://schemas.microsoft.com/office/drawing/2010/main" w="9525">
                   <a:solidFill>
                     <a:srgbClr val="000000"/>
                   </a:solidFill>
@@ -998,7 +999,7 @@
             </a:ln>
             <a:extLst>
               <a:ext uri="{91240B29-F687-4f45-9708-019B960494DF}">
-                <a14:hiddenLine xmlns:a14="http://schemas.microsoft.com/office/drawing/2010/main" xmlns="" w="9525">
+                <a14:hiddenLine xmlns="" xmlns:a14="http://schemas.microsoft.com/office/drawing/2010/main" w="9525">
                   <a:solidFill>
                     <a:srgbClr val="000000"/>
                   </a:solidFill>
@@ -1060,7 +1061,7 @@
             </a:ln>
             <a:extLst>
               <a:ext uri="{91240B29-F687-4f45-9708-019B960494DF}">
-                <a14:hiddenLine xmlns:a14="http://schemas.microsoft.com/office/drawing/2010/main" xmlns="" w="9525">
+                <a14:hiddenLine xmlns="" xmlns:a14="http://schemas.microsoft.com/office/drawing/2010/main" w="9525">
                   <a:solidFill>
                     <a:srgbClr val="000000"/>
                   </a:solidFill>
@@ -1150,7 +1151,7 @@
             </a:ln>
             <a:extLst>
               <a:ext uri="{91240B29-F687-4f45-9708-019B960494DF}">
-                <a14:hiddenLine xmlns:a14="http://schemas.microsoft.com/office/drawing/2010/main" xmlns="" w="9525">
+                <a14:hiddenLine xmlns="" xmlns:a14="http://schemas.microsoft.com/office/drawing/2010/main" w="9525">
                   <a:solidFill>
                     <a:srgbClr val="000000"/>
                   </a:solidFill>
@@ -1240,7 +1241,7 @@
             </a:ln>
             <a:extLst>
               <a:ext uri="{91240B29-F687-4f45-9708-019B960494DF}">
-                <a14:hiddenLine xmlns:a14="http://schemas.microsoft.com/office/drawing/2010/main" xmlns="" w="9525">
+                <a14:hiddenLine xmlns="" xmlns:a14="http://schemas.microsoft.com/office/drawing/2010/main" w="9525">
                   <a:solidFill>
                     <a:srgbClr val="000000"/>
                   </a:solidFill>
@@ -1302,7 +1303,7 @@
             </a:ln>
             <a:extLst>
               <a:ext uri="{91240B29-F687-4f45-9708-019B960494DF}">
-                <a14:hiddenLine xmlns:a14="http://schemas.microsoft.com/office/drawing/2010/main" xmlns="" w="9525">
+                <a14:hiddenLine xmlns="" xmlns:a14="http://schemas.microsoft.com/office/drawing/2010/main" w="9525">
                   <a:solidFill>
                     <a:srgbClr val="000000"/>
                   </a:solidFill>
@@ -1412,7 +1413,7 @@
             </a:ln>
             <a:extLst>
               <a:ext uri="{91240B29-F687-4f45-9708-019B960494DF}">
-                <a14:hiddenLine xmlns:a14="http://schemas.microsoft.com/office/drawing/2010/main" xmlns="" w="9525">
+                <a14:hiddenLine xmlns="" xmlns:a14="http://schemas.microsoft.com/office/drawing/2010/main" w="9525">
                   <a:solidFill>
                     <a:srgbClr val="000000"/>
                   </a:solidFill>
@@ -1474,7 +1475,7 @@
             </a:ln>
             <a:extLst>
               <a:ext uri="{91240B29-F687-4f45-9708-019B960494DF}">
-                <a14:hiddenLine xmlns:a14="http://schemas.microsoft.com/office/drawing/2010/main" xmlns="" w="9525">
+                <a14:hiddenLine xmlns="" xmlns:a14="http://schemas.microsoft.com/office/drawing/2010/main" w="9525">
                   <a:solidFill>
                     <a:srgbClr val="000000"/>
                   </a:solidFill>
@@ -1564,7 +1565,7 @@
             </a:ln>
             <a:extLst>
               <a:ext uri="{91240B29-F687-4f45-9708-019B960494DF}">
-                <a14:hiddenLine xmlns:a14="http://schemas.microsoft.com/office/drawing/2010/main" xmlns="" w="9525">
+                <a14:hiddenLine xmlns="" xmlns:a14="http://schemas.microsoft.com/office/drawing/2010/main" w="9525">
                   <a:solidFill>
                     <a:srgbClr val="000000"/>
                   </a:solidFill>
@@ -1654,7 +1655,7 @@
             </a:ln>
             <a:extLst>
               <a:ext uri="{91240B29-F687-4f45-9708-019B960494DF}">
-                <a14:hiddenLine xmlns:a14="http://schemas.microsoft.com/office/drawing/2010/main" xmlns="" w="9525">
+                <a14:hiddenLine xmlns="" xmlns:a14="http://schemas.microsoft.com/office/drawing/2010/main" w="9525">
                   <a:solidFill>
                     <a:srgbClr val="000000"/>
                   </a:solidFill>
@@ -1716,7 +1717,7 @@
             </a:ln>
             <a:extLst>
               <a:ext uri="{91240B29-F687-4f45-9708-019B960494DF}">
-                <a14:hiddenLine xmlns:a14="http://schemas.microsoft.com/office/drawing/2010/main" xmlns="" w="9525">
+                <a14:hiddenLine xmlns="" xmlns:a14="http://schemas.microsoft.com/office/drawing/2010/main" w="9525">
                   <a:solidFill>
                     <a:srgbClr val="000000"/>
                   </a:solidFill>
@@ -1806,7 +1807,7 @@
             </a:ln>
             <a:extLst>
               <a:ext uri="{91240B29-F687-4f45-9708-019B960494DF}">
-                <a14:hiddenLine xmlns:a14="http://schemas.microsoft.com/office/drawing/2010/main" xmlns="" w="9525">
+                <a14:hiddenLine xmlns="" xmlns:a14="http://schemas.microsoft.com/office/drawing/2010/main" w="9525">
                   <a:solidFill>
                     <a:srgbClr val="000000"/>
                   </a:solidFill>
@@ -1896,7 +1897,7 @@
             </a:ln>
             <a:extLst>
               <a:ext uri="{91240B29-F687-4f45-9708-019B960494DF}">
-                <a14:hiddenLine xmlns:a14="http://schemas.microsoft.com/office/drawing/2010/main" xmlns="" w="9525">
+                <a14:hiddenLine xmlns="" xmlns:a14="http://schemas.microsoft.com/office/drawing/2010/main" w="9525">
                   <a:solidFill>
                     <a:srgbClr val="000000"/>
                   </a:solidFill>
@@ -1952,7 +1953,7 @@
             </a:ln>
             <a:extLst>
               <a:ext uri="{91240B29-F687-4f45-9708-019B960494DF}">
-                <a14:hiddenLine xmlns:a14="http://schemas.microsoft.com/office/drawing/2010/main" xmlns="" w="9525">
+                <a14:hiddenLine xmlns="" xmlns:a14="http://schemas.microsoft.com/office/drawing/2010/main" w="9525">
                   <a:solidFill>
                     <a:srgbClr val="000000"/>
                   </a:solidFill>
@@ -2042,7 +2043,7 @@
             </a:ln>
             <a:extLst>
               <a:ext uri="{91240B29-F687-4f45-9708-019B960494DF}">
-                <a14:hiddenLine xmlns:a14="http://schemas.microsoft.com/office/drawing/2010/main" xmlns="" w="9525">
+                <a14:hiddenLine xmlns="" xmlns:a14="http://schemas.microsoft.com/office/drawing/2010/main" w="9525">
                   <a:solidFill>
                     <a:srgbClr val="000000"/>
                   </a:solidFill>
@@ -2098,7 +2099,7 @@
             </a:ln>
             <a:extLst>
               <a:ext uri="{91240B29-F687-4f45-9708-019B960494DF}">
-                <a14:hiddenLine xmlns:a14="http://schemas.microsoft.com/office/drawing/2010/main" xmlns="" w="9525">
+                <a14:hiddenLine xmlns="" xmlns:a14="http://schemas.microsoft.com/office/drawing/2010/main" w="9525">
                   <a:solidFill>
                     <a:srgbClr val="000000"/>
                   </a:solidFill>
@@ -2188,7 +2189,7 @@
             </a:ln>
             <a:extLst>
               <a:ext uri="{91240B29-F687-4f45-9708-019B960494DF}">
-                <a14:hiddenLine xmlns:a14="http://schemas.microsoft.com/office/drawing/2010/main" xmlns="" w="9525">
+                <a14:hiddenLine xmlns="" xmlns:a14="http://schemas.microsoft.com/office/drawing/2010/main" w="9525">
                   <a:solidFill>
                     <a:srgbClr val="000000"/>
                   </a:solidFill>
@@ -2256,7 +2257,7 @@
             </a:ln>
             <a:extLst>
               <a:ext uri="{91240B29-F687-4f45-9708-019B960494DF}">
-                <a14:hiddenLine xmlns:a14="http://schemas.microsoft.com/office/drawing/2010/main" xmlns="" w="9525">
+                <a14:hiddenLine xmlns="" xmlns:a14="http://schemas.microsoft.com/office/drawing/2010/main" w="9525">
                   <a:solidFill>
                     <a:srgbClr val="000000"/>
                   </a:solidFill>
@@ -2346,7 +2347,7 @@
             </a:ln>
             <a:extLst>
               <a:ext uri="{91240B29-F687-4f45-9708-019B960494DF}">
-                <a14:hiddenLine xmlns:a14="http://schemas.microsoft.com/office/drawing/2010/main" xmlns="" w="9525">
+                <a14:hiddenLine xmlns="" xmlns:a14="http://schemas.microsoft.com/office/drawing/2010/main" w="9525">
                   <a:solidFill>
                     <a:srgbClr val="000000"/>
                   </a:solidFill>
@@ -2414,7 +2415,7 @@
             </a:ln>
             <a:extLst>
               <a:ext uri="{91240B29-F687-4f45-9708-019B960494DF}">
-                <a14:hiddenLine xmlns:a14="http://schemas.microsoft.com/office/drawing/2010/main" xmlns="" w="9525">
+                <a14:hiddenLine xmlns="" xmlns:a14="http://schemas.microsoft.com/office/drawing/2010/main" w="9525">
                   <a:solidFill>
                     <a:srgbClr val="000000"/>
                   </a:solidFill>
@@ -2504,7 +2505,7 @@
             </a:ln>
             <a:extLst>
               <a:ext uri="{91240B29-F687-4f45-9708-019B960494DF}">
-                <a14:hiddenLine xmlns:a14="http://schemas.microsoft.com/office/drawing/2010/main" xmlns="" w="9525">
+                <a14:hiddenLine xmlns="" xmlns:a14="http://schemas.microsoft.com/office/drawing/2010/main" w="9525">
                   <a:solidFill>
                     <a:srgbClr val="000000"/>
                   </a:solidFill>
@@ -2538,7 +2539,7 @@
             </a:ln>
             <a:extLst>
               <a:ext uri="{91240B29-F687-4f45-9708-019B960494DF}">
-                <a14:hiddenLine xmlns:a14="http://schemas.microsoft.com/office/drawing/2010/main" xmlns="" w="9525">
+                <a14:hiddenLine xmlns="" xmlns:a14="http://schemas.microsoft.com/office/drawing/2010/main" w="9525">
                   <a:solidFill>
                     <a:srgbClr val="000000"/>
                   </a:solidFill>
@@ -2628,7 +2629,7 @@
             </a:ln>
             <a:extLst>
               <a:ext uri="{91240B29-F687-4f45-9708-019B960494DF}">
-                <a14:hiddenLine xmlns:a14="http://schemas.microsoft.com/office/drawing/2010/main" xmlns="" w="9525">
+                <a14:hiddenLine xmlns="" xmlns:a14="http://schemas.microsoft.com/office/drawing/2010/main" w="9525">
                   <a:solidFill>
                     <a:srgbClr val="000000"/>
                   </a:solidFill>
@@ -2690,7 +2691,7 @@
             </a:ln>
             <a:extLst>
               <a:ext uri="{91240B29-F687-4f45-9708-019B960494DF}">
-                <a14:hiddenLine xmlns:a14="http://schemas.microsoft.com/office/drawing/2010/main" xmlns="" w="9525">
+                <a14:hiddenLine xmlns="" xmlns:a14="http://schemas.microsoft.com/office/drawing/2010/main" w="9525">
                   <a:solidFill>
                     <a:srgbClr val="000000"/>
                   </a:solidFill>
@@ -2752,7 +2753,7 @@
             </a:ln>
             <a:extLst>
               <a:ext uri="{91240B29-F687-4f45-9708-019B960494DF}">
-                <a14:hiddenLine xmlns:a14="http://schemas.microsoft.com/office/drawing/2010/main" xmlns="" w="9525">
+                <a14:hiddenLine xmlns="" xmlns:a14="http://schemas.microsoft.com/office/drawing/2010/main" w="9525">
                   <a:solidFill>
                     <a:srgbClr val="000000"/>
                   </a:solidFill>
@@ -2842,7 +2843,7 @@
             </a:ln>
             <a:extLst>
               <a:ext uri="{91240B29-F687-4f45-9708-019B960494DF}">
-                <a14:hiddenLine xmlns:a14="http://schemas.microsoft.com/office/drawing/2010/main" xmlns="" w="9525">
+                <a14:hiddenLine xmlns="" xmlns:a14="http://schemas.microsoft.com/office/drawing/2010/main" w="9525">
                   <a:solidFill>
                     <a:srgbClr val="000000"/>
                   </a:solidFill>
@@ -2910,7 +2911,7 @@
             </a:ln>
             <a:extLst>
               <a:ext uri="{91240B29-F687-4f45-9708-019B960494DF}">
-                <a14:hiddenLine xmlns:a14="http://schemas.microsoft.com/office/drawing/2010/main" xmlns="" w="9525">
+                <a14:hiddenLine xmlns="" xmlns:a14="http://schemas.microsoft.com/office/drawing/2010/main" w="9525">
                   <a:solidFill>
                     <a:srgbClr val="000000"/>
                   </a:solidFill>
@@ -2972,7 +2973,7 @@
             </a:ln>
             <a:extLst>
               <a:ext uri="{91240B29-F687-4f45-9708-019B960494DF}">
-                <a14:hiddenLine xmlns:a14="http://schemas.microsoft.com/office/drawing/2010/main" xmlns="" w="9525">
+                <a14:hiddenLine xmlns="" xmlns:a14="http://schemas.microsoft.com/office/drawing/2010/main" w="9525">
                   <a:solidFill>
                     <a:srgbClr val="000000"/>
                   </a:solidFill>
@@ -3062,7 +3063,7 @@
             </a:ln>
             <a:extLst>
               <a:ext uri="{91240B29-F687-4f45-9708-019B960494DF}">
-                <a14:hiddenLine xmlns:a14="http://schemas.microsoft.com/office/drawing/2010/main" xmlns="" w="9525">
+                <a14:hiddenLine xmlns="" xmlns:a14="http://schemas.microsoft.com/office/drawing/2010/main" w="9525">
                   <a:solidFill>
                     <a:srgbClr val="000000"/>
                   </a:solidFill>
@@ -3124,7 +3125,7 @@
             </a:ln>
             <a:extLst>
               <a:ext uri="{91240B29-F687-4f45-9708-019B960494DF}">
-                <a14:hiddenLine xmlns:a14="http://schemas.microsoft.com/office/drawing/2010/main" xmlns="" w="9525">
+                <a14:hiddenLine xmlns="" xmlns:a14="http://schemas.microsoft.com/office/drawing/2010/main" w="9525">
                   <a:solidFill>
                     <a:srgbClr val="000000"/>
                   </a:solidFill>
@@ -3214,7 +3215,7 @@
             </a:ln>
             <a:extLst>
               <a:ext uri="{91240B29-F687-4f45-9708-019B960494DF}">
-                <a14:hiddenLine xmlns:a14="http://schemas.microsoft.com/office/drawing/2010/main" xmlns="" w="9525">
+                <a14:hiddenLine xmlns="" xmlns:a14="http://schemas.microsoft.com/office/drawing/2010/main" w="9525">
                   <a:solidFill>
                     <a:srgbClr val="000000"/>
                   </a:solidFill>
@@ -3276,7 +3277,7 @@
             </a:ln>
             <a:extLst>
               <a:ext uri="{91240B29-F687-4f45-9708-019B960494DF}">
-                <a14:hiddenLine xmlns:a14="http://schemas.microsoft.com/office/drawing/2010/main" xmlns="" w="9525">
+                <a14:hiddenLine xmlns="" xmlns:a14="http://schemas.microsoft.com/office/drawing/2010/main" w="9525">
                   <a:solidFill>
                     <a:srgbClr val="000000"/>
                   </a:solidFill>
@@ -3366,7 +3367,7 @@
             </a:ln>
             <a:extLst>
               <a:ext uri="{91240B29-F687-4f45-9708-019B960494DF}">
-                <a14:hiddenLine xmlns:a14="http://schemas.microsoft.com/office/drawing/2010/main" xmlns="" w="9525">
+                <a14:hiddenLine xmlns="" xmlns:a14="http://schemas.microsoft.com/office/drawing/2010/main" w="9525">
                   <a:solidFill>
                     <a:srgbClr val="000000"/>
                   </a:solidFill>
@@ -3400,7 +3401,7 @@
             </a:ln>
             <a:extLst>
               <a:ext uri="{91240B29-F687-4f45-9708-019B960494DF}">
-                <a14:hiddenLine xmlns:a14="http://schemas.microsoft.com/office/drawing/2010/main" xmlns="" w="9525">
+                <a14:hiddenLine xmlns="" xmlns:a14="http://schemas.microsoft.com/office/drawing/2010/main" w="9525">
                   <a:solidFill>
                     <a:srgbClr val="000000"/>
                   </a:solidFill>
@@ -3465,7 +3466,7 @@
             </a:ln>
             <a:extLst>
               <a:ext uri="{91240B29-F687-4f45-9708-019B960494DF}">
-                <a14:hiddenLine xmlns:a14="http://schemas.microsoft.com/office/drawing/2010/main" xmlns="" w="9525">
+                <a14:hiddenLine xmlns="" xmlns:a14="http://schemas.microsoft.com/office/drawing/2010/main" w="9525">
                   <a:solidFill>
                     <a:srgbClr val="000000"/>
                   </a:solidFill>
@@ -3555,7 +3556,7 @@
             </a:ln>
             <a:extLst>
               <a:ext uri="{91240B29-F687-4f45-9708-019B960494DF}">
-                <a14:hiddenLine xmlns:a14="http://schemas.microsoft.com/office/drawing/2010/main" xmlns="" w="9525">
+                <a14:hiddenLine xmlns="" xmlns:a14="http://schemas.microsoft.com/office/drawing/2010/main" w="9525">
                   <a:solidFill>
                     <a:srgbClr val="000000"/>
                   </a:solidFill>
@@ -3617,7 +3618,7 @@
             </a:ln>
             <a:extLst>
               <a:ext uri="{91240B29-F687-4f45-9708-019B960494DF}">
-                <a14:hiddenLine xmlns:a14="http://schemas.microsoft.com/office/drawing/2010/main" xmlns="" w="9525">
+                <a14:hiddenLine xmlns="" xmlns:a14="http://schemas.microsoft.com/office/drawing/2010/main" w="9525">
                   <a:solidFill>
                     <a:srgbClr val="000000"/>
                   </a:solidFill>
@@ -3707,7 +3708,7 @@
             </a:ln>
             <a:extLst>
               <a:ext uri="{91240B29-F687-4f45-9708-019B960494DF}">
-                <a14:hiddenLine xmlns:a14="http://schemas.microsoft.com/office/drawing/2010/main" xmlns="" w="9525">
+                <a14:hiddenLine xmlns="" xmlns:a14="http://schemas.microsoft.com/office/drawing/2010/main" w="9525">
                   <a:solidFill>
                     <a:srgbClr val="000000"/>
                   </a:solidFill>
@@ -3797,7 +3798,7 @@
             </a:ln>
             <a:extLst>
               <a:ext uri="{91240B29-F687-4f45-9708-019B960494DF}">
-                <a14:hiddenLine xmlns:a14="http://schemas.microsoft.com/office/drawing/2010/main" xmlns="" w="9525">
+                <a14:hiddenLine xmlns="" xmlns:a14="http://schemas.microsoft.com/office/drawing/2010/main" w="9525">
                   <a:solidFill>
                     <a:srgbClr val="000000"/>
                   </a:solidFill>
@@ -3862,7 +3863,7 @@
             </a:ln>
             <a:extLst>
               <a:ext uri="{91240B29-F687-4f45-9708-019B960494DF}">
-                <a14:hiddenLine xmlns:a14="http://schemas.microsoft.com/office/drawing/2010/main" xmlns="" w="9525">
+                <a14:hiddenLine xmlns="" xmlns:a14="http://schemas.microsoft.com/office/drawing/2010/main" w="9525">
                   <a:solidFill>
                     <a:srgbClr val="000000"/>
                   </a:solidFill>
@@ -3924,7 +3925,7 @@
             </a:ln>
             <a:extLst>
               <a:ext uri="{91240B29-F687-4f45-9708-019B960494DF}">
-                <a14:hiddenLine xmlns:a14="http://schemas.microsoft.com/office/drawing/2010/main" xmlns="" w="9525">
+                <a14:hiddenLine xmlns="" xmlns:a14="http://schemas.microsoft.com/office/drawing/2010/main" w="9525">
                   <a:solidFill>
                     <a:srgbClr val="000000"/>
                   </a:solidFill>
@@ -4014,7 +4015,7 @@
             </a:ln>
             <a:extLst>
               <a:ext uri="{91240B29-F687-4f45-9708-019B960494DF}">
-                <a14:hiddenLine xmlns:a14="http://schemas.microsoft.com/office/drawing/2010/main" xmlns="" w="9525">
+                <a14:hiddenLine xmlns="" xmlns:a14="http://schemas.microsoft.com/office/drawing/2010/main" w="9525">
                   <a:solidFill>
                     <a:srgbClr val="000000"/>
                   </a:solidFill>
@@ -4104,7 +4105,7 @@
             </a:ln>
             <a:extLst>
               <a:ext uri="{91240B29-F687-4f45-9708-019B960494DF}">
-                <a14:hiddenLine xmlns:a14="http://schemas.microsoft.com/office/drawing/2010/main" xmlns="" w="9525">
+                <a14:hiddenLine xmlns="" xmlns:a14="http://schemas.microsoft.com/office/drawing/2010/main" w="9525">
                   <a:solidFill>
                     <a:srgbClr val="000000"/>
                   </a:solidFill>
@@ -4166,7 +4167,7 @@
             </a:ln>
             <a:extLst>
               <a:ext uri="{91240B29-F687-4f45-9708-019B960494DF}">
-                <a14:hiddenLine xmlns:a14="http://schemas.microsoft.com/office/drawing/2010/main" xmlns="" w="9525">
+                <a14:hiddenLine xmlns="" xmlns:a14="http://schemas.microsoft.com/office/drawing/2010/main" w="9525">
                   <a:solidFill>
                     <a:srgbClr val="000000"/>
                   </a:solidFill>
@@ -4286,7 +4287,7 @@
             </a:ln>
             <a:extLst>
               <a:ext uri="{91240B29-F687-4f45-9708-019B960494DF}">
-                <a14:hiddenLine xmlns:a14="http://schemas.microsoft.com/office/drawing/2010/main" xmlns="" w="9525">
+                <a14:hiddenLine xmlns="" xmlns:a14="http://schemas.microsoft.com/office/drawing/2010/main" w="9525">
                   <a:solidFill>
                     <a:srgbClr val="000000"/>
                   </a:solidFill>
@@ -4354,7 +4355,7 @@
             </a:ln>
             <a:extLst>
               <a:ext uri="{91240B29-F687-4f45-9708-019B960494DF}">
-                <a14:hiddenLine xmlns:a14="http://schemas.microsoft.com/office/drawing/2010/main" xmlns="" w="9525">
+                <a14:hiddenLine xmlns="" xmlns:a14="http://schemas.microsoft.com/office/drawing/2010/main" w="9525">
                   <a:solidFill>
                     <a:srgbClr val="000000"/>
                   </a:solidFill>
@@ -4444,7 +4445,7 @@
             </a:ln>
             <a:extLst>
               <a:ext uri="{91240B29-F687-4f45-9708-019B960494DF}">
-                <a14:hiddenLine xmlns:a14="http://schemas.microsoft.com/office/drawing/2010/main" xmlns="" w="9525">
+                <a14:hiddenLine xmlns="" xmlns:a14="http://schemas.microsoft.com/office/drawing/2010/main" w="9525">
                   <a:solidFill>
                     <a:srgbClr val="000000"/>
                   </a:solidFill>
@@ -4584,7 +4585,7 @@
           <a:p>
             <a:fld id="{48A87A34-81AB-432B-8DAE-1953F412C126}" type="datetimeFigureOut">
               <a:rPr lang="en-US" dirty="0"/>
-              <a:t>11/26/19</a:t>
+              <a:t>1/9/20</a:t>
             </a:fld>
             <a:endParaRPr lang="en-US" dirty="0"/>
           </a:p>
@@ -4846,7 +4847,7 @@
           <a:p>
             <a:fld id="{48A87A34-81AB-432B-8DAE-1953F412C126}" type="datetimeFigureOut">
               <a:rPr lang="en-US" dirty="0"/>
-              <a:t>11/26/19</a:t>
+              <a:t>1/9/20</a:t>
             </a:fld>
             <a:endParaRPr lang="en-US" dirty="0"/>
           </a:p>
@@ -5037,7 +5038,7 @@
           <a:p>
             <a:fld id="{48A87A34-81AB-432B-8DAE-1953F412C126}" type="datetimeFigureOut">
               <a:rPr lang="en-US" dirty="0"/>
-              <a:t>11/26/19</a:t>
+              <a:t>1/9/20</a:t>
             </a:fld>
             <a:endParaRPr lang="en-US" dirty="0"/>
           </a:p>
@@ -5295,7 +5296,7 @@
           <a:p>
             <a:fld id="{48A87A34-81AB-432B-8DAE-1953F412C126}" type="datetimeFigureOut">
               <a:rPr lang="en-US" dirty="0"/>
-              <a:t>11/26/19</a:t>
+              <a:t>1/9/20</a:t>
             </a:fld>
             <a:endParaRPr lang="en-US" dirty="0"/>
           </a:p>
@@ -5724,7 +5725,7 @@
           <a:p>
             <a:fld id="{48A87A34-81AB-432B-8DAE-1953F412C126}" type="datetimeFigureOut">
               <a:rPr lang="en-US" dirty="0"/>
-              <a:t>11/26/19</a:t>
+              <a:t>1/9/20</a:t>
             </a:fld>
             <a:endParaRPr lang="en-US" dirty="0"/>
           </a:p>
@@ -6265,7 +6266,7 @@
           <a:p>
             <a:fld id="{48A87A34-81AB-432B-8DAE-1953F412C126}" type="datetimeFigureOut">
               <a:rPr lang="en-US" dirty="0"/>
-              <a:t>11/26/19</a:t>
+              <a:t>1/9/20</a:t>
             </a:fld>
             <a:endParaRPr lang="en-US" dirty="0"/>
           </a:p>
@@ -6980,7 +6981,7 @@
           <a:p>
             <a:fld id="{48A87A34-81AB-432B-8DAE-1953F412C126}" type="datetimeFigureOut">
               <a:rPr lang="en-US" dirty="0"/>
-              <a:t>11/26/19</a:t>
+              <a:t>1/9/20</a:t>
             </a:fld>
             <a:endParaRPr lang="en-US" dirty="0"/>
           </a:p>
@@ -7145,7 +7146,7 @@
           <a:p>
             <a:fld id="{48A87A34-81AB-432B-8DAE-1953F412C126}" type="datetimeFigureOut">
               <a:rPr lang="en-US" dirty="0"/>
-              <a:t>11/26/19</a:t>
+              <a:t>1/9/20</a:t>
             </a:fld>
             <a:endParaRPr lang="en-US" dirty="0"/>
           </a:p>
@@ -7320,7 +7321,7 @@
           <a:p>
             <a:fld id="{48A87A34-81AB-432B-8DAE-1953F412C126}" type="datetimeFigureOut">
               <a:rPr lang="en-US" dirty="0"/>
-              <a:t>11/26/19</a:t>
+              <a:t>1/9/20</a:t>
             </a:fld>
             <a:endParaRPr lang="en-US" dirty="0"/>
           </a:p>
@@ -7485,7 +7486,7 @@
           <a:p>
             <a:fld id="{48A87A34-81AB-432B-8DAE-1953F412C126}" type="datetimeFigureOut">
               <a:rPr lang="en-US" dirty="0"/>
-              <a:t>11/26/19</a:t>
+              <a:t>1/9/20</a:t>
             </a:fld>
             <a:endParaRPr lang="en-US" dirty="0"/>
           </a:p>
@@ -7730,7 +7731,7 @@
           <a:p>
             <a:fld id="{48A87A34-81AB-432B-8DAE-1953F412C126}" type="datetimeFigureOut">
               <a:rPr lang="en-US" dirty="0"/>
-              <a:t>11/26/19</a:t>
+              <a:t>1/9/20</a:t>
             </a:fld>
             <a:endParaRPr lang="en-US" dirty="0"/>
           </a:p>
@@ -7957,7 +7958,7 @@
           <a:p>
             <a:fld id="{48A87A34-81AB-432B-8DAE-1953F412C126}" type="datetimeFigureOut">
               <a:rPr lang="en-US" dirty="0"/>
-              <a:t>11/26/19</a:t>
+              <a:t>1/9/20</a:t>
             </a:fld>
             <a:endParaRPr lang="en-US" dirty="0"/>
           </a:p>
@@ -8333,7 +8334,7 @@
           <a:p>
             <a:fld id="{48A87A34-81AB-432B-8DAE-1953F412C126}" type="datetimeFigureOut">
               <a:rPr lang="en-US" dirty="0"/>
-              <a:t>11/26/19</a:t>
+              <a:t>1/9/20</a:t>
             </a:fld>
             <a:endParaRPr lang="en-US" dirty="0"/>
           </a:p>
@@ -8446,7 +8447,7 @@
           <a:p>
             <a:fld id="{48A87A34-81AB-432B-8DAE-1953F412C126}" type="datetimeFigureOut">
               <a:rPr lang="en-US" dirty="0"/>
-              <a:t>11/26/19</a:t>
+              <a:t>1/9/20</a:t>
             </a:fld>
             <a:endParaRPr lang="en-US" dirty="0"/>
           </a:p>
@@ -8536,7 +8537,7 @@
           <a:p>
             <a:fld id="{48A87A34-81AB-432B-8DAE-1953F412C126}" type="datetimeFigureOut">
               <a:rPr lang="en-US" dirty="0"/>
-              <a:t>11/26/19</a:t>
+              <a:t>1/9/20</a:t>
             </a:fld>
             <a:endParaRPr lang="en-US" dirty="0"/>
           </a:p>
@@ -8780,7 +8781,7 @@
           <a:p>
             <a:fld id="{48A87A34-81AB-432B-8DAE-1953F412C126}" type="datetimeFigureOut">
               <a:rPr lang="en-US" dirty="0"/>
-              <a:t>11/26/19</a:t>
+              <a:t>1/9/20</a:t>
             </a:fld>
             <a:endParaRPr lang="en-US" dirty="0"/>
           </a:p>
@@ -9055,7 +9056,7 @@
           <a:p>
             <a:fld id="{48A87A34-81AB-432B-8DAE-1953F412C126}" type="datetimeFigureOut">
               <a:rPr lang="en-US" dirty="0"/>
-              <a:t>11/26/19</a:t>
+              <a:t>1/9/20</a:t>
             </a:fld>
             <a:endParaRPr lang="en-US" dirty="0"/>
           </a:p>
@@ -9166,7 +9167,7 @@
           <a:noFill/>
           <a:extLst>
             <a:ext uri="{909E8E84-426E-40dd-AFC4-6F175D3DCCD1}">
-              <a14:hiddenFill xmlns:a14="http://schemas.microsoft.com/office/drawing/2010/main" xmlns="">
+              <a14:hiddenFill xmlns="" xmlns:a14="http://schemas.microsoft.com/office/drawing/2010/main">
                 <a:solidFill>
                   <a:srgbClr val="FFFFFF"/>
                 </a:solidFill>
@@ -9240,7 +9241,7 @@
               </a:ln>
               <a:extLst>
                 <a:ext uri="{91240B29-F687-4f45-9708-019B960494DF}">
-                  <a14:hiddenLine xmlns:a14="http://schemas.microsoft.com/office/drawing/2010/main" xmlns="" w="9525">
+                  <a14:hiddenLine xmlns="" xmlns:a14="http://schemas.microsoft.com/office/drawing/2010/main" w="9525">
                     <a:solidFill>
                       <a:srgbClr val="000000"/>
                     </a:solidFill>
@@ -9330,7 +9331,7 @@
               </a:ln>
               <a:extLst>
                 <a:ext uri="{91240B29-F687-4f45-9708-019B960494DF}">
-                  <a14:hiddenLine xmlns:a14="http://schemas.microsoft.com/office/drawing/2010/main" xmlns="" w="9525">
+                  <a14:hiddenLine xmlns="" xmlns:a14="http://schemas.microsoft.com/office/drawing/2010/main" w="9525">
                     <a:solidFill>
                       <a:srgbClr val="000000"/>
                     </a:solidFill>
@@ -9420,7 +9421,7 @@
               </a:ln>
               <a:extLst>
                 <a:ext uri="{91240B29-F687-4f45-9708-019B960494DF}">
-                  <a14:hiddenLine xmlns:a14="http://schemas.microsoft.com/office/drawing/2010/main" xmlns="" w="9525">
+                  <a14:hiddenLine xmlns="" xmlns:a14="http://schemas.microsoft.com/office/drawing/2010/main" w="9525">
                     <a:solidFill>
                       <a:srgbClr val="000000"/>
                     </a:solidFill>
@@ -9482,7 +9483,7 @@
               </a:ln>
               <a:extLst>
                 <a:ext uri="{91240B29-F687-4f45-9708-019B960494DF}">
-                  <a14:hiddenLine xmlns:a14="http://schemas.microsoft.com/office/drawing/2010/main" xmlns="" w="9525">
+                  <a14:hiddenLine xmlns="" xmlns:a14="http://schemas.microsoft.com/office/drawing/2010/main" w="9525">
                     <a:solidFill>
                       <a:srgbClr val="000000"/>
                     </a:solidFill>
@@ -9572,7 +9573,7 @@
               </a:ln>
               <a:extLst>
                 <a:ext uri="{91240B29-F687-4f45-9708-019B960494DF}">
-                  <a14:hiddenLine xmlns:a14="http://schemas.microsoft.com/office/drawing/2010/main" xmlns="" w="9525">
+                  <a14:hiddenLine xmlns="" xmlns:a14="http://schemas.microsoft.com/office/drawing/2010/main" w="9525">
                     <a:solidFill>
                       <a:srgbClr val="000000"/>
                     </a:solidFill>
@@ -9634,7 +9635,7 @@
               </a:ln>
               <a:extLst>
                 <a:ext uri="{91240B29-F687-4f45-9708-019B960494DF}">
-                  <a14:hiddenLine xmlns:a14="http://schemas.microsoft.com/office/drawing/2010/main" xmlns="" w="9525">
+                  <a14:hiddenLine xmlns="" xmlns:a14="http://schemas.microsoft.com/office/drawing/2010/main" w="9525">
                     <a:solidFill>
                       <a:srgbClr val="000000"/>
                     </a:solidFill>
@@ -9696,7 +9697,7 @@
               </a:ln>
               <a:extLst>
                 <a:ext uri="{91240B29-F687-4f45-9708-019B960494DF}">
-                  <a14:hiddenLine xmlns:a14="http://schemas.microsoft.com/office/drawing/2010/main" xmlns="" w="9525">
+                  <a14:hiddenLine xmlns="" xmlns:a14="http://schemas.microsoft.com/office/drawing/2010/main" w="9525">
                     <a:solidFill>
                       <a:srgbClr val="000000"/>
                     </a:solidFill>
@@ -9786,7 +9787,7 @@
               </a:ln>
               <a:extLst>
                 <a:ext uri="{91240B29-F687-4f45-9708-019B960494DF}">
-                  <a14:hiddenLine xmlns:a14="http://schemas.microsoft.com/office/drawing/2010/main" xmlns="" w="9525">
+                  <a14:hiddenLine xmlns="" xmlns:a14="http://schemas.microsoft.com/office/drawing/2010/main" w="9525">
                     <a:solidFill>
                       <a:srgbClr val="000000"/>
                     </a:solidFill>
@@ -9876,7 +9877,7 @@
               </a:ln>
               <a:extLst>
                 <a:ext uri="{91240B29-F687-4f45-9708-019B960494DF}">
-                  <a14:hiddenLine xmlns:a14="http://schemas.microsoft.com/office/drawing/2010/main" xmlns="" w="9525">
+                  <a14:hiddenLine xmlns="" xmlns:a14="http://schemas.microsoft.com/office/drawing/2010/main" w="9525">
                     <a:solidFill>
                       <a:srgbClr val="000000"/>
                     </a:solidFill>
@@ -9938,7 +9939,7 @@
               </a:ln>
               <a:extLst>
                 <a:ext uri="{91240B29-F687-4f45-9708-019B960494DF}">
-                  <a14:hiddenLine xmlns:a14="http://schemas.microsoft.com/office/drawing/2010/main" xmlns="" w="9525">
+                  <a14:hiddenLine xmlns="" xmlns:a14="http://schemas.microsoft.com/office/drawing/2010/main" w="9525">
                     <a:solidFill>
                       <a:srgbClr val="000000"/>
                     </a:solidFill>
@@ -10048,7 +10049,7 @@
               </a:ln>
               <a:extLst>
                 <a:ext uri="{91240B29-F687-4f45-9708-019B960494DF}">
-                  <a14:hiddenLine xmlns:a14="http://schemas.microsoft.com/office/drawing/2010/main" xmlns="" w="9525">
+                  <a14:hiddenLine xmlns="" xmlns:a14="http://schemas.microsoft.com/office/drawing/2010/main" w="9525">
                     <a:solidFill>
                       <a:srgbClr val="000000"/>
                     </a:solidFill>
@@ -10132,7 +10133,7 @@
               </a:ln>
               <a:extLst>
                 <a:ext uri="{91240B29-F687-4f45-9708-019B960494DF}">
-                  <a14:hiddenLine xmlns:a14="http://schemas.microsoft.com/office/drawing/2010/main" xmlns="" w="9525">
+                  <a14:hiddenLine xmlns="" xmlns:a14="http://schemas.microsoft.com/office/drawing/2010/main" w="9525">
                     <a:solidFill>
                       <a:srgbClr val="000000"/>
                     </a:solidFill>
@@ -10194,7 +10195,7 @@
               </a:ln>
               <a:extLst>
                 <a:ext uri="{91240B29-F687-4f45-9708-019B960494DF}">
-                  <a14:hiddenLine xmlns:a14="http://schemas.microsoft.com/office/drawing/2010/main" xmlns="" w="9525">
+                  <a14:hiddenLine xmlns="" xmlns:a14="http://schemas.microsoft.com/office/drawing/2010/main" w="9525">
                     <a:solidFill>
                       <a:srgbClr val="000000"/>
                     </a:solidFill>
@@ -10256,7 +10257,7 @@
               </a:ln>
               <a:extLst>
                 <a:ext uri="{91240B29-F687-4f45-9708-019B960494DF}">
-                  <a14:hiddenLine xmlns:a14="http://schemas.microsoft.com/office/drawing/2010/main" xmlns="" w="9525">
+                  <a14:hiddenLine xmlns="" xmlns:a14="http://schemas.microsoft.com/office/drawing/2010/main" w="9525">
                     <a:solidFill>
                       <a:srgbClr val="000000"/>
                     </a:solidFill>
@@ -10346,7 +10347,7 @@
               </a:ln>
               <a:extLst>
                 <a:ext uri="{91240B29-F687-4f45-9708-019B960494DF}">
-                  <a14:hiddenLine xmlns:a14="http://schemas.microsoft.com/office/drawing/2010/main" xmlns="" w="9525">
+                  <a14:hiddenLine xmlns="" xmlns:a14="http://schemas.microsoft.com/office/drawing/2010/main" w="9525">
                     <a:solidFill>
                       <a:srgbClr val="000000"/>
                     </a:solidFill>
@@ -10380,7 +10381,7 @@
               </a:ln>
               <a:extLst>
                 <a:ext uri="{91240B29-F687-4f45-9708-019B960494DF}">
-                  <a14:hiddenLine xmlns:a14="http://schemas.microsoft.com/office/drawing/2010/main" xmlns="" w="9525">
+                  <a14:hiddenLine xmlns="" xmlns:a14="http://schemas.microsoft.com/office/drawing/2010/main" w="9525">
                     <a:solidFill>
                       <a:srgbClr val="000000"/>
                     </a:solidFill>
@@ -10445,7 +10446,7 @@
               </a:ln>
               <a:extLst>
                 <a:ext uri="{91240B29-F687-4f45-9708-019B960494DF}">
-                  <a14:hiddenLine xmlns:a14="http://schemas.microsoft.com/office/drawing/2010/main" xmlns="" w="9525">
+                  <a14:hiddenLine xmlns="" xmlns:a14="http://schemas.microsoft.com/office/drawing/2010/main" w="9525">
                     <a:solidFill>
                       <a:srgbClr val="000000"/>
                     </a:solidFill>
@@ -10535,7 +10536,7 @@
               </a:ln>
               <a:extLst>
                 <a:ext uri="{91240B29-F687-4f45-9708-019B960494DF}">
-                  <a14:hiddenLine xmlns:a14="http://schemas.microsoft.com/office/drawing/2010/main" xmlns="" w="9525">
+                  <a14:hiddenLine xmlns="" xmlns:a14="http://schemas.microsoft.com/office/drawing/2010/main" w="9525">
                     <a:solidFill>
                       <a:srgbClr val="000000"/>
                     </a:solidFill>
@@ -10597,7 +10598,7 @@
               </a:ln>
               <a:extLst>
                 <a:ext uri="{91240B29-F687-4f45-9708-019B960494DF}">
-                  <a14:hiddenLine xmlns:a14="http://schemas.microsoft.com/office/drawing/2010/main" xmlns="" w="9525">
+                  <a14:hiddenLine xmlns="" xmlns:a14="http://schemas.microsoft.com/office/drawing/2010/main" w="9525">
                     <a:solidFill>
                       <a:srgbClr val="000000"/>
                     </a:solidFill>
@@ -10687,7 +10688,7 @@
               </a:ln>
               <a:extLst>
                 <a:ext uri="{91240B29-F687-4f45-9708-019B960494DF}">
-                  <a14:hiddenLine xmlns:a14="http://schemas.microsoft.com/office/drawing/2010/main" xmlns="" w="9525">
+                  <a14:hiddenLine xmlns="" xmlns:a14="http://schemas.microsoft.com/office/drawing/2010/main" w="9525">
                     <a:solidFill>
                       <a:srgbClr val="000000"/>
                     </a:solidFill>
@@ -10752,7 +10753,7 @@
               </a:ln>
               <a:extLst>
                 <a:ext uri="{91240B29-F687-4f45-9708-019B960494DF}">
-                  <a14:hiddenLine xmlns:a14="http://schemas.microsoft.com/office/drawing/2010/main" xmlns="" w="9525">
+                  <a14:hiddenLine xmlns="" xmlns:a14="http://schemas.microsoft.com/office/drawing/2010/main" w="9525">
                     <a:solidFill>
                       <a:srgbClr val="000000"/>
                     </a:solidFill>
@@ -10814,7 +10815,7 @@
               </a:ln>
               <a:extLst>
                 <a:ext uri="{91240B29-F687-4f45-9708-019B960494DF}">
-                  <a14:hiddenLine xmlns:a14="http://schemas.microsoft.com/office/drawing/2010/main" xmlns="" w="9525">
+                  <a14:hiddenLine xmlns="" xmlns:a14="http://schemas.microsoft.com/office/drawing/2010/main" w="9525">
                     <a:solidFill>
                       <a:srgbClr val="000000"/>
                     </a:solidFill>
@@ -10904,7 +10905,7 @@
               </a:ln>
               <a:extLst>
                 <a:ext uri="{91240B29-F687-4f45-9708-019B960494DF}">
-                  <a14:hiddenLine xmlns:a14="http://schemas.microsoft.com/office/drawing/2010/main" xmlns="" w="9525">
+                  <a14:hiddenLine xmlns="" xmlns:a14="http://schemas.microsoft.com/office/drawing/2010/main" w="9525">
                     <a:solidFill>
                       <a:srgbClr val="000000"/>
                     </a:solidFill>
@@ -10994,7 +10995,7 @@
               </a:ln>
               <a:extLst>
                 <a:ext uri="{91240B29-F687-4f45-9708-019B960494DF}">
-                  <a14:hiddenLine xmlns:a14="http://schemas.microsoft.com/office/drawing/2010/main" xmlns="" w="9525">
+                  <a14:hiddenLine xmlns="" xmlns:a14="http://schemas.microsoft.com/office/drawing/2010/main" w="9525">
                     <a:solidFill>
                       <a:srgbClr val="000000"/>
                     </a:solidFill>
@@ -11059,7 +11060,7 @@
               </a:ln>
               <a:extLst>
                 <a:ext uri="{91240B29-F687-4f45-9708-019B960494DF}">
-                  <a14:hiddenLine xmlns:a14="http://schemas.microsoft.com/office/drawing/2010/main" xmlns="" w="9525">
+                  <a14:hiddenLine xmlns="" xmlns:a14="http://schemas.microsoft.com/office/drawing/2010/main" w="9525">
                     <a:solidFill>
                       <a:srgbClr val="000000"/>
                     </a:solidFill>
@@ -11179,7 +11180,7 @@
               </a:ln>
               <a:extLst>
                 <a:ext uri="{91240B29-F687-4f45-9708-019B960494DF}">
-                  <a14:hiddenLine xmlns:a14="http://schemas.microsoft.com/office/drawing/2010/main" xmlns="" w="9525">
+                  <a14:hiddenLine xmlns="" xmlns:a14="http://schemas.microsoft.com/office/drawing/2010/main" w="9525">
                     <a:solidFill>
                       <a:srgbClr val="000000"/>
                     </a:solidFill>
@@ -11277,7 +11278,7 @@
               </a:ln>
               <a:extLst>
                 <a:ext uri="{91240B29-F687-4f45-9708-019B960494DF}">
-                  <a14:hiddenLine xmlns:a14="http://schemas.microsoft.com/office/drawing/2010/main" xmlns="" w="9525">
+                  <a14:hiddenLine xmlns="" xmlns:a14="http://schemas.microsoft.com/office/drawing/2010/main" w="9525">
                     <a:solidFill>
                       <a:srgbClr val="000000"/>
                     </a:solidFill>
@@ -11392,7 +11393,7 @@
               </a:ln>
               <a:extLst>
                 <a:ext uri="{91240B29-F687-4f45-9708-019B960494DF}">
-                  <a14:hiddenLine xmlns:a14="http://schemas.microsoft.com/office/drawing/2010/main" xmlns="" w="9525">
+                  <a14:hiddenLine xmlns="" xmlns:a14="http://schemas.microsoft.com/office/drawing/2010/main" w="9525">
                     <a:solidFill>
                       <a:srgbClr val="000000"/>
                     </a:solidFill>
@@ -11482,7 +11483,7 @@
               </a:ln>
               <a:extLst>
                 <a:ext uri="{91240B29-F687-4f45-9708-019B960494DF}">
-                  <a14:hiddenLine xmlns:a14="http://schemas.microsoft.com/office/drawing/2010/main" xmlns="" w="9525">
+                  <a14:hiddenLine xmlns="" xmlns:a14="http://schemas.microsoft.com/office/drawing/2010/main" w="9525">
                     <a:solidFill>
                       <a:srgbClr val="000000"/>
                     </a:solidFill>
@@ -11547,7 +11548,7 @@
               </a:ln>
               <a:extLst>
                 <a:ext uri="{91240B29-F687-4f45-9708-019B960494DF}">
-                  <a14:hiddenLine xmlns:a14="http://schemas.microsoft.com/office/drawing/2010/main" xmlns="" w="9525">
+                  <a14:hiddenLine xmlns="" xmlns:a14="http://schemas.microsoft.com/office/drawing/2010/main" w="9525">
                     <a:solidFill>
                       <a:srgbClr val="000000"/>
                     </a:solidFill>
@@ -11637,7 +11638,7 @@
               </a:ln>
               <a:extLst>
                 <a:ext uri="{91240B29-F687-4f45-9708-019B960494DF}">
-                  <a14:hiddenLine xmlns:a14="http://schemas.microsoft.com/office/drawing/2010/main" xmlns="" w="9525">
+                  <a14:hiddenLine xmlns="" xmlns:a14="http://schemas.microsoft.com/office/drawing/2010/main" w="9525">
                     <a:solidFill>
                       <a:srgbClr val="000000"/>
                     </a:solidFill>
@@ -11705,7 +11706,7 @@
               </a:ln>
               <a:extLst>
                 <a:ext uri="{91240B29-F687-4f45-9708-019B960494DF}">
-                  <a14:hiddenLine xmlns:a14="http://schemas.microsoft.com/office/drawing/2010/main" xmlns="" w="9525">
+                  <a14:hiddenLine xmlns="" xmlns:a14="http://schemas.microsoft.com/office/drawing/2010/main" w="9525">
                     <a:solidFill>
                       <a:srgbClr val="000000"/>
                     </a:solidFill>
@@ -11795,7 +11796,7 @@
               </a:ln>
               <a:extLst>
                 <a:ext uri="{91240B29-F687-4f45-9708-019B960494DF}">
-                  <a14:hiddenLine xmlns:a14="http://schemas.microsoft.com/office/drawing/2010/main" xmlns="" w="9525">
+                  <a14:hiddenLine xmlns="" xmlns:a14="http://schemas.microsoft.com/office/drawing/2010/main" w="9525">
                     <a:solidFill>
                       <a:srgbClr val="000000"/>
                     </a:solidFill>
@@ -11863,7 +11864,7 @@
               </a:ln>
               <a:extLst>
                 <a:ext uri="{91240B29-F687-4f45-9708-019B960494DF}">
-                  <a14:hiddenLine xmlns:a14="http://schemas.microsoft.com/office/drawing/2010/main" xmlns="" w="9525">
+                  <a14:hiddenLine xmlns="" xmlns:a14="http://schemas.microsoft.com/office/drawing/2010/main" w="9525">
                     <a:solidFill>
                       <a:srgbClr val="000000"/>
                     </a:solidFill>
@@ -11953,7 +11954,7 @@
               </a:ln>
               <a:extLst>
                 <a:ext uri="{91240B29-F687-4f45-9708-019B960494DF}">
-                  <a14:hiddenLine xmlns:a14="http://schemas.microsoft.com/office/drawing/2010/main" xmlns="" w="9525">
+                  <a14:hiddenLine xmlns="" xmlns:a14="http://schemas.microsoft.com/office/drawing/2010/main" w="9525">
                     <a:solidFill>
                       <a:srgbClr val="000000"/>
                     </a:solidFill>
@@ -11987,7 +11988,7 @@
               </a:ln>
               <a:extLst>
                 <a:ext uri="{91240B29-F687-4f45-9708-019B960494DF}">
-                  <a14:hiddenLine xmlns:a14="http://schemas.microsoft.com/office/drawing/2010/main" xmlns="" w="9525">
+                  <a14:hiddenLine xmlns="" xmlns:a14="http://schemas.microsoft.com/office/drawing/2010/main" w="9525">
                     <a:solidFill>
                       <a:srgbClr val="000000"/>
                     </a:solidFill>
@@ -12128,7 +12129,7 @@
             <a:fld id="{48A87A34-81AB-432B-8DAE-1953F412C126}" type="datetimeFigureOut">
               <a:rPr lang="en-US" dirty="0"/>
               <a:pPr/>
-              <a:t>11/26/19</a:t>
+              <a:t>1/9/20</a:t>
             </a:fld>
             <a:endParaRPr lang="en-US" dirty="0"/>
           </a:p>
@@ -12742,5593 +12743,6 @@
 <file path=ppt/slides/slide3.xml><?xml version="1.0" encoding="utf-8"?>
 <p:sld xmlns:a="http://schemas.openxmlformats.org/drawingml/2006/main" xmlns:r="http://schemas.openxmlformats.org/officeDocument/2006/relationships" xmlns:p="http://schemas.openxmlformats.org/presentationml/2006/main">
   <p:cSld>
-    <p:bg>
-      <p:bgPr>
-        <a:solidFill>
-          <a:schemeClr val="bg1"/>
-        </a:solidFill>
-        <a:effectLst/>
-      </p:bgPr>
-    </p:bg>
-    <p:spTree>
-      <p:nvGrpSpPr>
-        <p:cNvPr id="1" name=""/>
-        <p:cNvGrpSpPr/>
-        <p:nvPr/>
-      </p:nvGrpSpPr>
-      <p:grpSpPr>
-        <a:xfrm>
-          <a:off x="0" y="0"/>
-          <a:ext cx="0" cy="0"/>
-          <a:chOff x="0" y="0"/>
-          <a:chExt cx="0" cy="0"/>
-        </a:xfrm>
-      </p:grpSpPr>
-      <p:sp useBgFill="1">
-        <p:nvSpPr>
-          <p:cNvPr id="12" name="Rectangle 11">
-            <a:extLst>
-              <a:ext uri="{FF2B5EF4-FFF2-40B4-BE49-F238E27FC236}">
-                <a16:creationId xmlns:a16="http://schemas.microsoft.com/office/drawing/2014/main" id="{6697F791-5FFA-4164-899F-EB52EA72B024}"/>
-              </a:ext>
-              <a:ext uri="{C183D7F6-B498-43B3-948B-1728B52AA6E4}">
-                <adec:decorative xmlns:adec="http://schemas.microsoft.com/office/drawing/2017/decorative" val="1"/>
-              </a:ext>
-            </a:extLst>
-          </p:cNvPr>
-          <p:cNvSpPr>
-            <a:spLocks noGrp="1" noRot="1" noChangeAspect="1" noMove="1" noResize="1" noEditPoints="1" noAdjustHandles="1" noChangeArrowheads="1" noChangeShapeType="1" noTextEdit="1"/>
-          </p:cNvSpPr>
-          <p:nvPr>
-            <p:extLst>
-              <p:ext uri="{386F3935-93C4-4BCD-93E2-E3B085C9AB24}">
-                <p16:designElem xmlns:p16="http://schemas.microsoft.com/office/powerpoint/2015/main" val="1"/>
-              </p:ext>
-            </p:extLst>
-          </p:nvPr>
-        </p:nvSpPr>
-        <p:spPr>
-          <a:xfrm>
-            <a:off x="0" y="-1"/>
-            <a:ext cx="12192000" cy="6858000"/>
-          </a:xfrm>
-          <a:prstGeom prst="rect">
-            <a:avLst/>
-          </a:prstGeom>
-          <a:ln>
-            <a:noFill/>
-          </a:ln>
-        </p:spPr>
-        <p:style>
-          <a:lnRef idx="2">
-            <a:schemeClr val="accent1">
-              <a:shade val="50000"/>
-            </a:schemeClr>
-          </a:lnRef>
-          <a:fillRef idx="1">
-            <a:schemeClr val="accent1"/>
-          </a:fillRef>
-          <a:effectRef idx="0">
-            <a:schemeClr val="accent1"/>
-          </a:effectRef>
-          <a:fontRef idx="minor">
-            <a:schemeClr val="lt1"/>
-          </a:fontRef>
-        </p:style>
-        <p:txBody>
-          <a:bodyPr rtlCol="0" anchor="ctr"/>
-          <a:lstStyle/>
-          <a:p>
-            <a:pPr algn="ctr"/>
-            <a:endParaRPr lang="en-US"/>
-          </a:p>
-        </p:txBody>
-      </p:sp>
-      <p:pic>
-        <p:nvPicPr>
-          <p:cNvPr id="14" name="Picture 2">
-            <a:extLst>
-              <a:ext uri="{FF2B5EF4-FFF2-40B4-BE49-F238E27FC236}">
-                <a16:creationId xmlns:a16="http://schemas.microsoft.com/office/drawing/2014/main" id="{4E28A1A9-FB81-4816-AAEA-C3B430946951}"/>
-              </a:ext>
-              <a:ext uri="{C183D7F6-B498-43B3-948B-1728B52AA6E4}">
-                <adec:decorative xmlns:adec="http://schemas.microsoft.com/office/drawing/2017/decorative" val="1"/>
-              </a:ext>
-            </a:extLst>
-          </p:cNvPr>
-          <p:cNvPicPr>
-            <a:picLocks noGrp="1" noRot="1" noChangeAspect="1" noMove="1" noResize="1" noEditPoints="1" noAdjustHandles="1" noChangeArrowheads="1" noChangeShapeType="1" noCrop="1"/>
-          </p:cNvPicPr>
-          <p:nvPr>
-            <p:extLst>
-              <p:ext uri="{386F3935-93C4-4BCD-93E2-E3B085C9AB24}">
-                <p16:designElem xmlns:p16="http://schemas.microsoft.com/office/powerpoint/2015/main" val="1"/>
-              </p:ext>
-            </p:extLst>
-          </p:nvPr>
-        </p:nvPicPr>
-        <p:blipFill>
-          <a:blip r:embed="rId2">
-            <a:extLst>
-              <a:ext uri="{28A0092B-C50C-407E-A947-70E740481C1C}">
-                <a14:useLocalDpi xmlns:a14="http://schemas.microsoft.com/office/drawing/2010/main" val="0"/>
-              </a:ext>
-            </a:extLst>
-          </a:blip>
-          <a:srcRect/>
-          <a:stretch>
-            <a:fillRect/>
-          </a:stretch>
-        </p:blipFill>
-        <p:spPr bwMode="auto">
-          <a:xfrm>
-            <a:off x="1190" y="-2"/>
-            <a:ext cx="4061525" cy="6858001"/>
-          </a:xfrm>
-          <a:prstGeom prst="rect">
-            <a:avLst/>
-          </a:prstGeom>
-          <a:extLst>
-            <a:ext uri="{909E8E84-426E-40dd-AFC4-6F175D3DCCD1}">
-              <a14:hiddenFill xmlns="" xmlns:a16="http://schemas.microsoft.com/office/drawing/2014/main" xmlns:p14="http://schemas.microsoft.com/office/powerpoint/2010/main" xmlns:a14="http://schemas.microsoft.com/office/drawing/2010/main">
-                <a:solidFill>
-                  <a:srgbClr val="FFFFFF"/>
-                </a:solidFill>
-              </a14:hiddenFill>
-            </a:ext>
-          </a:extLst>
-        </p:spPr>
-      </p:pic>
-      <p:sp>
-        <p:nvSpPr>
-          <p:cNvPr id="16" name="Rectangle 15">
-            <a:extLst>
-              <a:ext uri="{FF2B5EF4-FFF2-40B4-BE49-F238E27FC236}">
-                <a16:creationId xmlns:a16="http://schemas.microsoft.com/office/drawing/2014/main" id="{B773AB25-A422-41AA-9737-5E04C1966DE1}"/>
-              </a:ext>
-              <a:ext uri="{C183D7F6-B498-43B3-948B-1728B52AA6E4}">
-                <adec:decorative xmlns:adec="http://schemas.microsoft.com/office/drawing/2017/decorative" val="1"/>
-              </a:ext>
-            </a:extLst>
-          </p:cNvPr>
-          <p:cNvSpPr>
-            <a:spLocks noGrp="1" noRot="1" noChangeAspect="1" noMove="1" noResize="1" noEditPoints="1" noAdjustHandles="1" noChangeArrowheads="1" noChangeShapeType="1" noTextEdit="1"/>
-          </p:cNvSpPr>
-          <p:nvPr>
-            <p:extLst>
-              <p:ext uri="{386F3935-93C4-4BCD-93E2-E3B085C9AB24}">
-                <p16:designElem xmlns:p16="http://schemas.microsoft.com/office/powerpoint/2015/main" val="1"/>
-              </p:ext>
-            </p:extLst>
-          </p:nvPr>
-        </p:nvSpPr>
-        <p:spPr>
-          <a:xfrm>
-            <a:off x="0" y="1853"/>
-            <a:ext cx="4055621" cy="6858000"/>
-          </a:xfrm>
-          <a:prstGeom prst="rect">
-            <a:avLst/>
-          </a:prstGeom>
-          <a:ln>
-            <a:noFill/>
-          </a:ln>
-          <a:effectLst>
-            <a:outerShdw blurRad="76200" dist="38100" algn="l" rotWithShape="0">
-              <a:prstClr val="black">
-                <a:alpha val="37000"/>
-              </a:prstClr>
-            </a:outerShdw>
-          </a:effectLst>
-        </p:spPr>
-        <p:style>
-          <a:lnRef idx="2">
-            <a:schemeClr val="accent1">
-              <a:shade val="50000"/>
-            </a:schemeClr>
-          </a:lnRef>
-          <a:fillRef idx="1003">
-            <a:schemeClr val="dk2"/>
-          </a:fillRef>
-          <a:effectRef idx="0">
-            <a:schemeClr val="accent1"/>
-          </a:effectRef>
-          <a:fontRef idx="minor">
-            <a:schemeClr val="lt1"/>
-          </a:fontRef>
-        </p:style>
-        <p:txBody>
-          <a:bodyPr rtlCol="0" anchor="ctr"/>
-          <a:lstStyle/>
-          <a:p>
-            <a:pPr algn="ctr"/>
-            <a:endParaRPr lang="en-US"/>
-          </a:p>
-        </p:txBody>
-      </p:sp>
-      <p:pic>
-        <p:nvPicPr>
-          <p:cNvPr id="18" name="Picture 2">
-            <a:extLst>
-              <a:ext uri="{FF2B5EF4-FFF2-40B4-BE49-F238E27FC236}">
-                <a16:creationId xmlns:a16="http://schemas.microsoft.com/office/drawing/2014/main" id="{AF0552B8-DE8C-40DF-B29F-1728E6A10619}"/>
-              </a:ext>
-              <a:ext uri="{C183D7F6-B498-43B3-948B-1728B52AA6E4}">
-                <adec:decorative xmlns:adec="http://schemas.microsoft.com/office/drawing/2017/decorative" val="1"/>
-              </a:ext>
-            </a:extLst>
-          </p:cNvPr>
-          <p:cNvPicPr>
-            <a:picLocks noGrp="1" noRot="1" noChangeAspect="1" noMove="1" noResize="1" noEditPoints="1" noAdjustHandles="1" noChangeArrowheads="1" noChangeShapeType="1" noCrop="1"/>
-          </p:cNvPicPr>
-          <p:nvPr>
-            <p:extLst>
-              <p:ext uri="{386F3935-93C4-4BCD-93E2-E3B085C9AB24}">
-                <p16:designElem xmlns:p16="http://schemas.microsoft.com/office/powerpoint/2015/main" val="1"/>
-              </p:ext>
-            </p:extLst>
-          </p:nvPr>
-        </p:nvPicPr>
-        <p:blipFill>
-          <a:blip r:embed="rId2">
-            <a:alphaModFix amt="30000"/>
-            <a:extLst>
-              <a:ext uri="{28A0092B-C50C-407E-A947-70E740481C1C}">
-                <a14:useLocalDpi xmlns:a14="http://schemas.microsoft.com/office/drawing/2010/main" val="0"/>
-              </a:ext>
-            </a:extLst>
-          </a:blip>
-          <a:srcRect/>
-          <a:stretch>
-            <a:fillRect/>
-          </a:stretch>
-        </p:blipFill>
-        <p:spPr bwMode="auto">
-          <a:xfrm>
-            <a:off x="-22530" y="23283"/>
-            <a:ext cx="4078152" cy="6858001"/>
-          </a:xfrm>
-          <a:prstGeom prst="rect">
-            <a:avLst/>
-          </a:prstGeom>
-          <a:noFill/>
-          <a:extLst>
-            <a:ext uri="{909E8E84-426E-40dd-AFC4-6F175D3DCCD1}">
-              <a14:hiddenFill xmlns="" xmlns:a16="http://schemas.microsoft.com/office/drawing/2014/main" xmlns:p14="http://schemas.microsoft.com/office/powerpoint/2010/main" xmlns:a14="http://schemas.microsoft.com/office/drawing/2010/main">
-                <a:solidFill>
-                  <a:srgbClr val="FFFFFF"/>
-                </a:solidFill>
-              </a14:hiddenFill>
-            </a:ext>
-          </a:extLst>
-        </p:spPr>
-      </p:pic>
-      <p:sp>
-        <p:nvSpPr>
-          <p:cNvPr id="2" name="Title 1">
-            <a:extLst>
-              <a:ext uri="{FF2B5EF4-FFF2-40B4-BE49-F238E27FC236}">
-                <a16:creationId xmlns:a16="http://schemas.microsoft.com/office/drawing/2014/main" id="{F4774AB4-6A69-A344-9D6F-9ABBBA483CD1}"/>
-              </a:ext>
-            </a:extLst>
-          </p:cNvPr>
-          <p:cNvSpPr>
-            <a:spLocks noGrp="1"/>
-          </p:cNvSpPr>
-          <p:nvPr>
-            <p:ph type="title"/>
-          </p:nvPr>
-        </p:nvSpPr>
-        <p:spPr>
-          <a:xfrm>
-            <a:off x="855266" y="618518"/>
-            <a:ext cx="2851417" cy="1478570"/>
-          </a:xfrm>
-        </p:spPr>
-        <p:txBody>
-          <a:bodyPr>
-            <a:normAutofit/>
-          </a:bodyPr>
-          <a:lstStyle/>
-          <a:p>
-            <a:r>
-              <a:rPr lang="en-US" sz="3200" dirty="0">
-                <a:solidFill>
-                  <a:srgbClr val="FFFFFF"/>
-                </a:solidFill>
-                <a:hlinkClick r:id="rId3">
-                  <a:extLst>
-                    <a:ext uri="{A12FA001-AC4F-418D-AE19-62706E023703}">
-                      <ahyp:hlinkClr xmlns:ahyp="http://schemas.microsoft.com/office/drawing/2018/hyperlinkcolor" val="tx"/>
-                    </a:ext>
-                  </a:extLst>
-                </a:hlinkClick>
-              </a:rPr>
-              <a:t>Ce:YAG + Laser Diode Optical Head</a:t>
-            </a:r>
-            <a:endParaRPr lang="en-US" sz="3200" dirty="0">
-              <a:solidFill>
-                <a:srgbClr val="FFFFFF"/>
-              </a:solidFill>
-            </a:endParaRPr>
-          </a:p>
-        </p:txBody>
-      </p:sp>
-      <p:sp>
-        <p:nvSpPr>
-          <p:cNvPr id="9" name="Content Placeholder 8">
-            <a:extLst>
-              <a:ext uri="{FF2B5EF4-FFF2-40B4-BE49-F238E27FC236}">
-                <a16:creationId xmlns:a16="http://schemas.microsoft.com/office/drawing/2014/main" id="{BC34BFA9-C17F-4316-847C-BAA126C69029}"/>
-              </a:ext>
-            </a:extLst>
-          </p:cNvPr>
-          <p:cNvSpPr>
-            <a:spLocks noGrp="1"/>
-          </p:cNvSpPr>
-          <p:nvPr>
-            <p:ph idx="1"/>
-          </p:nvPr>
-        </p:nvSpPr>
-        <p:spPr>
-          <a:xfrm>
-            <a:off x="844620" y="2249487"/>
-            <a:ext cx="2862444" cy="3957302"/>
-          </a:xfrm>
-        </p:spPr>
-        <p:txBody>
-          <a:bodyPr>
-            <a:normAutofit/>
-          </a:bodyPr>
-          <a:lstStyle/>
-          <a:p>
-            <a:endParaRPr lang="en-US" sz="1400">
-              <a:solidFill>
-                <a:srgbClr val="FFFFFF"/>
-              </a:solidFill>
-            </a:endParaRPr>
-          </a:p>
-        </p:txBody>
-      </p:sp>
-      <p:grpSp>
-        <p:nvGrpSpPr>
-          <p:cNvPr id="20" name="Group 19">
-            <a:extLst>
-              <a:ext uri="{FF2B5EF4-FFF2-40B4-BE49-F238E27FC236}">
-                <a16:creationId xmlns:a16="http://schemas.microsoft.com/office/drawing/2014/main" id="{6AD0D387-1584-4477-B5F8-52B50D4F2205}"/>
-              </a:ext>
-              <a:ext uri="{C183D7F6-B498-43B3-948B-1728B52AA6E4}">
-                <adec:decorative xmlns:adec="http://schemas.microsoft.com/office/drawing/2017/decorative" val="1"/>
-              </a:ext>
-            </a:extLst>
-          </p:cNvPr>
-          <p:cNvGrpSpPr>
-            <a:grpSpLocks noGrp="1" noUngrp="1" noRot="1" noChangeAspect="1" noMove="1" noResize="1"/>
-          </p:cNvGrpSpPr>
-          <p:nvPr>
-            <p:extLst>
-              <p:ext uri="{386F3935-93C4-4BCD-93E2-E3B085C9AB24}">
-                <p16:designElem xmlns:p16="http://schemas.microsoft.com/office/powerpoint/2015/main" val="1"/>
-              </p:ext>
-            </p:extLst>
-          </p:nvPr>
-        </p:nvGrpSpPr>
-        <p:grpSpPr>
-          <a:xfrm>
-            <a:off x="0" y="0"/>
-            <a:ext cx="1220788" cy="6858001"/>
-            <a:chOff x="-14288" y="0"/>
-            <a:chExt cx="1220788" cy="6858001"/>
-          </a:xfrm>
-          <a:gradFill flip="none" rotWithShape="1">
-            <a:gsLst>
-              <a:gs pos="0">
-                <a:schemeClr val="bg2"/>
-              </a:gs>
-              <a:gs pos="100000">
-                <a:schemeClr val="tx2">
-                  <a:lumMod val="60000"/>
-                  <a:lumOff val="40000"/>
-                </a:schemeClr>
-              </a:gs>
-            </a:gsLst>
-            <a:lin ang="5400000" scaled="0"/>
-            <a:tileRect/>
-          </a:gradFill>
-        </p:grpSpPr>
-        <p:sp>
-          <p:nvSpPr>
-            <p:cNvPr id="21" name="Rectangle 5">
-              <a:extLst>
-                <a:ext uri="{FF2B5EF4-FFF2-40B4-BE49-F238E27FC236}">
-                  <a16:creationId xmlns:a16="http://schemas.microsoft.com/office/drawing/2014/main" id="{22C90122-8CF0-4164-B596-168DE41D39A4}"/>
-                </a:ext>
-                <a:ext uri="{C183D7F6-B498-43B3-948B-1728B52AA6E4}">
-                  <adec:decorative xmlns:adec="http://schemas.microsoft.com/office/drawing/2017/decorative" val="1"/>
-                </a:ext>
-              </a:extLst>
-            </p:cNvPr>
-            <p:cNvSpPr>
-              <a:spLocks noChangeArrowheads="1"/>
-            </p:cNvSpPr>
-            <p:nvPr>
-              <p:extLst>
-                <p:ext uri="{386F3935-93C4-4BCD-93E2-E3B085C9AB24}">
-                  <p16:designElem xmlns:p16="http://schemas.microsoft.com/office/powerpoint/2015/main" val="1"/>
-                </p:ext>
-              </p:extLst>
-            </p:nvPr>
-          </p:nvSpPr>
-          <p:spPr bwMode="auto">
-            <a:xfrm>
-              <a:off x="114300" y="4763"/>
-              <a:ext cx="23813" cy="2181225"/>
-            </a:xfrm>
-            <a:prstGeom prst="rect">
-              <a:avLst/>
-            </a:prstGeom>
-            <a:grpFill/>
-            <a:ln>
-              <a:noFill/>
-            </a:ln>
-            <a:extLst>
-              <a:ext uri="{91240B29-F687-4f45-9708-019B960494DF}">
-                <a14:hiddenLine xmlns="" xmlns:a16="http://schemas.microsoft.com/office/drawing/2014/main" xmlns:p14="http://schemas.microsoft.com/office/powerpoint/2010/main" xmlns:a14="http://schemas.microsoft.com/office/drawing/2010/main" w="9525">
-                  <a:solidFill>
-                    <a:srgbClr val="000000"/>
-                  </a:solidFill>
-                  <a:miter lim="800000"/>
-                  <a:headEnd/>
-                  <a:tailEnd/>
-                </a14:hiddenLine>
-              </a:ext>
-            </a:extLst>
-          </p:spPr>
-        </p:sp>
-        <p:sp>
-          <p:nvSpPr>
-            <p:cNvPr id="22" name="Freeform 6">
-              <a:extLst>
-                <a:ext uri="{FF2B5EF4-FFF2-40B4-BE49-F238E27FC236}">
-                  <a16:creationId xmlns:a16="http://schemas.microsoft.com/office/drawing/2014/main" id="{E74D534E-37A6-4D27-9C47-0B2F0527838E}"/>
-                </a:ext>
-                <a:ext uri="{C183D7F6-B498-43B3-948B-1728B52AA6E4}">
-                  <adec:decorative xmlns:adec="http://schemas.microsoft.com/office/drawing/2017/decorative" val="1"/>
-                </a:ext>
-              </a:extLst>
-            </p:cNvPr>
-            <p:cNvSpPr>
-              <a:spLocks noEditPoints="1"/>
-            </p:cNvSpPr>
-            <p:nvPr>
-              <p:extLst>
-                <p:ext uri="{386F3935-93C4-4BCD-93E2-E3B085C9AB24}">
-                  <p16:designElem xmlns:p16="http://schemas.microsoft.com/office/powerpoint/2015/main" val="1"/>
-                </p:ext>
-              </p:extLst>
-            </p:nvPr>
-          </p:nvSpPr>
-          <p:spPr bwMode="auto">
-            <a:xfrm>
-              <a:off x="33337" y="2176463"/>
-              <a:ext cx="190500" cy="190500"/>
-            </a:xfrm>
-            <a:custGeom>
-              <a:avLst/>
-              <a:gdLst/>
-              <a:ahLst/>
-              <a:cxnLst/>
-              <a:rect l="0" t="0" r="r" b="b"/>
-              <a:pathLst>
-                <a:path w="40" h="40">
-                  <a:moveTo>
-                    <a:pt x="20" y="40"/>
-                  </a:moveTo>
-                  <a:cubicBezTo>
-                    <a:pt x="9" y="40"/>
-                    <a:pt x="0" y="31"/>
-                    <a:pt x="0" y="20"/>
-                  </a:cubicBezTo>
-                  <a:cubicBezTo>
-                    <a:pt x="0" y="9"/>
-                    <a:pt x="9" y="0"/>
-                    <a:pt x="20" y="0"/>
-                  </a:cubicBezTo>
-                  <a:cubicBezTo>
-                    <a:pt x="31" y="0"/>
-                    <a:pt x="40" y="9"/>
-                    <a:pt x="40" y="20"/>
-                  </a:cubicBezTo>
-                  <a:cubicBezTo>
-                    <a:pt x="40" y="31"/>
-                    <a:pt x="31" y="40"/>
-                    <a:pt x="20" y="40"/>
-                  </a:cubicBezTo>
-                  <a:close/>
-                  <a:moveTo>
-                    <a:pt x="20" y="4"/>
-                  </a:moveTo>
-                  <a:cubicBezTo>
-                    <a:pt x="11" y="4"/>
-                    <a:pt x="4" y="11"/>
-                    <a:pt x="4" y="20"/>
-                  </a:cubicBezTo>
-                  <a:cubicBezTo>
-                    <a:pt x="4" y="29"/>
-                    <a:pt x="11" y="36"/>
-                    <a:pt x="20" y="36"/>
-                  </a:cubicBezTo>
-                  <a:cubicBezTo>
-                    <a:pt x="28" y="36"/>
-                    <a:pt x="36" y="29"/>
-                    <a:pt x="36" y="20"/>
-                  </a:cubicBezTo>
-                  <a:cubicBezTo>
-                    <a:pt x="36" y="11"/>
-                    <a:pt x="28" y="4"/>
-                    <a:pt x="20" y="4"/>
-                  </a:cubicBezTo>
-                  <a:close/>
-                </a:path>
-              </a:pathLst>
-            </a:custGeom>
-            <a:grpFill/>
-            <a:ln>
-              <a:noFill/>
-            </a:ln>
-            <a:extLst>
-              <a:ext uri="{91240B29-F687-4f45-9708-019B960494DF}">
-                <a14:hiddenLine xmlns="" xmlns:a16="http://schemas.microsoft.com/office/drawing/2014/main" xmlns:p14="http://schemas.microsoft.com/office/powerpoint/2010/main" xmlns:a14="http://schemas.microsoft.com/office/drawing/2010/main" w="9525">
-                  <a:solidFill>
-                    <a:srgbClr val="000000"/>
-                  </a:solidFill>
-                  <a:round/>
-                  <a:headEnd/>
-                  <a:tailEnd/>
-                </a14:hiddenLine>
-              </a:ext>
-            </a:extLst>
-          </p:spPr>
-        </p:sp>
-        <p:sp>
-          <p:nvSpPr>
-            <p:cNvPr id="23" name="Freeform 7">
-              <a:extLst>
-                <a:ext uri="{FF2B5EF4-FFF2-40B4-BE49-F238E27FC236}">
-                  <a16:creationId xmlns:a16="http://schemas.microsoft.com/office/drawing/2014/main" id="{1C1C156E-D2E0-468A-9B19-79521D69BF55}"/>
-                </a:ext>
-                <a:ext uri="{C183D7F6-B498-43B3-948B-1728B52AA6E4}">
-                  <adec:decorative xmlns:adec="http://schemas.microsoft.com/office/drawing/2017/decorative" val="1"/>
-                </a:ext>
-              </a:extLst>
-            </p:cNvPr>
-            <p:cNvSpPr>
-              <a:spLocks noEditPoints="1"/>
-            </p:cNvSpPr>
-            <p:nvPr>
-              <p:extLst>
-                <p:ext uri="{386F3935-93C4-4BCD-93E2-E3B085C9AB24}">
-                  <p16:designElem xmlns:p16="http://schemas.microsoft.com/office/powerpoint/2015/main" val="1"/>
-                </p:ext>
-              </p:extLst>
-            </p:nvPr>
-          </p:nvSpPr>
-          <p:spPr bwMode="auto">
-            <a:xfrm>
-              <a:off x="28575" y="4021138"/>
-              <a:ext cx="190500" cy="188913"/>
-            </a:xfrm>
-            <a:custGeom>
-              <a:avLst/>
-              <a:gdLst/>
-              <a:ahLst/>
-              <a:cxnLst/>
-              <a:rect l="0" t="0" r="r" b="b"/>
-              <a:pathLst>
-                <a:path w="40" h="40">
-                  <a:moveTo>
-                    <a:pt x="20" y="40"/>
-                  </a:moveTo>
-                  <a:cubicBezTo>
-                    <a:pt x="9" y="40"/>
-                    <a:pt x="0" y="31"/>
-                    <a:pt x="0" y="20"/>
-                  </a:cubicBezTo>
-                  <a:cubicBezTo>
-                    <a:pt x="0" y="9"/>
-                    <a:pt x="9" y="0"/>
-                    <a:pt x="20" y="0"/>
-                  </a:cubicBezTo>
-                  <a:cubicBezTo>
-                    <a:pt x="31" y="0"/>
-                    <a:pt x="40" y="9"/>
-                    <a:pt x="40" y="20"/>
-                  </a:cubicBezTo>
-                  <a:cubicBezTo>
-                    <a:pt x="40" y="31"/>
-                    <a:pt x="31" y="40"/>
-                    <a:pt x="20" y="40"/>
-                  </a:cubicBezTo>
-                  <a:close/>
-                  <a:moveTo>
-                    <a:pt x="20" y="4"/>
-                  </a:moveTo>
-                  <a:cubicBezTo>
-                    <a:pt x="12" y="4"/>
-                    <a:pt x="4" y="11"/>
-                    <a:pt x="4" y="20"/>
-                  </a:cubicBezTo>
-                  <a:cubicBezTo>
-                    <a:pt x="4" y="29"/>
-                    <a:pt x="12" y="36"/>
-                    <a:pt x="20" y="36"/>
-                  </a:cubicBezTo>
-                  <a:cubicBezTo>
-                    <a:pt x="29" y="36"/>
-                    <a:pt x="36" y="29"/>
-                    <a:pt x="36" y="20"/>
-                  </a:cubicBezTo>
-                  <a:cubicBezTo>
-                    <a:pt x="36" y="11"/>
-                    <a:pt x="29" y="4"/>
-                    <a:pt x="20" y="4"/>
-                  </a:cubicBezTo>
-                  <a:close/>
-                </a:path>
-              </a:pathLst>
-            </a:custGeom>
-            <a:grpFill/>
-            <a:ln>
-              <a:noFill/>
-            </a:ln>
-            <a:extLst>
-              <a:ext uri="{91240B29-F687-4f45-9708-019B960494DF}">
-                <a14:hiddenLine xmlns="" xmlns:a16="http://schemas.microsoft.com/office/drawing/2014/main" xmlns:p14="http://schemas.microsoft.com/office/powerpoint/2010/main" xmlns:a14="http://schemas.microsoft.com/office/drawing/2010/main" w="9525">
-                  <a:solidFill>
-                    <a:srgbClr val="000000"/>
-                  </a:solidFill>
-                  <a:round/>
-                  <a:headEnd/>
-                  <a:tailEnd/>
-                </a14:hiddenLine>
-              </a:ext>
-            </a:extLst>
-          </p:spPr>
-        </p:sp>
-        <p:sp>
-          <p:nvSpPr>
-            <p:cNvPr id="24" name="Freeform 8">
-              <a:extLst>
-                <a:ext uri="{FF2B5EF4-FFF2-40B4-BE49-F238E27FC236}">
-                  <a16:creationId xmlns:a16="http://schemas.microsoft.com/office/drawing/2014/main" id="{14C97F11-4F6C-4DFF-89BC-3AEA5B7FF74F}"/>
-                </a:ext>
-                <a:ext uri="{C183D7F6-B498-43B3-948B-1728B52AA6E4}">
-                  <adec:decorative xmlns:adec="http://schemas.microsoft.com/office/drawing/2017/decorative" val="1"/>
-                </a:ext>
-              </a:extLst>
-            </p:cNvPr>
-            <p:cNvSpPr/>
-            <p:nvPr>
-              <p:extLst>
-                <p:ext uri="{386F3935-93C4-4BCD-93E2-E3B085C9AB24}">
-                  <p16:designElem xmlns:p16="http://schemas.microsoft.com/office/powerpoint/2015/main" val="1"/>
-                </p:ext>
-              </p:extLst>
-            </p:nvPr>
-          </p:nvSpPr>
-          <p:spPr bwMode="auto">
-            <a:xfrm>
-              <a:off x="200025" y="4763"/>
-              <a:ext cx="369888" cy="1811338"/>
-            </a:xfrm>
-            <a:custGeom>
-              <a:avLst/>
-              <a:gdLst/>
-              <a:ahLst/>
-              <a:cxnLst/>
-              <a:rect l="0" t="0" r="r" b="b"/>
-              <a:pathLst>
-                <a:path w="233" h="1141">
-                  <a:moveTo>
-                    <a:pt x="218" y="1141"/>
-                  </a:moveTo>
-                  <a:lnTo>
-                    <a:pt x="0" y="626"/>
-                  </a:lnTo>
-                  <a:lnTo>
-                    <a:pt x="0" y="0"/>
-                  </a:lnTo>
-                  <a:lnTo>
-                    <a:pt x="15" y="0"/>
-                  </a:lnTo>
-                  <a:lnTo>
-                    <a:pt x="15" y="623"/>
-                  </a:lnTo>
-                  <a:lnTo>
-                    <a:pt x="233" y="1135"/>
-                  </a:lnTo>
-                  <a:lnTo>
-                    <a:pt x="218" y="1141"/>
-                  </a:lnTo>
-                  <a:close/>
-                </a:path>
-              </a:pathLst>
-            </a:custGeom>
-            <a:grpFill/>
-            <a:ln>
-              <a:noFill/>
-            </a:ln>
-            <a:extLst>
-              <a:ext uri="{91240B29-F687-4f45-9708-019B960494DF}">
-                <a14:hiddenLine xmlns="" xmlns:a16="http://schemas.microsoft.com/office/drawing/2014/main" xmlns:p14="http://schemas.microsoft.com/office/powerpoint/2010/main" xmlns:a14="http://schemas.microsoft.com/office/drawing/2010/main" w="9525">
-                  <a:solidFill>
-                    <a:srgbClr val="000000"/>
-                  </a:solidFill>
-                  <a:round/>
-                  <a:headEnd/>
-                  <a:tailEnd/>
-                </a14:hiddenLine>
-              </a:ext>
-            </a:extLst>
-          </p:spPr>
-        </p:sp>
-        <p:sp>
-          <p:nvSpPr>
-            <p:cNvPr id="25" name="Freeform 9">
-              <a:extLst>
-                <a:ext uri="{FF2B5EF4-FFF2-40B4-BE49-F238E27FC236}">
-                  <a16:creationId xmlns:a16="http://schemas.microsoft.com/office/drawing/2014/main" id="{773C2106-77CE-42E1-839F-925EAEBB2FF9}"/>
-                </a:ext>
-                <a:ext uri="{C183D7F6-B498-43B3-948B-1728B52AA6E4}">
-                  <adec:decorative xmlns:adec="http://schemas.microsoft.com/office/drawing/2017/decorative" val="1"/>
-                </a:ext>
-              </a:extLst>
-            </p:cNvPr>
-            <p:cNvSpPr>
-              <a:spLocks noEditPoints="1"/>
-            </p:cNvSpPr>
-            <p:nvPr>
-              <p:extLst>
-                <p:ext uri="{386F3935-93C4-4BCD-93E2-E3B085C9AB24}">
-                  <p16:designElem xmlns:p16="http://schemas.microsoft.com/office/powerpoint/2015/main" val="1"/>
-                </p:ext>
-              </p:extLst>
-            </p:nvPr>
-          </p:nvSpPr>
-          <p:spPr bwMode="auto">
-            <a:xfrm>
-              <a:off x="503237" y="1801813"/>
-              <a:ext cx="190500" cy="188913"/>
-            </a:xfrm>
-            <a:custGeom>
-              <a:avLst/>
-              <a:gdLst/>
-              <a:ahLst/>
-              <a:cxnLst/>
-              <a:rect l="0" t="0" r="r" b="b"/>
-              <a:pathLst>
-                <a:path w="40" h="40">
-                  <a:moveTo>
-                    <a:pt x="20" y="40"/>
-                  </a:moveTo>
-                  <a:cubicBezTo>
-                    <a:pt x="9" y="40"/>
-                    <a:pt x="0" y="31"/>
-                    <a:pt x="0" y="20"/>
-                  </a:cubicBezTo>
-                  <a:cubicBezTo>
-                    <a:pt x="0" y="9"/>
-                    <a:pt x="9" y="0"/>
-                    <a:pt x="20" y="0"/>
-                  </a:cubicBezTo>
-                  <a:cubicBezTo>
-                    <a:pt x="33" y="0"/>
-                    <a:pt x="40" y="6"/>
-                    <a:pt x="40" y="20"/>
-                  </a:cubicBezTo>
-                  <a:cubicBezTo>
-                    <a:pt x="40" y="31"/>
-                    <a:pt x="31" y="40"/>
-                    <a:pt x="20" y="40"/>
-                  </a:cubicBezTo>
-                  <a:close/>
-                  <a:moveTo>
-                    <a:pt x="20" y="4"/>
-                  </a:moveTo>
-                  <a:cubicBezTo>
-                    <a:pt x="11" y="4"/>
-                    <a:pt x="4" y="11"/>
-                    <a:pt x="4" y="20"/>
-                  </a:cubicBezTo>
-                  <a:cubicBezTo>
-                    <a:pt x="4" y="29"/>
-                    <a:pt x="11" y="36"/>
-                    <a:pt x="20" y="36"/>
-                  </a:cubicBezTo>
-                  <a:cubicBezTo>
-                    <a:pt x="28" y="36"/>
-                    <a:pt x="36" y="29"/>
-                    <a:pt x="36" y="20"/>
-                  </a:cubicBezTo>
-                  <a:cubicBezTo>
-                    <a:pt x="36" y="9"/>
-                    <a:pt x="31" y="4"/>
-                    <a:pt x="20" y="4"/>
-                  </a:cubicBezTo>
-                  <a:close/>
-                </a:path>
-              </a:pathLst>
-            </a:custGeom>
-            <a:grpFill/>
-            <a:ln>
-              <a:noFill/>
-            </a:ln>
-            <a:extLst>
-              <a:ext uri="{91240B29-F687-4f45-9708-019B960494DF}">
-                <a14:hiddenLine xmlns="" xmlns:a16="http://schemas.microsoft.com/office/drawing/2014/main" xmlns:p14="http://schemas.microsoft.com/office/powerpoint/2010/main" xmlns:a14="http://schemas.microsoft.com/office/drawing/2010/main" w="9525">
-                  <a:solidFill>
-                    <a:srgbClr val="000000"/>
-                  </a:solidFill>
-                  <a:round/>
-                  <a:headEnd/>
-                  <a:tailEnd/>
-                </a14:hiddenLine>
-              </a:ext>
-            </a:extLst>
-          </p:spPr>
-        </p:sp>
-        <p:sp>
-          <p:nvSpPr>
-            <p:cNvPr id="26" name="Freeform 10">
-              <a:extLst>
-                <a:ext uri="{FF2B5EF4-FFF2-40B4-BE49-F238E27FC236}">
-                  <a16:creationId xmlns:a16="http://schemas.microsoft.com/office/drawing/2014/main" id="{E2807D33-BD1F-4B09-8D93-63C06DB3C0F7}"/>
-                </a:ext>
-                <a:ext uri="{C183D7F6-B498-43B3-948B-1728B52AA6E4}">
-                  <adec:decorative xmlns:adec="http://schemas.microsoft.com/office/drawing/2017/decorative" val="1"/>
-                </a:ext>
-              </a:extLst>
-            </p:cNvPr>
-            <p:cNvSpPr/>
-            <p:nvPr>
-              <p:extLst>
-                <p:ext uri="{386F3935-93C4-4BCD-93E2-E3B085C9AB24}">
-                  <p16:designElem xmlns:p16="http://schemas.microsoft.com/office/powerpoint/2015/main" val="1"/>
-                </p:ext>
-              </p:extLst>
-            </p:nvPr>
-          </p:nvSpPr>
-          <p:spPr bwMode="auto">
-            <a:xfrm>
-              <a:off x="285750" y="4763"/>
-              <a:ext cx="369888" cy="1430338"/>
-            </a:xfrm>
-            <a:custGeom>
-              <a:avLst/>
-              <a:gdLst/>
-              <a:ahLst/>
-              <a:cxnLst/>
-              <a:rect l="0" t="0" r="r" b="b"/>
-              <a:pathLst>
-                <a:path w="233" h="901">
-                  <a:moveTo>
-                    <a:pt x="221" y="901"/>
-                  </a:moveTo>
-                  <a:lnTo>
-                    <a:pt x="0" y="383"/>
-                  </a:lnTo>
-                  <a:lnTo>
-                    <a:pt x="0" y="0"/>
-                  </a:lnTo>
-                  <a:lnTo>
-                    <a:pt x="18" y="0"/>
-                  </a:lnTo>
-                  <a:lnTo>
-                    <a:pt x="18" y="380"/>
-                  </a:lnTo>
-                  <a:lnTo>
-                    <a:pt x="233" y="895"/>
-                  </a:lnTo>
-                  <a:lnTo>
-                    <a:pt x="221" y="901"/>
-                  </a:lnTo>
-                  <a:close/>
-                </a:path>
-              </a:pathLst>
-            </a:custGeom>
-            <a:grpFill/>
-            <a:ln>
-              <a:noFill/>
-            </a:ln>
-            <a:extLst>
-              <a:ext uri="{91240B29-F687-4f45-9708-019B960494DF}">
-                <a14:hiddenLine xmlns="" xmlns:a16="http://schemas.microsoft.com/office/drawing/2014/main" xmlns:p14="http://schemas.microsoft.com/office/powerpoint/2010/main" xmlns:a14="http://schemas.microsoft.com/office/drawing/2010/main" w="9525">
-                  <a:solidFill>
-                    <a:srgbClr val="000000"/>
-                  </a:solidFill>
-                  <a:round/>
-                  <a:headEnd/>
-                  <a:tailEnd/>
-                </a14:hiddenLine>
-              </a:ext>
-            </a:extLst>
-          </p:spPr>
-        </p:sp>
-        <p:sp>
-          <p:nvSpPr>
-            <p:cNvPr id="27" name="Freeform 11">
-              <a:extLst>
-                <a:ext uri="{FF2B5EF4-FFF2-40B4-BE49-F238E27FC236}">
-                  <a16:creationId xmlns:a16="http://schemas.microsoft.com/office/drawing/2014/main" id="{84BDF3E8-157B-47D1-AF8E-FE1EFF0612E4}"/>
-                </a:ext>
-                <a:ext uri="{C183D7F6-B498-43B3-948B-1728B52AA6E4}">
-                  <adec:decorative xmlns:adec="http://schemas.microsoft.com/office/drawing/2017/decorative" val="1"/>
-                </a:ext>
-              </a:extLst>
-            </p:cNvPr>
-            <p:cNvSpPr/>
-            <p:nvPr>
-              <p:extLst>
-                <p:ext uri="{386F3935-93C4-4BCD-93E2-E3B085C9AB24}">
-                  <p16:designElem xmlns:p16="http://schemas.microsoft.com/office/powerpoint/2015/main" val="1"/>
-                </p:ext>
-              </p:extLst>
-            </p:nvPr>
-          </p:nvSpPr>
-          <p:spPr bwMode="auto">
-            <a:xfrm>
-              <a:off x="546100" y="0"/>
-              <a:ext cx="152400" cy="912813"/>
-            </a:xfrm>
-            <a:custGeom>
-              <a:avLst/>
-              <a:gdLst/>
-              <a:ahLst/>
-              <a:cxnLst/>
-              <a:rect l="0" t="0" r="r" b="b"/>
-              <a:pathLst>
-                <a:path w="96" h="575">
-                  <a:moveTo>
-                    <a:pt x="96" y="575"/>
-                  </a:moveTo>
-                  <a:lnTo>
-                    <a:pt x="78" y="575"/>
-                  </a:lnTo>
-                  <a:lnTo>
-                    <a:pt x="78" y="192"/>
-                  </a:lnTo>
-                  <a:lnTo>
-                    <a:pt x="0" y="6"/>
-                  </a:lnTo>
-                  <a:lnTo>
-                    <a:pt x="15" y="0"/>
-                  </a:lnTo>
-                  <a:lnTo>
-                    <a:pt x="96" y="189"/>
-                  </a:lnTo>
-                  <a:lnTo>
-                    <a:pt x="96" y="575"/>
-                  </a:lnTo>
-                  <a:close/>
-                </a:path>
-              </a:pathLst>
-            </a:custGeom>
-            <a:grpFill/>
-            <a:ln>
-              <a:noFill/>
-            </a:ln>
-            <a:extLst>
-              <a:ext uri="{91240B29-F687-4f45-9708-019B960494DF}">
-                <a14:hiddenLine xmlns="" xmlns:a16="http://schemas.microsoft.com/office/drawing/2014/main" xmlns:p14="http://schemas.microsoft.com/office/powerpoint/2010/main" xmlns:a14="http://schemas.microsoft.com/office/drawing/2010/main" w="9525">
-                  <a:solidFill>
-                    <a:srgbClr val="000000"/>
-                  </a:solidFill>
-                  <a:round/>
-                  <a:headEnd/>
-                  <a:tailEnd/>
-                </a14:hiddenLine>
-              </a:ext>
-            </a:extLst>
-          </p:spPr>
-        </p:sp>
-        <p:sp>
-          <p:nvSpPr>
-            <p:cNvPr id="28" name="Freeform 12">
-              <a:extLst>
-                <a:ext uri="{FF2B5EF4-FFF2-40B4-BE49-F238E27FC236}">
-                  <a16:creationId xmlns:a16="http://schemas.microsoft.com/office/drawing/2014/main" id="{68B482B5-E0FD-406A-99B2-297DF333546D}"/>
-                </a:ext>
-                <a:ext uri="{C183D7F6-B498-43B3-948B-1728B52AA6E4}">
-                  <adec:decorative xmlns:adec="http://schemas.microsoft.com/office/drawing/2017/decorative" val="1"/>
-                </a:ext>
-              </a:extLst>
-            </p:cNvPr>
-            <p:cNvSpPr>
-              <a:spLocks noEditPoints="1"/>
-            </p:cNvSpPr>
-            <p:nvPr>
-              <p:extLst>
-                <p:ext uri="{386F3935-93C4-4BCD-93E2-E3B085C9AB24}">
-                  <p16:designElem xmlns:p16="http://schemas.microsoft.com/office/powerpoint/2015/main" val="1"/>
-                </p:ext>
-              </p:extLst>
-            </p:nvPr>
-          </p:nvSpPr>
-          <p:spPr bwMode="auto">
-            <a:xfrm>
-              <a:off x="588962" y="1420813"/>
-              <a:ext cx="190500" cy="190500"/>
-            </a:xfrm>
-            <a:custGeom>
-              <a:avLst/>
-              <a:gdLst/>
-              <a:ahLst/>
-              <a:cxnLst/>
-              <a:rect l="0" t="0" r="r" b="b"/>
-              <a:pathLst>
-                <a:path w="40" h="40">
-                  <a:moveTo>
-                    <a:pt x="20" y="40"/>
-                  </a:moveTo>
-                  <a:cubicBezTo>
-                    <a:pt x="9" y="40"/>
-                    <a:pt x="0" y="31"/>
-                    <a:pt x="0" y="20"/>
-                  </a:cubicBezTo>
-                  <a:cubicBezTo>
-                    <a:pt x="0" y="9"/>
-                    <a:pt x="9" y="0"/>
-                    <a:pt x="20" y="0"/>
-                  </a:cubicBezTo>
-                  <a:cubicBezTo>
-                    <a:pt x="33" y="0"/>
-                    <a:pt x="40" y="7"/>
-                    <a:pt x="40" y="20"/>
-                  </a:cubicBezTo>
-                  <a:cubicBezTo>
-                    <a:pt x="40" y="31"/>
-                    <a:pt x="31" y="40"/>
-                    <a:pt x="20" y="40"/>
-                  </a:cubicBezTo>
-                  <a:close/>
-                  <a:moveTo>
-                    <a:pt x="20" y="4"/>
-                  </a:moveTo>
-                  <a:cubicBezTo>
-                    <a:pt x="11" y="4"/>
-                    <a:pt x="4" y="11"/>
-                    <a:pt x="4" y="20"/>
-                  </a:cubicBezTo>
-                  <a:cubicBezTo>
-                    <a:pt x="4" y="29"/>
-                    <a:pt x="11" y="36"/>
-                    <a:pt x="20" y="36"/>
-                  </a:cubicBezTo>
-                  <a:cubicBezTo>
-                    <a:pt x="29" y="36"/>
-                    <a:pt x="36" y="29"/>
-                    <a:pt x="36" y="20"/>
-                  </a:cubicBezTo>
-                  <a:cubicBezTo>
-                    <a:pt x="36" y="9"/>
-                    <a:pt x="31" y="4"/>
-                    <a:pt x="20" y="4"/>
-                  </a:cubicBezTo>
-                  <a:close/>
-                </a:path>
-              </a:pathLst>
-            </a:custGeom>
-            <a:grpFill/>
-            <a:ln>
-              <a:noFill/>
-            </a:ln>
-            <a:extLst>
-              <a:ext uri="{91240B29-F687-4f45-9708-019B960494DF}">
-                <a14:hiddenLine xmlns="" xmlns:a16="http://schemas.microsoft.com/office/drawing/2014/main" xmlns:p14="http://schemas.microsoft.com/office/powerpoint/2010/main" xmlns:a14="http://schemas.microsoft.com/office/drawing/2010/main" w="9525">
-                  <a:solidFill>
-                    <a:srgbClr val="000000"/>
-                  </a:solidFill>
-                  <a:round/>
-                  <a:headEnd/>
-                  <a:tailEnd/>
-                </a14:hiddenLine>
-              </a:ext>
-            </a:extLst>
-          </p:spPr>
-        </p:sp>
-        <p:sp>
-          <p:nvSpPr>
-            <p:cNvPr id="29" name="Freeform 13">
-              <a:extLst>
-                <a:ext uri="{FF2B5EF4-FFF2-40B4-BE49-F238E27FC236}">
-                  <a16:creationId xmlns:a16="http://schemas.microsoft.com/office/drawing/2014/main" id="{B8750F30-12E8-410B-8709-78F1EF3BBE78}"/>
-                </a:ext>
-                <a:ext uri="{C183D7F6-B498-43B3-948B-1728B52AA6E4}">
-                  <adec:decorative xmlns:adec="http://schemas.microsoft.com/office/drawing/2017/decorative" val="1"/>
-                </a:ext>
-              </a:extLst>
-            </p:cNvPr>
-            <p:cNvSpPr>
-              <a:spLocks noEditPoints="1"/>
-            </p:cNvSpPr>
-            <p:nvPr>
-              <p:extLst>
-                <p:ext uri="{386F3935-93C4-4BCD-93E2-E3B085C9AB24}">
-                  <p16:designElem xmlns:p16="http://schemas.microsoft.com/office/powerpoint/2015/main" val="1"/>
-                </p:ext>
-              </p:extLst>
-            </p:nvPr>
-          </p:nvSpPr>
-          <p:spPr bwMode="auto">
-            <a:xfrm>
-              <a:off x="588962" y="903288"/>
-              <a:ext cx="190500" cy="190500"/>
-            </a:xfrm>
-            <a:custGeom>
-              <a:avLst/>
-              <a:gdLst/>
-              <a:ahLst/>
-              <a:cxnLst/>
-              <a:rect l="0" t="0" r="r" b="b"/>
-              <a:pathLst>
-                <a:path w="40" h="40">
-                  <a:moveTo>
-                    <a:pt x="20" y="40"/>
-                  </a:moveTo>
-                  <a:cubicBezTo>
-                    <a:pt x="9" y="40"/>
-                    <a:pt x="0" y="31"/>
-                    <a:pt x="0" y="20"/>
-                  </a:cubicBezTo>
-                  <a:cubicBezTo>
-                    <a:pt x="0" y="9"/>
-                    <a:pt x="9" y="0"/>
-                    <a:pt x="20" y="0"/>
-                  </a:cubicBezTo>
-                  <a:cubicBezTo>
-                    <a:pt x="31" y="0"/>
-                    <a:pt x="40" y="9"/>
-                    <a:pt x="40" y="20"/>
-                  </a:cubicBezTo>
-                  <a:cubicBezTo>
-                    <a:pt x="40" y="31"/>
-                    <a:pt x="31" y="40"/>
-                    <a:pt x="20" y="40"/>
-                  </a:cubicBezTo>
-                  <a:close/>
-                  <a:moveTo>
-                    <a:pt x="20" y="4"/>
-                  </a:moveTo>
-                  <a:cubicBezTo>
-                    <a:pt x="11" y="4"/>
-                    <a:pt x="4" y="11"/>
-                    <a:pt x="4" y="20"/>
-                  </a:cubicBezTo>
-                  <a:cubicBezTo>
-                    <a:pt x="4" y="29"/>
-                    <a:pt x="11" y="36"/>
-                    <a:pt x="20" y="36"/>
-                  </a:cubicBezTo>
-                  <a:cubicBezTo>
-                    <a:pt x="29" y="36"/>
-                    <a:pt x="36" y="29"/>
-                    <a:pt x="36" y="20"/>
-                  </a:cubicBezTo>
-                  <a:cubicBezTo>
-                    <a:pt x="36" y="11"/>
-                    <a:pt x="29" y="4"/>
-                    <a:pt x="20" y="4"/>
-                  </a:cubicBezTo>
-                  <a:close/>
-                </a:path>
-              </a:pathLst>
-            </a:custGeom>
-            <a:grpFill/>
-            <a:ln>
-              <a:noFill/>
-            </a:ln>
-            <a:extLst>
-              <a:ext uri="{91240B29-F687-4f45-9708-019B960494DF}">
-                <a14:hiddenLine xmlns="" xmlns:a16="http://schemas.microsoft.com/office/drawing/2014/main" xmlns:p14="http://schemas.microsoft.com/office/powerpoint/2010/main" xmlns:a14="http://schemas.microsoft.com/office/drawing/2010/main" w="9525">
-                  <a:solidFill>
-                    <a:srgbClr val="000000"/>
-                  </a:solidFill>
-                  <a:round/>
-                  <a:headEnd/>
-                  <a:tailEnd/>
-                </a14:hiddenLine>
-              </a:ext>
-            </a:extLst>
-          </p:spPr>
-        </p:sp>
-        <p:sp>
-          <p:nvSpPr>
-            <p:cNvPr id="30" name="Freeform 14">
-              <a:extLst>
-                <a:ext uri="{FF2B5EF4-FFF2-40B4-BE49-F238E27FC236}">
-                  <a16:creationId xmlns:a16="http://schemas.microsoft.com/office/drawing/2014/main" id="{DB2D030A-4700-4CC4-A971-F119F8372C0A}"/>
-                </a:ext>
-                <a:ext uri="{C183D7F6-B498-43B3-948B-1728B52AA6E4}">
-                  <adec:decorative xmlns:adec="http://schemas.microsoft.com/office/drawing/2017/decorative" val="1"/>
-                </a:ext>
-              </a:extLst>
-            </p:cNvPr>
-            <p:cNvSpPr/>
-            <p:nvPr>
-              <p:extLst>
-                <p:ext uri="{386F3935-93C4-4BCD-93E2-E3B085C9AB24}">
-                  <p16:designElem xmlns:p16="http://schemas.microsoft.com/office/powerpoint/2015/main" val="1"/>
-                </p:ext>
-              </p:extLst>
-            </p:nvPr>
-          </p:nvSpPr>
-          <p:spPr bwMode="auto">
-            <a:xfrm>
-              <a:off x="641350" y="0"/>
-              <a:ext cx="422275" cy="527050"/>
-            </a:xfrm>
-            <a:custGeom>
-              <a:avLst/>
-              <a:gdLst/>
-              <a:ahLst/>
-              <a:cxnLst/>
-              <a:rect l="0" t="0" r="r" b="b"/>
-              <a:pathLst>
-                <a:path w="266" h="332">
-                  <a:moveTo>
-                    <a:pt x="257" y="332"/>
-                  </a:moveTo>
-                  <a:lnTo>
-                    <a:pt x="48" y="123"/>
-                  </a:lnTo>
-                  <a:lnTo>
-                    <a:pt x="0" y="6"/>
-                  </a:lnTo>
-                  <a:lnTo>
-                    <a:pt x="15" y="0"/>
-                  </a:lnTo>
-                  <a:lnTo>
-                    <a:pt x="63" y="114"/>
-                  </a:lnTo>
-                  <a:lnTo>
-                    <a:pt x="266" y="320"/>
-                  </a:lnTo>
-                  <a:lnTo>
-                    <a:pt x="257" y="332"/>
-                  </a:lnTo>
-                  <a:close/>
-                </a:path>
-              </a:pathLst>
-            </a:custGeom>
-            <a:grpFill/>
-            <a:ln>
-              <a:noFill/>
-            </a:ln>
-            <a:extLst>
-              <a:ext uri="{91240B29-F687-4f45-9708-019B960494DF}">
-                <a14:hiddenLine xmlns="" xmlns:a16="http://schemas.microsoft.com/office/drawing/2014/main" xmlns:p14="http://schemas.microsoft.com/office/powerpoint/2010/main" xmlns:a14="http://schemas.microsoft.com/office/drawing/2010/main" w="9525">
-                  <a:solidFill>
-                    <a:srgbClr val="000000"/>
-                  </a:solidFill>
-                  <a:round/>
-                  <a:headEnd/>
-                  <a:tailEnd/>
-                </a14:hiddenLine>
-              </a:ext>
-            </a:extLst>
-          </p:spPr>
-        </p:sp>
-        <p:sp>
-          <p:nvSpPr>
-            <p:cNvPr id="31" name="Freeform 15">
-              <a:extLst>
-                <a:ext uri="{FF2B5EF4-FFF2-40B4-BE49-F238E27FC236}">
-                  <a16:creationId xmlns:a16="http://schemas.microsoft.com/office/drawing/2014/main" id="{B4E516DB-F66E-4E88-8CAA-67153F56189D}"/>
-                </a:ext>
-                <a:ext uri="{C183D7F6-B498-43B3-948B-1728B52AA6E4}">
-                  <adec:decorative xmlns:adec="http://schemas.microsoft.com/office/drawing/2017/decorative" val="1"/>
-                </a:ext>
-              </a:extLst>
-            </p:cNvPr>
-            <p:cNvSpPr>
-              <a:spLocks noEditPoints="1"/>
-            </p:cNvSpPr>
-            <p:nvPr>
-              <p:extLst>
-                <p:ext uri="{386F3935-93C4-4BCD-93E2-E3B085C9AB24}">
-                  <p16:designElem xmlns:p16="http://schemas.microsoft.com/office/powerpoint/2015/main" val="1"/>
-                </p:ext>
-              </p:extLst>
-            </p:nvPr>
-          </p:nvSpPr>
-          <p:spPr bwMode="auto">
-            <a:xfrm>
-              <a:off x="1020762" y="488950"/>
-              <a:ext cx="161925" cy="147638"/>
-            </a:xfrm>
-            <a:custGeom>
-              <a:avLst/>
-              <a:gdLst/>
-              <a:ahLst/>
-              <a:cxnLst/>
-              <a:rect l="0" t="0" r="r" b="b"/>
-              <a:pathLst>
-                <a:path w="34" h="31">
-                  <a:moveTo>
-                    <a:pt x="17" y="31"/>
-                  </a:moveTo>
-                  <a:cubicBezTo>
-                    <a:pt x="13" y="31"/>
-                    <a:pt x="9" y="30"/>
-                    <a:pt x="6" y="27"/>
-                  </a:cubicBezTo>
-                  <a:cubicBezTo>
-                    <a:pt x="0" y="20"/>
-                    <a:pt x="0" y="10"/>
-                    <a:pt x="6" y="4"/>
-                  </a:cubicBezTo>
-                  <a:cubicBezTo>
-                    <a:pt x="9" y="1"/>
-                    <a:pt x="13" y="0"/>
-                    <a:pt x="17" y="0"/>
-                  </a:cubicBezTo>
-                  <a:cubicBezTo>
-                    <a:pt x="21" y="0"/>
-                    <a:pt x="25" y="1"/>
-                    <a:pt x="28" y="4"/>
-                  </a:cubicBezTo>
-                  <a:cubicBezTo>
-                    <a:pt x="34" y="10"/>
-                    <a:pt x="34" y="20"/>
-                    <a:pt x="28" y="27"/>
-                  </a:cubicBezTo>
-                  <a:cubicBezTo>
-                    <a:pt x="25" y="30"/>
-                    <a:pt x="21" y="31"/>
-                    <a:pt x="17" y="31"/>
-                  </a:cubicBezTo>
-                  <a:close/>
-                  <a:moveTo>
-                    <a:pt x="17" y="4"/>
-                  </a:moveTo>
-                  <a:cubicBezTo>
-                    <a:pt x="14" y="4"/>
-                    <a:pt x="11" y="5"/>
-                    <a:pt x="9" y="7"/>
-                  </a:cubicBezTo>
-                  <a:cubicBezTo>
-                    <a:pt x="4" y="12"/>
-                    <a:pt x="4" y="19"/>
-                    <a:pt x="9" y="24"/>
-                  </a:cubicBezTo>
-                  <a:cubicBezTo>
-                    <a:pt x="11" y="26"/>
-                    <a:pt x="14" y="27"/>
-                    <a:pt x="17" y="27"/>
-                  </a:cubicBezTo>
-                  <a:cubicBezTo>
-                    <a:pt x="20" y="27"/>
-                    <a:pt x="23" y="26"/>
-                    <a:pt x="25" y="24"/>
-                  </a:cubicBezTo>
-                  <a:cubicBezTo>
-                    <a:pt x="30" y="19"/>
-                    <a:pt x="30" y="12"/>
-                    <a:pt x="25" y="7"/>
-                  </a:cubicBezTo>
-                  <a:cubicBezTo>
-                    <a:pt x="23" y="5"/>
-                    <a:pt x="20" y="4"/>
-                    <a:pt x="17" y="4"/>
-                  </a:cubicBezTo>
-                  <a:close/>
-                </a:path>
-              </a:pathLst>
-            </a:custGeom>
-            <a:grpFill/>
-            <a:ln>
-              <a:noFill/>
-            </a:ln>
-            <a:extLst>
-              <a:ext uri="{91240B29-F687-4f45-9708-019B960494DF}">
-                <a14:hiddenLine xmlns="" xmlns:a16="http://schemas.microsoft.com/office/drawing/2014/main" xmlns:p14="http://schemas.microsoft.com/office/powerpoint/2010/main" xmlns:a14="http://schemas.microsoft.com/office/drawing/2010/main" w="9525">
-                  <a:solidFill>
-                    <a:srgbClr val="000000"/>
-                  </a:solidFill>
-                  <a:round/>
-                  <a:headEnd/>
-                  <a:tailEnd/>
-                </a14:hiddenLine>
-              </a:ext>
-            </a:extLst>
-          </p:spPr>
-        </p:sp>
-        <p:sp>
-          <p:nvSpPr>
-            <p:cNvPr id="32" name="Line 16">
-              <a:extLst>
-                <a:ext uri="{FF2B5EF4-FFF2-40B4-BE49-F238E27FC236}">
-                  <a16:creationId xmlns:a16="http://schemas.microsoft.com/office/drawing/2014/main" id="{DF749FDD-DD56-4DC9-A379-77E1106981DC}"/>
-                </a:ext>
-                <a:ext uri="{C183D7F6-B498-43B3-948B-1728B52AA6E4}">
-                  <adec:decorative xmlns:adec="http://schemas.microsoft.com/office/drawing/2017/decorative" val="1"/>
-                </a:ext>
-              </a:extLst>
-            </p:cNvPr>
-            <p:cNvSpPr>
-              <a:spLocks noChangeShapeType="1"/>
-            </p:cNvSpPr>
-            <p:nvPr>
-              <p:extLst>
-                <p:ext uri="{386F3935-93C4-4BCD-93E2-E3B085C9AB24}">
-                  <p16:designElem xmlns:p16="http://schemas.microsoft.com/office/powerpoint/2015/main" val="1"/>
-                </p:ext>
-              </p:extLst>
-            </p:nvPr>
-          </p:nvSpPr>
-          <p:spPr bwMode="auto">
-            <a:xfrm>
-              <a:off x="-4763" y="9525"/>
-              <a:ext cx="0" cy="0"/>
-            </a:xfrm>
-            <a:prstGeom prst="line">
-              <a:avLst/>
-            </a:prstGeom>
-            <a:grpFill/>
-            <a:ln w="15" cap="flat">
-              <a:solidFill>
-                <a:srgbClr val="FFFFFF"/>
-              </a:solidFill>
-              <a:prstDash val="solid"/>
-              <a:miter lim="800000"/>
-              <a:headEnd/>
-              <a:tailEnd/>
-            </a:ln>
-          </p:spPr>
-        </p:sp>
-        <p:sp>
-          <p:nvSpPr>
-            <p:cNvPr id="33" name="Freeform 17">
-              <a:extLst>
-                <a:ext uri="{FF2B5EF4-FFF2-40B4-BE49-F238E27FC236}">
-                  <a16:creationId xmlns:a16="http://schemas.microsoft.com/office/drawing/2014/main" id="{6AD95087-E0AF-45D3-B824-EFFCBBECDEB1}"/>
-                </a:ext>
-                <a:ext uri="{C183D7F6-B498-43B3-948B-1728B52AA6E4}">
-                  <adec:decorative xmlns:adec="http://schemas.microsoft.com/office/drawing/2017/decorative" val="1"/>
-                </a:ext>
-              </a:extLst>
-            </p:cNvPr>
-            <p:cNvSpPr/>
-            <p:nvPr>
-              <p:extLst>
-                <p:ext uri="{386F3935-93C4-4BCD-93E2-E3B085C9AB24}">
-                  <p16:designElem xmlns:p16="http://schemas.microsoft.com/office/powerpoint/2015/main" val="1"/>
-                </p:ext>
-              </p:extLst>
-            </p:nvPr>
-          </p:nvSpPr>
-          <p:spPr bwMode="auto">
-            <a:xfrm>
-              <a:off x="9525" y="1801813"/>
-              <a:ext cx="123825" cy="127000"/>
-            </a:xfrm>
-            <a:custGeom>
-              <a:avLst/>
-              <a:gdLst/>
-              <a:ahLst/>
-              <a:cxnLst/>
-              <a:rect l="0" t="0" r="r" b="b"/>
-              <a:pathLst>
-                <a:path w="78" h="80">
-                  <a:moveTo>
-                    <a:pt x="6" y="80"/>
-                  </a:moveTo>
-                  <a:lnTo>
-                    <a:pt x="0" y="71"/>
-                  </a:lnTo>
-                  <a:lnTo>
-                    <a:pt x="69" y="0"/>
-                  </a:lnTo>
-                  <a:lnTo>
-                    <a:pt x="78" y="9"/>
-                  </a:lnTo>
-                  <a:lnTo>
-                    <a:pt x="6" y="80"/>
-                  </a:lnTo>
-                  <a:close/>
-                </a:path>
-              </a:pathLst>
-            </a:custGeom>
-            <a:grpFill/>
-            <a:ln>
-              <a:noFill/>
-            </a:ln>
-            <a:extLst>
-              <a:ext uri="{91240B29-F687-4f45-9708-019B960494DF}">
-                <a14:hiddenLine xmlns="" xmlns:a16="http://schemas.microsoft.com/office/drawing/2014/main" xmlns:p14="http://schemas.microsoft.com/office/powerpoint/2010/main" xmlns:a14="http://schemas.microsoft.com/office/drawing/2010/main" w="9525">
-                  <a:solidFill>
-                    <a:srgbClr val="000000"/>
-                  </a:solidFill>
-                  <a:round/>
-                  <a:headEnd/>
-                  <a:tailEnd/>
-                </a14:hiddenLine>
-              </a:ext>
-            </a:extLst>
-          </p:spPr>
-        </p:sp>
-        <p:sp>
-          <p:nvSpPr>
-            <p:cNvPr id="34" name="Freeform 18">
-              <a:extLst>
-                <a:ext uri="{FF2B5EF4-FFF2-40B4-BE49-F238E27FC236}">
-                  <a16:creationId xmlns:a16="http://schemas.microsoft.com/office/drawing/2014/main" id="{2D21010F-3DE2-4881-B9D5-3415C4E05DAC}"/>
-                </a:ext>
-                <a:ext uri="{C183D7F6-B498-43B3-948B-1728B52AA6E4}">
-                  <adec:decorative xmlns:adec="http://schemas.microsoft.com/office/drawing/2017/decorative" val="1"/>
-                </a:ext>
-              </a:extLst>
-            </p:cNvPr>
-            <p:cNvSpPr/>
-            <p:nvPr>
-              <p:extLst>
-                <p:ext uri="{386F3935-93C4-4BCD-93E2-E3B085C9AB24}">
-                  <p16:designElem xmlns:p16="http://schemas.microsoft.com/office/powerpoint/2015/main" val="1"/>
-                </p:ext>
-              </p:extLst>
-            </p:nvPr>
-          </p:nvSpPr>
-          <p:spPr bwMode="auto">
-            <a:xfrm>
-              <a:off x="-9525" y="3549650"/>
-              <a:ext cx="147638" cy="481013"/>
-            </a:xfrm>
-            <a:custGeom>
-              <a:avLst/>
-              <a:gdLst/>
-              <a:ahLst/>
-              <a:cxnLst/>
-              <a:rect l="0" t="0" r="r" b="b"/>
-              <a:pathLst>
-                <a:path w="93" h="303">
-                  <a:moveTo>
-                    <a:pt x="93" y="303"/>
-                  </a:moveTo>
-                  <a:lnTo>
-                    <a:pt x="78" y="303"/>
-                  </a:lnTo>
-                  <a:lnTo>
-                    <a:pt x="78" y="78"/>
-                  </a:lnTo>
-                  <a:lnTo>
-                    <a:pt x="0" y="12"/>
-                  </a:lnTo>
-                  <a:lnTo>
-                    <a:pt x="12" y="0"/>
-                  </a:lnTo>
-                  <a:lnTo>
-                    <a:pt x="93" y="69"/>
-                  </a:lnTo>
-                  <a:lnTo>
-                    <a:pt x="93" y="303"/>
-                  </a:lnTo>
-                  <a:close/>
-                </a:path>
-              </a:pathLst>
-            </a:custGeom>
-            <a:grpFill/>
-            <a:ln>
-              <a:noFill/>
-            </a:ln>
-            <a:extLst>
-              <a:ext uri="{91240B29-F687-4f45-9708-019B960494DF}">
-                <a14:hiddenLine xmlns="" xmlns:a16="http://schemas.microsoft.com/office/drawing/2014/main" xmlns:p14="http://schemas.microsoft.com/office/powerpoint/2010/main" xmlns:a14="http://schemas.microsoft.com/office/drawing/2010/main" w="9525">
-                  <a:solidFill>
-                    <a:srgbClr val="000000"/>
-                  </a:solidFill>
-                  <a:round/>
-                  <a:headEnd/>
-                  <a:tailEnd/>
-                </a14:hiddenLine>
-              </a:ext>
-            </a:extLst>
-          </p:spPr>
-        </p:sp>
-        <p:sp>
-          <p:nvSpPr>
-            <p:cNvPr id="35" name="Freeform 19">
-              <a:extLst>
-                <a:ext uri="{FF2B5EF4-FFF2-40B4-BE49-F238E27FC236}">
-                  <a16:creationId xmlns:a16="http://schemas.microsoft.com/office/drawing/2014/main" id="{2AFDF4BC-8E99-4A2C-9EF2-4B98A05C2E3B}"/>
-                </a:ext>
-                <a:ext uri="{C183D7F6-B498-43B3-948B-1728B52AA6E4}">
-                  <adec:decorative xmlns:adec="http://schemas.microsoft.com/office/drawing/2017/decorative" val="1"/>
-                </a:ext>
-              </a:extLst>
-            </p:cNvPr>
-            <p:cNvSpPr/>
-            <p:nvPr>
-              <p:extLst>
-                <p:ext uri="{386F3935-93C4-4BCD-93E2-E3B085C9AB24}">
-                  <p16:designElem xmlns:p16="http://schemas.microsoft.com/office/powerpoint/2015/main" val="1"/>
-                </p:ext>
-              </p:extLst>
-            </p:nvPr>
-          </p:nvSpPr>
-          <p:spPr bwMode="auto">
-            <a:xfrm>
-              <a:off x="128587" y="1382713"/>
-              <a:ext cx="142875" cy="476250"/>
-            </a:xfrm>
-            <a:custGeom>
-              <a:avLst/>
-              <a:gdLst/>
-              <a:ahLst/>
-              <a:cxnLst/>
-              <a:rect l="0" t="0" r="r" b="b"/>
-              <a:pathLst>
-                <a:path w="90" h="300">
-                  <a:moveTo>
-                    <a:pt x="90" y="300"/>
-                  </a:moveTo>
-                  <a:lnTo>
-                    <a:pt x="78" y="300"/>
-                  </a:lnTo>
-                  <a:lnTo>
-                    <a:pt x="78" y="84"/>
-                  </a:lnTo>
-                  <a:lnTo>
-                    <a:pt x="0" y="9"/>
-                  </a:lnTo>
-                  <a:lnTo>
-                    <a:pt x="9" y="0"/>
-                  </a:lnTo>
-                  <a:lnTo>
-                    <a:pt x="90" y="81"/>
-                  </a:lnTo>
-                  <a:lnTo>
-                    <a:pt x="90" y="300"/>
-                  </a:lnTo>
-                  <a:close/>
-                </a:path>
-              </a:pathLst>
-            </a:custGeom>
-            <a:grpFill/>
-            <a:ln>
-              <a:noFill/>
-            </a:ln>
-            <a:extLst>
-              <a:ext uri="{91240B29-F687-4f45-9708-019B960494DF}">
-                <a14:hiddenLine xmlns="" xmlns:a16="http://schemas.microsoft.com/office/drawing/2014/main" xmlns:p14="http://schemas.microsoft.com/office/powerpoint/2010/main" xmlns:a14="http://schemas.microsoft.com/office/drawing/2010/main" w="9525">
-                  <a:solidFill>
-                    <a:srgbClr val="000000"/>
-                  </a:solidFill>
-                  <a:round/>
-                  <a:headEnd/>
-                  <a:tailEnd/>
-                </a14:hiddenLine>
-              </a:ext>
-            </a:extLst>
-          </p:spPr>
-        </p:sp>
-        <p:sp>
-          <p:nvSpPr>
-            <p:cNvPr id="36" name="Freeform 20">
-              <a:extLst>
-                <a:ext uri="{FF2B5EF4-FFF2-40B4-BE49-F238E27FC236}">
-                  <a16:creationId xmlns:a16="http://schemas.microsoft.com/office/drawing/2014/main" id="{BB8EAEE8-22EA-4103-A02E-5043474C4BE1}"/>
-                </a:ext>
-                <a:ext uri="{C183D7F6-B498-43B3-948B-1728B52AA6E4}">
-                  <adec:decorative xmlns:adec="http://schemas.microsoft.com/office/drawing/2017/decorative" val="1"/>
-                </a:ext>
-              </a:extLst>
-            </p:cNvPr>
-            <p:cNvSpPr>
-              <a:spLocks noEditPoints="1"/>
-            </p:cNvSpPr>
-            <p:nvPr>
-              <p:extLst>
-                <p:ext uri="{386F3935-93C4-4BCD-93E2-E3B085C9AB24}">
-                  <p16:designElem xmlns:p16="http://schemas.microsoft.com/office/powerpoint/2015/main" val="1"/>
-                </p:ext>
-              </p:extLst>
-            </p:nvPr>
-          </p:nvSpPr>
-          <p:spPr bwMode="auto">
-            <a:xfrm>
-              <a:off x="204787" y="1849438"/>
-              <a:ext cx="114300" cy="107950"/>
-            </a:xfrm>
-            <a:custGeom>
-              <a:avLst/>
-              <a:gdLst/>
-              <a:ahLst/>
-              <a:cxnLst/>
-              <a:rect l="0" t="0" r="r" b="b"/>
-              <a:pathLst>
-                <a:path w="24" h="23">
-                  <a:moveTo>
-                    <a:pt x="12" y="23"/>
-                  </a:moveTo>
-                  <a:cubicBezTo>
-                    <a:pt x="6" y="23"/>
-                    <a:pt x="0" y="18"/>
-                    <a:pt x="0" y="12"/>
-                  </a:cubicBezTo>
-                  <a:cubicBezTo>
-                    <a:pt x="0" y="5"/>
-                    <a:pt x="6" y="0"/>
-                    <a:pt x="12" y="0"/>
-                  </a:cubicBezTo>
-                  <a:cubicBezTo>
-                    <a:pt x="18" y="0"/>
-                    <a:pt x="24" y="5"/>
-                    <a:pt x="24" y="12"/>
-                  </a:cubicBezTo>
-                  <a:cubicBezTo>
-                    <a:pt x="24" y="18"/>
-                    <a:pt x="18" y="23"/>
-                    <a:pt x="12" y="23"/>
-                  </a:cubicBezTo>
-                  <a:close/>
-                  <a:moveTo>
-                    <a:pt x="12" y="4"/>
-                  </a:moveTo>
-                  <a:cubicBezTo>
-                    <a:pt x="8" y="4"/>
-                    <a:pt x="4" y="8"/>
-                    <a:pt x="4" y="12"/>
-                  </a:cubicBezTo>
-                  <a:cubicBezTo>
-                    <a:pt x="4" y="16"/>
-                    <a:pt x="8" y="19"/>
-                    <a:pt x="12" y="19"/>
-                  </a:cubicBezTo>
-                  <a:cubicBezTo>
-                    <a:pt x="16" y="19"/>
-                    <a:pt x="20" y="16"/>
-                    <a:pt x="20" y="12"/>
-                  </a:cubicBezTo>
-                  <a:cubicBezTo>
-                    <a:pt x="20" y="8"/>
-                    <a:pt x="16" y="4"/>
-                    <a:pt x="12" y="4"/>
-                  </a:cubicBezTo>
-                  <a:close/>
-                </a:path>
-              </a:pathLst>
-            </a:custGeom>
-            <a:grpFill/>
-            <a:ln>
-              <a:noFill/>
-            </a:ln>
-            <a:extLst>
-              <a:ext uri="{91240B29-F687-4f45-9708-019B960494DF}">
-                <a14:hiddenLine xmlns="" xmlns:a16="http://schemas.microsoft.com/office/drawing/2014/main" xmlns:p14="http://schemas.microsoft.com/office/powerpoint/2010/main" xmlns:a14="http://schemas.microsoft.com/office/drawing/2010/main" w="9525">
-                  <a:solidFill>
-                    <a:srgbClr val="000000"/>
-                  </a:solidFill>
-                  <a:round/>
-                  <a:headEnd/>
-                  <a:tailEnd/>
-                </a14:hiddenLine>
-              </a:ext>
-            </a:extLst>
-          </p:spPr>
-        </p:sp>
-        <p:sp>
-          <p:nvSpPr>
-            <p:cNvPr id="37" name="Rectangle 21">
-              <a:extLst>
-                <a:ext uri="{FF2B5EF4-FFF2-40B4-BE49-F238E27FC236}">
-                  <a16:creationId xmlns:a16="http://schemas.microsoft.com/office/drawing/2014/main" id="{7148ABD2-E447-429F-B97E-86494051C101}"/>
-                </a:ext>
-                <a:ext uri="{C183D7F6-B498-43B3-948B-1728B52AA6E4}">
-                  <adec:decorative xmlns:adec="http://schemas.microsoft.com/office/drawing/2017/decorative" val="1"/>
-                </a:ext>
-              </a:extLst>
-            </p:cNvPr>
-            <p:cNvSpPr>
-              <a:spLocks noChangeArrowheads="1"/>
-            </p:cNvSpPr>
-            <p:nvPr>
-              <p:extLst>
-                <p:ext uri="{386F3935-93C4-4BCD-93E2-E3B085C9AB24}">
-                  <p16:designElem xmlns:p16="http://schemas.microsoft.com/office/powerpoint/2015/main" val="1"/>
-                </p:ext>
-              </p:extLst>
-            </p:nvPr>
-          </p:nvSpPr>
-          <p:spPr bwMode="auto">
-            <a:xfrm>
-              <a:off x="133350" y="4662488"/>
-              <a:ext cx="23813" cy="2181225"/>
-            </a:xfrm>
-            <a:prstGeom prst="rect">
-              <a:avLst/>
-            </a:prstGeom>
-            <a:grpFill/>
-            <a:ln>
-              <a:noFill/>
-            </a:ln>
-            <a:extLst>
-              <a:ext uri="{91240B29-F687-4f45-9708-019B960494DF}">
-                <a14:hiddenLine xmlns="" xmlns:a16="http://schemas.microsoft.com/office/drawing/2014/main" xmlns:p14="http://schemas.microsoft.com/office/powerpoint/2010/main" xmlns:a14="http://schemas.microsoft.com/office/drawing/2010/main" w="9525">
-                  <a:solidFill>
-                    <a:srgbClr val="000000"/>
-                  </a:solidFill>
-                  <a:miter lim="800000"/>
-                  <a:headEnd/>
-                  <a:tailEnd/>
-                </a14:hiddenLine>
-              </a:ext>
-            </a:extLst>
-          </p:spPr>
-        </p:sp>
-        <p:sp>
-          <p:nvSpPr>
-            <p:cNvPr id="38" name="Freeform 22">
-              <a:extLst>
-                <a:ext uri="{FF2B5EF4-FFF2-40B4-BE49-F238E27FC236}">
-                  <a16:creationId xmlns:a16="http://schemas.microsoft.com/office/drawing/2014/main" id="{99900F4A-F8CA-456E-9FA0-34572621C09B}"/>
-                </a:ext>
-                <a:ext uri="{C183D7F6-B498-43B3-948B-1728B52AA6E4}">
-                  <adec:decorative xmlns:adec="http://schemas.microsoft.com/office/drawing/2017/decorative" val="1"/>
-                </a:ext>
-              </a:extLst>
-            </p:cNvPr>
-            <p:cNvSpPr/>
-            <p:nvPr>
-              <p:extLst>
-                <p:ext uri="{386F3935-93C4-4BCD-93E2-E3B085C9AB24}">
-                  <p16:designElem xmlns:p16="http://schemas.microsoft.com/office/powerpoint/2015/main" val="1"/>
-                </p:ext>
-              </p:extLst>
-            </p:nvPr>
-          </p:nvSpPr>
-          <p:spPr bwMode="auto">
-            <a:xfrm>
-              <a:off x="223837" y="5041900"/>
-              <a:ext cx="369888" cy="1801813"/>
-            </a:xfrm>
-            <a:custGeom>
-              <a:avLst/>
-              <a:gdLst/>
-              <a:ahLst/>
-              <a:cxnLst/>
-              <a:rect l="0" t="0" r="r" b="b"/>
-              <a:pathLst>
-                <a:path w="233" h="1135">
-                  <a:moveTo>
-                    <a:pt x="15" y="1135"/>
-                  </a:moveTo>
-                  <a:lnTo>
-                    <a:pt x="0" y="1135"/>
-                  </a:lnTo>
-                  <a:lnTo>
-                    <a:pt x="0" y="515"/>
-                  </a:lnTo>
-                  <a:lnTo>
-                    <a:pt x="0" y="512"/>
-                  </a:lnTo>
-                  <a:lnTo>
-                    <a:pt x="218" y="0"/>
-                  </a:lnTo>
-                  <a:lnTo>
-                    <a:pt x="233" y="6"/>
-                  </a:lnTo>
-                  <a:lnTo>
-                    <a:pt x="15" y="518"/>
-                  </a:lnTo>
-                  <a:lnTo>
-                    <a:pt x="15" y="1135"/>
-                  </a:lnTo>
-                  <a:close/>
-                </a:path>
-              </a:pathLst>
-            </a:custGeom>
-            <a:grpFill/>
-            <a:ln>
-              <a:noFill/>
-            </a:ln>
-            <a:extLst>
-              <a:ext uri="{91240B29-F687-4f45-9708-019B960494DF}">
-                <a14:hiddenLine xmlns="" xmlns:a16="http://schemas.microsoft.com/office/drawing/2014/main" xmlns:p14="http://schemas.microsoft.com/office/powerpoint/2010/main" xmlns:a14="http://schemas.microsoft.com/office/drawing/2010/main" w="9525">
-                  <a:solidFill>
-                    <a:srgbClr val="000000"/>
-                  </a:solidFill>
-                  <a:round/>
-                  <a:headEnd/>
-                  <a:tailEnd/>
-                </a14:hiddenLine>
-              </a:ext>
-            </a:extLst>
-          </p:spPr>
-        </p:sp>
-        <p:sp>
-          <p:nvSpPr>
-            <p:cNvPr id="39" name="Freeform 23">
-              <a:extLst>
-                <a:ext uri="{FF2B5EF4-FFF2-40B4-BE49-F238E27FC236}">
-                  <a16:creationId xmlns:a16="http://schemas.microsoft.com/office/drawing/2014/main" id="{DF5CD0A9-E49B-4968-886B-41C1A66D2329}"/>
-                </a:ext>
-                <a:ext uri="{C183D7F6-B498-43B3-948B-1728B52AA6E4}">
-                  <adec:decorative xmlns:adec="http://schemas.microsoft.com/office/drawing/2017/decorative" val="1"/>
-                </a:ext>
-              </a:extLst>
-            </p:cNvPr>
-            <p:cNvSpPr>
-              <a:spLocks noEditPoints="1"/>
-            </p:cNvSpPr>
-            <p:nvPr>
-              <p:extLst>
-                <p:ext uri="{386F3935-93C4-4BCD-93E2-E3B085C9AB24}">
-                  <p16:designElem xmlns:p16="http://schemas.microsoft.com/office/powerpoint/2015/main" val="1"/>
-                </p:ext>
-              </p:extLst>
-            </p:nvPr>
-          </p:nvSpPr>
-          <p:spPr bwMode="auto">
-            <a:xfrm>
-              <a:off x="52387" y="4481513"/>
-              <a:ext cx="190500" cy="190500"/>
-            </a:xfrm>
-            <a:custGeom>
-              <a:avLst/>
-              <a:gdLst/>
-              <a:ahLst/>
-              <a:cxnLst/>
-              <a:rect l="0" t="0" r="r" b="b"/>
-              <a:pathLst>
-                <a:path w="40" h="40">
-                  <a:moveTo>
-                    <a:pt x="20" y="40"/>
-                  </a:moveTo>
-                  <a:cubicBezTo>
-                    <a:pt x="9" y="40"/>
-                    <a:pt x="0" y="31"/>
-                    <a:pt x="0" y="20"/>
-                  </a:cubicBezTo>
-                  <a:cubicBezTo>
-                    <a:pt x="0" y="9"/>
-                    <a:pt x="9" y="0"/>
-                    <a:pt x="20" y="0"/>
-                  </a:cubicBezTo>
-                  <a:cubicBezTo>
-                    <a:pt x="31" y="0"/>
-                    <a:pt x="40" y="9"/>
-                    <a:pt x="40" y="20"/>
-                  </a:cubicBezTo>
-                  <a:cubicBezTo>
-                    <a:pt x="40" y="31"/>
-                    <a:pt x="31" y="40"/>
-                    <a:pt x="20" y="40"/>
-                  </a:cubicBezTo>
-                  <a:close/>
-                  <a:moveTo>
-                    <a:pt x="20" y="4"/>
-                  </a:moveTo>
-                  <a:cubicBezTo>
-                    <a:pt x="11" y="4"/>
-                    <a:pt x="4" y="11"/>
-                    <a:pt x="4" y="20"/>
-                  </a:cubicBezTo>
-                  <a:cubicBezTo>
-                    <a:pt x="4" y="29"/>
-                    <a:pt x="11" y="36"/>
-                    <a:pt x="20" y="36"/>
-                  </a:cubicBezTo>
-                  <a:cubicBezTo>
-                    <a:pt x="28" y="36"/>
-                    <a:pt x="36" y="29"/>
-                    <a:pt x="36" y="20"/>
-                  </a:cubicBezTo>
-                  <a:cubicBezTo>
-                    <a:pt x="36" y="11"/>
-                    <a:pt x="28" y="4"/>
-                    <a:pt x="20" y="4"/>
-                  </a:cubicBezTo>
-                  <a:close/>
-                </a:path>
-              </a:pathLst>
-            </a:custGeom>
-            <a:grpFill/>
-            <a:ln>
-              <a:noFill/>
-            </a:ln>
-            <a:extLst>
-              <a:ext uri="{91240B29-F687-4f45-9708-019B960494DF}">
-                <a14:hiddenLine xmlns="" xmlns:a16="http://schemas.microsoft.com/office/drawing/2014/main" xmlns:p14="http://schemas.microsoft.com/office/powerpoint/2010/main" xmlns:a14="http://schemas.microsoft.com/office/drawing/2010/main" w="9525">
-                  <a:solidFill>
-                    <a:srgbClr val="000000"/>
-                  </a:solidFill>
-                  <a:round/>
-                  <a:headEnd/>
-                  <a:tailEnd/>
-                </a14:hiddenLine>
-              </a:ext>
-            </a:extLst>
-          </p:spPr>
-        </p:sp>
-        <p:sp>
-          <p:nvSpPr>
-            <p:cNvPr id="40" name="Freeform 24">
-              <a:extLst>
-                <a:ext uri="{FF2B5EF4-FFF2-40B4-BE49-F238E27FC236}">
-                  <a16:creationId xmlns:a16="http://schemas.microsoft.com/office/drawing/2014/main" id="{7E462582-7383-4272-A323-85C9D137C47C}"/>
-                </a:ext>
-                <a:ext uri="{C183D7F6-B498-43B3-948B-1728B52AA6E4}">
-                  <adec:decorative xmlns:adec="http://schemas.microsoft.com/office/drawing/2017/decorative" val="1"/>
-                </a:ext>
-              </a:extLst>
-            </p:cNvPr>
-            <p:cNvSpPr/>
-            <p:nvPr>
-              <p:extLst>
-                <p:ext uri="{386F3935-93C4-4BCD-93E2-E3B085C9AB24}">
-                  <p16:designElem xmlns:p16="http://schemas.microsoft.com/office/powerpoint/2015/main" val="1"/>
-                </p:ext>
-              </p:extLst>
-            </p:nvPr>
-          </p:nvSpPr>
-          <p:spPr bwMode="auto">
-            <a:xfrm>
-              <a:off x="-14288" y="5627688"/>
-              <a:ext cx="85725" cy="1216025"/>
-            </a:xfrm>
-            <a:custGeom>
-              <a:avLst/>
-              <a:gdLst/>
-              <a:ahLst/>
-              <a:cxnLst/>
-              <a:rect l="0" t="0" r="r" b="b"/>
-              <a:pathLst>
-                <a:path w="54" h="766">
-                  <a:moveTo>
-                    <a:pt x="54" y="766"/>
-                  </a:moveTo>
-                  <a:lnTo>
-                    <a:pt x="36" y="766"/>
-                  </a:lnTo>
-                  <a:lnTo>
-                    <a:pt x="36" y="149"/>
-                  </a:lnTo>
-                  <a:lnTo>
-                    <a:pt x="0" y="3"/>
-                  </a:lnTo>
-                  <a:lnTo>
-                    <a:pt x="18" y="0"/>
-                  </a:lnTo>
-                  <a:lnTo>
-                    <a:pt x="54" y="146"/>
-                  </a:lnTo>
-                  <a:lnTo>
-                    <a:pt x="54" y="766"/>
-                  </a:lnTo>
-                  <a:close/>
-                </a:path>
-              </a:pathLst>
-            </a:custGeom>
-            <a:grpFill/>
-            <a:ln>
-              <a:noFill/>
-            </a:ln>
-            <a:extLst>
-              <a:ext uri="{91240B29-F687-4f45-9708-019B960494DF}">
-                <a14:hiddenLine xmlns="" xmlns:a16="http://schemas.microsoft.com/office/drawing/2014/main" xmlns:p14="http://schemas.microsoft.com/office/powerpoint/2010/main" xmlns:a14="http://schemas.microsoft.com/office/drawing/2010/main" w="9525">
-                  <a:solidFill>
-                    <a:srgbClr val="000000"/>
-                  </a:solidFill>
-                  <a:round/>
-                  <a:headEnd/>
-                  <a:tailEnd/>
-                </a14:hiddenLine>
-              </a:ext>
-            </a:extLst>
-          </p:spPr>
-        </p:sp>
-        <p:sp>
-          <p:nvSpPr>
-            <p:cNvPr id="41" name="Freeform 25">
-              <a:extLst>
-                <a:ext uri="{FF2B5EF4-FFF2-40B4-BE49-F238E27FC236}">
-                  <a16:creationId xmlns:a16="http://schemas.microsoft.com/office/drawing/2014/main" id="{CB472F67-7C37-4D80-B346-DE30D44B55A0}"/>
-                </a:ext>
-                <a:ext uri="{C183D7F6-B498-43B3-948B-1728B52AA6E4}">
-                  <adec:decorative xmlns:adec="http://schemas.microsoft.com/office/drawing/2017/decorative" val="1"/>
-                </a:ext>
-              </a:extLst>
-            </p:cNvPr>
-            <p:cNvSpPr>
-              <a:spLocks noEditPoints="1"/>
-            </p:cNvSpPr>
-            <p:nvPr>
-              <p:extLst>
-                <p:ext uri="{386F3935-93C4-4BCD-93E2-E3B085C9AB24}">
-                  <p16:designElem xmlns:p16="http://schemas.microsoft.com/office/powerpoint/2015/main" val="1"/>
-                </p:ext>
-              </p:extLst>
-            </p:nvPr>
-          </p:nvSpPr>
-          <p:spPr bwMode="auto">
-            <a:xfrm>
-              <a:off x="527050" y="4867275"/>
-              <a:ext cx="190500" cy="188913"/>
-            </a:xfrm>
-            <a:custGeom>
-              <a:avLst/>
-              <a:gdLst/>
-              <a:ahLst/>
-              <a:cxnLst/>
-              <a:rect l="0" t="0" r="r" b="b"/>
-              <a:pathLst>
-                <a:path w="40" h="40">
-                  <a:moveTo>
-                    <a:pt x="20" y="40"/>
-                  </a:moveTo>
-                  <a:cubicBezTo>
-                    <a:pt x="9" y="40"/>
-                    <a:pt x="0" y="31"/>
-                    <a:pt x="0" y="20"/>
-                  </a:cubicBezTo>
-                  <a:cubicBezTo>
-                    <a:pt x="0" y="9"/>
-                    <a:pt x="9" y="0"/>
-                    <a:pt x="20" y="0"/>
-                  </a:cubicBezTo>
-                  <a:cubicBezTo>
-                    <a:pt x="31" y="0"/>
-                    <a:pt x="40" y="9"/>
-                    <a:pt x="40" y="20"/>
-                  </a:cubicBezTo>
-                  <a:cubicBezTo>
-                    <a:pt x="40" y="31"/>
-                    <a:pt x="31" y="40"/>
-                    <a:pt x="20" y="40"/>
-                  </a:cubicBezTo>
-                  <a:close/>
-                  <a:moveTo>
-                    <a:pt x="20" y="4"/>
-                  </a:moveTo>
-                  <a:cubicBezTo>
-                    <a:pt x="11" y="4"/>
-                    <a:pt x="4" y="11"/>
-                    <a:pt x="4" y="20"/>
-                  </a:cubicBezTo>
-                  <a:cubicBezTo>
-                    <a:pt x="4" y="29"/>
-                    <a:pt x="11" y="36"/>
-                    <a:pt x="20" y="36"/>
-                  </a:cubicBezTo>
-                  <a:cubicBezTo>
-                    <a:pt x="29" y="36"/>
-                    <a:pt x="36" y="29"/>
-                    <a:pt x="36" y="20"/>
-                  </a:cubicBezTo>
-                  <a:cubicBezTo>
-                    <a:pt x="36" y="11"/>
-                    <a:pt x="29" y="4"/>
-                    <a:pt x="20" y="4"/>
-                  </a:cubicBezTo>
-                  <a:close/>
-                </a:path>
-              </a:pathLst>
-            </a:custGeom>
-            <a:grpFill/>
-            <a:ln>
-              <a:noFill/>
-            </a:ln>
-            <a:extLst>
-              <a:ext uri="{91240B29-F687-4f45-9708-019B960494DF}">
-                <a14:hiddenLine xmlns="" xmlns:a16="http://schemas.microsoft.com/office/drawing/2014/main" xmlns:p14="http://schemas.microsoft.com/office/powerpoint/2010/main" xmlns:a14="http://schemas.microsoft.com/office/drawing/2010/main" w="9525">
-                  <a:solidFill>
-                    <a:srgbClr val="000000"/>
-                  </a:solidFill>
-                  <a:round/>
-                  <a:headEnd/>
-                  <a:tailEnd/>
-                </a14:hiddenLine>
-              </a:ext>
-            </a:extLst>
-          </p:spPr>
-        </p:sp>
-        <p:sp>
-          <p:nvSpPr>
-            <p:cNvPr id="42" name="Freeform 26">
-              <a:extLst>
-                <a:ext uri="{FF2B5EF4-FFF2-40B4-BE49-F238E27FC236}">
-                  <a16:creationId xmlns:a16="http://schemas.microsoft.com/office/drawing/2014/main" id="{19A8AE83-358F-4D4E-91C7-F09E35097AA1}"/>
-                </a:ext>
-                <a:ext uri="{C183D7F6-B498-43B3-948B-1728B52AA6E4}">
-                  <adec:decorative xmlns:adec="http://schemas.microsoft.com/office/drawing/2017/decorative" val="1"/>
-                </a:ext>
-              </a:extLst>
-            </p:cNvPr>
-            <p:cNvSpPr/>
-            <p:nvPr>
-              <p:extLst>
-                <p:ext uri="{386F3935-93C4-4BCD-93E2-E3B085C9AB24}">
-                  <p16:designElem xmlns:p16="http://schemas.microsoft.com/office/powerpoint/2015/main" val="1"/>
-                </p:ext>
-              </p:extLst>
-            </p:nvPr>
-          </p:nvSpPr>
-          <p:spPr bwMode="auto">
-            <a:xfrm>
-              <a:off x="309562" y="5422900"/>
-              <a:ext cx="374650" cy="1425575"/>
-            </a:xfrm>
-            <a:custGeom>
-              <a:avLst/>
-              <a:gdLst/>
-              <a:ahLst/>
-              <a:cxnLst/>
-              <a:rect l="0" t="0" r="r" b="b"/>
-              <a:pathLst>
-                <a:path w="236" h="898">
-                  <a:moveTo>
-                    <a:pt x="18" y="898"/>
-                  </a:moveTo>
-                  <a:lnTo>
-                    <a:pt x="0" y="898"/>
-                  </a:lnTo>
-                  <a:lnTo>
-                    <a:pt x="0" y="515"/>
-                  </a:lnTo>
-                  <a:lnTo>
-                    <a:pt x="3" y="512"/>
-                  </a:lnTo>
-                  <a:lnTo>
-                    <a:pt x="221" y="0"/>
-                  </a:lnTo>
-                  <a:lnTo>
-                    <a:pt x="236" y="6"/>
-                  </a:lnTo>
-                  <a:lnTo>
-                    <a:pt x="18" y="518"/>
-                  </a:lnTo>
-                  <a:lnTo>
-                    <a:pt x="18" y="898"/>
-                  </a:lnTo>
-                  <a:close/>
-                </a:path>
-              </a:pathLst>
-            </a:custGeom>
-            <a:grpFill/>
-            <a:ln>
-              <a:noFill/>
-            </a:ln>
-            <a:extLst>
-              <a:ext uri="{91240B29-F687-4f45-9708-019B960494DF}">
-                <a14:hiddenLine xmlns="" xmlns:a16="http://schemas.microsoft.com/office/drawing/2014/main" xmlns:p14="http://schemas.microsoft.com/office/powerpoint/2010/main" xmlns:a14="http://schemas.microsoft.com/office/drawing/2010/main" w="9525">
-                  <a:solidFill>
-                    <a:srgbClr val="000000"/>
-                  </a:solidFill>
-                  <a:round/>
-                  <a:headEnd/>
-                  <a:tailEnd/>
-                </a14:hiddenLine>
-              </a:ext>
-            </a:extLst>
-          </p:spPr>
-        </p:sp>
-        <p:sp>
-          <p:nvSpPr>
-            <p:cNvPr id="43" name="Freeform 27">
-              <a:extLst>
-                <a:ext uri="{FF2B5EF4-FFF2-40B4-BE49-F238E27FC236}">
-                  <a16:creationId xmlns:a16="http://schemas.microsoft.com/office/drawing/2014/main" id="{C4B79436-9285-45DE-A9FB-B3DD7507380C}"/>
-                </a:ext>
-                <a:ext uri="{C183D7F6-B498-43B3-948B-1728B52AA6E4}">
-                  <adec:decorative xmlns:adec="http://schemas.microsoft.com/office/drawing/2017/decorative" val="1"/>
-                </a:ext>
-              </a:extLst>
-            </p:cNvPr>
-            <p:cNvSpPr/>
-            <p:nvPr>
-              <p:extLst>
-                <p:ext uri="{386F3935-93C4-4BCD-93E2-E3B085C9AB24}">
-                  <p16:designElem xmlns:p16="http://schemas.microsoft.com/office/powerpoint/2015/main" val="1"/>
-                </p:ext>
-              </p:extLst>
-            </p:nvPr>
-          </p:nvSpPr>
-          <p:spPr bwMode="auto">
-            <a:xfrm>
-              <a:off x="569912" y="5945188"/>
-              <a:ext cx="152400" cy="912813"/>
-            </a:xfrm>
-            <a:custGeom>
-              <a:avLst/>
-              <a:gdLst/>
-              <a:ahLst/>
-              <a:cxnLst/>
-              <a:rect l="0" t="0" r="r" b="b"/>
-              <a:pathLst>
-                <a:path w="96" h="575">
-                  <a:moveTo>
-                    <a:pt x="15" y="575"/>
-                  </a:moveTo>
-                  <a:lnTo>
-                    <a:pt x="0" y="569"/>
-                  </a:lnTo>
-                  <a:lnTo>
-                    <a:pt x="81" y="383"/>
-                  </a:lnTo>
-                  <a:lnTo>
-                    <a:pt x="81" y="0"/>
-                  </a:lnTo>
-                  <a:lnTo>
-                    <a:pt x="96" y="0"/>
-                  </a:lnTo>
-                  <a:lnTo>
-                    <a:pt x="96" y="386"/>
-                  </a:lnTo>
-                  <a:lnTo>
-                    <a:pt x="15" y="575"/>
-                  </a:lnTo>
-                  <a:close/>
-                </a:path>
-              </a:pathLst>
-            </a:custGeom>
-            <a:grpFill/>
-            <a:ln>
-              <a:noFill/>
-            </a:ln>
-            <a:extLst>
-              <a:ext uri="{91240B29-F687-4f45-9708-019B960494DF}">
-                <a14:hiddenLine xmlns="" xmlns:a16="http://schemas.microsoft.com/office/drawing/2014/main" xmlns:p14="http://schemas.microsoft.com/office/powerpoint/2010/main" xmlns:a14="http://schemas.microsoft.com/office/drawing/2010/main" w="9525">
-                  <a:solidFill>
-                    <a:srgbClr val="000000"/>
-                  </a:solidFill>
-                  <a:round/>
-                  <a:headEnd/>
-                  <a:tailEnd/>
-                </a14:hiddenLine>
-              </a:ext>
-            </a:extLst>
-          </p:spPr>
-        </p:sp>
-        <p:sp>
-          <p:nvSpPr>
-            <p:cNvPr id="44" name="Freeform 28">
-              <a:extLst>
-                <a:ext uri="{FF2B5EF4-FFF2-40B4-BE49-F238E27FC236}">
-                  <a16:creationId xmlns:a16="http://schemas.microsoft.com/office/drawing/2014/main" id="{B0BF8BF3-C90A-483A-B61E-13D2C41FBAC5}"/>
-                </a:ext>
-                <a:ext uri="{C183D7F6-B498-43B3-948B-1728B52AA6E4}">
-                  <adec:decorative xmlns:adec="http://schemas.microsoft.com/office/drawing/2017/decorative" val="1"/>
-                </a:ext>
-              </a:extLst>
-            </p:cNvPr>
-            <p:cNvSpPr>
-              <a:spLocks noEditPoints="1"/>
-            </p:cNvSpPr>
-            <p:nvPr>
-              <p:extLst>
-                <p:ext uri="{386F3935-93C4-4BCD-93E2-E3B085C9AB24}">
-                  <p16:designElem xmlns:p16="http://schemas.microsoft.com/office/powerpoint/2015/main" val="1"/>
-                </p:ext>
-              </p:extLst>
-            </p:nvPr>
-          </p:nvSpPr>
-          <p:spPr bwMode="auto">
-            <a:xfrm>
-              <a:off x="612775" y="5246688"/>
-              <a:ext cx="190500" cy="190500"/>
-            </a:xfrm>
-            <a:custGeom>
-              <a:avLst/>
-              <a:gdLst/>
-              <a:ahLst/>
-              <a:cxnLst/>
-              <a:rect l="0" t="0" r="r" b="b"/>
-              <a:pathLst>
-                <a:path w="40" h="40">
-                  <a:moveTo>
-                    <a:pt x="20" y="40"/>
-                  </a:moveTo>
-                  <a:cubicBezTo>
-                    <a:pt x="9" y="40"/>
-                    <a:pt x="0" y="31"/>
-                    <a:pt x="0" y="20"/>
-                  </a:cubicBezTo>
-                  <a:cubicBezTo>
-                    <a:pt x="0" y="9"/>
-                    <a:pt x="9" y="0"/>
-                    <a:pt x="20" y="0"/>
-                  </a:cubicBezTo>
-                  <a:cubicBezTo>
-                    <a:pt x="31" y="0"/>
-                    <a:pt x="40" y="9"/>
-                    <a:pt x="40" y="20"/>
-                  </a:cubicBezTo>
-                  <a:cubicBezTo>
-                    <a:pt x="40" y="31"/>
-                    <a:pt x="31" y="40"/>
-                    <a:pt x="20" y="40"/>
-                  </a:cubicBezTo>
-                  <a:close/>
-                  <a:moveTo>
-                    <a:pt x="20" y="4"/>
-                  </a:moveTo>
-                  <a:cubicBezTo>
-                    <a:pt x="12" y="4"/>
-                    <a:pt x="4" y="11"/>
-                    <a:pt x="4" y="20"/>
-                  </a:cubicBezTo>
-                  <a:cubicBezTo>
-                    <a:pt x="4" y="29"/>
-                    <a:pt x="12" y="36"/>
-                    <a:pt x="20" y="36"/>
-                  </a:cubicBezTo>
-                  <a:cubicBezTo>
-                    <a:pt x="29" y="36"/>
-                    <a:pt x="36" y="29"/>
-                    <a:pt x="36" y="20"/>
-                  </a:cubicBezTo>
-                  <a:cubicBezTo>
-                    <a:pt x="36" y="11"/>
-                    <a:pt x="29" y="4"/>
-                    <a:pt x="20" y="4"/>
-                  </a:cubicBezTo>
-                  <a:close/>
-                </a:path>
-              </a:pathLst>
-            </a:custGeom>
-            <a:grpFill/>
-            <a:ln>
-              <a:noFill/>
-            </a:ln>
-            <a:extLst>
-              <a:ext uri="{91240B29-F687-4f45-9708-019B960494DF}">
-                <a14:hiddenLine xmlns="" xmlns:a16="http://schemas.microsoft.com/office/drawing/2014/main" xmlns:p14="http://schemas.microsoft.com/office/powerpoint/2010/main" xmlns:a14="http://schemas.microsoft.com/office/drawing/2010/main" w="9525">
-                  <a:solidFill>
-                    <a:srgbClr val="000000"/>
-                  </a:solidFill>
-                  <a:round/>
-                  <a:headEnd/>
-                  <a:tailEnd/>
-                </a14:hiddenLine>
-              </a:ext>
-            </a:extLst>
-          </p:spPr>
-        </p:sp>
-        <p:sp>
-          <p:nvSpPr>
-            <p:cNvPr id="45" name="Freeform 29">
-              <a:extLst>
-                <a:ext uri="{FF2B5EF4-FFF2-40B4-BE49-F238E27FC236}">
-                  <a16:creationId xmlns:a16="http://schemas.microsoft.com/office/drawing/2014/main" id="{31011274-F329-444B-9B06-69DD2EC44907}"/>
-                </a:ext>
-                <a:ext uri="{C183D7F6-B498-43B3-948B-1728B52AA6E4}">
-                  <adec:decorative xmlns:adec="http://schemas.microsoft.com/office/drawing/2017/decorative" val="1"/>
-                </a:ext>
-              </a:extLst>
-            </p:cNvPr>
-            <p:cNvSpPr>
-              <a:spLocks noEditPoints="1"/>
-            </p:cNvSpPr>
-            <p:nvPr>
-              <p:extLst>
-                <p:ext uri="{386F3935-93C4-4BCD-93E2-E3B085C9AB24}">
-                  <p16:designElem xmlns:p16="http://schemas.microsoft.com/office/powerpoint/2015/main" val="1"/>
-                </p:ext>
-              </p:extLst>
-            </p:nvPr>
-          </p:nvSpPr>
-          <p:spPr bwMode="auto">
-            <a:xfrm>
-              <a:off x="612775" y="5764213"/>
-              <a:ext cx="190500" cy="190500"/>
-            </a:xfrm>
-            <a:custGeom>
-              <a:avLst/>
-              <a:gdLst/>
-              <a:ahLst/>
-              <a:cxnLst/>
-              <a:rect l="0" t="0" r="r" b="b"/>
-              <a:pathLst>
-                <a:path w="40" h="40">
-                  <a:moveTo>
-                    <a:pt x="20" y="40"/>
-                  </a:moveTo>
-                  <a:cubicBezTo>
-                    <a:pt x="9" y="40"/>
-                    <a:pt x="0" y="31"/>
-                    <a:pt x="0" y="20"/>
-                  </a:cubicBezTo>
-                  <a:cubicBezTo>
-                    <a:pt x="0" y="9"/>
-                    <a:pt x="9" y="0"/>
-                    <a:pt x="20" y="0"/>
-                  </a:cubicBezTo>
-                  <a:cubicBezTo>
-                    <a:pt x="31" y="0"/>
-                    <a:pt x="40" y="9"/>
-                    <a:pt x="40" y="20"/>
-                  </a:cubicBezTo>
-                  <a:cubicBezTo>
-                    <a:pt x="40" y="31"/>
-                    <a:pt x="31" y="40"/>
-                    <a:pt x="20" y="40"/>
-                  </a:cubicBezTo>
-                  <a:close/>
-                  <a:moveTo>
-                    <a:pt x="20" y="4"/>
-                  </a:moveTo>
-                  <a:cubicBezTo>
-                    <a:pt x="12" y="4"/>
-                    <a:pt x="4" y="11"/>
-                    <a:pt x="4" y="20"/>
-                  </a:cubicBezTo>
-                  <a:cubicBezTo>
-                    <a:pt x="4" y="29"/>
-                    <a:pt x="12" y="36"/>
-                    <a:pt x="20" y="36"/>
-                  </a:cubicBezTo>
-                  <a:cubicBezTo>
-                    <a:pt x="29" y="36"/>
-                    <a:pt x="36" y="29"/>
-                    <a:pt x="36" y="20"/>
-                  </a:cubicBezTo>
-                  <a:cubicBezTo>
-                    <a:pt x="36" y="11"/>
-                    <a:pt x="29" y="4"/>
-                    <a:pt x="20" y="4"/>
-                  </a:cubicBezTo>
-                  <a:close/>
-                </a:path>
-              </a:pathLst>
-            </a:custGeom>
-            <a:grpFill/>
-            <a:ln>
-              <a:noFill/>
-            </a:ln>
-            <a:extLst>
-              <a:ext uri="{91240B29-F687-4f45-9708-019B960494DF}">
-                <a14:hiddenLine xmlns="" xmlns:a16="http://schemas.microsoft.com/office/drawing/2014/main" xmlns:p14="http://schemas.microsoft.com/office/powerpoint/2010/main" xmlns:a14="http://schemas.microsoft.com/office/drawing/2010/main" w="9525">
-                  <a:solidFill>
-                    <a:srgbClr val="000000"/>
-                  </a:solidFill>
-                  <a:round/>
-                  <a:headEnd/>
-                  <a:tailEnd/>
-                </a14:hiddenLine>
-              </a:ext>
-            </a:extLst>
-          </p:spPr>
-        </p:sp>
-        <p:sp>
-          <p:nvSpPr>
-            <p:cNvPr id="46" name="Freeform 30">
-              <a:extLst>
-                <a:ext uri="{FF2B5EF4-FFF2-40B4-BE49-F238E27FC236}">
-                  <a16:creationId xmlns:a16="http://schemas.microsoft.com/office/drawing/2014/main" id="{DB8B1D39-5B9A-4B4E-849B-A5821A246004}"/>
-                </a:ext>
-                <a:ext uri="{C183D7F6-B498-43B3-948B-1728B52AA6E4}">
-                  <adec:decorative xmlns:adec="http://schemas.microsoft.com/office/drawing/2017/decorative" val="1"/>
-                </a:ext>
-              </a:extLst>
-            </p:cNvPr>
-            <p:cNvSpPr/>
-            <p:nvPr>
-              <p:extLst>
-                <p:ext uri="{386F3935-93C4-4BCD-93E2-E3B085C9AB24}">
-                  <p16:designElem xmlns:p16="http://schemas.microsoft.com/office/powerpoint/2015/main" val="1"/>
-                </p:ext>
-              </p:extLst>
-            </p:nvPr>
-          </p:nvSpPr>
-          <p:spPr bwMode="auto">
-            <a:xfrm>
-              <a:off x="669925" y="6330950"/>
-              <a:ext cx="417513" cy="517525"/>
-            </a:xfrm>
-            <a:custGeom>
-              <a:avLst/>
-              <a:gdLst/>
-              <a:ahLst/>
-              <a:cxnLst/>
-              <a:rect l="0" t="0" r="r" b="b"/>
-              <a:pathLst>
-                <a:path w="263" h="326">
-                  <a:moveTo>
-                    <a:pt x="15" y="326"/>
-                  </a:moveTo>
-                  <a:lnTo>
-                    <a:pt x="0" y="320"/>
-                  </a:lnTo>
-                  <a:lnTo>
-                    <a:pt x="45" y="206"/>
-                  </a:lnTo>
-                  <a:lnTo>
-                    <a:pt x="48" y="206"/>
-                  </a:lnTo>
-                  <a:lnTo>
-                    <a:pt x="254" y="0"/>
-                  </a:lnTo>
-                  <a:lnTo>
-                    <a:pt x="263" y="12"/>
-                  </a:lnTo>
-                  <a:lnTo>
-                    <a:pt x="60" y="215"/>
-                  </a:lnTo>
-                  <a:lnTo>
-                    <a:pt x="15" y="326"/>
-                  </a:lnTo>
-                  <a:close/>
-                </a:path>
-              </a:pathLst>
-            </a:custGeom>
-            <a:grpFill/>
-            <a:ln>
-              <a:noFill/>
-            </a:ln>
-            <a:extLst>
-              <a:ext uri="{91240B29-F687-4f45-9708-019B960494DF}">
-                <a14:hiddenLine xmlns="" xmlns:a16="http://schemas.microsoft.com/office/drawing/2014/main" xmlns:p14="http://schemas.microsoft.com/office/powerpoint/2010/main" xmlns:a14="http://schemas.microsoft.com/office/drawing/2010/main" w="9525">
-                  <a:solidFill>
-                    <a:srgbClr val="000000"/>
-                  </a:solidFill>
-                  <a:round/>
-                  <a:headEnd/>
-                  <a:tailEnd/>
-                </a14:hiddenLine>
-              </a:ext>
-            </a:extLst>
-          </p:spPr>
-        </p:sp>
-        <p:sp>
-          <p:nvSpPr>
-            <p:cNvPr id="47" name="Freeform 31">
-              <a:extLst>
-                <a:ext uri="{FF2B5EF4-FFF2-40B4-BE49-F238E27FC236}">
-                  <a16:creationId xmlns:a16="http://schemas.microsoft.com/office/drawing/2014/main" id="{336ECD63-75C2-4A32-A31B-30BB3097240E}"/>
-                </a:ext>
-                <a:ext uri="{C183D7F6-B498-43B3-948B-1728B52AA6E4}">
-                  <adec:decorative xmlns:adec="http://schemas.microsoft.com/office/drawing/2017/decorative" val="1"/>
-                </a:ext>
-              </a:extLst>
-            </p:cNvPr>
-            <p:cNvSpPr>
-              <a:spLocks noEditPoints="1"/>
-            </p:cNvSpPr>
-            <p:nvPr>
-              <p:extLst>
-                <p:ext uri="{386F3935-93C4-4BCD-93E2-E3B085C9AB24}">
-                  <p16:designElem xmlns:p16="http://schemas.microsoft.com/office/powerpoint/2015/main" val="1"/>
-                </p:ext>
-              </p:extLst>
-            </p:nvPr>
-          </p:nvSpPr>
-          <p:spPr bwMode="auto">
-            <a:xfrm>
-              <a:off x="1049337" y="6221413"/>
-              <a:ext cx="157163" cy="147638"/>
-            </a:xfrm>
-            <a:custGeom>
-              <a:avLst/>
-              <a:gdLst/>
-              <a:ahLst/>
-              <a:cxnLst/>
-              <a:rect l="0" t="0" r="r" b="b"/>
-              <a:pathLst>
-                <a:path w="33" h="31">
-                  <a:moveTo>
-                    <a:pt x="16" y="31"/>
-                  </a:moveTo>
-                  <a:cubicBezTo>
-                    <a:pt x="12" y="31"/>
-                    <a:pt x="8" y="29"/>
-                    <a:pt x="5" y="26"/>
-                  </a:cubicBezTo>
-                  <a:cubicBezTo>
-                    <a:pt x="2" y="24"/>
-                    <a:pt x="0" y="20"/>
-                    <a:pt x="0" y="15"/>
-                  </a:cubicBezTo>
-                  <a:cubicBezTo>
-                    <a:pt x="0" y="11"/>
-                    <a:pt x="2" y="7"/>
-                    <a:pt x="5" y="4"/>
-                  </a:cubicBezTo>
-                  <a:cubicBezTo>
-                    <a:pt x="8" y="1"/>
-                    <a:pt x="12" y="0"/>
-                    <a:pt x="16" y="0"/>
-                  </a:cubicBezTo>
-                  <a:cubicBezTo>
-                    <a:pt x="20" y="0"/>
-                    <a:pt x="24" y="1"/>
-                    <a:pt x="27" y="4"/>
-                  </a:cubicBezTo>
-                  <a:cubicBezTo>
-                    <a:pt x="33" y="10"/>
-                    <a:pt x="33" y="20"/>
-                    <a:pt x="27" y="26"/>
-                  </a:cubicBezTo>
-                  <a:cubicBezTo>
-                    <a:pt x="24" y="29"/>
-                    <a:pt x="20" y="31"/>
-                    <a:pt x="16" y="31"/>
-                  </a:cubicBezTo>
-                  <a:close/>
-                  <a:moveTo>
-                    <a:pt x="16" y="4"/>
-                  </a:moveTo>
-                  <a:cubicBezTo>
-                    <a:pt x="13" y="4"/>
-                    <a:pt x="10" y="5"/>
-                    <a:pt x="8" y="7"/>
-                  </a:cubicBezTo>
-                  <a:cubicBezTo>
-                    <a:pt x="6" y="9"/>
-                    <a:pt x="4" y="12"/>
-                    <a:pt x="4" y="15"/>
-                  </a:cubicBezTo>
-                  <a:cubicBezTo>
-                    <a:pt x="4" y="19"/>
-                    <a:pt x="6" y="21"/>
-                    <a:pt x="8" y="24"/>
-                  </a:cubicBezTo>
-                  <a:cubicBezTo>
-                    <a:pt x="10" y="26"/>
-                    <a:pt x="13" y="27"/>
-                    <a:pt x="16" y="27"/>
-                  </a:cubicBezTo>
-                  <a:cubicBezTo>
-                    <a:pt x="19" y="27"/>
-                    <a:pt x="22" y="26"/>
-                    <a:pt x="24" y="24"/>
-                  </a:cubicBezTo>
-                  <a:cubicBezTo>
-                    <a:pt x="29" y="19"/>
-                    <a:pt x="29" y="12"/>
-                    <a:pt x="24" y="7"/>
-                  </a:cubicBezTo>
-                  <a:cubicBezTo>
-                    <a:pt x="22" y="5"/>
-                    <a:pt x="19" y="4"/>
-                    <a:pt x="16" y="4"/>
-                  </a:cubicBezTo>
-                  <a:close/>
-                </a:path>
-              </a:pathLst>
-            </a:custGeom>
-            <a:grpFill/>
-            <a:ln>
-              <a:noFill/>
-            </a:ln>
-            <a:extLst>
-              <a:ext uri="{91240B29-F687-4f45-9708-019B960494DF}">
-                <a14:hiddenLine xmlns="" xmlns:a16="http://schemas.microsoft.com/office/drawing/2014/main" xmlns:p14="http://schemas.microsoft.com/office/powerpoint/2010/main" xmlns:a14="http://schemas.microsoft.com/office/drawing/2010/main" w="9525">
-                  <a:solidFill>
-                    <a:srgbClr val="000000"/>
-                  </a:solidFill>
-                  <a:round/>
-                  <a:headEnd/>
-                  <a:tailEnd/>
-                </a14:hiddenLine>
-              </a:ext>
-            </a:extLst>
-          </p:spPr>
-        </p:sp>
-      </p:grpSp>
-      <p:pic>
-        <p:nvPicPr>
-          <p:cNvPr id="5" name="Content Placeholder 4" descr="A close up of electronics&#10;&#10;Description automatically generated">
-            <a:extLst>
-              <a:ext uri="{FF2B5EF4-FFF2-40B4-BE49-F238E27FC236}">
-                <a16:creationId xmlns:a16="http://schemas.microsoft.com/office/drawing/2014/main" id="{F2870E26-2CA8-D741-A391-DF4AC38E7A09}"/>
-              </a:ext>
-            </a:extLst>
-          </p:cNvPr>
-          <p:cNvPicPr>
-            <a:picLocks noChangeAspect="1"/>
-          </p:cNvPicPr>
-          <p:nvPr/>
-        </p:nvPicPr>
-        <p:blipFill>
-          <a:blip r:embed="rId4"/>
-          <a:stretch>
-            <a:fillRect/>
-          </a:stretch>
-        </p:blipFill>
-        <p:spPr>
-          <a:xfrm>
-            <a:off x="5350519" y="643467"/>
-            <a:ext cx="5566562" cy="5566562"/>
-          </a:xfrm>
-          <a:prstGeom prst="rect">
-            <a:avLst/>
-          </a:prstGeom>
-        </p:spPr>
-      </p:pic>
-    </p:spTree>
-    <p:extLst>
-      <p:ext uri="{BB962C8B-B14F-4D97-AF65-F5344CB8AC3E}">
-        <p14:creationId xmlns:p14="http://schemas.microsoft.com/office/powerpoint/2010/main" val="20372948"/>
-      </p:ext>
-    </p:extLst>
-  </p:cSld>
-  <p:clrMapOvr>
-    <a:overrideClrMapping bg1="lt1" tx1="dk1" bg2="lt2" tx2="dk2" accent1="accent1" accent2="accent2" accent3="accent3" accent4="accent4" accent5="accent5" accent6="accent6" hlink="hlink" folHlink="folHlink"/>
-  </p:clrMapOvr>
-</p:sld>
-</file>
-
-<file path=ppt/slides/slide4.xml><?xml version="1.0" encoding="utf-8"?>
-<p:sld xmlns:a="http://schemas.openxmlformats.org/drawingml/2006/main" xmlns:r="http://schemas.openxmlformats.org/officeDocument/2006/relationships" xmlns:p="http://schemas.openxmlformats.org/presentationml/2006/main">
-  <p:cSld>
-    <p:spTree>
-      <p:nvGrpSpPr>
-        <p:cNvPr id="1" name=""/>
-        <p:cNvGrpSpPr/>
-        <p:nvPr/>
-      </p:nvGrpSpPr>
-      <p:grpSpPr>
-        <a:xfrm>
-          <a:off x="0" y="0"/>
-          <a:ext cx="0" cy="0"/>
-          <a:chOff x="0" y="0"/>
-          <a:chExt cx="0" cy="0"/>
-        </a:xfrm>
-      </p:grpSpPr>
-      <p:sp>
-        <p:nvSpPr>
-          <p:cNvPr id="2" name="Title 1">
-            <a:extLst>
-              <a:ext uri="{FF2B5EF4-FFF2-40B4-BE49-F238E27FC236}">
-                <a16:creationId xmlns:a16="http://schemas.microsoft.com/office/drawing/2014/main" id="{06A57A82-7BC0-974D-9EAD-D618DECDB535}"/>
-              </a:ext>
-            </a:extLst>
-          </p:cNvPr>
-          <p:cNvSpPr>
-            <a:spLocks noGrp="1"/>
-          </p:cNvSpPr>
-          <p:nvPr>
-            <p:ph type="title"/>
-          </p:nvPr>
-        </p:nvSpPr>
-        <p:spPr/>
-        <p:txBody>
-          <a:bodyPr/>
-          <a:lstStyle/>
-          <a:p>
-            <a:r>
-              <a:rPr lang="en-US" dirty="0"/>
-              <a:t>raspberry pi 3</a:t>
-            </a:r>
-          </a:p>
-        </p:txBody>
-      </p:sp>
-      <p:pic>
-        <p:nvPicPr>
-          <p:cNvPr id="5" name="Content Placeholder 4" descr="A circuit board&#10;&#10;Description automatically generated">
-            <a:extLst>
-              <a:ext uri="{FF2B5EF4-FFF2-40B4-BE49-F238E27FC236}">
-                <a16:creationId xmlns:a16="http://schemas.microsoft.com/office/drawing/2014/main" id="{72370CAE-8A61-2C47-88A8-5FE5DB4A52DC}"/>
-              </a:ext>
-            </a:extLst>
-          </p:cNvPr>
-          <p:cNvPicPr>
-            <a:picLocks noGrp="1" noChangeAspect="1"/>
-          </p:cNvPicPr>
-          <p:nvPr>
-            <p:ph idx="1"/>
-          </p:nvPr>
-        </p:nvPicPr>
-        <p:blipFill>
-          <a:blip r:embed="rId2"/>
-          <a:stretch>
-            <a:fillRect/>
-          </a:stretch>
-        </p:blipFill>
-        <p:spPr>
-          <a:xfrm>
-            <a:off x="2914628" y="2249488"/>
-            <a:ext cx="6359570" cy="3541712"/>
-          </a:xfrm>
-        </p:spPr>
-      </p:pic>
-    </p:spTree>
-    <p:extLst>
-      <p:ext uri="{BB962C8B-B14F-4D97-AF65-F5344CB8AC3E}">
-        <p14:creationId xmlns:p14="http://schemas.microsoft.com/office/powerpoint/2010/main" val="1980716348"/>
-      </p:ext>
-    </p:extLst>
-  </p:cSld>
-  <p:clrMapOvr>
-    <a:masterClrMapping/>
-  </p:clrMapOvr>
-</p:sld>
-</file>
-
-<file path=ppt/slides/slide5.xml><?xml version="1.0" encoding="utf-8"?>
-<p:sld xmlns:a="http://schemas.openxmlformats.org/drawingml/2006/main" xmlns:r="http://schemas.openxmlformats.org/officeDocument/2006/relationships" xmlns:p="http://schemas.openxmlformats.org/presentationml/2006/main">
-  <p:cSld>
-    <p:bg>
-      <p:bgPr>
-        <a:blipFill>
-          <a:blip r:embed="rId2">
-            <a:duotone>
-              <a:schemeClr val="bg2">
-                <a:shade val="88000"/>
-                <a:hueMod val="106000"/>
-                <a:satMod val="140000"/>
-                <a:lumMod val="54000"/>
-              </a:schemeClr>
-              <a:schemeClr val="bg2">
-                <a:tint val="98000"/>
-                <a:hueMod val="90000"/>
-                <a:satMod val="150000"/>
-                <a:lumMod val="160000"/>
-              </a:schemeClr>
-            </a:duotone>
-          </a:blip>
-          <a:stretch/>
-        </a:blipFill>
-        <a:effectLst/>
-      </p:bgPr>
-    </p:bg>
-    <p:spTree>
-      <p:nvGrpSpPr>
-        <p:cNvPr id="1" name=""/>
-        <p:cNvGrpSpPr/>
-        <p:nvPr/>
-      </p:nvGrpSpPr>
-      <p:grpSpPr>
-        <a:xfrm>
-          <a:off x="0" y="0"/>
-          <a:ext cx="0" cy="0"/>
-          <a:chOff x="0" y="0"/>
-          <a:chExt cx="0" cy="0"/>
-        </a:xfrm>
-      </p:grpSpPr>
-      <p:sp useBgFill="1">
-        <p:nvSpPr>
-          <p:cNvPr id="12" name="Rectangle 11">
-            <a:extLst>
-              <a:ext uri="{FF2B5EF4-FFF2-40B4-BE49-F238E27FC236}">
-                <a16:creationId xmlns:a16="http://schemas.microsoft.com/office/drawing/2014/main" id="{C2E4E997-8672-4FFD-B8EC-9932A8E4714B}"/>
-              </a:ext>
-              <a:ext uri="{C183D7F6-B498-43B3-948B-1728B52AA6E4}">
-                <adec:decorative xmlns:adec="http://schemas.microsoft.com/office/drawing/2017/decorative" val="1"/>
-              </a:ext>
-            </a:extLst>
-          </p:cNvPr>
-          <p:cNvSpPr>
-            <a:spLocks noGrp="1" noRot="1" noChangeAspect="1" noMove="1" noResize="1" noEditPoints="1" noAdjustHandles="1" noChangeArrowheads="1" noChangeShapeType="1" noTextEdit="1"/>
-          </p:cNvSpPr>
-          <p:nvPr>
-            <p:extLst>
-              <p:ext uri="{386F3935-93C4-4BCD-93E2-E3B085C9AB24}">
-                <p16:designElem xmlns:p16="http://schemas.microsoft.com/office/powerpoint/2015/main" val="1"/>
-              </p:ext>
-            </p:extLst>
-          </p:nvPr>
-        </p:nvSpPr>
-        <p:spPr>
-          <a:xfrm>
-            <a:off x="0" y="0"/>
-            <a:ext cx="12192000" cy="6858000"/>
-          </a:xfrm>
-          <a:prstGeom prst="rect">
-            <a:avLst/>
-          </a:prstGeom>
-          <a:ln>
-            <a:noFill/>
-          </a:ln>
-        </p:spPr>
-        <p:style>
-          <a:lnRef idx="2">
-            <a:schemeClr val="accent1">
-              <a:shade val="50000"/>
-            </a:schemeClr>
-          </a:lnRef>
-          <a:fillRef idx="1003">
-            <a:schemeClr val="dk2"/>
-          </a:fillRef>
-          <a:effectRef idx="0">
-            <a:schemeClr val="accent1"/>
-          </a:effectRef>
-          <a:fontRef idx="minor">
-            <a:schemeClr val="lt1"/>
-          </a:fontRef>
-        </p:style>
-        <p:txBody>
-          <a:bodyPr rtlCol="0" anchor="ctr"/>
-          <a:lstStyle/>
-          <a:p>
-            <a:pPr algn="ctr"/>
-            <a:endParaRPr lang="en-US"/>
-          </a:p>
-        </p:txBody>
-      </p:sp>
-      <p:pic>
-        <p:nvPicPr>
-          <p:cNvPr id="14" name="Picture 2">
-            <a:extLst>
-              <a:ext uri="{FF2B5EF4-FFF2-40B4-BE49-F238E27FC236}">
-                <a16:creationId xmlns:a16="http://schemas.microsoft.com/office/drawing/2014/main" id="{FE6BA9E6-1D9E-4D30-B528-D49FA1342E4E}"/>
-              </a:ext>
-              <a:ext uri="{C183D7F6-B498-43B3-948B-1728B52AA6E4}">
-                <adec:decorative xmlns:adec="http://schemas.microsoft.com/office/drawing/2017/decorative" val="1"/>
-              </a:ext>
-            </a:extLst>
-          </p:cNvPr>
-          <p:cNvPicPr>
-            <a:picLocks noGrp="1" noRot="1" noChangeAspect="1" noMove="1" noResize="1" noEditPoints="1" noAdjustHandles="1" noChangeArrowheads="1" noChangeShapeType="1" noCrop="1"/>
-          </p:cNvPicPr>
-          <p:nvPr>
-            <p:extLst>
-              <p:ext uri="{386F3935-93C4-4BCD-93E2-E3B085C9AB24}">
-                <p16:designElem xmlns:p16="http://schemas.microsoft.com/office/powerpoint/2015/main" val="1"/>
-              </p:ext>
-            </p:extLst>
-          </p:nvPr>
-        </p:nvPicPr>
-        <p:blipFill>
-          <a:blip r:embed="rId3">
-            <a:alphaModFix amt="30000"/>
-            <a:extLst>
-              <a:ext uri="{28A0092B-C50C-407E-A947-70E740481C1C}">
-                <a14:useLocalDpi xmlns:a14="http://schemas.microsoft.com/office/drawing/2010/main" val="0"/>
-              </a:ext>
-            </a:extLst>
-          </a:blip>
-          <a:srcRect/>
-          <a:stretch>
-            <a:fillRect/>
-          </a:stretch>
-        </p:blipFill>
-        <p:spPr bwMode="auto">
-          <a:xfrm>
-            <a:off x="0" y="0"/>
-            <a:ext cx="12192003" cy="6858001"/>
-          </a:xfrm>
-          <a:prstGeom prst="rect">
-            <a:avLst/>
-          </a:prstGeom>
-          <a:noFill/>
-          <a:extLst>
-            <a:ext uri="{909E8E84-426E-40dd-AFC4-6F175D3DCCD1}">
-              <a14:hiddenFill xmlns="" xmlns:a16="http://schemas.microsoft.com/office/drawing/2014/main" xmlns:p14="http://schemas.microsoft.com/office/powerpoint/2010/main" xmlns:a14="http://schemas.microsoft.com/office/drawing/2010/main">
-                <a:solidFill>
-                  <a:srgbClr val="FFFFFF"/>
-                </a:solidFill>
-              </a14:hiddenFill>
-            </a:ext>
-          </a:extLst>
-        </p:spPr>
-      </p:pic>
-      <p:sp>
-        <p:nvSpPr>
-          <p:cNvPr id="2" name="Title 1">
-            <a:extLst>
-              <a:ext uri="{FF2B5EF4-FFF2-40B4-BE49-F238E27FC236}">
-                <a16:creationId xmlns:a16="http://schemas.microsoft.com/office/drawing/2014/main" id="{D25EAAA1-E601-EC4F-B194-6309EB8D32C5}"/>
-              </a:ext>
-            </a:extLst>
-          </p:cNvPr>
-          <p:cNvSpPr>
-            <a:spLocks noGrp="1"/>
-          </p:cNvSpPr>
-          <p:nvPr>
-            <p:ph type="title"/>
-          </p:nvPr>
-        </p:nvSpPr>
-        <p:spPr>
-          <a:xfrm>
-            <a:off x="417021" y="2174339"/>
-            <a:ext cx="4459286" cy="1478570"/>
-          </a:xfrm>
-        </p:spPr>
-        <p:txBody>
-          <a:bodyPr>
-            <a:normAutofit/>
-          </a:bodyPr>
-          <a:lstStyle/>
-          <a:p>
-            <a:r>
-              <a:rPr lang="en-US" sz="3200" dirty="0"/>
-              <a:t>Raspberry pi Display</a:t>
-            </a:r>
-          </a:p>
-        </p:txBody>
-      </p:sp>
-      <p:pic>
-        <p:nvPicPr>
-          <p:cNvPr id="5" name="Content Placeholder 4" descr="A flat screen television&#10;&#10;Description automatically generated">
-            <a:extLst>
-              <a:ext uri="{FF2B5EF4-FFF2-40B4-BE49-F238E27FC236}">
-                <a16:creationId xmlns:a16="http://schemas.microsoft.com/office/drawing/2014/main" id="{78ED5A30-DA71-F34F-B911-0669AFAB3D1A}"/>
-              </a:ext>
-            </a:extLst>
-          </p:cNvPr>
-          <p:cNvPicPr>
-            <a:picLocks noChangeAspect="1"/>
-          </p:cNvPicPr>
-          <p:nvPr/>
-        </p:nvPicPr>
-        <p:blipFill>
-          <a:blip r:embed="rId4"/>
-          <a:stretch>
-            <a:fillRect/>
-          </a:stretch>
-        </p:blipFill>
-        <p:spPr>
-          <a:xfrm>
-            <a:off x="4732939" y="910990"/>
-            <a:ext cx="6831998" cy="4526198"/>
-          </a:xfrm>
-          <a:prstGeom prst="round2DiagRect">
-            <a:avLst>
-              <a:gd name="adj1" fmla="val 5608"/>
-              <a:gd name="adj2" fmla="val 0"/>
-            </a:avLst>
-          </a:prstGeom>
-          <a:ln w="19050" cap="sq">
-            <a:solidFill>
-              <a:schemeClr val="tx2">
-                <a:lumMod val="60000"/>
-                <a:lumOff val="40000"/>
-                <a:alpha val="60000"/>
-              </a:schemeClr>
-            </a:solidFill>
-            <a:miter lim="800000"/>
-          </a:ln>
-          <a:effectLst>
-            <a:outerShdw blurRad="88900" dist="38100" dir="5400000" algn="t" rotWithShape="0">
-              <a:prstClr val="black">
-                <a:alpha val="40000"/>
-              </a:prstClr>
-            </a:outerShdw>
-          </a:effectLst>
-        </p:spPr>
-      </p:pic>
-      <p:grpSp>
-        <p:nvGrpSpPr>
-          <p:cNvPr id="16" name="Group 15">
-            <a:extLst>
-              <a:ext uri="{FF2B5EF4-FFF2-40B4-BE49-F238E27FC236}">
-                <a16:creationId xmlns:a16="http://schemas.microsoft.com/office/drawing/2014/main" id="{453E4DEE-E996-40F8-8635-0FF43D7348F9}"/>
-              </a:ext>
-              <a:ext uri="{C183D7F6-B498-43B3-948B-1728B52AA6E4}">
-                <adec:decorative xmlns:adec="http://schemas.microsoft.com/office/drawing/2017/decorative" val="1"/>
-              </a:ext>
-            </a:extLst>
-          </p:cNvPr>
-          <p:cNvGrpSpPr>
-            <a:grpSpLocks noGrp="1" noUngrp="1" noRot="1" noChangeAspect="1" noMove="1" noResize="1"/>
-          </p:cNvGrpSpPr>
-          <p:nvPr>
-            <p:extLst>
-              <p:ext uri="{386F3935-93C4-4BCD-93E2-E3B085C9AB24}">
-                <p16:designElem xmlns:p16="http://schemas.microsoft.com/office/powerpoint/2015/main" val="1"/>
-              </p:ext>
-            </p:extLst>
-          </p:nvPr>
-        </p:nvGrpSpPr>
-        <p:grpSpPr>
-          <a:xfrm>
-            <a:off x="0" y="0"/>
-            <a:ext cx="1220788" cy="6858001"/>
-            <a:chOff x="-14288" y="0"/>
-            <a:chExt cx="1220788" cy="6858001"/>
-          </a:xfrm>
-          <a:gradFill flip="none" rotWithShape="1">
-            <a:gsLst>
-              <a:gs pos="0">
-                <a:schemeClr val="tx2"/>
-              </a:gs>
-              <a:gs pos="100000">
-                <a:schemeClr val="bg2">
-                  <a:lumMod val="60000"/>
-                  <a:lumOff val="40000"/>
-                </a:schemeClr>
-              </a:gs>
-            </a:gsLst>
-            <a:lin ang="5400000" scaled="0"/>
-            <a:tileRect/>
-          </a:gradFill>
-        </p:grpSpPr>
-        <p:sp>
-          <p:nvSpPr>
-            <p:cNvPr id="17" name="Rectangle 5">
-              <a:extLst>
-                <a:ext uri="{FF2B5EF4-FFF2-40B4-BE49-F238E27FC236}">
-                  <a16:creationId xmlns:a16="http://schemas.microsoft.com/office/drawing/2014/main" id="{08BD1D3E-43CE-49EB-A424-0738950C6424}"/>
-                </a:ext>
-                <a:ext uri="{C183D7F6-B498-43B3-948B-1728B52AA6E4}">
-                  <adec:decorative xmlns:adec="http://schemas.microsoft.com/office/drawing/2017/decorative" val="1"/>
-                </a:ext>
-              </a:extLst>
-            </p:cNvPr>
-            <p:cNvSpPr>
-              <a:spLocks noChangeArrowheads="1"/>
-            </p:cNvSpPr>
-            <p:nvPr>
-              <p:extLst>
-                <p:ext uri="{386F3935-93C4-4BCD-93E2-E3B085C9AB24}">
-                  <p16:designElem xmlns:p16="http://schemas.microsoft.com/office/powerpoint/2015/main" val="1"/>
-                </p:ext>
-              </p:extLst>
-            </p:nvPr>
-          </p:nvSpPr>
-          <p:spPr bwMode="auto">
-            <a:xfrm>
-              <a:off x="114300" y="4763"/>
-              <a:ext cx="23813" cy="2181225"/>
-            </a:xfrm>
-            <a:prstGeom prst="rect">
-              <a:avLst/>
-            </a:prstGeom>
-            <a:grpFill/>
-            <a:ln>
-              <a:noFill/>
-            </a:ln>
-            <a:extLst>
-              <a:ext uri="{91240B29-F687-4f45-9708-019B960494DF}">
-                <a14:hiddenLine xmlns="" xmlns:a16="http://schemas.microsoft.com/office/drawing/2014/main" xmlns:p14="http://schemas.microsoft.com/office/powerpoint/2010/main" xmlns:a14="http://schemas.microsoft.com/office/drawing/2010/main" w="9525">
-                  <a:solidFill>
-                    <a:srgbClr val="000000"/>
-                  </a:solidFill>
-                  <a:miter lim="800000"/>
-                  <a:headEnd/>
-                  <a:tailEnd/>
-                </a14:hiddenLine>
-              </a:ext>
-            </a:extLst>
-          </p:spPr>
-        </p:sp>
-        <p:sp>
-          <p:nvSpPr>
-            <p:cNvPr id="18" name="Freeform 6">
-              <a:extLst>
-                <a:ext uri="{FF2B5EF4-FFF2-40B4-BE49-F238E27FC236}">
-                  <a16:creationId xmlns:a16="http://schemas.microsoft.com/office/drawing/2014/main" id="{E9182037-E3FA-489A-95D5-29E4248420D8}"/>
-                </a:ext>
-                <a:ext uri="{C183D7F6-B498-43B3-948B-1728B52AA6E4}">
-                  <adec:decorative xmlns:adec="http://schemas.microsoft.com/office/drawing/2017/decorative" val="1"/>
-                </a:ext>
-              </a:extLst>
-            </p:cNvPr>
-            <p:cNvSpPr>
-              <a:spLocks noEditPoints="1"/>
-            </p:cNvSpPr>
-            <p:nvPr>
-              <p:extLst>
-                <p:ext uri="{386F3935-93C4-4BCD-93E2-E3B085C9AB24}">
-                  <p16:designElem xmlns:p16="http://schemas.microsoft.com/office/powerpoint/2015/main" val="1"/>
-                </p:ext>
-              </p:extLst>
-            </p:nvPr>
-          </p:nvSpPr>
-          <p:spPr bwMode="auto">
-            <a:xfrm>
-              <a:off x="33337" y="2176463"/>
-              <a:ext cx="190500" cy="190500"/>
-            </a:xfrm>
-            <a:custGeom>
-              <a:avLst/>
-              <a:gdLst/>
-              <a:ahLst/>
-              <a:cxnLst/>
-              <a:rect l="0" t="0" r="r" b="b"/>
-              <a:pathLst>
-                <a:path w="40" h="40">
-                  <a:moveTo>
-                    <a:pt x="20" y="40"/>
-                  </a:moveTo>
-                  <a:cubicBezTo>
-                    <a:pt x="9" y="40"/>
-                    <a:pt x="0" y="31"/>
-                    <a:pt x="0" y="20"/>
-                  </a:cubicBezTo>
-                  <a:cubicBezTo>
-                    <a:pt x="0" y="9"/>
-                    <a:pt x="9" y="0"/>
-                    <a:pt x="20" y="0"/>
-                  </a:cubicBezTo>
-                  <a:cubicBezTo>
-                    <a:pt x="31" y="0"/>
-                    <a:pt x="40" y="9"/>
-                    <a:pt x="40" y="20"/>
-                  </a:cubicBezTo>
-                  <a:cubicBezTo>
-                    <a:pt x="40" y="31"/>
-                    <a:pt x="31" y="40"/>
-                    <a:pt x="20" y="40"/>
-                  </a:cubicBezTo>
-                  <a:close/>
-                  <a:moveTo>
-                    <a:pt x="20" y="4"/>
-                  </a:moveTo>
-                  <a:cubicBezTo>
-                    <a:pt x="11" y="4"/>
-                    <a:pt x="4" y="11"/>
-                    <a:pt x="4" y="20"/>
-                  </a:cubicBezTo>
-                  <a:cubicBezTo>
-                    <a:pt x="4" y="29"/>
-                    <a:pt x="11" y="36"/>
-                    <a:pt x="20" y="36"/>
-                  </a:cubicBezTo>
-                  <a:cubicBezTo>
-                    <a:pt x="28" y="36"/>
-                    <a:pt x="36" y="29"/>
-                    <a:pt x="36" y="20"/>
-                  </a:cubicBezTo>
-                  <a:cubicBezTo>
-                    <a:pt x="36" y="11"/>
-                    <a:pt x="28" y="4"/>
-                    <a:pt x="20" y="4"/>
-                  </a:cubicBezTo>
-                  <a:close/>
-                </a:path>
-              </a:pathLst>
-            </a:custGeom>
-            <a:grpFill/>
-            <a:ln>
-              <a:noFill/>
-            </a:ln>
-            <a:extLst>
-              <a:ext uri="{91240B29-F687-4f45-9708-019B960494DF}">
-                <a14:hiddenLine xmlns="" xmlns:a16="http://schemas.microsoft.com/office/drawing/2014/main" xmlns:p14="http://schemas.microsoft.com/office/powerpoint/2010/main" xmlns:a14="http://schemas.microsoft.com/office/drawing/2010/main" w="9525">
-                  <a:solidFill>
-                    <a:srgbClr val="000000"/>
-                  </a:solidFill>
-                  <a:round/>
-                  <a:headEnd/>
-                  <a:tailEnd/>
-                </a14:hiddenLine>
-              </a:ext>
-            </a:extLst>
-          </p:spPr>
-        </p:sp>
-        <p:sp>
-          <p:nvSpPr>
-            <p:cNvPr id="19" name="Freeform 7">
-              <a:extLst>
-                <a:ext uri="{FF2B5EF4-FFF2-40B4-BE49-F238E27FC236}">
-                  <a16:creationId xmlns:a16="http://schemas.microsoft.com/office/drawing/2014/main" id="{E8864E76-AD7F-4BEE-B3F6-A78FA42AEFAC}"/>
-                </a:ext>
-                <a:ext uri="{C183D7F6-B498-43B3-948B-1728B52AA6E4}">
-                  <adec:decorative xmlns:adec="http://schemas.microsoft.com/office/drawing/2017/decorative" val="1"/>
-                </a:ext>
-              </a:extLst>
-            </p:cNvPr>
-            <p:cNvSpPr>
-              <a:spLocks noEditPoints="1"/>
-            </p:cNvSpPr>
-            <p:nvPr>
-              <p:extLst>
-                <p:ext uri="{386F3935-93C4-4BCD-93E2-E3B085C9AB24}">
-                  <p16:designElem xmlns:p16="http://schemas.microsoft.com/office/powerpoint/2015/main" val="1"/>
-                </p:ext>
-              </p:extLst>
-            </p:nvPr>
-          </p:nvSpPr>
-          <p:spPr bwMode="auto">
-            <a:xfrm>
-              <a:off x="28575" y="4021138"/>
-              <a:ext cx="190500" cy="188913"/>
-            </a:xfrm>
-            <a:custGeom>
-              <a:avLst/>
-              <a:gdLst/>
-              <a:ahLst/>
-              <a:cxnLst/>
-              <a:rect l="0" t="0" r="r" b="b"/>
-              <a:pathLst>
-                <a:path w="40" h="40">
-                  <a:moveTo>
-                    <a:pt x="20" y="40"/>
-                  </a:moveTo>
-                  <a:cubicBezTo>
-                    <a:pt x="9" y="40"/>
-                    <a:pt x="0" y="31"/>
-                    <a:pt x="0" y="20"/>
-                  </a:cubicBezTo>
-                  <a:cubicBezTo>
-                    <a:pt x="0" y="9"/>
-                    <a:pt x="9" y="0"/>
-                    <a:pt x="20" y="0"/>
-                  </a:cubicBezTo>
-                  <a:cubicBezTo>
-                    <a:pt x="31" y="0"/>
-                    <a:pt x="40" y="9"/>
-                    <a:pt x="40" y="20"/>
-                  </a:cubicBezTo>
-                  <a:cubicBezTo>
-                    <a:pt x="40" y="31"/>
-                    <a:pt x="31" y="40"/>
-                    <a:pt x="20" y="40"/>
-                  </a:cubicBezTo>
-                  <a:close/>
-                  <a:moveTo>
-                    <a:pt x="20" y="4"/>
-                  </a:moveTo>
-                  <a:cubicBezTo>
-                    <a:pt x="12" y="4"/>
-                    <a:pt x="4" y="11"/>
-                    <a:pt x="4" y="20"/>
-                  </a:cubicBezTo>
-                  <a:cubicBezTo>
-                    <a:pt x="4" y="29"/>
-                    <a:pt x="12" y="36"/>
-                    <a:pt x="20" y="36"/>
-                  </a:cubicBezTo>
-                  <a:cubicBezTo>
-                    <a:pt x="29" y="36"/>
-                    <a:pt x="36" y="29"/>
-                    <a:pt x="36" y="20"/>
-                  </a:cubicBezTo>
-                  <a:cubicBezTo>
-                    <a:pt x="36" y="11"/>
-                    <a:pt x="29" y="4"/>
-                    <a:pt x="20" y="4"/>
-                  </a:cubicBezTo>
-                  <a:close/>
-                </a:path>
-              </a:pathLst>
-            </a:custGeom>
-            <a:grpFill/>
-            <a:ln>
-              <a:noFill/>
-            </a:ln>
-            <a:extLst>
-              <a:ext uri="{91240B29-F687-4f45-9708-019B960494DF}">
-                <a14:hiddenLine xmlns="" xmlns:a16="http://schemas.microsoft.com/office/drawing/2014/main" xmlns:p14="http://schemas.microsoft.com/office/powerpoint/2010/main" xmlns:a14="http://schemas.microsoft.com/office/drawing/2010/main" w="9525">
-                  <a:solidFill>
-                    <a:srgbClr val="000000"/>
-                  </a:solidFill>
-                  <a:round/>
-                  <a:headEnd/>
-                  <a:tailEnd/>
-                </a14:hiddenLine>
-              </a:ext>
-            </a:extLst>
-          </p:spPr>
-        </p:sp>
-        <p:sp>
-          <p:nvSpPr>
-            <p:cNvPr id="20" name="Freeform 8">
-              <a:extLst>
-                <a:ext uri="{FF2B5EF4-FFF2-40B4-BE49-F238E27FC236}">
-                  <a16:creationId xmlns:a16="http://schemas.microsoft.com/office/drawing/2014/main" id="{8AD071B3-046D-4479-91FE-01E9AD7C8AAB}"/>
-                </a:ext>
-                <a:ext uri="{C183D7F6-B498-43B3-948B-1728B52AA6E4}">
-                  <adec:decorative xmlns:adec="http://schemas.microsoft.com/office/drawing/2017/decorative" val="1"/>
-                </a:ext>
-              </a:extLst>
-            </p:cNvPr>
-            <p:cNvSpPr/>
-            <p:nvPr>
-              <p:extLst>
-                <p:ext uri="{386F3935-93C4-4BCD-93E2-E3B085C9AB24}">
-                  <p16:designElem xmlns:p16="http://schemas.microsoft.com/office/powerpoint/2015/main" val="1"/>
-                </p:ext>
-              </p:extLst>
-            </p:nvPr>
-          </p:nvSpPr>
-          <p:spPr bwMode="auto">
-            <a:xfrm>
-              <a:off x="200025" y="4763"/>
-              <a:ext cx="369888" cy="1811338"/>
-            </a:xfrm>
-            <a:custGeom>
-              <a:avLst/>
-              <a:gdLst/>
-              <a:ahLst/>
-              <a:cxnLst/>
-              <a:rect l="0" t="0" r="r" b="b"/>
-              <a:pathLst>
-                <a:path w="233" h="1141">
-                  <a:moveTo>
-                    <a:pt x="218" y="1141"/>
-                  </a:moveTo>
-                  <a:lnTo>
-                    <a:pt x="0" y="626"/>
-                  </a:lnTo>
-                  <a:lnTo>
-                    <a:pt x="0" y="0"/>
-                  </a:lnTo>
-                  <a:lnTo>
-                    <a:pt x="15" y="0"/>
-                  </a:lnTo>
-                  <a:lnTo>
-                    <a:pt x="15" y="623"/>
-                  </a:lnTo>
-                  <a:lnTo>
-                    <a:pt x="233" y="1135"/>
-                  </a:lnTo>
-                  <a:lnTo>
-                    <a:pt x="218" y="1141"/>
-                  </a:lnTo>
-                  <a:close/>
-                </a:path>
-              </a:pathLst>
-            </a:custGeom>
-            <a:grpFill/>
-            <a:ln>
-              <a:noFill/>
-            </a:ln>
-            <a:extLst>
-              <a:ext uri="{91240B29-F687-4f45-9708-019B960494DF}">
-                <a14:hiddenLine xmlns="" xmlns:a16="http://schemas.microsoft.com/office/drawing/2014/main" xmlns:p14="http://schemas.microsoft.com/office/powerpoint/2010/main" xmlns:a14="http://schemas.microsoft.com/office/drawing/2010/main" w="9525">
-                  <a:solidFill>
-                    <a:srgbClr val="000000"/>
-                  </a:solidFill>
-                  <a:round/>
-                  <a:headEnd/>
-                  <a:tailEnd/>
-                </a14:hiddenLine>
-              </a:ext>
-            </a:extLst>
-          </p:spPr>
-        </p:sp>
-        <p:sp>
-          <p:nvSpPr>
-            <p:cNvPr id="21" name="Freeform 9">
-              <a:extLst>
-                <a:ext uri="{FF2B5EF4-FFF2-40B4-BE49-F238E27FC236}">
-                  <a16:creationId xmlns:a16="http://schemas.microsoft.com/office/drawing/2014/main" id="{91D776F5-E902-4A4D-A75D-A46E063C9F38}"/>
-                </a:ext>
-                <a:ext uri="{C183D7F6-B498-43B3-948B-1728B52AA6E4}">
-                  <adec:decorative xmlns:adec="http://schemas.microsoft.com/office/drawing/2017/decorative" val="1"/>
-                </a:ext>
-              </a:extLst>
-            </p:cNvPr>
-            <p:cNvSpPr>
-              <a:spLocks noEditPoints="1"/>
-            </p:cNvSpPr>
-            <p:nvPr>
-              <p:extLst>
-                <p:ext uri="{386F3935-93C4-4BCD-93E2-E3B085C9AB24}">
-                  <p16:designElem xmlns:p16="http://schemas.microsoft.com/office/powerpoint/2015/main" val="1"/>
-                </p:ext>
-              </p:extLst>
-            </p:nvPr>
-          </p:nvSpPr>
-          <p:spPr bwMode="auto">
-            <a:xfrm>
-              <a:off x="503237" y="1801813"/>
-              <a:ext cx="190500" cy="188913"/>
-            </a:xfrm>
-            <a:custGeom>
-              <a:avLst/>
-              <a:gdLst/>
-              <a:ahLst/>
-              <a:cxnLst/>
-              <a:rect l="0" t="0" r="r" b="b"/>
-              <a:pathLst>
-                <a:path w="40" h="40">
-                  <a:moveTo>
-                    <a:pt x="20" y="40"/>
-                  </a:moveTo>
-                  <a:cubicBezTo>
-                    <a:pt x="9" y="40"/>
-                    <a:pt x="0" y="31"/>
-                    <a:pt x="0" y="20"/>
-                  </a:cubicBezTo>
-                  <a:cubicBezTo>
-                    <a:pt x="0" y="9"/>
-                    <a:pt x="9" y="0"/>
-                    <a:pt x="20" y="0"/>
-                  </a:cubicBezTo>
-                  <a:cubicBezTo>
-                    <a:pt x="33" y="0"/>
-                    <a:pt x="40" y="6"/>
-                    <a:pt x="40" y="20"/>
-                  </a:cubicBezTo>
-                  <a:cubicBezTo>
-                    <a:pt x="40" y="31"/>
-                    <a:pt x="31" y="40"/>
-                    <a:pt x="20" y="40"/>
-                  </a:cubicBezTo>
-                  <a:close/>
-                  <a:moveTo>
-                    <a:pt x="20" y="4"/>
-                  </a:moveTo>
-                  <a:cubicBezTo>
-                    <a:pt x="11" y="4"/>
-                    <a:pt x="4" y="11"/>
-                    <a:pt x="4" y="20"/>
-                  </a:cubicBezTo>
-                  <a:cubicBezTo>
-                    <a:pt x="4" y="29"/>
-                    <a:pt x="11" y="36"/>
-                    <a:pt x="20" y="36"/>
-                  </a:cubicBezTo>
-                  <a:cubicBezTo>
-                    <a:pt x="28" y="36"/>
-                    <a:pt x="36" y="29"/>
-                    <a:pt x="36" y="20"/>
-                  </a:cubicBezTo>
-                  <a:cubicBezTo>
-                    <a:pt x="36" y="9"/>
-                    <a:pt x="31" y="4"/>
-                    <a:pt x="20" y="4"/>
-                  </a:cubicBezTo>
-                  <a:close/>
-                </a:path>
-              </a:pathLst>
-            </a:custGeom>
-            <a:grpFill/>
-            <a:ln>
-              <a:noFill/>
-            </a:ln>
-            <a:extLst>
-              <a:ext uri="{91240B29-F687-4f45-9708-019B960494DF}">
-                <a14:hiddenLine xmlns="" xmlns:a16="http://schemas.microsoft.com/office/drawing/2014/main" xmlns:p14="http://schemas.microsoft.com/office/powerpoint/2010/main" xmlns:a14="http://schemas.microsoft.com/office/drawing/2010/main" w="9525">
-                  <a:solidFill>
-                    <a:srgbClr val="000000"/>
-                  </a:solidFill>
-                  <a:round/>
-                  <a:headEnd/>
-                  <a:tailEnd/>
-                </a14:hiddenLine>
-              </a:ext>
-            </a:extLst>
-          </p:spPr>
-        </p:sp>
-        <p:sp>
-          <p:nvSpPr>
-            <p:cNvPr id="22" name="Freeform 10">
-              <a:extLst>
-                <a:ext uri="{FF2B5EF4-FFF2-40B4-BE49-F238E27FC236}">
-                  <a16:creationId xmlns:a16="http://schemas.microsoft.com/office/drawing/2014/main" id="{EBED8F24-A998-4952-AB68-E2074F0746FE}"/>
-                </a:ext>
-                <a:ext uri="{C183D7F6-B498-43B3-948B-1728B52AA6E4}">
-                  <adec:decorative xmlns:adec="http://schemas.microsoft.com/office/drawing/2017/decorative" val="1"/>
-                </a:ext>
-              </a:extLst>
-            </p:cNvPr>
-            <p:cNvSpPr/>
-            <p:nvPr>
-              <p:extLst>
-                <p:ext uri="{386F3935-93C4-4BCD-93E2-E3B085C9AB24}">
-                  <p16:designElem xmlns:p16="http://schemas.microsoft.com/office/powerpoint/2015/main" val="1"/>
-                </p:ext>
-              </p:extLst>
-            </p:nvPr>
-          </p:nvSpPr>
-          <p:spPr bwMode="auto">
-            <a:xfrm>
-              <a:off x="285750" y="4763"/>
-              <a:ext cx="369888" cy="1430338"/>
-            </a:xfrm>
-            <a:custGeom>
-              <a:avLst/>
-              <a:gdLst/>
-              <a:ahLst/>
-              <a:cxnLst/>
-              <a:rect l="0" t="0" r="r" b="b"/>
-              <a:pathLst>
-                <a:path w="233" h="901">
-                  <a:moveTo>
-                    <a:pt x="221" y="901"/>
-                  </a:moveTo>
-                  <a:lnTo>
-                    <a:pt x="0" y="383"/>
-                  </a:lnTo>
-                  <a:lnTo>
-                    <a:pt x="0" y="0"/>
-                  </a:lnTo>
-                  <a:lnTo>
-                    <a:pt x="18" y="0"/>
-                  </a:lnTo>
-                  <a:lnTo>
-                    <a:pt x="18" y="380"/>
-                  </a:lnTo>
-                  <a:lnTo>
-                    <a:pt x="233" y="895"/>
-                  </a:lnTo>
-                  <a:lnTo>
-                    <a:pt x="221" y="901"/>
-                  </a:lnTo>
-                  <a:close/>
-                </a:path>
-              </a:pathLst>
-            </a:custGeom>
-            <a:grpFill/>
-            <a:ln>
-              <a:noFill/>
-            </a:ln>
-            <a:extLst>
-              <a:ext uri="{91240B29-F687-4f45-9708-019B960494DF}">
-                <a14:hiddenLine xmlns="" xmlns:a16="http://schemas.microsoft.com/office/drawing/2014/main" xmlns:p14="http://schemas.microsoft.com/office/powerpoint/2010/main" xmlns:a14="http://schemas.microsoft.com/office/drawing/2010/main" w="9525">
-                  <a:solidFill>
-                    <a:srgbClr val="000000"/>
-                  </a:solidFill>
-                  <a:round/>
-                  <a:headEnd/>
-                  <a:tailEnd/>
-                </a14:hiddenLine>
-              </a:ext>
-            </a:extLst>
-          </p:spPr>
-        </p:sp>
-        <p:sp>
-          <p:nvSpPr>
-            <p:cNvPr id="23" name="Freeform 11">
-              <a:extLst>
-                <a:ext uri="{FF2B5EF4-FFF2-40B4-BE49-F238E27FC236}">
-                  <a16:creationId xmlns:a16="http://schemas.microsoft.com/office/drawing/2014/main" id="{74D7A646-8CDC-49B3-9C44-3EF38DB4264C}"/>
-                </a:ext>
-                <a:ext uri="{C183D7F6-B498-43B3-948B-1728B52AA6E4}">
-                  <adec:decorative xmlns:adec="http://schemas.microsoft.com/office/drawing/2017/decorative" val="1"/>
-                </a:ext>
-              </a:extLst>
-            </p:cNvPr>
-            <p:cNvSpPr/>
-            <p:nvPr>
-              <p:extLst>
-                <p:ext uri="{386F3935-93C4-4BCD-93E2-E3B085C9AB24}">
-                  <p16:designElem xmlns:p16="http://schemas.microsoft.com/office/powerpoint/2015/main" val="1"/>
-                </p:ext>
-              </p:extLst>
-            </p:nvPr>
-          </p:nvSpPr>
-          <p:spPr bwMode="auto">
-            <a:xfrm>
-              <a:off x="546100" y="0"/>
-              <a:ext cx="152400" cy="912813"/>
-            </a:xfrm>
-            <a:custGeom>
-              <a:avLst/>
-              <a:gdLst/>
-              <a:ahLst/>
-              <a:cxnLst/>
-              <a:rect l="0" t="0" r="r" b="b"/>
-              <a:pathLst>
-                <a:path w="96" h="575">
-                  <a:moveTo>
-                    <a:pt x="96" y="575"/>
-                  </a:moveTo>
-                  <a:lnTo>
-                    <a:pt x="78" y="575"/>
-                  </a:lnTo>
-                  <a:lnTo>
-                    <a:pt x="78" y="192"/>
-                  </a:lnTo>
-                  <a:lnTo>
-                    <a:pt x="0" y="6"/>
-                  </a:lnTo>
-                  <a:lnTo>
-                    <a:pt x="15" y="0"/>
-                  </a:lnTo>
-                  <a:lnTo>
-                    <a:pt x="96" y="189"/>
-                  </a:lnTo>
-                  <a:lnTo>
-                    <a:pt x="96" y="575"/>
-                  </a:lnTo>
-                  <a:close/>
-                </a:path>
-              </a:pathLst>
-            </a:custGeom>
-            <a:grpFill/>
-            <a:ln>
-              <a:noFill/>
-            </a:ln>
-            <a:extLst>
-              <a:ext uri="{91240B29-F687-4f45-9708-019B960494DF}">
-                <a14:hiddenLine xmlns="" xmlns:a16="http://schemas.microsoft.com/office/drawing/2014/main" xmlns:p14="http://schemas.microsoft.com/office/powerpoint/2010/main" xmlns:a14="http://schemas.microsoft.com/office/drawing/2010/main" w="9525">
-                  <a:solidFill>
-                    <a:srgbClr val="000000"/>
-                  </a:solidFill>
-                  <a:round/>
-                  <a:headEnd/>
-                  <a:tailEnd/>
-                </a14:hiddenLine>
-              </a:ext>
-            </a:extLst>
-          </p:spPr>
-        </p:sp>
-        <p:sp>
-          <p:nvSpPr>
-            <p:cNvPr id="24" name="Freeform 12">
-              <a:extLst>
-                <a:ext uri="{FF2B5EF4-FFF2-40B4-BE49-F238E27FC236}">
-                  <a16:creationId xmlns:a16="http://schemas.microsoft.com/office/drawing/2014/main" id="{D4E99D14-E4F4-419B-9AAF-8D1CEAB28A2D}"/>
-                </a:ext>
-                <a:ext uri="{C183D7F6-B498-43B3-948B-1728B52AA6E4}">
-                  <adec:decorative xmlns:adec="http://schemas.microsoft.com/office/drawing/2017/decorative" val="1"/>
-                </a:ext>
-              </a:extLst>
-            </p:cNvPr>
-            <p:cNvSpPr>
-              <a:spLocks noEditPoints="1"/>
-            </p:cNvSpPr>
-            <p:nvPr>
-              <p:extLst>
-                <p:ext uri="{386F3935-93C4-4BCD-93E2-E3B085C9AB24}">
-                  <p16:designElem xmlns:p16="http://schemas.microsoft.com/office/powerpoint/2015/main" val="1"/>
-                </p:ext>
-              </p:extLst>
-            </p:nvPr>
-          </p:nvSpPr>
-          <p:spPr bwMode="auto">
-            <a:xfrm>
-              <a:off x="588962" y="1420813"/>
-              <a:ext cx="190500" cy="190500"/>
-            </a:xfrm>
-            <a:custGeom>
-              <a:avLst/>
-              <a:gdLst/>
-              <a:ahLst/>
-              <a:cxnLst/>
-              <a:rect l="0" t="0" r="r" b="b"/>
-              <a:pathLst>
-                <a:path w="40" h="40">
-                  <a:moveTo>
-                    <a:pt x="20" y="40"/>
-                  </a:moveTo>
-                  <a:cubicBezTo>
-                    <a:pt x="9" y="40"/>
-                    <a:pt x="0" y="31"/>
-                    <a:pt x="0" y="20"/>
-                  </a:cubicBezTo>
-                  <a:cubicBezTo>
-                    <a:pt x="0" y="9"/>
-                    <a:pt x="9" y="0"/>
-                    <a:pt x="20" y="0"/>
-                  </a:cubicBezTo>
-                  <a:cubicBezTo>
-                    <a:pt x="33" y="0"/>
-                    <a:pt x="40" y="7"/>
-                    <a:pt x="40" y="20"/>
-                  </a:cubicBezTo>
-                  <a:cubicBezTo>
-                    <a:pt x="40" y="31"/>
-                    <a:pt x="31" y="40"/>
-                    <a:pt x="20" y="40"/>
-                  </a:cubicBezTo>
-                  <a:close/>
-                  <a:moveTo>
-                    <a:pt x="20" y="4"/>
-                  </a:moveTo>
-                  <a:cubicBezTo>
-                    <a:pt x="11" y="4"/>
-                    <a:pt x="4" y="11"/>
-                    <a:pt x="4" y="20"/>
-                  </a:cubicBezTo>
-                  <a:cubicBezTo>
-                    <a:pt x="4" y="29"/>
-                    <a:pt x="11" y="36"/>
-                    <a:pt x="20" y="36"/>
-                  </a:cubicBezTo>
-                  <a:cubicBezTo>
-                    <a:pt x="29" y="36"/>
-                    <a:pt x="36" y="29"/>
-                    <a:pt x="36" y="20"/>
-                  </a:cubicBezTo>
-                  <a:cubicBezTo>
-                    <a:pt x="36" y="9"/>
-                    <a:pt x="31" y="4"/>
-                    <a:pt x="20" y="4"/>
-                  </a:cubicBezTo>
-                  <a:close/>
-                </a:path>
-              </a:pathLst>
-            </a:custGeom>
-            <a:grpFill/>
-            <a:ln>
-              <a:noFill/>
-            </a:ln>
-            <a:extLst>
-              <a:ext uri="{91240B29-F687-4f45-9708-019B960494DF}">
-                <a14:hiddenLine xmlns="" xmlns:a16="http://schemas.microsoft.com/office/drawing/2014/main" xmlns:p14="http://schemas.microsoft.com/office/powerpoint/2010/main" xmlns:a14="http://schemas.microsoft.com/office/drawing/2010/main" w="9525">
-                  <a:solidFill>
-                    <a:srgbClr val="000000"/>
-                  </a:solidFill>
-                  <a:round/>
-                  <a:headEnd/>
-                  <a:tailEnd/>
-                </a14:hiddenLine>
-              </a:ext>
-            </a:extLst>
-          </p:spPr>
-        </p:sp>
-        <p:sp>
-          <p:nvSpPr>
-            <p:cNvPr id="25" name="Freeform 13">
-              <a:extLst>
-                <a:ext uri="{FF2B5EF4-FFF2-40B4-BE49-F238E27FC236}">
-                  <a16:creationId xmlns:a16="http://schemas.microsoft.com/office/drawing/2014/main" id="{377E106C-5445-4A52-9F7E-DA1738744291}"/>
-                </a:ext>
-                <a:ext uri="{C183D7F6-B498-43B3-948B-1728B52AA6E4}">
-                  <adec:decorative xmlns:adec="http://schemas.microsoft.com/office/drawing/2017/decorative" val="1"/>
-                </a:ext>
-              </a:extLst>
-            </p:cNvPr>
-            <p:cNvSpPr>
-              <a:spLocks noEditPoints="1"/>
-            </p:cNvSpPr>
-            <p:nvPr>
-              <p:extLst>
-                <p:ext uri="{386F3935-93C4-4BCD-93E2-E3B085C9AB24}">
-                  <p16:designElem xmlns:p16="http://schemas.microsoft.com/office/powerpoint/2015/main" val="1"/>
-                </p:ext>
-              </p:extLst>
-            </p:nvPr>
-          </p:nvSpPr>
-          <p:spPr bwMode="auto">
-            <a:xfrm>
-              <a:off x="588962" y="903288"/>
-              <a:ext cx="190500" cy="190500"/>
-            </a:xfrm>
-            <a:custGeom>
-              <a:avLst/>
-              <a:gdLst/>
-              <a:ahLst/>
-              <a:cxnLst/>
-              <a:rect l="0" t="0" r="r" b="b"/>
-              <a:pathLst>
-                <a:path w="40" h="40">
-                  <a:moveTo>
-                    <a:pt x="20" y="40"/>
-                  </a:moveTo>
-                  <a:cubicBezTo>
-                    <a:pt x="9" y="40"/>
-                    <a:pt x="0" y="31"/>
-                    <a:pt x="0" y="20"/>
-                  </a:cubicBezTo>
-                  <a:cubicBezTo>
-                    <a:pt x="0" y="9"/>
-                    <a:pt x="9" y="0"/>
-                    <a:pt x="20" y="0"/>
-                  </a:cubicBezTo>
-                  <a:cubicBezTo>
-                    <a:pt x="31" y="0"/>
-                    <a:pt x="40" y="9"/>
-                    <a:pt x="40" y="20"/>
-                  </a:cubicBezTo>
-                  <a:cubicBezTo>
-                    <a:pt x="40" y="31"/>
-                    <a:pt x="31" y="40"/>
-                    <a:pt x="20" y="40"/>
-                  </a:cubicBezTo>
-                  <a:close/>
-                  <a:moveTo>
-                    <a:pt x="20" y="4"/>
-                  </a:moveTo>
-                  <a:cubicBezTo>
-                    <a:pt x="11" y="4"/>
-                    <a:pt x="4" y="11"/>
-                    <a:pt x="4" y="20"/>
-                  </a:cubicBezTo>
-                  <a:cubicBezTo>
-                    <a:pt x="4" y="29"/>
-                    <a:pt x="11" y="36"/>
-                    <a:pt x="20" y="36"/>
-                  </a:cubicBezTo>
-                  <a:cubicBezTo>
-                    <a:pt x="29" y="36"/>
-                    <a:pt x="36" y="29"/>
-                    <a:pt x="36" y="20"/>
-                  </a:cubicBezTo>
-                  <a:cubicBezTo>
-                    <a:pt x="36" y="11"/>
-                    <a:pt x="29" y="4"/>
-                    <a:pt x="20" y="4"/>
-                  </a:cubicBezTo>
-                  <a:close/>
-                </a:path>
-              </a:pathLst>
-            </a:custGeom>
-            <a:grpFill/>
-            <a:ln>
-              <a:noFill/>
-            </a:ln>
-            <a:extLst>
-              <a:ext uri="{91240B29-F687-4f45-9708-019B960494DF}">
-                <a14:hiddenLine xmlns="" xmlns:a16="http://schemas.microsoft.com/office/drawing/2014/main" xmlns:p14="http://schemas.microsoft.com/office/powerpoint/2010/main" xmlns:a14="http://schemas.microsoft.com/office/drawing/2010/main" w="9525">
-                  <a:solidFill>
-                    <a:srgbClr val="000000"/>
-                  </a:solidFill>
-                  <a:round/>
-                  <a:headEnd/>
-                  <a:tailEnd/>
-                </a14:hiddenLine>
-              </a:ext>
-            </a:extLst>
-          </p:spPr>
-        </p:sp>
-        <p:sp>
-          <p:nvSpPr>
-            <p:cNvPr id="26" name="Freeform 14">
-              <a:extLst>
-                <a:ext uri="{FF2B5EF4-FFF2-40B4-BE49-F238E27FC236}">
-                  <a16:creationId xmlns:a16="http://schemas.microsoft.com/office/drawing/2014/main" id="{752BFE96-D378-4BAE-A64B-F851A34C4770}"/>
-                </a:ext>
-                <a:ext uri="{C183D7F6-B498-43B3-948B-1728B52AA6E4}">
-                  <adec:decorative xmlns:adec="http://schemas.microsoft.com/office/drawing/2017/decorative" val="1"/>
-                </a:ext>
-              </a:extLst>
-            </p:cNvPr>
-            <p:cNvSpPr/>
-            <p:nvPr>
-              <p:extLst>
-                <p:ext uri="{386F3935-93C4-4BCD-93E2-E3B085C9AB24}">
-                  <p16:designElem xmlns:p16="http://schemas.microsoft.com/office/powerpoint/2015/main" val="1"/>
-                </p:ext>
-              </p:extLst>
-            </p:nvPr>
-          </p:nvSpPr>
-          <p:spPr bwMode="auto">
-            <a:xfrm>
-              <a:off x="641350" y="0"/>
-              <a:ext cx="422275" cy="527050"/>
-            </a:xfrm>
-            <a:custGeom>
-              <a:avLst/>
-              <a:gdLst/>
-              <a:ahLst/>
-              <a:cxnLst/>
-              <a:rect l="0" t="0" r="r" b="b"/>
-              <a:pathLst>
-                <a:path w="266" h="332">
-                  <a:moveTo>
-                    <a:pt x="257" y="332"/>
-                  </a:moveTo>
-                  <a:lnTo>
-                    <a:pt x="48" y="123"/>
-                  </a:lnTo>
-                  <a:lnTo>
-                    <a:pt x="0" y="6"/>
-                  </a:lnTo>
-                  <a:lnTo>
-                    <a:pt x="15" y="0"/>
-                  </a:lnTo>
-                  <a:lnTo>
-                    <a:pt x="63" y="114"/>
-                  </a:lnTo>
-                  <a:lnTo>
-                    <a:pt x="266" y="320"/>
-                  </a:lnTo>
-                  <a:lnTo>
-                    <a:pt x="257" y="332"/>
-                  </a:lnTo>
-                  <a:close/>
-                </a:path>
-              </a:pathLst>
-            </a:custGeom>
-            <a:grpFill/>
-            <a:ln>
-              <a:noFill/>
-            </a:ln>
-            <a:extLst>
-              <a:ext uri="{91240B29-F687-4f45-9708-019B960494DF}">
-                <a14:hiddenLine xmlns="" xmlns:a16="http://schemas.microsoft.com/office/drawing/2014/main" xmlns:p14="http://schemas.microsoft.com/office/powerpoint/2010/main" xmlns:a14="http://schemas.microsoft.com/office/drawing/2010/main" w="9525">
-                  <a:solidFill>
-                    <a:srgbClr val="000000"/>
-                  </a:solidFill>
-                  <a:round/>
-                  <a:headEnd/>
-                  <a:tailEnd/>
-                </a14:hiddenLine>
-              </a:ext>
-            </a:extLst>
-          </p:spPr>
-        </p:sp>
-        <p:sp>
-          <p:nvSpPr>
-            <p:cNvPr id="27" name="Freeform 15">
-              <a:extLst>
-                <a:ext uri="{FF2B5EF4-FFF2-40B4-BE49-F238E27FC236}">
-                  <a16:creationId xmlns:a16="http://schemas.microsoft.com/office/drawing/2014/main" id="{B88FFB19-5A5E-4078-B467-9D4ABD21BD9A}"/>
-                </a:ext>
-                <a:ext uri="{C183D7F6-B498-43B3-948B-1728B52AA6E4}">
-                  <adec:decorative xmlns:adec="http://schemas.microsoft.com/office/drawing/2017/decorative" val="1"/>
-                </a:ext>
-              </a:extLst>
-            </p:cNvPr>
-            <p:cNvSpPr>
-              <a:spLocks noEditPoints="1"/>
-            </p:cNvSpPr>
-            <p:nvPr>
-              <p:extLst>
-                <p:ext uri="{386F3935-93C4-4BCD-93E2-E3B085C9AB24}">
-                  <p16:designElem xmlns:p16="http://schemas.microsoft.com/office/powerpoint/2015/main" val="1"/>
-                </p:ext>
-              </p:extLst>
-            </p:nvPr>
-          </p:nvSpPr>
-          <p:spPr bwMode="auto">
-            <a:xfrm>
-              <a:off x="1020762" y="488950"/>
-              <a:ext cx="161925" cy="147638"/>
-            </a:xfrm>
-            <a:custGeom>
-              <a:avLst/>
-              <a:gdLst/>
-              <a:ahLst/>
-              <a:cxnLst/>
-              <a:rect l="0" t="0" r="r" b="b"/>
-              <a:pathLst>
-                <a:path w="34" h="31">
-                  <a:moveTo>
-                    <a:pt x="17" y="31"/>
-                  </a:moveTo>
-                  <a:cubicBezTo>
-                    <a:pt x="13" y="31"/>
-                    <a:pt x="9" y="30"/>
-                    <a:pt x="6" y="27"/>
-                  </a:cubicBezTo>
-                  <a:cubicBezTo>
-                    <a:pt x="0" y="20"/>
-                    <a:pt x="0" y="10"/>
-                    <a:pt x="6" y="4"/>
-                  </a:cubicBezTo>
-                  <a:cubicBezTo>
-                    <a:pt x="9" y="1"/>
-                    <a:pt x="13" y="0"/>
-                    <a:pt x="17" y="0"/>
-                  </a:cubicBezTo>
-                  <a:cubicBezTo>
-                    <a:pt x="21" y="0"/>
-                    <a:pt x="25" y="1"/>
-                    <a:pt x="28" y="4"/>
-                  </a:cubicBezTo>
-                  <a:cubicBezTo>
-                    <a:pt x="34" y="10"/>
-                    <a:pt x="34" y="20"/>
-                    <a:pt x="28" y="27"/>
-                  </a:cubicBezTo>
-                  <a:cubicBezTo>
-                    <a:pt x="25" y="30"/>
-                    <a:pt x="21" y="31"/>
-                    <a:pt x="17" y="31"/>
-                  </a:cubicBezTo>
-                  <a:close/>
-                  <a:moveTo>
-                    <a:pt x="17" y="4"/>
-                  </a:moveTo>
-                  <a:cubicBezTo>
-                    <a:pt x="14" y="4"/>
-                    <a:pt x="11" y="5"/>
-                    <a:pt x="9" y="7"/>
-                  </a:cubicBezTo>
-                  <a:cubicBezTo>
-                    <a:pt x="4" y="12"/>
-                    <a:pt x="4" y="19"/>
-                    <a:pt x="9" y="24"/>
-                  </a:cubicBezTo>
-                  <a:cubicBezTo>
-                    <a:pt x="11" y="26"/>
-                    <a:pt x="14" y="27"/>
-                    <a:pt x="17" y="27"/>
-                  </a:cubicBezTo>
-                  <a:cubicBezTo>
-                    <a:pt x="20" y="27"/>
-                    <a:pt x="23" y="26"/>
-                    <a:pt x="25" y="24"/>
-                  </a:cubicBezTo>
-                  <a:cubicBezTo>
-                    <a:pt x="30" y="19"/>
-                    <a:pt x="30" y="12"/>
-                    <a:pt x="25" y="7"/>
-                  </a:cubicBezTo>
-                  <a:cubicBezTo>
-                    <a:pt x="23" y="5"/>
-                    <a:pt x="20" y="4"/>
-                    <a:pt x="17" y="4"/>
-                  </a:cubicBezTo>
-                  <a:close/>
-                </a:path>
-              </a:pathLst>
-            </a:custGeom>
-            <a:grpFill/>
-            <a:ln>
-              <a:noFill/>
-            </a:ln>
-            <a:extLst>
-              <a:ext uri="{91240B29-F687-4f45-9708-019B960494DF}">
-                <a14:hiddenLine xmlns="" xmlns:a16="http://schemas.microsoft.com/office/drawing/2014/main" xmlns:p14="http://schemas.microsoft.com/office/powerpoint/2010/main" xmlns:a14="http://schemas.microsoft.com/office/drawing/2010/main" w="9525">
-                  <a:solidFill>
-                    <a:srgbClr val="000000"/>
-                  </a:solidFill>
-                  <a:round/>
-                  <a:headEnd/>
-                  <a:tailEnd/>
-                </a14:hiddenLine>
-              </a:ext>
-            </a:extLst>
-          </p:spPr>
-        </p:sp>
-        <p:sp>
-          <p:nvSpPr>
-            <p:cNvPr id="28" name="Line 16">
-              <a:extLst>
-                <a:ext uri="{FF2B5EF4-FFF2-40B4-BE49-F238E27FC236}">
-                  <a16:creationId xmlns:a16="http://schemas.microsoft.com/office/drawing/2014/main" id="{11042975-3D19-4728-BCDA-D3F5CD633EDB}"/>
-                </a:ext>
-                <a:ext uri="{C183D7F6-B498-43B3-948B-1728B52AA6E4}">
-                  <adec:decorative xmlns:adec="http://schemas.microsoft.com/office/drawing/2017/decorative" val="1"/>
-                </a:ext>
-              </a:extLst>
-            </p:cNvPr>
-            <p:cNvSpPr>
-              <a:spLocks noChangeShapeType="1"/>
-            </p:cNvSpPr>
-            <p:nvPr>
-              <p:extLst>
-                <p:ext uri="{386F3935-93C4-4BCD-93E2-E3B085C9AB24}">
-                  <p16:designElem xmlns:p16="http://schemas.microsoft.com/office/powerpoint/2015/main" val="1"/>
-                </p:ext>
-              </p:extLst>
-            </p:nvPr>
-          </p:nvSpPr>
-          <p:spPr bwMode="auto">
-            <a:xfrm>
-              <a:off x="-4763" y="9525"/>
-              <a:ext cx="0" cy="0"/>
-            </a:xfrm>
-            <a:prstGeom prst="line">
-              <a:avLst/>
-            </a:prstGeom>
-            <a:grpFill/>
-            <a:ln w="15" cap="flat">
-              <a:solidFill>
-                <a:srgbClr val="FFFFFF"/>
-              </a:solidFill>
-              <a:prstDash val="solid"/>
-              <a:miter lim="800000"/>
-              <a:headEnd/>
-              <a:tailEnd/>
-            </a:ln>
-          </p:spPr>
-        </p:sp>
-        <p:sp>
-          <p:nvSpPr>
-            <p:cNvPr id="29" name="Freeform 17">
-              <a:extLst>
-                <a:ext uri="{FF2B5EF4-FFF2-40B4-BE49-F238E27FC236}">
-                  <a16:creationId xmlns:a16="http://schemas.microsoft.com/office/drawing/2014/main" id="{A28972BD-D2E1-4DCA-A907-2E3B6F606649}"/>
-                </a:ext>
-                <a:ext uri="{C183D7F6-B498-43B3-948B-1728B52AA6E4}">
-                  <adec:decorative xmlns:adec="http://schemas.microsoft.com/office/drawing/2017/decorative" val="1"/>
-                </a:ext>
-              </a:extLst>
-            </p:cNvPr>
-            <p:cNvSpPr/>
-            <p:nvPr>
-              <p:extLst>
-                <p:ext uri="{386F3935-93C4-4BCD-93E2-E3B085C9AB24}">
-                  <p16:designElem xmlns:p16="http://schemas.microsoft.com/office/powerpoint/2015/main" val="1"/>
-                </p:ext>
-              </p:extLst>
-            </p:nvPr>
-          </p:nvSpPr>
-          <p:spPr bwMode="auto">
-            <a:xfrm>
-              <a:off x="9525" y="1801813"/>
-              <a:ext cx="123825" cy="127000"/>
-            </a:xfrm>
-            <a:custGeom>
-              <a:avLst/>
-              <a:gdLst/>
-              <a:ahLst/>
-              <a:cxnLst/>
-              <a:rect l="0" t="0" r="r" b="b"/>
-              <a:pathLst>
-                <a:path w="78" h="80">
-                  <a:moveTo>
-                    <a:pt x="6" y="80"/>
-                  </a:moveTo>
-                  <a:lnTo>
-                    <a:pt x="0" y="71"/>
-                  </a:lnTo>
-                  <a:lnTo>
-                    <a:pt x="69" y="0"/>
-                  </a:lnTo>
-                  <a:lnTo>
-                    <a:pt x="78" y="9"/>
-                  </a:lnTo>
-                  <a:lnTo>
-                    <a:pt x="6" y="80"/>
-                  </a:lnTo>
-                  <a:close/>
-                </a:path>
-              </a:pathLst>
-            </a:custGeom>
-            <a:grpFill/>
-            <a:ln>
-              <a:noFill/>
-            </a:ln>
-            <a:extLst>
-              <a:ext uri="{91240B29-F687-4f45-9708-019B960494DF}">
-                <a14:hiddenLine xmlns="" xmlns:a16="http://schemas.microsoft.com/office/drawing/2014/main" xmlns:p14="http://schemas.microsoft.com/office/powerpoint/2010/main" xmlns:a14="http://schemas.microsoft.com/office/drawing/2010/main" w="9525">
-                  <a:solidFill>
-                    <a:srgbClr val="000000"/>
-                  </a:solidFill>
-                  <a:round/>
-                  <a:headEnd/>
-                  <a:tailEnd/>
-                </a14:hiddenLine>
-              </a:ext>
-            </a:extLst>
-          </p:spPr>
-        </p:sp>
-        <p:sp>
-          <p:nvSpPr>
-            <p:cNvPr id="30" name="Freeform 18">
-              <a:extLst>
-                <a:ext uri="{FF2B5EF4-FFF2-40B4-BE49-F238E27FC236}">
-                  <a16:creationId xmlns:a16="http://schemas.microsoft.com/office/drawing/2014/main" id="{1C806824-5C2D-4747-B038-69EE4074B366}"/>
-                </a:ext>
-                <a:ext uri="{C183D7F6-B498-43B3-948B-1728B52AA6E4}">
-                  <adec:decorative xmlns:adec="http://schemas.microsoft.com/office/drawing/2017/decorative" val="1"/>
-                </a:ext>
-              </a:extLst>
-            </p:cNvPr>
-            <p:cNvSpPr/>
-            <p:nvPr>
-              <p:extLst>
-                <p:ext uri="{386F3935-93C4-4BCD-93E2-E3B085C9AB24}">
-                  <p16:designElem xmlns:p16="http://schemas.microsoft.com/office/powerpoint/2015/main" val="1"/>
-                </p:ext>
-              </p:extLst>
-            </p:nvPr>
-          </p:nvSpPr>
-          <p:spPr bwMode="auto">
-            <a:xfrm>
-              <a:off x="-9525" y="3549650"/>
-              <a:ext cx="147638" cy="481013"/>
-            </a:xfrm>
-            <a:custGeom>
-              <a:avLst/>
-              <a:gdLst/>
-              <a:ahLst/>
-              <a:cxnLst/>
-              <a:rect l="0" t="0" r="r" b="b"/>
-              <a:pathLst>
-                <a:path w="93" h="303">
-                  <a:moveTo>
-                    <a:pt x="93" y="303"/>
-                  </a:moveTo>
-                  <a:lnTo>
-                    <a:pt x="78" y="303"/>
-                  </a:lnTo>
-                  <a:lnTo>
-                    <a:pt x="78" y="78"/>
-                  </a:lnTo>
-                  <a:lnTo>
-                    <a:pt x="0" y="12"/>
-                  </a:lnTo>
-                  <a:lnTo>
-                    <a:pt x="12" y="0"/>
-                  </a:lnTo>
-                  <a:lnTo>
-                    <a:pt x="93" y="69"/>
-                  </a:lnTo>
-                  <a:lnTo>
-                    <a:pt x="93" y="303"/>
-                  </a:lnTo>
-                  <a:close/>
-                </a:path>
-              </a:pathLst>
-            </a:custGeom>
-            <a:grpFill/>
-            <a:ln>
-              <a:noFill/>
-            </a:ln>
-            <a:extLst>
-              <a:ext uri="{91240B29-F687-4f45-9708-019B960494DF}">
-                <a14:hiddenLine xmlns="" xmlns:a16="http://schemas.microsoft.com/office/drawing/2014/main" xmlns:p14="http://schemas.microsoft.com/office/powerpoint/2010/main" xmlns:a14="http://schemas.microsoft.com/office/drawing/2010/main" w="9525">
-                  <a:solidFill>
-                    <a:srgbClr val="000000"/>
-                  </a:solidFill>
-                  <a:round/>
-                  <a:headEnd/>
-                  <a:tailEnd/>
-                </a14:hiddenLine>
-              </a:ext>
-            </a:extLst>
-          </p:spPr>
-        </p:sp>
-        <p:sp>
-          <p:nvSpPr>
-            <p:cNvPr id="31" name="Freeform 19">
-              <a:extLst>
-                <a:ext uri="{FF2B5EF4-FFF2-40B4-BE49-F238E27FC236}">
-                  <a16:creationId xmlns:a16="http://schemas.microsoft.com/office/drawing/2014/main" id="{3B33F710-16D7-4F48-BFCA-66C9CA2352CB}"/>
-                </a:ext>
-                <a:ext uri="{C183D7F6-B498-43B3-948B-1728B52AA6E4}">
-                  <adec:decorative xmlns:adec="http://schemas.microsoft.com/office/drawing/2017/decorative" val="1"/>
-                </a:ext>
-              </a:extLst>
-            </p:cNvPr>
-            <p:cNvSpPr/>
-            <p:nvPr>
-              <p:extLst>
-                <p:ext uri="{386F3935-93C4-4BCD-93E2-E3B085C9AB24}">
-                  <p16:designElem xmlns:p16="http://schemas.microsoft.com/office/powerpoint/2015/main" val="1"/>
-                </p:ext>
-              </p:extLst>
-            </p:nvPr>
-          </p:nvSpPr>
-          <p:spPr bwMode="auto">
-            <a:xfrm>
-              <a:off x="128587" y="1382713"/>
-              <a:ext cx="142875" cy="476250"/>
-            </a:xfrm>
-            <a:custGeom>
-              <a:avLst/>
-              <a:gdLst/>
-              <a:ahLst/>
-              <a:cxnLst/>
-              <a:rect l="0" t="0" r="r" b="b"/>
-              <a:pathLst>
-                <a:path w="90" h="300">
-                  <a:moveTo>
-                    <a:pt x="90" y="300"/>
-                  </a:moveTo>
-                  <a:lnTo>
-                    <a:pt x="78" y="300"/>
-                  </a:lnTo>
-                  <a:lnTo>
-                    <a:pt x="78" y="84"/>
-                  </a:lnTo>
-                  <a:lnTo>
-                    <a:pt x="0" y="9"/>
-                  </a:lnTo>
-                  <a:lnTo>
-                    <a:pt x="9" y="0"/>
-                  </a:lnTo>
-                  <a:lnTo>
-                    <a:pt x="90" y="81"/>
-                  </a:lnTo>
-                  <a:lnTo>
-                    <a:pt x="90" y="300"/>
-                  </a:lnTo>
-                  <a:close/>
-                </a:path>
-              </a:pathLst>
-            </a:custGeom>
-            <a:grpFill/>
-            <a:ln>
-              <a:noFill/>
-            </a:ln>
-            <a:extLst>
-              <a:ext uri="{91240B29-F687-4f45-9708-019B960494DF}">
-                <a14:hiddenLine xmlns="" xmlns:a16="http://schemas.microsoft.com/office/drawing/2014/main" xmlns:p14="http://schemas.microsoft.com/office/powerpoint/2010/main" xmlns:a14="http://schemas.microsoft.com/office/drawing/2010/main" w="9525">
-                  <a:solidFill>
-                    <a:srgbClr val="000000"/>
-                  </a:solidFill>
-                  <a:round/>
-                  <a:headEnd/>
-                  <a:tailEnd/>
-                </a14:hiddenLine>
-              </a:ext>
-            </a:extLst>
-          </p:spPr>
-        </p:sp>
-        <p:sp>
-          <p:nvSpPr>
-            <p:cNvPr id="32" name="Freeform 20">
-              <a:extLst>
-                <a:ext uri="{FF2B5EF4-FFF2-40B4-BE49-F238E27FC236}">
-                  <a16:creationId xmlns:a16="http://schemas.microsoft.com/office/drawing/2014/main" id="{6C8C8ED4-90FA-4E97-AAF0-D5D51E6A935E}"/>
-                </a:ext>
-                <a:ext uri="{C183D7F6-B498-43B3-948B-1728B52AA6E4}">
-                  <adec:decorative xmlns:adec="http://schemas.microsoft.com/office/drawing/2017/decorative" val="1"/>
-                </a:ext>
-              </a:extLst>
-            </p:cNvPr>
-            <p:cNvSpPr>
-              <a:spLocks noEditPoints="1"/>
-            </p:cNvSpPr>
-            <p:nvPr>
-              <p:extLst>
-                <p:ext uri="{386F3935-93C4-4BCD-93E2-E3B085C9AB24}">
-                  <p16:designElem xmlns:p16="http://schemas.microsoft.com/office/powerpoint/2015/main" val="1"/>
-                </p:ext>
-              </p:extLst>
-            </p:nvPr>
-          </p:nvSpPr>
-          <p:spPr bwMode="auto">
-            <a:xfrm>
-              <a:off x="204787" y="1849438"/>
-              <a:ext cx="114300" cy="107950"/>
-            </a:xfrm>
-            <a:custGeom>
-              <a:avLst/>
-              <a:gdLst/>
-              <a:ahLst/>
-              <a:cxnLst/>
-              <a:rect l="0" t="0" r="r" b="b"/>
-              <a:pathLst>
-                <a:path w="24" h="23">
-                  <a:moveTo>
-                    <a:pt x="12" y="23"/>
-                  </a:moveTo>
-                  <a:cubicBezTo>
-                    <a:pt x="6" y="23"/>
-                    <a:pt x="0" y="18"/>
-                    <a:pt x="0" y="12"/>
-                  </a:cubicBezTo>
-                  <a:cubicBezTo>
-                    <a:pt x="0" y="5"/>
-                    <a:pt x="6" y="0"/>
-                    <a:pt x="12" y="0"/>
-                  </a:cubicBezTo>
-                  <a:cubicBezTo>
-                    <a:pt x="18" y="0"/>
-                    <a:pt x="24" y="5"/>
-                    <a:pt x="24" y="12"/>
-                  </a:cubicBezTo>
-                  <a:cubicBezTo>
-                    <a:pt x="24" y="18"/>
-                    <a:pt x="18" y="23"/>
-                    <a:pt x="12" y="23"/>
-                  </a:cubicBezTo>
-                  <a:close/>
-                  <a:moveTo>
-                    <a:pt x="12" y="4"/>
-                  </a:moveTo>
-                  <a:cubicBezTo>
-                    <a:pt x="8" y="4"/>
-                    <a:pt x="4" y="8"/>
-                    <a:pt x="4" y="12"/>
-                  </a:cubicBezTo>
-                  <a:cubicBezTo>
-                    <a:pt x="4" y="16"/>
-                    <a:pt x="8" y="19"/>
-                    <a:pt x="12" y="19"/>
-                  </a:cubicBezTo>
-                  <a:cubicBezTo>
-                    <a:pt x="16" y="19"/>
-                    <a:pt x="20" y="16"/>
-                    <a:pt x="20" y="12"/>
-                  </a:cubicBezTo>
-                  <a:cubicBezTo>
-                    <a:pt x="20" y="8"/>
-                    <a:pt x="16" y="4"/>
-                    <a:pt x="12" y="4"/>
-                  </a:cubicBezTo>
-                  <a:close/>
-                </a:path>
-              </a:pathLst>
-            </a:custGeom>
-            <a:grpFill/>
-            <a:ln>
-              <a:noFill/>
-            </a:ln>
-            <a:extLst>
-              <a:ext uri="{91240B29-F687-4f45-9708-019B960494DF}">
-                <a14:hiddenLine xmlns="" xmlns:a16="http://schemas.microsoft.com/office/drawing/2014/main" xmlns:p14="http://schemas.microsoft.com/office/powerpoint/2010/main" xmlns:a14="http://schemas.microsoft.com/office/drawing/2010/main" w="9525">
-                  <a:solidFill>
-                    <a:srgbClr val="000000"/>
-                  </a:solidFill>
-                  <a:round/>
-                  <a:headEnd/>
-                  <a:tailEnd/>
-                </a14:hiddenLine>
-              </a:ext>
-            </a:extLst>
-          </p:spPr>
-        </p:sp>
-        <p:sp>
-          <p:nvSpPr>
-            <p:cNvPr id="33" name="Rectangle 21">
-              <a:extLst>
-                <a:ext uri="{FF2B5EF4-FFF2-40B4-BE49-F238E27FC236}">
-                  <a16:creationId xmlns:a16="http://schemas.microsoft.com/office/drawing/2014/main" id="{6C5EB9C1-B25F-4172-8A96-5950ECC828FC}"/>
-                </a:ext>
-                <a:ext uri="{C183D7F6-B498-43B3-948B-1728B52AA6E4}">
-                  <adec:decorative xmlns:adec="http://schemas.microsoft.com/office/drawing/2017/decorative" val="1"/>
-                </a:ext>
-              </a:extLst>
-            </p:cNvPr>
-            <p:cNvSpPr>
-              <a:spLocks noChangeArrowheads="1"/>
-            </p:cNvSpPr>
-            <p:nvPr>
-              <p:extLst>
-                <p:ext uri="{386F3935-93C4-4BCD-93E2-E3B085C9AB24}">
-                  <p16:designElem xmlns:p16="http://schemas.microsoft.com/office/powerpoint/2015/main" val="1"/>
-                </p:ext>
-              </p:extLst>
-            </p:nvPr>
-          </p:nvSpPr>
-          <p:spPr bwMode="auto">
-            <a:xfrm>
-              <a:off x="133350" y="4662488"/>
-              <a:ext cx="23813" cy="2181225"/>
-            </a:xfrm>
-            <a:prstGeom prst="rect">
-              <a:avLst/>
-            </a:prstGeom>
-            <a:grpFill/>
-            <a:ln>
-              <a:noFill/>
-            </a:ln>
-            <a:extLst>
-              <a:ext uri="{91240B29-F687-4f45-9708-019B960494DF}">
-                <a14:hiddenLine xmlns="" xmlns:a16="http://schemas.microsoft.com/office/drawing/2014/main" xmlns:p14="http://schemas.microsoft.com/office/powerpoint/2010/main" xmlns:a14="http://schemas.microsoft.com/office/drawing/2010/main" w="9525">
-                  <a:solidFill>
-                    <a:srgbClr val="000000"/>
-                  </a:solidFill>
-                  <a:miter lim="800000"/>
-                  <a:headEnd/>
-                  <a:tailEnd/>
-                </a14:hiddenLine>
-              </a:ext>
-            </a:extLst>
-          </p:spPr>
-        </p:sp>
-        <p:sp>
-          <p:nvSpPr>
-            <p:cNvPr id="34" name="Freeform 22">
-              <a:extLst>
-                <a:ext uri="{FF2B5EF4-FFF2-40B4-BE49-F238E27FC236}">
-                  <a16:creationId xmlns:a16="http://schemas.microsoft.com/office/drawing/2014/main" id="{097E6E8A-9373-4655-882B-21715CCE97EE}"/>
-                </a:ext>
-                <a:ext uri="{C183D7F6-B498-43B3-948B-1728B52AA6E4}">
-                  <adec:decorative xmlns:adec="http://schemas.microsoft.com/office/drawing/2017/decorative" val="1"/>
-                </a:ext>
-              </a:extLst>
-            </p:cNvPr>
-            <p:cNvSpPr/>
-            <p:nvPr>
-              <p:extLst>
-                <p:ext uri="{386F3935-93C4-4BCD-93E2-E3B085C9AB24}">
-                  <p16:designElem xmlns:p16="http://schemas.microsoft.com/office/powerpoint/2015/main" val="1"/>
-                </p:ext>
-              </p:extLst>
-            </p:nvPr>
-          </p:nvSpPr>
-          <p:spPr bwMode="auto">
-            <a:xfrm>
-              <a:off x="223837" y="5041900"/>
-              <a:ext cx="369888" cy="1801813"/>
-            </a:xfrm>
-            <a:custGeom>
-              <a:avLst/>
-              <a:gdLst/>
-              <a:ahLst/>
-              <a:cxnLst/>
-              <a:rect l="0" t="0" r="r" b="b"/>
-              <a:pathLst>
-                <a:path w="233" h="1135">
-                  <a:moveTo>
-                    <a:pt x="15" y="1135"/>
-                  </a:moveTo>
-                  <a:lnTo>
-                    <a:pt x="0" y="1135"/>
-                  </a:lnTo>
-                  <a:lnTo>
-                    <a:pt x="0" y="515"/>
-                  </a:lnTo>
-                  <a:lnTo>
-                    <a:pt x="0" y="512"/>
-                  </a:lnTo>
-                  <a:lnTo>
-                    <a:pt x="218" y="0"/>
-                  </a:lnTo>
-                  <a:lnTo>
-                    <a:pt x="233" y="6"/>
-                  </a:lnTo>
-                  <a:lnTo>
-                    <a:pt x="15" y="518"/>
-                  </a:lnTo>
-                  <a:lnTo>
-                    <a:pt x="15" y="1135"/>
-                  </a:lnTo>
-                  <a:close/>
-                </a:path>
-              </a:pathLst>
-            </a:custGeom>
-            <a:grpFill/>
-            <a:ln>
-              <a:noFill/>
-            </a:ln>
-            <a:extLst>
-              <a:ext uri="{91240B29-F687-4f45-9708-019B960494DF}">
-                <a14:hiddenLine xmlns="" xmlns:a16="http://schemas.microsoft.com/office/drawing/2014/main" xmlns:p14="http://schemas.microsoft.com/office/powerpoint/2010/main" xmlns:a14="http://schemas.microsoft.com/office/drawing/2010/main" w="9525">
-                  <a:solidFill>
-                    <a:srgbClr val="000000"/>
-                  </a:solidFill>
-                  <a:round/>
-                  <a:headEnd/>
-                  <a:tailEnd/>
-                </a14:hiddenLine>
-              </a:ext>
-            </a:extLst>
-          </p:spPr>
-        </p:sp>
-        <p:sp>
-          <p:nvSpPr>
-            <p:cNvPr id="35" name="Freeform 23">
-              <a:extLst>
-                <a:ext uri="{FF2B5EF4-FFF2-40B4-BE49-F238E27FC236}">
-                  <a16:creationId xmlns:a16="http://schemas.microsoft.com/office/drawing/2014/main" id="{EB8CC766-1206-4372-ACAF-8230AF4D5421}"/>
-                </a:ext>
-                <a:ext uri="{C183D7F6-B498-43B3-948B-1728B52AA6E4}">
-                  <adec:decorative xmlns:adec="http://schemas.microsoft.com/office/drawing/2017/decorative" val="1"/>
-                </a:ext>
-              </a:extLst>
-            </p:cNvPr>
-            <p:cNvSpPr>
-              <a:spLocks noEditPoints="1"/>
-            </p:cNvSpPr>
-            <p:nvPr>
-              <p:extLst>
-                <p:ext uri="{386F3935-93C4-4BCD-93E2-E3B085C9AB24}">
-                  <p16:designElem xmlns:p16="http://schemas.microsoft.com/office/powerpoint/2015/main" val="1"/>
-                </p:ext>
-              </p:extLst>
-            </p:nvPr>
-          </p:nvSpPr>
-          <p:spPr bwMode="auto">
-            <a:xfrm>
-              <a:off x="52387" y="4481513"/>
-              <a:ext cx="190500" cy="190500"/>
-            </a:xfrm>
-            <a:custGeom>
-              <a:avLst/>
-              <a:gdLst/>
-              <a:ahLst/>
-              <a:cxnLst/>
-              <a:rect l="0" t="0" r="r" b="b"/>
-              <a:pathLst>
-                <a:path w="40" h="40">
-                  <a:moveTo>
-                    <a:pt x="20" y="40"/>
-                  </a:moveTo>
-                  <a:cubicBezTo>
-                    <a:pt x="9" y="40"/>
-                    <a:pt x="0" y="31"/>
-                    <a:pt x="0" y="20"/>
-                  </a:cubicBezTo>
-                  <a:cubicBezTo>
-                    <a:pt x="0" y="9"/>
-                    <a:pt x="9" y="0"/>
-                    <a:pt x="20" y="0"/>
-                  </a:cubicBezTo>
-                  <a:cubicBezTo>
-                    <a:pt x="31" y="0"/>
-                    <a:pt x="40" y="9"/>
-                    <a:pt x="40" y="20"/>
-                  </a:cubicBezTo>
-                  <a:cubicBezTo>
-                    <a:pt x="40" y="31"/>
-                    <a:pt x="31" y="40"/>
-                    <a:pt x="20" y="40"/>
-                  </a:cubicBezTo>
-                  <a:close/>
-                  <a:moveTo>
-                    <a:pt x="20" y="4"/>
-                  </a:moveTo>
-                  <a:cubicBezTo>
-                    <a:pt x="11" y="4"/>
-                    <a:pt x="4" y="11"/>
-                    <a:pt x="4" y="20"/>
-                  </a:cubicBezTo>
-                  <a:cubicBezTo>
-                    <a:pt x="4" y="29"/>
-                    <a:pt x="11" y="36"/>
-                    <a:pt x="20" y="36"/>
-                  </a:cubicBezTo>
-                  <a:cubicBezTo>
-                    <a:pt x="28" y="36"/>
-                    <a:pt x="36" y="29"/>
-                    <a:pt x="36" y="20"/>
-                  </a:cubicBezTo>
-                  <a:cubicBezTo>
-                    <a:pt x="36" y="11"/>
-                    <a:pt x="28" y="4"/>
-                    <a:pt x="20" y="4"/>
-                  </a:cubicBezTo>
-                  <a:close/>
-                </a:path>
-              </a:pathLst>
-            </a:custGeom>
-            <a:grpFill/>
-            <a:ln>
-              <a:noFill/>
-            </a:ln>
-            <a:extLst>
-              <a:ext uri="{91240B29-F687-4f45-9708-019B960494DF}">
-                <a14:hiddenLine xmlns="" xmlns:a16="http://schemas.microsoft.com/office/drawing/2014/main" xmlns:p14="http://schemas.microsoft.com/office/powerpoint/2010/main" xmlns:a14="http://schemas.microsoft.com/office/drawing/2010/main" w="9525">
-                  <a:solidFill>
-                    <a:srgbClr val="000000"/>
-                  </a:solidFill>
-                  <a:round/>
-                  <a:headEnd/>
-                  <a:tailEnd/>
-                </a14:hiddenLine>
-              </a:ext>
-            </a:extLst>
-          </p:spPr>
-        </p:sp>
-        <p:sp>
-          <p:nvSpPr>
-            <p:cNvPr id="36" name="Freeform 24">
-              <a:extLst>
-                <a:ext uri="{FF2B5EF4-FFF2-40B4-BE49-F238E27FC236}">
-                  <a16:creationId xmlns:a16="http://schemas.microsoft.com/office/drawing/2014/main" id="{1C8E2511-2489-47B2-9C19-C410910DD901}"/>
-                </a:ext>
-                <a:ext uri="{C183D7F6-B498-43B3-948B-1728B52AA6E4}">
-                  <adec:decorative xmlns:adec="http://schemas.microsoft.com/office/drawing/2017/decorative" val="1"/>
-                </a:ext>
-              </a:extLst>
-            </p:cNvPr>
-            <p:cNvSpPr/>
-            <p:nvPr>
-              <p:extLst>
-                <p:ext uri="{386F3935-93C4-4BCD-93E2-E3B085C9AB24}">
-                  <p16:designElem xmlns:p16="http://schemas.microsoft.com/office/powerpoint/2015/main" val="1"/>
-                </p:ext>
-              </p:extLst>
-            </p:nvPr>
-          </p:nvSpPr>
-          <p:spPr bwMode="auto">
-            <a:xfrm>
-              <a:off x="-14288" y="5627688"/>
-              <a:ext cx="85725" cy="1216025"/>
-            </a:xfrm>
-            <a:custGeom>
-              <a:avLst/>
-              <a:gdLst/>
-              <a:ahLst/>
-              <a:cxnLst/>
-              <a:rect l="0" t="0" r="r" b="b"/>
-              <a:pathLst>
-                <a:path w="54" h="766">
-                  <a:moveTo>
-                    <a:pt x="54" y="766"/>
-                  </a:moveTo>
-                  <a:lnTo>
-                    <a:pt x="36" y="766"/>
-                  </a:lnTo>
-                  <a:lnTo>
-                    <a:pt x="36" y="149"/>
-                  </a:lnTo>
-                  <a:lnTo>
-                    <a:pt x="0" y="3"/>
-                  </a:lnTo>
-                  <a:lnTo>
-                    <a:pt x="18" y="0"/>
-                  </a:lnTo>
-                  <a:lnTo>
-                    <a:pt x="54" y="146"/>
-                  </a:lnTo>
-                  <a:lnTo>
-                    <a:pt x="54" y="766"/>
-                  </a:lnTo>
-                  <a:close/>
-                </a:path>
-              </a:pathLst>
-            </a:custGeom>
-            <a:grpFill/>
-            <a:ln>
-              <a:noFill/>
-            </a:ln>
-            <a:extLst>
-              <a:ext uri="{91240B29-F687-4f45-9708-019B960494DF}">
-                <a14:hiddenLine xmlns="" xmlns:a16="http://schemas.microsoft.com/office/drawing/2014/main" xmlns:p14="http://schemas.microsoft.com/office/powerpoint/2010/main" xmlns:a14="http://schemas.microsoft.com/office/drawing/2010/main" w="9525">
-                  <a:solidFill>
-                    <a:srgbClr val="000000"/>
-                  </a:solidFill>
-                  <a:round/>
-                  <a:headEnd/>
-                  <a:tailEnd/>
-                </a14:hiddenLine>
-              </a:ext>
-            </a:extLst>
-          </p:spPr>
-        </p:sp>
-        <p:sp>
-          <p:nvSpPr>
-            <p:cNvPr id="37" name="Freeform 25">
-              <a:extLst>
-                <a:ext uri="{FF2B5EF4-FFF2-40B4-BE49-F238E27FC236}">
-                  <a16:creationId xmlns:a16="http://schemas.microsoft.com/office/drawing/2014/main" id="{D7820196-0A47-47EF-832C-A688E8977D60}"/>
-                </a:ext>
-                <a:ext uri="{C183D7F6-B498-43B3-948B-1728B52AA6E4}">
-                  <adec:decorative xmlns:adec="http://schemas.microsoft.com/office/drawing/2017/decorative" val="1"/>
-                </a:ext>
-              </a:extLst>
-            </p:cNvPr>
-            <p:cNvSpPr>
-              <a:spLocks noEditPoints="1"/>
-            </p:cNvSpPr>
-            <p:nvPr>
-              <p:extLst>
-                <p:ext uri="{386F3935-93C4-4BCD-93E2-E3B085C9AB24}">
-                  <p16:designElem xmlns:p16="http://schemas.microsoft.com/office/powerpoint/2015/main" val="1"/>
-                </p:ext>
-              </p:extLst>
-            </p:nvPr>
-          </p:nvSpPr>
-          <p:spPr bwMode="auto">
-            <a:xfrm>
-              <a:off x="527050" y="4867275"/>
-              <a:ext cx="190500" cy="188913"/>
-            </a:xfrm>
-            <a:custGeom>
-              <a:avLst/>
-              <a:gdLst/>
-              <a:ahLst/>
-              <a:cxnLst/>
-              <a:rect l="0" t="0" r="r" b="b"/>
-              <a:pathLst>
-                <a:path w="40" h="40">
-                  <a:moveTo>
-                    <a:pt x="20" y="40"/>
-                  </a:moveTo>
-                  <a:cubicBezTo>
-                    <a:pt x="9" y="40"/>
-                    <a:pt x="0" y="31"/>
-                    <a:pt x="0" y="20"/>
-                  </a:cubicBezTo>
-                  <a:cubicBezTo>
-                    <a:pt x="0" y="9"/>
-                    <a:pt x="9" y="0"/>
-                    <a:pt x="20" y="0"/>
-                  </a:cubicBezTo>
-                  <a:cubicBezTo>
-                    <a:pt x="31" y="0"/>
-                    <a:pt x="40" y="9"/>
-                    <a:pt x="40" y="20"/>
-                  </a:cubicBezTo>
-                  <a:cubicBezTo>
-                    <a:pt x="40" y="31"/>
-                    <a:pt x="31" y="40"/>
-                    <a:pt x="20" y="40"/>
-                  </a:cubicBezTo>
-                  <a:close/>
-                  <a:moveTo>
-                    <a:pt x="20" y="4"/>
-                  </a:moveTo>
-                  <a:cubicBezTo>
-                    <a:pt x="11" y="4"/>
-                    <a:pt x="4" y="11"/>
-                    <a:pt x="4" y="20"/>
-                  </a:cubicBezTo>
-                  <a:cubicBezTo>
-                    <a:pt x="4" y="29"/>
-                    <a:pt x="11" y="36"/>
-                    <a:pt x="20" y="36"/>
-                  </a:cubicBezTo>
-                  <a:cubicBezTo>
-                    <a:pt x="29" y="36"/>
-                    <a:pt x="36" y="29"/>
-                    <a:pt x="36" y="20"/>
-                  </a:cubicBezTo>
-                  <a:cubicBezTo>
-                    <a:pt x="36" y="11"/>
-                    <a:pt x="29" y="4"/>
-                    <a:pt x="20" y="4"/>
-                  </a:cubicBezTo>
-                  <a:close/>
-                </a:path>
-              </a:pathLst>
-            </a:custGeom>
-            <a:grpFill/>
-            <a:ln>
-              <a:noFill/>
-            </a:ln>
-            <a:extLst>
-              <a:ext uri="{91240B29-F687-4f45-9708-019B960494DF}">
-                <a14:hiddenLine xmlns="" xmlns:a16="http://schemas.microsoft.com/office/drawing/2014/main" xmlns:p14="http://schemas.microsoft.com/office/powerpoint/2010/main" xmlns:a14="http://schemas.microsoft.com/office/drawing/2010/main" w="9525">
-                  <a:solidFill>
-                    <a:srgbClr val="000000"/>
-                  </a:solidFill>
-                  <a:round/>
-                  <a:headEnd/>
-                  <a:tailEnd/>
-                </a14:hiddenLine>
-              </a:ext>
-            </a:extLst>
-          </p:spPr>
-        </p:sp>
-        <p:sp>
-          <p:nvSpPr>
-            <p:cNvPr id="38" name="Freeform 26">
-              <a:extLst>
-                <a:ext uri="{FF2B5EF4-FFF2-40B4-BE49-F238E27FC236}">
-                  <a16:creationId xmlns:a16="http://schemas.microsoft.com/office/drawing/2014/main" id="{4982E0BF-34AE-48A3-AD6B-E0F3CD05DB34}"/>
-                </a:ext>
-                <a:ext uri="{C183D7F6-B498-43B3-948B-1728B52AA6E4}">
-                  <adec:decorative xmlns:adec="http://schemas.microsoft.com/office/drawing/2017/decorative" val="1"/>
-                </a:ext>
-              </a:extLst>
-            </p:cNvPr>
-            <p:cNvSpPr/>
-            <p:nvPr>
-              <p:extLst>
-                <p:ext uri="{386F3935-93C4-4BCD-93E2-E3B085C9AB24}">
-                  <p16:designElem xmlns:p16="http://schemas.microsoft.com/office/powerpoint/2015/main" val="1"/>
-                </p:ext>
-              </p:extLst>
-            </p:nvPr>
-          </p:nvSpPr>
-          <p:spPr bwMode="auto">
-            <a:xfrm>
-              <a:off x="309562" y="5422900"/>
-              <a:ext cx="374650" cy="1425575"/>
-            </a:xfrm>
-            <a:custGeom>
-              <a:avLst/>
-              <a:gdLst/>
-              <a:ahLst/>
-              <a:cxnLst/>
-              <a:rect l="0" t="0" r="r" b="b"/>
-              <a:pathLst>
-                <a:path w="236" h="898">
-                  <a:moveTo>
-                    <a:pt x="18" y="898"/>
-                  </a:moveTo>
-                  <a:lnTo>
-                    <a:pt x="0" y="898"/>
-                  </a:lnTo>
-                  <a:lnTo>
-                    <a:pt x="0" y="515"/>
-                  </a:lnTo>
-                  <a:lnTo>
-                    <a:pt x="3" y="512"/>
-                  </a:lnTo>
-                  <a:lnTo>
-                    <a:pt x="221" y="0"/>
-                  </a:lnTo>
-                  <a:lnTo>
-                    <a:pt x="236" y="6"/>
-                  </a:lnTo>
-                  <a:lnTo>
-                    <a:pt x="18" y="518"/>
-                  </a:lnTo>
-                  <a:lnTo>
-                    <a:pt x="18" y="898"/>
-                  </a:lnTo>
-                  <a:close/>
-                </a:path>
-              </a:pathLst>
-            </a:custGeom>
-            <a:grpFill/>
-            <a:ln>
-              <a:noFill/>
-            </a:ln>
-            <a:extLst>
-              <a:ext uri="{91240B29-F687-4f45-9708-019B960494DF}">
-                <a14:hiddenLine xmlns="" xmlns:a16="http://schemas.microsoft.com/office/drawing/2014/main" xmlns:p14="http://schemas.microsoft.com/office/powerpoint/2010/main" xmlns:a14="http://schemas.microsoft.com/office/drawing/2010/main" w="9525">
-                  <a:solidFill>
-                    <a:srgbClr val="000000"/>
-                  </a:solidFill>
-                  <a:round/>
-                  <a:headEnd/>
-                  <a:tailEnd/>
-                </a14:hiddenLine>
-              </a:ext>
-            </a:extLst>
-          </p:spPr>
-        </p:sp>
-        <p:sp>
-          <p:nvSpPr>
-            <p:cNvPr id="39" name="Freeform 27">
-              <a:extLst>
-                <a:ext uri="{FF2B5EF4-FFF2-40B4-BE49-F238E27FC236}">
-                  <a16:creationId xmlns:a16="http://schemas.microsoft.com/office/drawing/2014/main" id="{CD34643B-9DF2-4310-8868-48252C3393F0}"/>
-                </a:ext>
-                <a:ext uri="{C183D7F6-B498-43B3-948B-1728B52AA6E4}">
-                  <adec:decorative xmlns:adec="http://schemas.microsoft.com/office/drawing/2017/decorative" val="1"/>
-                </a:ext>
-              </a:extLst>
-            </p:cNvPr>
-            <p:cNvSpPr/>
-            <p:nvPr>
-              <p:extLst>
-                <p:ext uri="{386F3935-93C4-4BCD-93E2-E3B085C9AB24}">
-                  <p16:designElem xmlns:p16="http://schemas.microsoft.com/office/powerpoint/2015/main" val="1"/>
-                </p:ext>
-              </p:extLst>
-            </p:nvPr>
-          </p:nvSpPr>
-          <p:spPr bwMode="auto">
-            <a:xfrm>
-              <a:off x="569912" y="5945188"/>
-              <a:ext cx="152400" cy="912813"/>
-            </a:xfrm>
-            <a:custGeom>
-              <a:avLst/>
-              <a:gdLst/>
-              <a:ahLst/>
-              <a:cxnLst/>
-              <a:rect l="0" t="0" r="r" b="b"/>
-              <a:pathLst>
-                <a:path w="96" h="575">
-                  <a:moveTo>
-                    <a:pt x="15" y="575"/>
-                  </a:moveTo>
-                  <a:lnTo>
-                    <a:pt x="0" y="569"/>
-                  </a:lnTo>
-                  <a:lnTo>
-                    <a:pt x="81" y="383"/>
-                  </a:lnTo>
-                  <a:lnTo>
-                    <a:pt x="81" y="0"/>
-                  </a:lnTo>
-                  <a:lnTo>
-                    <a:pt x="96" y="0"/>
-                  </a:lnTo>
-                  <a:lnTo>
-                    <a:pt x="96" y="386"/>
-                  </a:lnTo>
-                  <a:lnTo>
-                    <a:pt x="15" y="575"/>
-                  </a:lnTo>
-                  <a:close/>
-                </a:path>
-              </a:pathLst>
-            </a:custGeom>
-            <a:grpFill/>
-            <a:ln>
-              <a:noFill/>
-            </a:ln>
-            <a:extLst>
-              <a:ext uri="{91240B29-F687-4f45-9708-019B960494DF}">
-                <a14:hiddenLine xmlns="" xmlns:a16="http://schemas.microsoft.com/office/drawing/2014/main" xmlns:p14="http://schemas.microsoft.com/office/powerpoint/2010/main" xmlns:a14="http://schemas.microsoft.com/office/drawing/2010/main" w="9525">
-                  <a:solidFill>
-                    <a:srgbClr val="000000"/>
-                  </a:solidFill>
-                  <a:round/>
-                  <a:headEnd/>
-                  <a:tailEnd/>
-                </a14:hiddenLine>
-              </a:ext>
-            </a:extLst>
-          </p:spPr>
-        </p:sp>
-        <p:sp>
-          <p:nvSpPr>
-            <p:cNvPr id="40" name="Freeform 28">
-              <a:extLst>
-                <a:ext uri="{FF2B5EF4-FFF2-40B4-BE49-F238E27FC236}">
-                  <a16:creationId xmlns:a16="http://schemas.microsoft.com/office/drawing/2014/main" id="{4E020C4E-AF64-44A8-B830-779541D8D549}"/>
-                </a:ext>
-                <a:ext uri="{C183D7F6-B498-43B3-948B-1728B52AA6E4}">
-                  <adec:decorative xmlns:adec="http://schemas.microsoft.com/office/drawing/2017/decorative" val="1"/>
-                </a:ext>
-              </a:extLst>
-            </p:cNvPr>
-            <p:cNvSpPr>
-              <a:spLocks noEditPoints="1"/>
-            </p:cNvSpPr>
-            <p:nvPr>
-              <p:extLst>
-                <p:ext uri="{386F3935-93C4-4BCD-93E2-E3B085C9AB24}">
-                  <p16:designElem xmlns:p16="http://schemas.microsoft.com/office/powerpoint/2015/main" val="1"/>
-                </p:ext>
-              </p:extLst>
-            </p:nvPr>
-          </p:nvSpPr>
-          <p:spPr bwMode="auto">
-            <a:xfrm>
-              <a:off x="612775" y="5246688"/>
-              <a:ext cx="190500" cy="190500"/>
-            </a:xfrm>
-            <a:custGeom>
-              <a:avLst/>
-              <a:gdLst/>
-              <a:ahLst/>
-              <a:cxnLst/>
-              <a:rect l="0" t="0" r="r" b="b"/>
-              <a:pathLst>
-                <a:path w="40" h="40">
-                  <a:moveTo>
-                    <a:pt x="20" y="40"/>
-                  </a:moveTo>
-                  <a:cubicBezTo>
-                    <a:pt x="9" y="40"/>
-                    <a:pt x="0" y="31"/>
-                    <a:pt x="0" y="20"/>
-                  </a:cubicBezTo>
-                  <a:cubicBezTo>
-                    <a:pt x="0" y="9"/>
-                    <a:pt x="9" y="0"/>
-                    <a:pt x="20" y="0"/>
-                  </a:cubicBezTo>
-                  <a:cubicBezTo>
-                    <a:pt x="31" y="0"/>
-                    <a:pt x="40" y="9"/>
-                    <a:pt x="40" y="20"/>
-                  </a:cubicBezTo>
-                  <a:cubicBezTo>
-                    <a:pt x="40" y="31"/>
-                    <a:pt x="31" y="40"/>
-                    <a:pt x="20" y="40"/>
-                  </a:cubicBezTo>
-                  <a:close/>
-                  <a:moveTo>
-                    <a:pt x="20" y="4"/>
-                  </a:moveTo>
-                  <a:cubicBezTo>
-                    <a:pt x="12" y="4"/>
-                    <a:pt x="4" y="11"/>
-                    <a:pt x="4" y="20"/>
-                  </a:cubicBezTo>
-                  <a:cubicBezTo>
-                    <a:pt x="4" y="29"/>
-                    <a:pt x="12" y="36"/>
-                    <a:pt x="20" y="36"/>
-                  </a:cubicBezTo>
-                  <a:cubicBezTo>
-                    <a:pt x="29" y="36"/>
-                    <a:pt x="36" y="29"/>
-                    <a:pt x="36" y="20"/>
-                  </a:cubicBezTo>
-                  <a:cubicBezTo>
-                    <a:pt x="36" y="11"/>
-                    <a:pt x="29" y="4"/>
-                    <a:pt x="20" y="4"/>
-                  </a:cubicBezTo>
-                  <a:close/>
-                </a:path>
-              </a:pathLst>
-            </a:custGeom>
-            <a:grpFill/>
-            <a:ln>
-              <a:noFill/>
-            </a:ln>
-            <a:extLst>
-              <a:ext uri="{91240B29-F687-4f45-9708-019B960494DF}">
-                <a14:hiddenLine xmlns="" xmlns:a16="http://schemas.microsoft.com/office/drawing/2014/main" xmlns:p14="http://schemas.microsoft.com/office/powerpoint/2010/main" xmlns:a14="http://schemas.microsoft.com/office/drawing/2010/main" w="9525">
-                  <a:solidFill>
-                    <a:srgbClr val="000000"/>
-                  </a:solidFill>
-                  <a:round/>
-                  <a:headEnd/>
-                  <a:tailEnd/>
-                </a14:hiddenLine>
-              </a:ext>
-            </a:extLst>
-          </p:spPr>
-        </p:sp>
-        <p:sp>
-          <p:nvSpPr>
-            <p:cNvPr id="41" name="Freeform 29">
-              <a:extLst>
-                <a:ext uri="{FF2B5EF4-FFF2-40B4-BE49-F238E27FC236}">
-                  <a16:creationId xmlns:a16="http://schemas.microsoft.com/office/drawing/2014/main" id="{D97BC3D3-B1B3-4825-9169-BBEF1DBCF055}"/>
-                </a:ext>
-                <a:ext uri="{C183D7F6-B498-43B3-948B-1728B52AA6E4}">
-                  <adec:decorative xmlns:adec="http://schemas.microsoft.com/office/drawing/2017/decorative" val="1"/>
-                </a:ext>
-              </a:extLst>
-            </p:cNvPr>
-            <p:cNvSpPr>
-              <a:spLocks noEditPoints="1"/>
-            </p:cNvSpPr>
-            <p:nvPr>
-              <p:extLst>
-                <p:ext uri="{386F3935-93C4-4BCD-93E2-E3B085C9AB24}">
-                  <p16:designElem xmlns:p16="http://schemas.microsoft.com/office/powerpoint/2015/main" val="1"/>
-                </p:ext>
-              </p:extLst>
-            </p:nvPr>
-          </p:nvSpPr>
-          <p:spPr bwMode="auto">
-            <a:xfrm>
-              <a:off x="612775" y="5764213"/>
-              <a:ext cx="190500" cy="190500"/>
-            </a:xfrm>
-            <a:custGeom>
-              <a:avLst/>
-              <a:gdLst/>
-              <a:ahLst/>
-              <a:cxnLst/>
-              <a:rect l="0" t="0" r="r" b="b"/>
-              <a:pathLst>
-                <a:path w="40" h="40">
-                  <a:moveTo>
-                    <a:pt x="20" y="40"/>
-                  </a:moveTo>
-                  <a:cubicBezTo>
-                    <a:pt x="9" y="40"/>
-                    <a:pt x="0" y="31"/>
-                    <a:pt x="0" y="20"/>
-                  </a:cubicBezTo>
-                  <a:cubicBezTo>
-                    <a:pt x="0" y="9"/>
-                    <a:pt x="9" y="0"/>
-                    <a:pt x="20" y="0"/>
-                  </a:cubicBezTo>
-                  <a:cubicBezTo>
-                    <a:pt x="31" y="0"/>
-                    <a:pt x="40" y="9"/>
-                    <a:pt x="40" y="20"/>
-                  </a:cubicBezTo>
-                  <a:cubicBezTo>
-                    <a:pt x="40" y="31"/>
-                    <a:pt x="31" y="40"/>
-                    <a:pt x="20" y="40"/>
-                  </a:cubicBezTo>
-                  <a:close/>
-                  <a:moveTo>
-                    <a:pt x="20" y="4"/>
-                  </a:moveTo>
-                  <a:cubicBezTo>
-                    <a:pt x="12" y="4"/>
-                    <a:pt x="4" y="11"/>
-                    <a:pt x="4" y="20"/>
-                  </a:cubicBezTo>
-                  <a:cubicBezTo>
-                    <a:pt x="4" y="29"/>
-                    <a:pt x="12" y="36"/>
-                    <a:pt x="20" y="36"/>
-                  </a:cubicBezTo>
-                  <a:cubicBezTo>
-                    <a:pt x="29" y="36"/>
-                    <a:pt x="36" y="29"/>
-                    <a:pt x="36" y="20"/>
-                  </a:cubicBezTo>
-                  <a:cubicBezTo>
-                    <a:pt x="36" y="11"/>
-                    <a:pt x="29" y="4"/>
-                    <a:pt x="20" y="4"/>
-                  </a:cubicBezTo>
-                  <a:close/>
-                </a:path>
-              </a:pathLst>
-            </a:custGeom>
-            <a:grpFill/>
-            <a:ln>
-              <a:noFill/>
-            </a:ln>
-            <a:extLst>
-              <a:ext uri="{91240B29-F687-4f45-9708-019B960494DF}">
-                <a14:hiddenLine xmlns="" xmlns:a16="http://schemas.microsoft.com/office/drawing/2014/main" xmlns:p14="http://schemas.microsoft.com/office/powerpoint/2010/main" xmlns:a14="http://schemas.microsoft.com/office/drawing/2010/main" w="9525">
-                  <a:solidFill>
-                    <a:srgbClr val="000000"/>
-                  </a:solidFill>
-                  <a:round/>
-                  <a:headEnd/>
-                  <a:tailEnd/>
-                </a14:hiddenLine>
-              </a:ext>
-            </a:extLst>
-          </p:spPr>
-        </p:sp>
-        <p:sp>
-          <p:nvSpPr>
-            <p:cNvPr id="42" name="Freeform 30">
-              <a:extLst>
-                <a:ext uri="{FF2B5EF4-FFF2-40B4-BE49-F238E27FC236}">
-                  <a16:creationId xmlns:a16="http://schemas.microsoft.com/office/drawing/2014/main" id="{A750DC4F-1DAF-470E-98C6-6C68DEB93363}"/>
-                </a:ext>
-                <a:ext uri="{C183D7F6-B498-43B3-948B-1728B52AA6E4}">
-                  <adec:decorative xmlns:adec="http://schemas.microsoft.com/office/drawing/2017/decorative" val="1"/>
-                </a:ext>
-              </a:extLst>
-            </p:cNvPr>
-            <p:cNvSpPr/>
-            <p:nvPr>
-              <p:extLst>
-                <p:ext uri="{386F3935-93C4-4BCD-93E2-E3B085C9AB24}">
-                  <p16:designElem xmlns:p16="http://schemas.microsoft.com/office/powerpoint/2015/main" val="1"/>
-                </p:ext>
-              </p:extLst>
-            </p:nvPr>
-          </p:nvSpPr>
-          <p:spPr bwMode="auto">
-            <a:xfrm>
-              <a:off x="669925" y="6330950"/>
-              <a:ext cx="417513" cy="517525"/>
-            </a:xfrm>
-            <a:custGeom>
-              <a:avLst/>
-              <a:gdLst/>
-              <a:ahLst/>
-              <a:cxnLst/>
-              <a:rect l="0" t="0" r="r" b="b"/>
-              <a:pathLst>
-                <a:path w="263" h="326">
-                  <a:moveTo>
-                    <a:pt x="15" y="326"/>
-                  </a:moveTo>
-                  <a:lnTo>
-                    <a:pt x="0" y="320"/>
-                  </a:lnTo>
-                  <a:lnTo>
-                    <a:pt x="45" y="206"/>
-                  </a:lnTo>
-                  <a:lnTo>
-                    <a:pt x="48" y="206"/>
-                  </a:lnTo>
-                  <a:lnTo>
-                    <a:pt x="254" y="0"/>
-                  </a:lnTo>
-                  <a:lnTo>
-                    <a:pt x="263" y="12"/>
-                  </a:lnTo>
-                  <a:lnTo>
-                    <a:pt x="60" y="215"/>
-                  </a:lnTo>
-                  <a:lnTo>
-                    <a:pt x="15" y="326"/>
-                  </a:lnTo>
-                  <a:close/>
-                </a:path>
-              </a:pathLst>
-            </a:custGeom>
-            <a:grpFill/>
-            <a:ln>
-              <a:noFill/>
-            </a:ln>
-            <a:extLst>
-              <a:ext uri="{91240B29-F687-4f45-9708-019B960494DF}">
-                <a14:hiddenLine xmlns="" xmlns:a16="http://schemas.microsoft.com/office/drawing/2014/main" xmlns:p14="http://schemas.microsoft.com/office/powerpoint/2010/main" xmlns:a14="http://schemas.microsoft.com/office/drawing/2010/main" w="9525">
-                  <a:solidFill>
-                    <a:srgbClr val="000000"/>
-                  </a:solidFill>
-                  <a:round/>
-                  <a:headEnd/>
-                  <a:tailEnd/>
-                </a14:hiddenLine>
-              </a:ext>
-            </a:extLst>
-          </p:spPr>
-        </p:sp>
-        <p:sp>
-          <p:nvSpPr>
-            <p:cNvPr id="43" name="Freeform 31">
-              <a:extLst>
-                <a:ext uri="{FF2B5EF4-FFF2-40B4-BE49-F238E27FC236}">
-                  <a16:creationId xmlns:a16="http://schemas.microsoft.com/office/drawing/2014/main" id="{2F99594A-5BBD-4E10-A818-8BE52B7D952C}"/>
-                </a:ext>
-                <a:ext uri="{C183D7F6-B498-43B3-948B-1728B52AA6E4}">
-                  <adec:decorative xmlns:adec="http://schemas.microsoft.com/office/drawing/2017/decorative" val="1"/>
-                </a:ext>
-              </a:extLst>
-            </p:cNvPr>
-            <p:cNvSpPr>
-              <a:spLocks noEditPoints="1"/>
-            </p:cNvSpPr>
-            <p:nvPr>
-              <p:extLst>
-                <p:ext uri="{386F3935-93C4-4BCD-93E2-E3B085C9AB24}">
-                  <p16:designElem xmlns:p16="http://schemas.microsoft.com/office/powerpoint/2015/main" val="1"/>
-                </p:ext>
-              </p:extLst>
-            </p:nvPr>
-          </p:nvSpPr>
-          <p:spPr bwMode="auto">
-            <a:xfrm>
-              <a:off x="1049337" y="6221413"/>
-              <a:ext cx="157163" cy="147638"/>
-            </a:xfrm>
-            <a:custGeom>
-              <a:avLst/>
-              <a:gdLst/>
-              <a:ahLst/>
-              <a:cxnLst/>
-              <a:rect l="0" t="0" r="r" b="b"/>
-              <a:pathLst>
-                <a:path w="33" h="31">
-                  <a:moveTo>
-                    <a:pt x="16" y="31"/>
-                  </a:moveTo>
-                  <a:cubicBezTo>
-                    <a:pt x="12" y="31"/>
-                    <a:pt x="8" y="29"/>
-                    <a:pt x="5" y="26"/>
-                  </a:cubicBezTo>
-                  <a:cubicBezTo>
-                    <a:pt x="2" y="24"/>
-                    <a:pt x="0" y="20"/>
-                    <a:pt x="0" y="15"/>
-                  </a:cubicBezTo>
-                  <a:cubicBezTo>
-                    <a:pt x="0" y="11"/>
-                    <a:pt x="2" y="7"/>
-                    <a:pt x="5" y="4"/>
-                  </a:cubicBezTo>
-                  <a:cubicBezTo>
-                    <a:pt x="8" y="1"/>
-                    <a:pt x="12" y="0"/>
-                    <a:pt x="16" y="0"/>
-                  </a:cubicBezTo>
-                  <a:cubicBezTo>
-                    <a:pt x="20" y="0"/>
-                    <a:pt x="24" y="1"/>
-                    <a:pt x="27" y="4"/>
-                  </a:cubicBezTo>
-                  <a:cubicBezTo>
-                    <a:pt x="33" y="10"/>
-                    <a:pt x="33" y="20"/>
-                    <a:pt x="27" y="26"/>
-                  </a:cubicBezTo>
-                  <a:cubicBezTo>
-                    <a:pt x="24" y="29"/>
-                    <a:pt x="20" y="31"/>
-                    <a:pt x="16" y="31"/>
-                  </a:cubicBezTo>
-                  <a:close/>
-                  <a:moveTo>
-                    <a:pt x="16" y="4"/>
-                  </a:moveTo>
-                  <a:cubicBezTo>
-                    <a:pt x="13" y="4"/>
-                    <a:pt x="10" y="5"/>
-                    <a:pt x="8" y="7"/>
-                  </a:cubicBezTo>
-                  <a:cubicBezTo>
-                    <a:pt x="6" y="9"/>
-                    <a:pt x="4" y="12"/>
-                    <a:pt x="4" y="15"/>
-                  </a:cubicBezTo>
-                  <a:cubicBezTo>
-                    <a:pt x="4" y="19"/>
-                    <a:pt x="6" y="21"/>
-                    <a:pt x="8" y="24"/>
-                  </a:cubicBezTo>
-                  <a:cubicBezTo>
-                    <a:pt x="10" y="26"/>
-                    <a:pt x="13" y="27"/>
-                    <a:pt x="16" y="27"/>
-                  </a:cubicBezTo>
-                  <a:cubicBezTo>
-                    <a:pt x="19" y="27"/>
-                    <a:pt x="22" y="26"/>
-                    <a:pt x="24" y="24"/>
-                  </a:cubicBezTo>
-                  <a:cubicBezTo>
-                    <a:pt x="29" y="19"/>
-                    <a:pt x="29" y="12"/>
-                    <a:pt x="24" y="7"/>
-                  </a:cubicBezTo>
-                  <a:cubicBezTo>
-                    <a:pt x="22" y="5"/>
-                    <a:pt x="19" y="4"/>
-                    <a:pt x="16" y="4"/>
-                  </a:cubicBezTo>
-                  <a:close/>
-                </a:path>
-              </a:pathLst>
-            </a:custGeom>
-            <a:grpFill/>
-            <a:ln>
-              <a:noFill/>
-            </a:ln>
-            <a:extLst>
-              <a:ext uri="{91240B29-F687-4f45-9708-019B960494DF}">
-                <a14:hiddenLine xmlns="" xmlns:a16="http://schemas.microsoft.com/office/drawing/2014/main" xmlns:p14="http://schemas.microsoft.com/office/powerpoint/2010/main" xmlns:a14="http://schemas.microsoft.com/office/drawing/2010/main" w="9525">
-                  <a:solidFill>
-                    <a:srgbClr val="000000"/>
-                  </a:solidFill>
-                  <a:round/>
-                  <a:headEnd/>
-                  <a:tailEnd/>
-                </a14:hiddenLine>
-              </a:ext>
-            </a:extLst>
-          </p:spPr>
-        </p:sp>
-      </p:grpSp>
-    </p:spTree>
-    <p:extLst>
-      <p:ext uri="{BB962C8B-B14F-4D97-AF65-F5344CB8AC3E}">
-        <p14:creationId xmlns:p14="http://schemas.microsoft.com/office/powerpoint/2010/main" val="3032877061"/>
-      </p:ext>
-    </p:extLst>
-  </p:cSld>
-  <p:clrMapOvr>
-    <a:masterClrMapping/>
-  </p:clrMapOvr>
-</p:sld>
-</file>
-
-<file path=ppt/slides/slide6.xml><?xml version="1.0" encoding="utf-8"?>
-<p:sld xmlns:a="http://schemas.openxmlformats.org/drawingml/2006/main" xmlns:r="http://schemas.openxmlformats.org/officeDocument/2006/relationships" xmlns:p="http://schemas.openxmlformats.org/presentationml/2006/main">
-  <p:cSld>
     <p:spTree>
       <p:nvGrpSpPr>
         <p:cNvPr id="1" name=""/>
@@ -18357,8 +12771,8 @@
         </p:nvSpPr>
         <p:spPr>
           <a:xfrm>
-            <a:off x="2033239" y="2756332"/>
-            <a:ext cx="1162878" cy="523220"/>
+            <a:off x="1598197" y="2847732"/>
+            <a:ext cx="2160863" cy="523220"/>
           </a:xfrm>
           <a:prstGeom prst="rect">
             <a:avLst/>
@@ -18373,7 +12787,7 @@
           <a:p>
             <a:r>
               <a:rPr lang="en-US" sz="2800" dirty="0"/>
-              <a:t>GUI</a:t>
+              <a:t>Application</a:t>
             </a:r>
           </a:p>
         </p:txBody>
@@ -18394,8 +12808,8 @@
         </p:nvCxnSpPr>
         <p:spPr>
           <a:xfrm flipV="1">
-            <a:off x="2920872" y="1945164"/>
-            <a:ext cx="1144232" cy="741057"/>
+            <a:off x="2910163" y="2042793"/>
+            <a:ext cx="1036491" cy="751474"/>
           </a:xfrm>
           <a:prstGeom prst="straightConnector1">
             <a:avLst/>
@@ -18774,8 +13188,8 @@
           <p:nvPr/>
         </p:nvSpPr>
         <p:spPr>
-          <a:xfrm rot="19559117">
-            <a:off x="3206416" y="2204214"/>
+          <a:xfrm rot="19387694">
+            <a:off x="2713795" y="2162915"/>
             <a:ext cx="997226" cy="338554"/>
           </a:xfrm>
           <a:prstGeom prst="rect">
@@ -18867,7 +13281,7 @@
 </p:sld>
 </file>
 
-<file path=ppt/slides/slide7.xml><?xml version="1.0" encoding="utf-8"?>
+<file path=ppt/slides/slide4.xml><?xml version="1.0" encoding="utf-8"?>
 <p:sld xmlns:a="http://schemas.openxmlformats.org/drawingml/2006/main" xmlns:r="http://schemas.openxmlformats.org/officeDocument/2006/relationships" xmlns:p="http://schemas.openxmlformats.org/presentationml/2006/main">
   <p:cSld>
     <p:spTree>
@@ -19005,7 +13419,131 @@
 </p:sld>
 </file>
 
-<file path=ppt/slides/slide8.xml><?xml version="1.0" encoding="utf-8"?>
+<file path=ppt/slides/slide5.xml><?xml version="1.0" encoding="utf-8"?>
+<p:sld xmlns:a="http://schemas.openxmlformats.org/drawingml/2006/main" xmlns:r="http://schemas.openxmlformats.org/officeDocument/2006/relationships" xmlns:p="http://schemas.openxmlformats.org/presentationml/2006/main">
+  <p:cSld>
+    <p:spTree>
+      <p:nvGrpSpPr>
+        <p:cNvPr id="1" name=""/>
+        <p:cNvGrpSpPr/>
+        <p:nvPr/>
+      </p:nvGrpSpPr>
+      <p:grpSpPr>
+        <a:xfrm>
+          <a:off x="0" y="0"/>
+          <a:ext cx="0" cy="0"/>
+          <a:chOff x="0" y="0"/>
+          <a:chExt cx="0" cy="0"/>
+        </a:xfrm>
+      </p:grpSpPr>
+      <p:sp>
+        <p:nvSpPr>
+          <p:cNvPr id="2" name="Title 1">
+            <a:extLst>
+              <a:ext uri="{FF2B5EF4-FFF2-40B4-BE49-F238E27FC236}">
+                <a16:creationId xmlns:a16="http://schemas.microsoft.com/office/drawing/2014/main" id="{E37828EA-BB6F-514B-A445-B68FC1EB6C13}"/>
+              </a:ext>
+            </a:extLst>
+          </p:cNvPr>
+          <p:cNvSpPr>
+            <a:spLocks noGrp="1"/>
+          </p:cNvSpPr>
+          <p:nvPr>
+            <p:ph type="title"/>
+          </p:nvPr>
+        </p:nvSpPr>
+        <p:spPr/>
+        <p:txBody>
+          <a:bodyPr/>
+          <a:lstStyle/>
+          <a:p>
+            <a:r>
+              <a:rPr lang="en-US" dirty="0"/>
+              <a:t>Main functionalities</a:t>
+            </a:r>
+          </a:p>
+        </p:txBody>
+      </p:sp>
+      <p:sp>
+        <p:nvSpPr>
+          <p:cNvPr id="3" name="Content Placeholder 2">
+            <a:extLst>
+              <a:ext uri="{FF2B5EF4-FFF2-40B4-BE49-F238E27FC236}">
+                <a16:creationId xmlns:a16="http://schemas.microsoft.com/office/drawing/2014/main" id="{4CC59B8D-59A8-424E-A6BD-6330C6F53436}"/>
+              </a:ext>
+            </a:extLst>
+          </p:cNvPr>
+          <p:cNvSpPr>
+            <a:spLocks noGrp="1"/>
+          </p:cNvSpPr>
+          <p:nvPr>
+            <p:ph idx="1"/>
+          </p:nvPr>
+        </p:nvSpPr>
+        <p:spPr/>
+        <p:txBody>
+          <a:bodyPr/>
+          <a:lstStyle/>
+          <a:p>
+            <a:r>
+              <a:rPr lang="en-US" dirty="0"/>
+              <a:t>Turn on/off laser diodes</a:t>
+            </a:r>
+          </a:p>
+          <a:p>
+            <a:r>
+              <a:rPr lang="en-US" dirty="0"/>
+              <a:t>Calculate toxicity with different ratio </a:t>
+            </a:r>
+          </a:p>
+          <a:p>
+            <a:r>
+              <a:rPr lang="en-US" dirty="0"/>
+              <a:t>Operation time</a:t>
+            </a:r>
+          </a:p>
+          <a:p>
+            <a:r>
+              <a:rPr lang="en-US" dirty="0"/>
+              <a:t>Diodes feedback(</a:t>
+            </a:r>
+            <a:r>
+              <a:rPr lang="en-US" dirty="0" err="1"/>
+              <a:t>damy</a:t>
+            </a:r>
+            <a:r>
+              <a:rPr lang="en-US" dirty="0"/>
+              <a:t>)</a:t>
+            </a:r>
+          </a:p>
+          <a:p>
+            <a:r>
+              <a:rPr lang="en-US" dirty="0"/>
+              <a:t>Total working hours for laser</a:t>
+            </a:r>
+          </a:p>
+          <a:p>
+            <a:r>
+              <a:rPr lang="en-US" dirty="0"/>
+              <a:t>Doctors profiles and information about operations time</a:t>
+            </a:r>
+          </a:p>
+        </p:txBody>
+      </p:sp>
+    </p:spTree>
+    <p:extLst>
+      <p:ext uri="{BB962C8B-B14F-4D97-AF65-F5344CB8AC3E}">
+        <p14:creationId xmlns:p14="http://schemas.microsoft.com/office/powerpoint/2010/main" val="3222725118"/>
+      </p:ext>
+    </p:extLst>
+  </p:cSld>
+  <p:clrMapOvr>
+    <a:masterClrMapping/>
+  </p:clrMapOvr>
+</p:sld>
+</file>
+
+<file path=ppt/slides/slide6.xml><?xml version="1.0" encoding="utf-8"?>
 <p:sld xmlns:a="http://schemas.openxmlformats.org/drawingml/2006/main" xmlns:r="http://schemas.openxmlformats.org/officeDocument/2006/relationships" xmlns:p="http://schemas.openxmlformats.org/presentationml/2006/main">
   <p:cSld>
     <p:spTree>
@@ -19055,12 +13593,122 @@
           </a:p>
         </p:txBody>
       </p:sp>
+      <p:sp>
+        <p:nvSpPr>
+          <p:cNvPr id="4" name="Content Placeholder 3">
+            <a:extLst>
+              <a:ext uri="{FF2B5EF4-FFF2-40B4-BE49-F238E27FC236}">
+                <a16:creationId xmlns:a16="http://schemas.microsoft.com/office/drawing/2014/main" id="{0398621D-2FC5-D94E-BE1D-0AF447316000}"/>
+              </a:ext>
+            </a:extLst>
+          </p:cNvPr>
+          <p:cNvSpPr>
+            <a:spLocks noGrp="1"/>
+          </p:cNvSpPr>
+          <p:nvPr>
+            <p:ph idx="1"/>
+          </p:nvPr>
+        </p:nvSpPr>
+        <p:spPr/>
+        <p:txBody>
+          <a:bodyPr/>
+          <a:lstStyle/>
+          <a:p>
+            <a:endParaRPr lang="en-US"/>
+          </a:p>
+        </p:txBody>
+      </p:sp>
+      <p:pic>
+        <p:nvPicPr>
+          <p:cNvPr id="6" name="Content Placeholder 4" descr="A screenshot of a cell phone&#10;&#10;Description automatically generated">
+            <a:extLst>
+              <a:ext uri="{FF2B5EF4-FFF2-40B4-BE49-F238E27FC236}">
+                <a16:creationId xmlns:a16="http://schemas.microsoft.com/office/drawing/2014/main" id="{E5A9310E-F8E8-C04C-9B64-929482B20CD3}"/>
+              </a:ext>
+            </a:extLst>
+          </p:cNvPr>
+          <p:cNvPicPr>
+            <a:picLocks noChangeAspect="1"/>
+          </p:cNvPicPr>
+          <p:nvPr/>
+        </p:nvPicPr>
+        <p:blipFill>
+          <a:blip r:embed="rId2"/>
+          <a:stretch>
+            <a:fillRect/>
+          </a:stretch>
+        </p:blipFill>
+        <p:spPr>
+          <a:xfrm>
+            <a:off x="1273430" y="1170331"/>
+            <a:ext cx="9641965" cy="4620869"/>
+          </a:xfrm>
+          <a:prstGeom prst="rect">
+            <a:avLst/>
+          </a:prstGeom>
+        </p:spPr>
+      </p:pic>
+    </p:spTree>
+    <p:extLst>
+      <p:ext uri="{BB962C8B-B14F-4D97-AF65-F5344CB8AC3E}">
+        <p14:creationId xmlns:p14="http://schemas.microsoft.com/office/powerpoint/2010/main" val="380866602"/>
+      </p:ext>
+    </p:extLst>
+  </p:cSld>
+  <p:clrMapOvr>
+    <a:masterClrMapping/>
+  </p:clrMapOvr>
+</p:sld>
+</file>
+
+<file path=ppt/slides/slide7.xml><?xml version="1.0" encoding="utf-8"?>
+<p:sld xmlns:a="http://schemas.openxmlformats.org/drawingml/2006/main" xmlns:r="http://schemas.openxmlformats.org/officeDocument/2006/relationships" xmlns:p="http://schemas.openxmlformats.org/presentationml/2006/main">
+  <p:cSld>
+    <p:spTree>
+      <p:nvGrpSpPr>
+        <p:cNvPr id="1" name=""/>
+        <p:cNvGrpSpPr/>
+        <p:nvPr/>
+      </p:nvGrpSpPr>
+      <p:grpSpPr>
+        <a:xfrm>
+          <a:off x="0" y="0"/>
+          <a:ext cx="0" cy="0"/>
+          <a:chOff x="0" y="0"/>
+          <a:chExt cx="0" cy="0"/>
+        </a:xfrm>
+      </p:grpSpPr>
+      <p:sp>
+        <p:nvSpPr>
+          <p:cNvPr id="2" name="Title 1">
+            <a:extLst>
+              <a:ext uri="{FF2B5EF4-FFF2-40B4-BE49-F238E27FC236}">
+                <a16:creationId xmlns:a16="http://schemas.microsoft.com/office/drawing/2014/main" id="{FF16B88A-E4F8-2E4B-8401-CF91A4FC9690}"/>
+              </a:ext>
+            </a:extLst>
+          </p:cNvPr>
+          <p:cNvSpPr>
+            <a:spLocks noGrp="1"/>
+          </p:cNvSpPr>
+          <p:nvPr>
+            <p:ph type="title"/>
+          </p:nvPr>
+        </p:nvSpPr>
+        <p:spPr/>
+        <p:txBody>
+          <a:bodyPr/>
+          <a:lstStyle/>
+          <a:p>
+            <a:endParaRPr lang="en-US"/>
+          </a:p>
+        </p:txBody>
+      </p:sp>
       <p:pic>
         <p:nvPicPr>
           <p:cNvPr id="5" name="Content Placeholder 4" descr="A screenshot of a cell phone&#10;&#10;Description automatically generated">
             <a:extLst>
               <a:ext uri="{FF2B5EF4-FFF2-40B4-BE49-F238E27FC236}">
-                <a16:creationId xmlns:a16="http://schemas.microsoft.com/office/drawing/2014/main" id="{D4EE14AC-5511-7643-A0F5-EB68E351EC44}"/>
+                <a16:creationId xmlns:a16="http://schemas.microsoft.com/office/drawing/2014/main" id="{91704399-4172-B14D-A049-2105E6870432}"/>
               </a:ext>
             </a:extLst>
           </p:cNvPr>
@@ -19079,15 +13727,183 @@
         </p:blipFill>
         <p:spPr>
           <a:xfrm>
-            <a:off x="130337" y="1009135"/>
-            <a:ext cx="11931326" cy="4839729"/>
+            <a:off x="398027" y="1149178"/>
+            <a:ext cx="11392770" cy="4184822"/>
           </a:xfrm>
         </p:spPr>
       </p:pic>
     </p:spTree>
     <p:extLst>
       <p:ext uri="{BB962C8B-B14F-4D97-AF65-F5344CB8AC3E}">
-        <p14:creationId xmlns:p14="http://schemas.microsoft.com/office/powerpoint/2010/main" val="380866602"/>
+        <p14:creationId xmlns:p14="http://schemas.microsoft.com/office/powerpoint/2010/main" val="2463879248"/>
+      </p:ext>
+    </p:extLst>
+  </p:cSld>
+  <p:clrMapOvr>
+    <a:masterClrMapping/>
+  </p:clrMapOvr>
+</p:sld>
+</file>
+
+<file path=ppt/slides/slide8.xml><?xml version="1.0" encoding="utf-8"?>
+<p:sld xmlns:a="http://schemas.openxmlformats.org/drawingml/2006/main" xmlns:r="http://schemas.openxmlformats.org/officeDocument/2006/relationships" xmlns:p="http://schemas.openxmlformats.org/presentationml/2006/main">
+  <p:cSld>
+    <p:spTree>
+      <p:nvGrpSpPr>
+        <p:cNvPr id="1" name=""/>
+        <p:cNvGrpSpPr/>
+        <p:nvPr/>
+      </p:nvGrpSpPr>
+      <p:grpSpPr>
+        <a:xfrm>
+          <a:off x="0" y="0"/>
+          <a:ext cx="0" cy="0"/>
+          <a:chOff x="0" y="0"/>
+          <a:chExt cx="0" cy="0"/>
+        </a:xfrm>
+      </p:grpSpPr>
+      <p:sp>
+        <p:nvSpPr>
+          <p:cNvPr id="2" name="Title 1">
+            <a:extLst>
+              <a:ext uri="{FF2B5EF4-FFF2-40B4-BE49-F238E27FC236}">
+                <a16:creationId xmlns:a16="http://schemas.microsoft.com/office/drawing/2014/main" id="{465C9954-A943-8345-B866-1D9C7E5AB99D}"/>
+              </a:ext>
+            </a:extLst>
+          </p:cNvPr>
+          <p:cNvSpPr>
+            <a:spLocks noGrp="1"/>
+          </p:cNvSpPr>
+          <p:nvPr>
+            <p:ph type="title"/>
+          </p:nvPr>
+        </p:nvSpPr>
+        <p:spPr/>
+        <p:txBody>
+          <a:bodyPr/>
+          <a:lstStyle/>
+          <a:p>
+            <a:endParaRPr lang="en-US"/>
+          </a:p>
+        </p:txBody>
+      </p:sp>
+      <p:pic>
+        <p:nvPicPr>
+          <p:cNvPr id="5" name="Content Placeholder 4" descr="A screenshot of a cell phone&#10;&#10;Description automatically generated">
+            <a:extLst>
+              <a:ext uri="{FF2B5EF4-FFF2-40B4-BE49-F238E27FC236}">
+                <a16:creationId xmlns:a16="http://schemas.microsoft.com/office/drawing/2014/main" id="{D0266F8F-A54B-FE4A-B7FF-F98DB86B3F66}"/>
+              </a:ext>
+            </a:extLst>
+          </p:cNvPr>
+          <p:cNvPicPr>
+            <a:picLocks noGrp="1" noChangeAspect="1"/>
+          </p:cNvPicPr>
+          <p:nvPr>
+            <p:ph idx="1"/>
+          </p:nvPr>
+        </p:nvPicPr>
+        <p:blipFill>
+          <a:blip r:embed="rId2"/>
+          <a:stretch>
+            <a:fillRect/>
+          </a:stretch>
+        </p:blipFill>
+        <p:spPr>
+          <a:xfrm>
+            <a:off x="477280" y="1100309"/>
+            <a:ext cx="11234263" cy="4126599"/>
+          </a:xfrm>
+        </p:spPr>
+      </p:pic>
+    </p:spTree>
+    <p:extLst>
+      <p:ext uri="{BB962C8B-B14F-4D97-AF65-F5344CB8AC3E}">
+        <p14:creationId xmlns:p14="http://schemas.microsoft.com/office/powerpoint/2010/main" val="2298321969"/>
+      </p:ext>
+    </p:extLst>
+  </p:cSld>
+  <p:clrMapOvr>
+    <a:masterClrMapping/>
+  </p:clrMapOvr>
+</p:sld>
+</file>
+
+<file path=ppt/slides/slide9.xml><?xml version="1.0" encoding="utf-8"?>
+<p:sld xmlns:a="http://schemas.openxmlformats.org/drawingml/2006/main" xmlns:r="http://schemas.openxmlformats.org/officeDocument/2006/relationships" xmlns:p="http://schemas.openxmlformats.org/presentationml/2006/main">
+  <p:cSld>
+    <p:spTree>
+      <p:nvGrpSpPr>
+        <p:cNvPr id="1" name=""/>
+        <p:cNvGrpSpPr/>
+        <p:nvPr/>
+      </p:nvGrpSpPr>
+      <p:grpSpPr>
+        <a:xfrm>
+          <a:off x="0" y="0"/>
+          <a:ext cx="0" cy="0"/>
+          <a:chOff x="0" y="0"/>
+          <a:chExt cx="0" cy="0"/>
+        </a:xfrm>
+      </p:grpSpPr>
+      <p:sp>
+        <p:nvSpPr>
+          <p:cNvPr id="2" name="Title 1">
+            <a:extLst>
+              <a:ext uri="{FF2B5EF4-FFF2-40B4-BE49-F238E27FC236}">
+                <a16:creationId xmlns:a16="http://schemas.microsoft.com/office/drawing/2014/main" id="{7B0DEBE2-F107-1E41-9F00-42CD8F92EF42}"/>
+              </a:ext>
+            </a:extLst>
+          </p:cNvPr>
+          <p:cNvSpPr>
+            <a:spLocks noGrp="1"/>
+          </p:cNvSpPr>
+          <p:nvPr>
+            <p:ph type="title"/>
+          </p:nvPr>
+        </p:nvSpPr>
+        <p:spPr/>
+        <p:txBody>
+          <a:bodyPr/>
+          <a:lstStyle/>
+          <a:p>
+            <a:endParaRPr lang="en-US"/>
+          </a:p>
+        </p:txBody>
+      </p:sp>
+      <p:pic>
+        <p:nvPicPr>
+          <p:cNvPr id="8" name="Content Placeholder 7" descr="A screenshot of a cell phone&#10;&#10;Description automatically generated">
+            <a:extLst>
+              <a:ext uri="{FF2B5EF4-FFF2-40B4-BE49-F238E27FC236}">
+                <a16:creationId xmlns:a16="http://schemas.microsoft.com/office/drawing/2014/main" id="{9239D0F5-8E94-8C4B-ABD0-51E94DB85D6F}"/>
+              </a:ext>
+            </a:extLst>
+          </p:cNvPr>
+          <p:cNvPicPr>
+            <a:picLocks noGrp="1" noChangeAspect="1"/>
+          </p:cNvPicPr>
+          <p:nvPr>
+            <p:ph idx="1"/>
+          </p:nvPr>
+        </p:nvPicPr>
+        <p:blipFill>
+          <a:blip r:embed="rId2"/>
+          <a:stretch>
+            <a:fillRect/>
+          </a:stretch>
+        </p:blipFill>
+        <p:spPr>
+          <a:xfrm>
+            <a:off x="537755" y="1357803"/>
+            <a:ext cx="11113314" cy="3439361"/>
+          </a:xfrm>
+        </p:spPr>
+      </p:pic>
+    </p:spTree>
+    <p:extLst>
+      <p:ext uri="{BB962C8B-B14F-4D97-AF65-F5344CB8AC3E}">
+        <p14:creationId xmlns:p14="http://schemas.microsoft.com/office/powerpoint/2010/main" val="1697017272"/>
       </p:ext>
     </p:extLst>
   </p:cSld>
